--- a/Presentacion Terminada.pptx
+++ b/Presentacion Terminada.pptx
@@ -30,12 +30,6 @@
     <p:sldId id="275" r:id="rId26"/>
     <p:sldId id="276" r:id="rId27"/>
     <p:sldId id="277" r:id="rId28"/>
-    <p:sldId id="278" r:id="rId29"/>
-    <p:sldId id="279" r:id="rId30"/>
-    <p:sldId id="280" r:id="rId31"/>
-    <p:sldId id="281" r:id="rId32"/>
-    <p:sldId id="282" r:id="rId33"/>
-    <p:sldId id="283" r:id="rId34"/>
   </p:sldIdLst>
   <p:sldSz cx="9144000" cy="6858000" type="screen4x3"/>
   <p:notesSz cx="6858000" cy="9144000"/>
@@ -137,37 +131,27 @@
   <p:extLst>
     <p:ext uri="{EFAFB233-063F-42B5-8137-9DF3F51BA10A}">
       <p15:sldGuideLst xmlns:p15="http://schemas.microsoft.com/office/powerpoint/2012/main">
-        <p15:guide id="1" orient="horz" pos="1706" userDrawn="1">
+        <p15:guide id="1" orient="horz" pos="3816" userDrawn="1">
           <p15:clr>
             <a:srgbClr val="A4A3A4"/>
           </p15:clr>
         </p15:guide>
-        <p15:guide id="2" pos="2880" userDrawn="1">
+        <p15:guide id="2" orient="horz" pos="754" userDrawn="1">
           <p15:clr>
             <a:srgbClr val="A4A3A4"/>
           </p15:clr>
         </p15:guide>
-        <p15:guide id="3" orient="horz" pos="3385" userDrawn="1">
+        <p15:guide id="3" pos="317" userDrawn="1">
           <p15:clr>
             <a:srgbClr val="A4A3A4"/>
           </p15:clr>
         </p15:guide>
-        <p15:guide id="4" pos="295" userDrawn="1">
+        <p15:guide id="4" pos="5488" userDrawn="1">
           <p15:clr>
             <a:srgbClr val="A4A3A4"/>
           </p15:clr>
         </p15:guide>
-        <p15:guide id="5" orient="horz" pos="754" userDrawn="1">
-          <p15:clr>
-            <a:srgbClr val="A4A3A4"/>
-          </p15:clr>
-        </p15:guide>
-        <p15:guide id="6" pos="5329" userDrawn="1">
-          <p15:clr>
-            <a:srgbClr val="A4A3A4"/>
-          </p15:clr>
-        </p15:guide>
-        <p15:guide id="7" pos="930" userDrawn="1">
+        <p15:guide id="5" pos="3356" userDrawn="1">
           <p15:clr>
             <a:srgbClr val="A4A3A4"/>
           </p15:clr>
@@ -258,7 +242,7 @@
             </a:lvl1pPr>
           </a:lstStyle>
           <a:p>
-            <a:fld id="{9788CE07-EA69-614D-85EA-D681D11087EE}" type="datetimeFigureOut">
+            <a:fld id="{64C7C0CB-61BA-9046-A1DF-7284E38B9F80}" type="datetimeFigureOut">
               <a:rPr lang="es-PA" smtClean="0"/>
               <a:t>18/8/20</a:t>
             </a:fld>
@@ -322,38 +306,13 @@
           <a:bodyPr vert="horz" lIns="91440" tIns="45720" rIns="91440" bIns="45720" rtlCol="0"/>
           <a:lstStyle/>
           <a:p>
-            <a:pPr lvl="0"/>
             <a:r>
               <a:rPr lang="es-ES"/>
-              <a:t>Haga clic para modificar los estilos de texto del patrón</a:t>
-            </a:r>
-          </a:p>
-          <a:p>
-            <a:pPr lvl="1"/>
-            <a:r>
-              <a:rPr lang="es-ES"/>
-              <a:t>Segundo nivel</a:t>
-            </a:r>
-          </a:p>
-          <a:p>
-            <a:pPr lvl="2"/>
-            <a:r>
-              <a:rPr lang="es-ES"/>
-              <a:t>Tercer nivel</a:t>
-            </a:r>
-          </a:p>
-          <a:p>
-            <a:pPr lvl="3"/>
-            <a:r>
-              <a:rPr lang="es-ES"/>
-              <a:t>Cuarto nivel</a:t>
-            </a:r>
-          </a:p>
-          <a:p>
-            <a:pPr lvl="4"/>
-            <a:r>
-              <a:rPr lang="es-ES"/>
-              <a:t>Quinto nivel</a:t>
+              <a:t>Editar los estilos de texto del patrón
+Segundo nivel
+Tercer nivel
+Cuarto nivel
+Quinto nivel</a:t>
             </a:r>
             <a:endParaRPr lang="es-PA"/>
           </a:p>
@@ -417,7 +376,7 @@
             </a:lvl1pPr>
           </a:lstStyle>
           <a:p>
-            <a:fld id="{DF4AD035-8AED-F44F-B2ED-91ED0E5A0587}" type="slidenum">
+            <a:fld id="{FEA34996-0C3A-DE45-9F06-032C7EBD398E}" type="slidenum">
               <a:rPr lang="es-PA" smtClean="0"/>
               <a:t>‹#›</a:t>
             </a:fld>
@@ -428,7 +387,7 @@
     </p:spTree>
     <p:extLst>
       <p:ext uri="{BB962C8B-B14F-4D97-AF65-F5344CB8AC3E}">
-        <p14:creationId xmlns:p14="http://schemas.microsoft.com/office/powerpoint/2010/main" val="4229063459"/>
+        <p14:creationId xmlns:p14="http://schemas.microsoft.com/office/powerpoint/2010/main" val="2773770467"/>
       </p:ext>
     </p:extLst>
   </p:cSld>
@@ -657,7 +616,7 @@
           <a:bodyPr/>
           <a:lstStyle/>
           <a:p>
-            <a:fld id="{D9AE8A25-F16C-694E-87BC-D715F3F1374D}" type="datetimeFigureOut">
+            <a:fld id="{BFB120B0-2BAF-C849-945E-F9FEF71CE641}" type="datetimeFigureOut">
               <a:rPr lang="es-PA" smtClean="0"/>
               <a:t>18/8/20</a:t>
             </a:fld>
@@ -699,7 +658,7 @@
           <a:bodyPr/>
           <a:lstStyle/>
           <a:p>
-            <a:fld id="{7B255036-AECB-CD49-A457-9AA5499F7B4D}" type="slidenum">
+            <a:fld id="{99296C9A-B325-0843-9242-79B54DC37190}" type="slidenum">
               <a:rPr lang="es-PA" smtClean="0"/>
               <a:t>‹#›</a:t>
             </a:fld>
@@ -710,7 +669,7 @@
     </p:spTree>
     <p:extLst>
       <p:ext uri="{BB962C8B-B14F-4D97-AF65-F5344CB8AC3E}">
-        <p14:creationId xmlns:p14="http://schemas.microsoft.com/office/powerpoint/2010/main" val="3756541790"/>
+        <p14:creationId xmlns:p14="http://schemas.microsoft.com/office/powerpoint/2010/main" val="445785274"/>
       </p:ext>
     </p:extLst>
   </p:cSld>
@@ -803,7 +762,7 @@
           <a:bodyPr/>
           <a:lstStyle/>
           <a:p>
-            <a:fld id="{D9AE8A25-F16C-694E-87BC-D715F3F1374D}" type="datetimeFigureOut">
+            <a:fld id="{BFB120B0-2BAF-C849-945E-F9FEF71CE641}" type="datetimeFigureOut">
               <a:rPr lang="es-PA" smtClean="0"/>
               <a:t>18/8/20</a:t>
             </a:fld>
@@ -845,7 +804,7 @@
           <a:bodyPr/>
           <a:lstStyle/>
           <a:p>
-            <a:fld id="{7B255036-AECB-CD49-A457-9AA5499F7B4D}" type="slidenum">
+            <a:fld id="{99296C9A-B325-0843-9242-79B54DC37190}" type="slidenum">
               <a:rPr lang="es-PA" smtClean="0"/>
               <a:t>‹#›</a:t>
             </a:fld>
@@ -856,7 +815,7 @@
     </p:spTree>
     <p:extLst>
       <p:ext uri="{BB962C8B-B14F-4D97-AF65-F5344CB8AC3E}">
-        <p14:creationId xmlns:p14="http://schemas.microsoft.com/office/powerpoint/2010/main" val="1853103103"/>
+        <p14:creationId xmlns:p14="http://schemas.microsoft.com/office/powerpoint/2010/main" val="378179947"/>
       </p:ext>
     </p:extLst>
   </p:cSld>
@@ -959,7 +918,7 @@
           <a:bodyPr/>
           <a:lstStyle/>
           <a:p>
-            <a:fld id="{D9AE8A25-F16C-694E-87BC-D715F3F1374D}" type="datetimeFigureOut">
+            <a:fld id="{BFB120B0-2BAF-C849-945E-F9FEF71CE641}" type="datetimeFigureOut">
               <a:rPr lang="es-PA" smtClean="0"/>
               <a:t>18/8/20</a:t>
             </a:fld>
@@ -1001,7 +960,7 @@
           <a:bodyPr/>
           <a:lstStyle/>
           <a:p>
-            <a:fld id="{7B255036-AECB-CD49-A457-9AA5499F7B4D}" type="slidenum">
+            <a:fld id="{99296C9A-B325-0843-9242-79B54DC37190}" type="slidenum">
               <a:rPr lang="es-PA" smtClean="0"/>
               <a:t>‹#›</a:t>
             </a:fld>
@@ -1012,7 +971,7 @@
     </p:spTree>
     <p:extLst>
       <p:ext uri="{BB962C8B-B14F-4D97-AF65-F5344CB8AC3E}">
-        <p14:creationId xmlns:p14="http://schemas.microsoft.com/office/powerpoint/2010/main" val="744412465"/>
+        <p14:creationId xmlns:p14="http://schemas.microsoft.com/office/powerpoint/2010/main" val="1629522331"/>
       </p:ext>
     </p:extLst>
   </p:cSld>
@@ -1105,7 +1064,7 @@
           <a:bodyPr/>
           <a:lstStyle/>
           <a:p>
-            <a:fld id="{D9AE8A25-F16C-694E-87BC-D715F3F1374D}" type="datetimeFigureOut">
+            <a:fld id="{BFB120B0-2BAF-C849-945E-F9FEF71CE641}" type="datetimeFigureOut">
               <a:rPr lang="es-PA" smtClean="0"/>
               <a:t>18/8/20</a:t>
             </a:fld>
@@ -1147,7 +1106,7 @@
           <a:bodyPr/>
           <a:lstStyle/>
           <a:p>
-            <a:fld id="{7B255036-AECB-CD49-A457-9AA5499F7B4D}" type="slidenum">
+            <a:fld id="{99296C9A-B325-0843-9242-79B54DC37190}" type="slidenum">
               <a:rPr lang="es-PA" smtClean="0"/>
               <a:t>‹#›</a:t>
             </a:fld>
@@ -1158,7 +1117,7 @@
     </p:spTree>
     <p:extLst>
       <p:ext uri="{BB962C8B-B14F-4D97-AF65-F5344CB8AC3E}">
-        <p14:creationId xmlns:p14="http://schemas.microsoft.com/office/powerpoint/2010/main" val="184996177"/>
+        <p14:creationId xmlns:p14="http://schemas.microsoft.com/office/powerpoint/2010/main" val="3727865845"/>
       </p:ext>
     </p:extLst>
   </p:cSld>
@@ -1354,7 +1313,7 @@
           <a:bodyPr/>
           <a:lstStyle/>
           <a:p>
-            <a:fld id="{D9AE8A25-F16C-694E-87BC-D715F3F1374D}" type="datetimeFigureOut">
+            <a:fld id="{BFB120B0-2BAF-C849-945E-F9FEF71CE641}" type="datetimeFigureOut">
               <a:rPr lang="es-PA" smtClean="0"/>
               <a:t>18/8/20</a:t>
             </a:fld>
@@ -1396,7 +1355,7 @@
           <a:bodyPr/>
           <a:lstStyle/>
           <a:p>
-            <a:fld id="{7B255036-AECB-CD49-A457-9AA5499F7B4D}" type="slidenum">
+            <a:fld id="{99296C9A-B325-0843-9242-79B54DC37190}" type="slidenum">
               <a:rPr lang="es-PA" smtClean="0"/>
               <a:t>‹#›</a:t>
             </a:fld>
@@ -1407,7 +1366,7 @@
     </p:spTree>
     <p:extLst>
       <p:ext uri="{BB962C8B-B14F-4D97-AF65-F5344CB8AC3E}">
-        <p14:creationId xmlns:p14="http://schemas.microsoft.com/office/powerpoint/2010/main" val="365411084"/>
+        <p14:creationId xmlns:p14="http://schemas.microsoft.com/office/powerpoint/2010/main" val="2134298020"/>
       </p:ext>
     </p:extLst>
   </p:cSld>
@@ -1447,15 +1406,7 @@
         <p:spPr/>
         <p:txBody>
           <a:bodyPr/>
-          <a:lstStyle>
-            <a:lvl1pPr>
-              <a:defRPr>
-                <a:solidFill>
-                  <a:srgbClr val="FF0000"/>
-                </a:solidFill>
-              </a:defRPr>
-            </a:lvl1pPr>
-          </a:lstStyle>
+          <a:lstStyle/>
           <a:p>
             <a:r>
               <a:rPr lang="es-ES" dirty="0"/>
@@ -1482,13 +1433,11 @@
           </a:xfrm>
         </p:spPr>
         <p:txBody>
-          <a:bodyPr>
-            <a:normAutofit/>
-          </a:bodyPr>
+          <a:bodyPr/>
           <a:lstStyle>
             <a:lvl1pPr marL="0" indent="0">
               <a:buNone/>
-              <a:defRPr sz="1600"/>
+              <a:defRPr/>
             </a:lvl1pPr>
           </a:lstStyle>
           <a:p>
@@ -1512,7 +1461,7 @@
           <a:bodyPr/>
           <a:lstStyle/>
           <a:p>
-            <a:fld id="{D9AE8A25-F16C-694E-87BC-D715F3F1374D}" type="datetimeFigureOut">
+            <a:fld id="{BFB120B0-2BAF-C849-945E-F9FEF71CE641}" type="datetimeFigureOut">
               <a:rPr lang="es-PA" smtClean="0"/>
               <a:t>18/8/20</a:t>
             </a:fld>
@@ -1554,7 +1503,7 @@
           <a:bodyPr/>
           <a:lstStyle/>
           <a:p>
-            <a:fld id="{7B255036-AECB-CD49-A457-9AA5499F7B4D}" type="slidenum">
+            <a:fld id="{99296C9A-B325-0843-9242-79B54DC37190}" type="slidenum">
               <a:rPr lang="es-PA" smtClean="0"/>
               <a:t>‹#›</a:t>
             </a:fld>
@@ -1567,7 +1516,7 @@
           <p:cNvPr id="8" name="Content Placeholder 7">
             <a:extLst>
               <a:ext uri="{FF2B5EF4-FFF2-40B4-BE49-F238E27FC236}">
-                <a16:creationId xmlns:a16="http://schemas.microsoft.com/office/drawing/2014/main" id="{CB786883-7310-46AE-8C14-C9B645E8EBA5}"/>
+                <a16:creationId xmlns:a16="http://schemas.microsoft.com/office/drawing/2014/main" id="{E705C236-62EA-455A-9776-025843DE1968}"/>
               </a:ext>
             </a:extLst>
           </p:cNvPr>
@@ -1580,8 +1529,8 @@
         </p:nvSpPr>
         <p:spPr>
           <a:xfrm>
-            <a:off x="4710113" y="5624513"/>
-            <a:ext cx="4313237" cy="638175"/>
+            <a:off x="5227638" y="5597525"/>
+            <a:ext cx="3787775" cy="579438"/>
           </a:xfrm>
         </p:spPr>
         <p:txBody>
@@ -1603,7 +1552,7 @@
     </p:spTree>
     <p:extLst>
       <p:ext uri="{BB962C8B-B14F-4D97-AF65-F5344CB8AC3E}">
-        <p14:creationId xmlns:p14="http://schemas.microsoft.com/office/powerpoint/2010/main" val="939486565"/>
+        <p14:creationId xmlns:p14="http://schemas.microsoft.com/office/powerpoint/2010/main" val="3923843314"/>
       </p:ext>
     </p:extLst>
   </p:cSld>
@@ -1879,7 +1828,7 @@
           <a:bodyPr/>
           <a:lstStyle/>
           <a:p>
-            <a:fld id="{D9AE8A25-F16C-694E-87BC-D715F3F1374D}" type="datetimeFigureOut">
+            <a:fld id="{BFB120B0-2BAF-C849-945E-F9FEF71CE641}" type="datetimeFigureOut">
               <a:rPr lang="es-PA" smtClean="0"/>
               <a:t>18/8/20</a:t>
             </a:fld>
@@ -1921,7 +1870,7 @@
           <a:bodyPr/>
           <a:lstStyle/>
           <a:p>
-            <a:fld id="{7B255036-AECB-CD49-A457-9AA5499F7B4D}" type="slidenum">
+            <a:fld id="{99296C9A-B325-0843-9242-79B54DC37190}" type="slidenum">
               <a:rPr lang="es-PA" smtClean="0"/>
               <a:t>‹#›</a:t>
             </a:fld>
@@ -1932,7 +1881,7 @@
     </p:spTree>
     <p:extLst>
       <p:ext uri="{BB962C8B-B14F-4D97-AF65-F5344CB8AC3E}">
-        <p14:creationId xmlns:p14="http://schemas.microsoft.com/office/powerpoint/2010/main" val="654832079"/>
+        <p14:creationId xmlns:p14="http://schemas.microsoft.com/office/powerpoint/2010/main" val="1674713275"/>
       </p:ext>
     </p:extLst>
   </p:cSld>
@@ -1997,7 +1946,7 @@
           <a:bodyPr/>
           <a:lstStyle/>
           <a:p>
-            <a:fld id="{D9AE8A25-F16C-694E-87BC-D715F3F1374D}" type="datetimeFigureOut">
+            <a:fld id="{BFB120B0-2BAF-C849-945E-F9FEF71CE641}" type="datetimeFigureOut">
               <a:rPr lang="es-PA" smtClean="0"/>
               <a:t>18/8/20</a:t>
             </a:fld>
@@ -2039,7 +1988,7 @@
           <a:bodyPr/>
           <a:lstStyle/>
           <a:p>
-            <a:fld id="{7B255036-AECB-CD49-A457-9AA5499F7B4D}" type="slidenum">
+            <a:fld id="{99296C9A-B325-0843-9242-79B54DC37190}" type="slidenum">
               <a:rPr lang="es-PA" smtClean="0"/>
               <a:t>‹#›</a:t>
             </a:fld>
@@ -2050,7 +1999,7 @@
     </p:spTree>
     <p:extLst>
       <p:ext uri="{BB962C8B-B14F-4D97-AF65-F5344CB8AC3E}">
-        <p14:creationId xmlns:p14="http://schemas.microsoft.com/office/powerpoint/2010/main" val="3128982054"/>
+        <p14:creationId xmlns:p14="http://schemas.microsoft.com/office/powerpoint/2010/main" val="3514288925"/>
       </p:ext>
     </p:extLst>
   </p:cSld>
@@ -2092,7 +2041,7 @@
           <a:bodyPr/>
           <a:lstStyle/>
           <a:p>
-            <a:fld id="{D9AE8A25-F16C-694E-87BC-D715F3F1374D}" type="datetimeFigureOut">
+            <a:fld id="{BFB120B0-2BAF-C849-945E-F9FEF71CE641}" type="datetimeFigureOut">
               <a:rPr lang="es-PA" smtClean="0"/>
               <a:t>18/8/20</a:t>
             </a:fld>
@@ -2134,7 +2083,7 @@
           <a:bodyPr/>
           <a:lstStyle/>
           <a:p>
-            <a:fld id="{7B255036-AECB-CD49-A457-9AA5499F7B4D}" type="slidenum">
+            <a:fld id="{99296C9A-B325-0843-9242-79B54DC37190}" type="slidenum">
               <a:rPr lang="es-PA" smtClean="0"/>
               <a:t>‹#›</a:t>
             </a:fld>
@@ -2145,7 +2094,7 @@
     </p:spTree>
     <p:extLst>
       <p:ext uri="{BB962C8B-B14F-4D97-AF65-F5344CB8AC3E}">
-        <p14:creationId xmlns:p14="http://schemas.microsoft.com/office/powerpoint/2010/main" val="1789580305"/>
+        <p14:creationId xmlns:p14="http://schemas.microsoft.com/office/powerpoint/2010/main" val="1307836923"/>
       </p:ext>
     </p:extLst>
   </p:cSld>
@@ -2350,7 +2299,7 @@
           <a:bodyPr/>
           <a:lstStyle/>
           <a:p>
-            <a:fld id="{D9AE8A25-F16C-694E-87BC-D715F3F1374D}" type="datetimeFigureOut">
+            <a:fld id="{BFB120B0-2BAF-C849-945E-F9FEF71CE641}" type="datetimeFigureOut">
               <a:rPr lang="es-PA" smtClean="0"/>
               <a:t>18/8/20</a:t>
             </a:fld>
@@ -2392,7 +2341,7 @@
           <a:bodyPr/>
           <a:lstStyle/>
           <a:p>
-            <a:fld id="{7B255036-AECB-CD49-A457-9AA5499F7B4D}" type="slidenum">
+            <a:fld id="{99296C9A-B325-0843-9242-79B54DC37190}" type="slidenum">
               <a:rPr lang="es-PA" smtClean="0"/>
               <a:t>‹#›</a:t>
             </a:fld>
@@ -2403,7 +2352,7 @@
     </p:spTree>
     <p:extLst>
       <p:ext uri="{BB962C8B-B14F-4D97-AF65-F5344CB8AC3E}">
-        <p14:creationId xmlns:p14="http://schemas.microsoft.com/office/powerpoint/2010/main" val="925072056"/>
+        <p14:creationId xmlns:p14="http://schemas.microsoft.com/office/powerpoint/2010/main" val="4153639901"/>
       </p:ext>
     </p:extLst>
   </p:cSld>
@@ -2523,7 +2472,7 @@
               <a:rPr lang="es-ES"/>
               <a:t>Haga clic en el icono para agregar una imagen</a:t>
             </a:r>
-            <a:endParaRPr lang="en-US" dirty="0"/>
+            <a:endParaRPr lang="en-US"/>
           </a:p>
         </p:txBody>
       </p:sp>
@@ -2612,7 +2561,7 @@
           <a:bodyPr/>
           <a:lstStyle/>
           <a:p>
-            <a:fld id="{D9AE8A25-F16C-694E-87BC-D715F3F1374D}" type="datetimeFigureOut">
+            <a:fld id="{BFB120B0-2BAF-C849-945E-F9FEF71CE641}" type="datetimeFigureOut">
               <a:rPr lang="es-PA" smtClean="0"/>
               <a:t>18/8/20</a:t>
             </a:fld>
@@ -2654,7 +2603,7 @@
           <a:bodyPr/>
           <a:lstStyle/>
           <a:p>
-            <a:fld id="{7B255036-AECB-CD49-A457-9AA5499F7B4D}" type="slidenum">
+            <a:fld id="{99296C9A-B325-0843-9242-79B54DC37190}" type="slidenum">
               <a:rPr lang="es-PA" smtClean="0"/>
               <a:t>‹#›</a:t>
             </a:fld>
@@ -2665,7 +2614,7 @@
     </p:spTree>
     <p:extLst>
       <p:ext uri="{BB962C8B-B14F-4D97-AF65-F5344CB8AC3E}">
-        <p14:creationId xmlns:p14="http://schemas.microsoft.com/office/powerpoint/2010/main" val="1767776357"/>
+        <p14:creationId xmlns:p14="http://schemas.microsoft.com/office/powerpoint/2010/main" val="146387613"/>
       </p:ext>
     </p:extLst>
   </p:cSld>
@@ -2681,8 +2630,13 @@
     <p:bg>
       <p:bgPr>
         <a:blipFill dpi="0" rotWithShape="1">
-          <a:blip r:embed="rId13">
+          <a:blip r:embed="rId13" cstate="email">
             <a:lum/>
+            <a:extLst>
+              <a:ext uri="{28A0092B-C50C-407E-A947-70E740481C1C}">
+                <a14:useLocalDpi xmlns:a14="http://schemas.microsoft.com/office/drawing/2010/main"/>
+              </a:ext>
+            </a:extLst>
           </a:blip>
           <a:srcRect/>
           <a:stretch>
@@ -2810,7 +2764,7 @@
             </a:lvl1pPr>
           </a:lstStyle>
           <a:p>
-            <a:fld id="{D9AE8A25-F16C-694E-87BC-D715F3F1374D}" type="datetimeFigureOut">
+            <a:fld id="{BFB120B0-2BAF-C849-945E-F9FEF71CE641}" type="datetimeFigureOut">
               <a:rPr lang="es-PA" smtClean="0"/>
               <a:t>18/8/20</a:t>
             </a:fld>
@@ -2888,7 +2842,7 @@
             </a:lvl1pPr>
           </a:lstStyle>
           <a:p>
-            <a:fld id="{7B255036-AECB-CD49-A457-9AA5499F7B4D}" type="slidenum">
+            <a:fld id="{99296C9A-B325-0843-9242-79B54DC37190}" type="slidenum">
               <a:rPr lang="es-PA" smtClean="0"/>
               <a:t>‹#›</a:t>
             </a:fld>
@@ -2899,7 +2853,7 @@
     </p:spTree>
     <p:extLst>
       <p:ext uri="{BB962C8B-B14F-4D97-AF65-F5344CB8AC3E}">
-        <p14:creationId xmlns:p14="http://schemas.microsoft.com/office/powerpoint/2010/main" val="4106970172"/>
+        <p14:creationId xmlns:p14="http://schemas.microsoft.com/office/powerpoint/2010/main" val="1293207038"/>
       </p:ext>
     </p:extLst>
   </p:cSld>
@@ -3258,7 +3212,7 @@
               <a:defRPr b="1" sz="1600"/>
             </a:pPr>
             <a:r>
-              <a:t>01 de Octubre</a:t>
+              <a:t>02 de Octubre</a:t>
             </a:r>
           </a:p>
         </p:txBody>
@@ -3279,7 +3233,7 @@
           <a:lstStyle/>
           <a:p>
             <a:r>
-              <a:t>https://elcapitalfinanciero.com/conozca-como-la-ia-cambio-la-forma-de-viajar/</a:t>
+              <a:t>https://panamaaldia.news/panama-en-la-mira-de-compradores-internacionales-de-bienes-raices-2/</a:t>
             </a:r>
           </a:p>
         </p:txBody>
@@ -3331,7 +3285,7 @@
                         <a:defRPr sz="1200" b="1"/>
                       </a:pPr>
                       <a:r>
-                        <a:t>El Capital Financiero</a:t>
+                        <a:t>Panamá al Día</a:t>
                       </a:r>
                     </a:p>
                   </a:txBody>
@@ -3427,7 +3381,7 @@
                         <a:defRPr sz="1200"/>
                       </a:pPr>
                       <a:r>
-                        <a:t>B/. 1,000.00</a:t>
+                        <a:t>B/. 750.00</a:t>
                       </a:r>
                     </a:p>
                   </a:txBody>
@@ -3459,7 +3413,7 @@
                         <a:defRPr sz="1200"/>
                       </a:pPr>
                       <a:r>
-                        <a:t>B/. 4,000.00</a:t>
+                        <a:t>B/. 3,000.00</a:t>
                       </a:r>
                     </a:p>
                   </a:txBody>
@@ -3491,7 +3445,7 @@
                         <a:defRPr sz="1200"/>
                       </a:pPr>
                       <a:r>
-                        <a:t>1</a:t>
+                        <a:t>3</a:t>
                       </a:r>
                     </a:p>
                   </a:txBody>
@@ -3648,6 +3602,30 @@
           <a:xfrm>
             <a:off x="7498079" y="731520"/>
             <a:ext cx="533053" cy="521207"/>
+          </a:xfrm>
+          <a:prstGeom prst="rect">
+            <a:avLst/>
+          </a:prstGeom>
+        </p:spPr>
+      </p:pic>
+      <p:pic>
+        <p:nvPicPr>
+          <p:cNvPr id="7" name="Picture 6" descr="E24 1.jpg"/>
+          <p:cNvPicPr>
+            <a:picLocks noChangeAspect="1"/>
+          </p:cNvPicPr>
+          <p:nvPr/>
+        </p:nvPicPr>
+        <p:blipFill>
+          <a:blip r:embed="rId3"/>
+          <a:stretch>
+            <a:fillRect/>
+          </a:stretch>
+        </p:blipFill>
+        <p:spPr>
+          <a:xfrm>
+            <a:off x="228600" y="2103120"/>
+            <a:ext cx="3840480" cy="3840480"/>
           </a:xfrm>
           <a:prstGeom prst="rect">
             <a:avLst/>
@@ -3720,7 +3698,7 @@
               <a:defRPr b="1" sz="1600"/>
             </a:pPr>
             <a:r>
-              <a:t>20 de Octubre</a:t>
+              <a:t>15 de Octubre</a:t>
             </a:r>
           </a:p>
         </p:txBody>
@@ -3741,7 +3719,7 @@
           <a:lstStyle/>
           <a:p>
             <a:r>
-              <a:t>https://nexnoticias.ruplayers.com/n6d62Lixg2l4l6M/entrevista-al-ing-enrique-luna-sobre-la-inteligencia-artificial.html</a:t>
+              <a:t>http://madridhoy.info/search.php?pagina=19&amp;s=%40%40Panam%C3%A1</a:t>
             </a:r>
           </a:p>
         </p:txBody>
@@ -3793,7 +3771,7 @@
                         <a:defRPr sz="1200" b="1"/>
                       </a:pPr>
                       <a:r>
-                        <a:t>NEXTV</a:t>
+                        <a:t>Madrid Hoy</a:t>
                       </a:r>
                     </a:p>
                   </a:txBody>
@@ -3857,7 +3835,7 @@
                         <a:defRPr sz="1200"/>
                       </a:pPr>
                       <a:r>
-                        <a:t>239 segundos</a:t>
+                        <a:t>1 portada</a:t>
                       </a:r>
                     </a:p>
                   </a:txBody>
@@ -3889,7 +3867,7 @@
                         <a:defRPr sz="1200"/>
                       </a:pPr>
                       <a:r>
-                        <a:t>B/. 1,195.00</a:t>
+                        <a:t>B/. 1,500.00</a:t>
                       </a:r>
                     </a:p>
                   </a:txBody>
@@ -3921,7 +3899,7 @@
                         <a:defRPr sz="1200"/>
                       </a:pPr>
                       <a:r>
-                        <a:t>B/. 4,780.00</a:t>
+                        <a:t>B/. 6,000.00</a:t>
                       </a:r>
                     </a:p>
                   </a:txBody>
@@ -3953,7 +3931,7 @@
                         <a:defRPr sz="1200"/>
                       </a:pPr>
                       <a:r>
-                        <a:t>None</a:t>
+                        <a:t>1</a:t>
                       </a:r>
                     </a:p>
                   </a:txBody>
@@ -4118,7 +4096,7 @@
       </p:pic>
       <p:pic>
         <p:nvPicPr>
-          <p:cNvPr id="7" name="Picture 6" descr="DAHUA 13.jpg"/>
+          <p:cNvPr id="7" name="Picture 6" descr="E24 17.jpg"/>
           <p:cNvPicPr>
             <a:picLocks noChangeAspect="1"/>
           </p:cNvPicPr>
@@ -4206,7 +4184,7 @@
               <a:defRPr b="1" sz="1600"/>
             </a:pPr>
             <a:r>
-              <a:t>20 de Octubre</a:t>
+              <a:t>27 de Octubre</a:t>
             </a:r>
           </a:p>
         </p:txBody>
@@ -4227,7 +4205,7 @@
           <a:lstStyle/>
           <a:p>
             <a:r>
-              <a:t>https://www.dailymotion.com/embed/video/x7wyvme</a:t>
+              <a:t>https://somosimpactopositivo.com/impacto-economico/aniversario-encuentra24/</a:t>
             </a:r>
           </a:p>
         </p:txBody>
@@ -4279,7 +4257,7 @@
                         <a:defRPr sz="1200" b="1"/>
                       </a:pPr>
                       <a:r>
-                        <a:t>NEXTV</a:t>
+                        <a:t>Impacto Positivo</a:t>
                       </a:r>
                     </a:p>
                   </a:txBody>
@@ -4343,7 +4321,7 @@
                         <a:defRPr sz="1200"/>
                       </a:pPr>
                       <a:r>
-                        <a:t>239 segundos</a:t>
+                        <a:t>1 página</a:t>
                       </a:r>
                     </a:p>
                   </a:txBody>
@@ -4604,7 +4582,7 @@
       </p:pic>
       <p:pic>
         <p:nvPicPr>
-          <p:cNvPr id="7" name="Picture 6" descr="DAHUA 14.jpg"/>
+          <p:cNvPr id="7" name="Picture 6" descr="E24 18.jpg"/>
           <p:cNvPicPr>
             <a:picLocks noChangeAspect="1"/>
           </p:cNvPicPr>
@@ -4663,7 +4641,7 @@
               <a:defRPr b="1" sz="3500"/>
             </a:pPr>
             <a:r>
-              <a:t>Publicaciones - Web</a:t>
+              <a:t>Publicaciones - Impreso</a:t>
             </a:r>
           </a:p>
         </p:txBody>
@@ -4692,7 +4670,7 @@
               <a:defRPr b="1" sz="1600"/>
             </a:pPr>
             <a:r>
-              <a:t>21 de Octubre</a:t>
+              <a:t>29 de Octubre</a:t>
             </a:r>
           </a:p>
         </p:txBody>
@@ -4713,7 +4691,7 @@
           <a:lstStyle/>
           <a:p>
             <a:r>
-              <a:t>https://vozdeladiasporanews.com/inteligencia-artificial-mejora-el-nivel-de-seguridad-de-las-actividades-comerciales/</a:t>
+              <a:t>https://en.wikipedia.org/wiki/Adele</a:t>
             </a:r>
           </a:p>
         </p:txBody>
@@ -4765,7 +4743,7 @@
                         <a:defRPr sz="1200" b="1"/>
                       </a:pPr>
                       <a:r>
-                        <a:t>La Voz de la Diáspora- Regional</a:t>
+                        <a:t>Metro Libre</a:t>
                       </a:r>
                     </a:p>
                   </a:txBody>
@@ -4797,7 +4775,7 @@
                         <a:defRPr sz="1200"/>
                       </a:pPr>
                       <a:r>
-                        <a:t>Web</a:t>
+                        <a:t>Impreso</a:t>
                       </a:r>
                     </a:p>
                   </a:txBody>
@@ -4829,7 +4807,7 @@
                         <a:defRPr sz="1200"/>
                       </a:pPr>
                       <a:r>
-                        <a:t>1 página</a:t>
+                        <a:t>321 hola</a:t>
                       </a:r>
                     </a:p>
                   </a:txBody>
@@ -4861,7 +4839,7 @@
                         <a:defRPr sz="1200"/>
                       </a:pPr>
                       <a:r>
-                        <a:t>B/. 1,500.00</a:t>
+                        <a:t>B/. 1,000.00</a:t>
                       </a:r>
                     </a:p>
                   </a:txBody>
@@ -4893,7 +4871,7 @@
                         <a:defRPr sz="1200"/>
                       </a:pPr>
                       <a:r>
-                        <a:t>B/. 6,000.00</a:t>
+                        <a:t>B/. 4,000.00</a:t>
                       </a:r>
                     </a:p>
                   </a:txBody>
@@ -5066,7 +5044,7 @@
       </p:graphicFrame>
       <p:pic>
         <p:nvPicPr>
-          <p:cNvPr id="6" name="Picture 5" descr="Web.png"/>
+          <p:cNvPr id="6" name="Picture 5" descr="Impreso.png"/>
           <p:cNvPicPr>
             <a:picLocks noChangeAspect="1"/>
           </p:cNvPicPr>
@@ -5080,8 +5058,8 @@
         </p:blipFill>
         <p:spPr>
           <a:xfrm>
-            <a:off x="7498079" y="731520"/>
-            <a:ext cx="533053" cy="521207"/>
+            <a:off x="7498079" y="640080"/>
+            <a:ext cx="777240" cy="777240"/>
           </a:xfrm>
           <a:prstGeom prst="rect">
             <a:avLst/>
@@ -5090,7 +5068,7 @@
       </p:pic>
       <p:pic>
         <p:nvPicPr>
-          <p:cNvPr id="7" name="Picture 6" descr="DAHUA 15.jpg"/>
+          <p:cNvPr id="7" name="Picture 6" descr="E24 19.jpg"/>
           <p:cNvPicPr>
             <a:picLocks noChangeAspect="1"/>
           </p:cNvPicPr>
@@ -5178,7 +5156,7 @@
               <a:defRPr b="1" sz="1600"/>
             </a:pPr>
             <a:r>
-              <a:t>21 de Octubre</a:t>
+              <a:t>29 de Octubre</a:t>
             </a:r>
           </a:p>
         </p:txBody>
@@ -5199,7 +5177,7 @@
           <a:lstStyle/>
           <a:p>
             <a:r>
-              <a:t>https://www.estrategiaynegocios.net/tecnologia/1417011-330/encuentro-en-por-qu%C3%A9-invertir-en-seguridad-biom%C3%A9trica-para-impulsar-el-comercio</a:t>
+              <a:t>https://www.metrolibre.com/econom%C3%ADa/185546-comercio-electr%C3%B3nico-crece-en-un-150-por-la-pandemia.html</a:t>
             </a:r>
           </a:p>
         </p:txBody>
@@ -5251,7 +5229,7 @@
                         <a:defRPr sz="1200" b="1"/>
                       </a:pPr>
                       <a:r>
-                        <a:t>Estrategia y Negocios</a:t>
+                        <a:t>Metro Libre</a:t>
                       </a:r>
                     </a:p>
                   </a:txBody>
@@ -5576,7 +5554,7 @@
       </p:pic>
       <p:pic>
         <p:nvPicPr>
-          <p:cNvPr id="7" name="Picture 6" descr="DAHUA 16.jpg"/>
+          <p:cNvPr id="7" name="Picture 6" descr="E24 20.jpg"/>
           <p:cNvPicPr>
             <a:picLocks noChangeAspect="1"/>
           </p:cNvPicPr>
@@ -5607,978 +5585,6 @@
 </file>
 
 <file path=ppt/slides/slide14.xml><?xml version="1.0" encoding="utf-8"?>
-<p:sld xmlns:a="http://schemas.openxmlformats.org/drawingml/2006/main" xmlns:p="http://schemas.openxmlformats.org/presentationml/2006/main" xmlns:r="http://schemas.openxmlformats.org/officeDocument/2006/relationships">
-  <p:cSld>
-    <p:spTree>
-      <p:nvGrpSpPr>
-        <p:cNvPr id="1" name=""/>
-        <p:cNvGrpSpPr/>
-        <p:nvPr/>
-      </p:nvGrpSpPr>
-      <p:grpSpPr/>
-      <p:sp>
-        <p:nvSpPr>
-          <p:cNvPr id="2" name="Title 1"/>
-          <p:cNvSpPr>
-            <a:spLocks noGrp="1"/>
-          </p:cNvSpPr>
-          <p:nvPr>
-            <p:ph type="title"/>
-          </p:nvPr>
-        </p:nvSpPr>
-        <p:spPr/>
-        <p:txBody>
-          <a:bodyPr/>
-          <a:lstStyle/>
-          <a:p>
-            <a:pPr algn="ctr">
-              <a:defRPr b="1" sz="3500"/>
-            </a:pPr>
-            <a:r>
-              <a:t>Publicaciones - Radio</a:t>
-            </a:r>
-          </a:p>
-        </p:txBody>
-      </p:sp>
-      <p:sp>
-        <p:nvSpPr>
-          <p:cNvPr id="3" name="Content Placeholder 2"/>
-          <p:cNvSpPr>
-            <a:spLocks noGrp="1"/>
-          </p:cNvSpPr>
-          <p:nvPr>
-            <p:ph idx="1" sz="half"/>
-          </p:nvPr>
-        </p:nvSpPr>
-        <p:spPr>
-          <a:xfrm>
-            <a:off x="365760" y="1097280"/>
-            <a:ext cx="1828800" cy="274320"/>
-          </a:xfrm>
-        </p:spPr>
-        <p:txBody>
-          <a:bodyPr/>
-          <a:lstStyle/>
-          <a:p>
-            <a:pPr>
-              <a:defRPr b="1" sz="1600"/>
-            </a:pPr>
-            <a:r>
-              <a:t>23 de Octubre</a:t>
-            </a:r>
-          </a:p>
-        </p:txBody>
-      </p:sp>
-      <p:sp>
-        <p:nvSpPr>
-          <p:cNvPr id="4" name="Content Placeholder 3"/>
-          <p:cNvSpPr>
-            <a:spLocks noGrp="1"/>
-          </p:cNvSpPr>
-          <p:nvPr>
-            <p:ph idx="13" sz="quarter"/>
-          </p:nvPr>
-        </p:nvSpPr>
-        <p:spPr/>
-        <p:txBody>
-          <a:bodyPr/>
-          <a:lstStyle/>
-          <a:p>
-            <a:r>
-              <a:t>https://panama.consulado.gov.co/consulado/citas</a:t>
-            </a:r>
-          </a:p>
-        </p:txBody>
-      </p:sp>
-      <p:graphicFrame>
-        <p:nvGraphicFramePr>
-          <p:cNvPr id="5" name="Table 4"/>
-          <p:cNvGraphicFramePr>
-            <a:graphicFrameLocks noGrp="1"/>
-          </p:cNvGraphicFramePr>
-          <p:nvPr/>
-        </p:nvGraphicFramePr>
-        <p:xfrm>
-          <a:off x="5486400" y="1828800"/>
-          <a:ext cx="3291840" cy="3602736"/>
-        </p:xfrm>
-        <a:graphic>
-          <a:graphicData uri="http://schemas.openxmlformats.org/drawingml/2006/table">
-            <a:tbl>
-              <a:tblPr firstRow="1" bandRow="1">
-                <a:tableStyleId>{5C22544A-7EE6-4342-B048-85BDC9FD1C3A}</a:tableStyleId>
-              </a:tblPr>
-              <a:tblGrid>
-                <a:gridCol w="1645920"/>
-                <a:gridCol w="1645920"/>
-              </a:tblGrid>
-              <a:tr h="360273">
-                <a:tc>
-                  <a:txBody>
-                    <a:bodyPr/>
-                    <a:lstStyle/>
-                    <a:p>
-                      <a:pPr>
-                        <a:defRPr sz="1200" b="1"/>
-                      </a:pPr>
-                      <a:r>
-                        <a:t>Medio</a:t>
-                      </a:r>
-                    </a:p>
-                  </a:txBody>
-                  <a:tcPr/>
-                </a:tc>
-                <a:tc>
-                  <a:txBody>
-                    <a:bodyPr/>
-                    <a:lstStyle/>
-                    <a:p>
-                      <a:pPr>
-                        <a:defRPr sz="1200" b="1"/>
-                      </a:pPr>
-                      <a:r>
-                        <a:t>Radio Panamá</a:t>
-                      </a:r>
-                    </a:p>
-                  </a:txBody>
-                  <a:tcPr/>
-                </a:tc>
-              </a:tr>
-              <a:tr h="360273">
-                <a:tc>
-                  <a:txBody>
-                    <a:bodyPr/>
-                    <a:lstStyle/>
-                    <a:p>
-                      <a:pPr>
-                        <a:defRPr sz="1200" b="1"/>
-                      </a:pPr>
-                      <a:r>
-                        <a:t>Tipo</a:t>
-                      </a:r>
-                    </a:p>
-                  </a:txBody>
-                  <a:tcPr/>
-                </a:tc>
-                <a:tc>
-                  <a:txBody>
-                    <a:bodyPr/>
-                    <a:lstStyle/>
-                    <a:p>
-                      <a:pPr>
-                        <a:defRPr sz="1200"/>
-                      </a:pPr>
-                      <a:r>
-                        <a:t>Radio</a:t>
-                      </a:r>
-                    </a:p>
-                  </a:txBody>
-                  <a:tcPr/>
-                </a:tc>
-              </a:tr>
-              <a:tr h="360273">
-                <a:tc>
-                  <a:txBody>
-                    <a:bodyPr/>
-                    <a:lstStyle/>
-                    <a:p>
-                      <a:pPr>
-                        <a:defRPr sz="1200" b="1"/>
-                      </a:pPr>
-                      <a:r>
-                        <a:t>Tamaño</a:t>
-                      </a:r>
-                    </a:p>
-                  </a:txBody>
-                  <a:tcPr/>
-                </a:tc>
-                <a:tc>
-                  <a:txBody>
-                    <a:bodyPr/>
-                    <a:lstStyle/>
-                    <a:p>
-                      <a:pPr>
-                        <a:defRPr sz="1200"/>
-                      </a:pPr>
-                      <a:r>
-                        <a:t>100 segundos</a:t>
-                      </a:r>
-                    </a:p>
-                  </a:txBody>
-                  <a:tcPr/>
-                </a:tc>
-              </a:tr>
-              <a:tr h="360273">
-                <a:tc>
-                  <a:txBody>
-                    <a:bodyPr/>
-                    <a:lstStyle/>
-                    <a:p>
-                      <a:pPr>
-                        <a:defRPr sz="1200" b="1"/>
-                      </a:pPr>
-                      <a:r>
-                        <a:t>Valor Publicitario</a:t>
-                      </a:r>
-                    </a:p>
-                  </a:txBody>
-                  <a:tcPr/>
-                </a:tc>
-                <a:tc>
-                  <a:txBody>
-                    <a:bodyPr/>
-                    <a:lstStyle/>
-                    <a:p>
-                      <a:pPr>
-                        <a:defRPr sz="1200"/>
-                      </a:pPr>
-                      <a:r>
-                        <a:t>B/. 107.00</a:t>
-                      </a:r>
-                    </a:p>
-                  </a:txBody>
-                  <a:tcPr/>
-                </a:tc>
-              </a:tr>
-              <a:tr h="360273">
-                <a:tc>
-                  <a:txBody>
-                    <a:bodyPr/>
-                    <a:lstStyle/>
-                    <a:p>
-                      <a:pPr>
-                        <a:defRPr sz="1200" b="1"/>
-                      </a:pPr>
-                      <a:r>
-                        <a:t>Valor Informativo</a:t>
-                      </a:r>
-                    </a:p>
-                  </a:txBody>
-                  <a:tcPr/>
-                </a:tc>
-                <a:tc>
-                  <a:txBody>
-                    <a:bodyPr/>
-                    <a:lstStyle/>
-                    <a:p>
-                      <a:pPr>
-                        <a:defRPr sz="1200"/>
-                      </a:pPr>
-                      <a:r>
-                        <a:t>B/. 428.00</a:t>
-                      </a:r>
-                    </a:p>
-                  </a:txBody>
-                  <a:tcPr/>
-                </a:tc>
-              </a:tr>
-              <a:tr h="360273">
-                <a:tc>
-                  <a:txBody>
-                    <a:bodyPr/>
-                    <a:lstStyle/>
-                    <a:p>
-                      <a:pPr>
-                        <a:defRPr sz="1200" b="1"/>
-                      </a:pPr>
-                      <a:r>
-                        <a:t>Tier</a:t>
-                      </a:r>
-                    </a:p>
-                  </a:txBody>
-                  <a:tcPr/>
-                </a:tc>
-                <a:tc>
-                  <a:txBody>
-                    <a:bodyPr/>
-                    <a:lstStyle/>
-                    <a:p>
-                      <a:pPr>
-                        <a:defRPr sz="1200"/>
-                      </a:pPr>
-                      <a:r>
-                        <a:t>1</a:t>
-                      </a:r>
-                    </a:p>
-                  </a:txBody>
-                  <a:tcPr/>
-                </a:tc>
-              </a:tr>
-              <a:tr h="360273">
-                <a:tc>
-                  <a:txBody>
-                    <a:bodyPr/>
-                    <a:lstStyle/>
-                    <a:p>
-                      <a:pPr>
-                        <a:defRPr sz="1200" b="1"/>
-                      </a:pPr>
-                      <a:r>
-                        <a:t>Mención de Marca</a:t>
-                      </a:r>
-                    </a:p>
-                  </a:txBody>
-                  <a:tcPr/>
-                </a:tc>
-                <a:tc>
-                  <a:txBody>
-                    <a:bodyPr/>
-                    <a:lstStyle/>
-                    <a:p>
-                      <a:pPr>
-                        <a:defRPr sz="1200"/>
-                      </a:pPr>
-                      <a:r>
-                        <a:t>Si</a:t>
-                      </a:r>
-                    </a:p>
-                  </a:txBody>
-                  <a:tcPr/>
-                </a:tc>
-              </a:tr>
-              <a:tr h="360273">
-                <a:tc>
-                  <a:txBody>
-                    <a:bodyPr/>
-                    <a:lstStyle/>
-                    <a:p>
-                      <a:pPr>
-                        <a:defRPr sz="1200" b="1"/>
-                      </a:pPr>
-                      <a:r>
-                        <a:t>Presencia de vocero</a:t>
-                      </a:r>
-                    </a:p>
-                  </a:txBody>
-                  <a:tcPr/>
-                </a:tc>
-                <a:tc>
-                  <a:txBody>
-                    <a:bodyPr/>
-                    <a:lstStyle/>
-                    <a:p>
-                      <a:pPr>
-                        <a:defRPr sz="1200"/>
-                      </a:pPr>
-                      <a:r>
-                        <a:t>Si</a:t>
-                      </a:r>
-                    </a:p>
-                  </a:txBody>
-                  <a:tcPr/>
-                </a:tc>
-              </a:tr>
-              <a:tr h="360273">
-                <a:tc>
-                  <a:txBody>
-                    <a:bodyPr/>
-                    <a:lstStyle/>
-                    <a:p>
-                      <a:pPr>
-                        <a:defRPr sz="1200" b="1"/>
-                      </a:pPr>
-                      <a:r>
-                        <a:t>Quote de vocero</a:t>
-                      </a:r>
-                    </a:p>
-                  </a:txBody>
-                  <a:tcPr/>
-                </a:tc>
-                <a:tc>
-                  <a:txBody>
-                    <a:bodyPr/>
-                    <a:lstStyle/>
-                    <a:p>
-                      <a:pPr>
-                        <a:defRPr sz="1200"/>
-                      </a:pPr>
-                      <a:r>
-                        <a:t>Si</a:t>
-                      </a:r>
-                    </a:p>
-                  </a:txBody>
-                  <a:tcPr/>
-                </a:tc>
-              </a:tr>
-              <a:tr h="360279">
-                <a:tc>
-                  <a:txBody>
-                    <a:bodyPr/>
-                    <a:lstStyle/>
-                    <a:p>
-                      <a:pPr>
-                        <a:defRPr sz="1200" b="1"/>
-                      </a:pPr>
-                      <a:r>
-                        <a:t>Favorabilidad mediática</a:t>
-                      </a:r>
-                    </a:p>
-                  </a:txBody>
-                  <a:tcPr/>
-                </a:tc>
-                <a:tc>
-                  <a:txBody>
-                    <a:bodyPr/>
-                    <a:lstStyle/>
-                    <a:p>
-                      <a:pPr>
-                        <a:defRPr sz="1200"/>
-                      </a:pPr>
-                      <a:r>
-                        <a:t>Positiva</a:t>
-                      </a:r>
-                    </a:p>
-                  </a:txBody>
-                  <a:tcPr/>
-                </a:tc>
-              </a:tr>
-            </a:tbl>
-          </a:graphicData>
-        </a:graphic>
-      </p:graphicFrame>
-      <p:pic>
-        <p:nvPicPr>
-          <p:cNvPr id="6" name="Picture 5" descr="Radio.png"/>
-          <p:cNvPicPr>
-            <a:picLocks noChangeAspect="1"/>
-          </p:cNvPicPr>
-          <p:nvPr/>
-        </p:nvPicPr>
-        <p:blipFill>
-          <a:blip r:embed="rId2"/>
-          <a:stretch>
-            <a:fillRect/>
-          </a:stretch>
-        </p:blipFill>
-        <p:spPr>
-          <a:xfrm>
-            <a:off x="7498079" y="731520"/>
-            <a:ext cx="675200" cy="521207"/>
-          </a:xfrm>
-          <a:prstGeom prst="rect">
-            <a:avLst/>
-          </a:prstGeom>
-        </p:spPr>
-      </p:pic>
-      <p:pic>
-        <p:nvPicPr>
-          <p:cNvPr id="7" name="Picture 6" descr="DAHUA 10.jpg"/>
-          <p:cNvPicPr>
-            <a:picLocks noChangeAspect="1"/>
-          </p:cNvPicPr>
-          <p:nvPr/>
-        </p:nvPicPr>
-        <p:blipFill>
-          <a:blip r:embed="rId3"/>
-          <a:stretch>
-            <a:fillRect/>
-          </a:stretch>
-        </p:blipFill>
-        <p:spPr>
-          <a:xfrm>
-            <a:off x="228600" y="2103120"/>
-            <a:ext cx="3840480" cy="3840480"/>
-          </a:xfrm>
-          <a:prstGeom prst="rect">
-            <a:avLst/>
-          </a:prstGeom>
-        </p:spPr>
-      </p:pic>
-    </p:spTree>
-  </p:cSld>
-  <p:clrMapOvr>
-    <a:masterClrMapping/>
-  </p:clrMapOvr>
-</p:sld>
-</file>
-
-<file path=ppt/slides/slide15.xml><?xml version="1.0" encoding="utf-8"?>
-<p:sld xmlns:a="http://schemas.openxmlformats.org/drawingml/2006/main" xmlns:p="http://schemas.openxmlformats.org/presentationml/2006/main" xmlns:r="http://schemas.openxmlformats.org/officeDocument/2006/relationships">
-  <p:cSld>
-    <p:spTree>
-      <p:nvGrpSpPr>
-        <p:cNvPr id="1" name=""/>
-        <p:cNvGrpSpPr/>
-        <p:nvPr/>
-      </p:nvGrpSpPr>
-      <p:grpSpPr/>
-      <p:sp>
-        <p:nvSpPr>
-          <p:cNvPr id="2" name="Title 1"/>
-          <p:cNvSpPr>
-            <a:spLocks noGrp="1"/>
-          </p:cNvSpPr>
-          <p:nvPr>
-            <p:ph type="title"/>
-          </p:nvPr>
-        </p:nvSpPr>
-        <p:spPr/>
-        <p:txBody>
-          <a:bodyPr/>
-          <a:lstStyle/>
-          <a:p>
-            <a:pPr algn="ctr">
-              <a:defRPr b="1" sz="3500"/>
-            </a:pPr>
-            <a:r>
-              <a:t>Publicaciones - Web</a:t>
-            </a:r>
-          </a:p>
-        </p:txBody>
-      </p:sp>
-      <p:sp>
-        <p:nvSpPr>
-          <p:cNvPr id="3" name="Content Placeholder 2"/>
-          <p:cNvSpPr>
-            <a:spLocks noGrp="1"/>
-          </p:cNvSpPr>
-          <p:nvPr>
-            <p:ph idx="1" sz="half"/>
-          </p:nvPr>
-        </p:nvSpPr>
-        <p:spPr>
-          <a:xfrm>
-            <a:off x="365760" y="1097280"/>
-            <a:ext cx="1828800" cy="274320"/>
-          </a:xfrm>
-        </p:spPr>
-        <p:txBody>
-          <a:bodyPr/>
-          <a:lstStyle/>
-          <a:p>
-            <a:pPr>
-              <a:defRPr b="1" sz="1600"/>
-            </a:pPr>
-            <a:r>
-              <a:t>29 de Octubre</a:t>
-            </a:r>
-          </a:p>
-        </p:txBody>
-      </p:sp>
-      <p:sp>
-        <p:nvSpPr>
-          <p:cNvPr id="4" name="Content Placeholder 3"/>
-          <p:cNvSpPr>
-            <a:spLocks noGrp="1"/>
-          </p:cNvSpPr>
-          <p:nvPr>
-            <p:ph idx="13" sz="quarter"/>
-          </p:nvPr>
-        </p:nvSpPr>
-        <p:spPr/>
-        <p:txBody>
-          <a:bodyPr/>
-          <a:lstStyle/>
-          <a:p>
-            <a:r>
-              <a:t>https://somosimpactopositivo.com/impacto-social/inteligencia-artificial/</a:t>
-            </a:r>
-          </a:p>
-        </p:txBody>
-      </p:sp>
-      <p:graphicFrame>
-        <p:nvGraphicFramePr>
-          <p:cNvPr id="5" name="Table 4"/>
-          <p:cNvGraphicFramePr>
-            <a:graphicFrameLocks noGrp="1"/>
-          </p:cNvGraphicFramePr>
-          <p:nvPr/>
-        </p:nvGraphicFramePr>
-        <p:xfrm>
-          <a:off x="5486400" y="1828800"/>
-          <a:ext cx="3291840" cy="3602736"/>
-        </p:xfrm>
-        <a:graphic>
-          <a:graphicData uri="http://schemas.openxmlformats.org/drawingml/2006/table">
-            <a:tbl>
-              <a:tblPr firstRow="1" bandRow="1">
-                <a:tableStyleId>{5C22544A-7EE6-4342-B048-85BDC9FD1C3A}</a:tableStyleId>
-              </a:tblPr>
-              <a:tblGrid>
-                <a:gridCol w="1645920"/>
-                <a:gridCol w="1645920"/>
-              </a:tblGrid>
-              <a:tr h="360273">
-                <a:tc>
-                  <a:txBody>
-                    <a:bodyPr/>
-                    <a:lstStyle/>
-                    <a:p>
-                      <a:pPr>
-                        <a:defRPr sz="1200" b="1"/>
-                      </a:pPr>
-                      <a:r>
-                        <a:t>Medio</a:t>
-                      </a:r>
-                    </a:p>
-                  </a:txBody>
-                  <a:tcPr/>
-                </a:tc>
-                <a:tc>
-                  <a:txBody>
-                    <a:bodyPr/>
-                    <a:lstStyle/>
-                    <a:p>
-                      <a:pPr>
-                        <a:defRPr sz="1200" b="1"/>
-                      </a:pPr>
-                      <a:r>
-                        <a:t>Impacto Positivo</a:t>
-                      </a:r>
-                    </a:p>
-                  </a:txBody>
-                  <a:tcPr/>
-                </a:tc>
-              </a:tr>
-              <a:tr h="360273">
-                <a:tc>
-                  <a:txBody>
-                    <a:bodyPr/>
-                    <a:lstStyle/>
-                    <a:p>
-                      <a:pPr>
-                        <a:defRPr sz="1200" b="1"/>
-                      </a:pPr>
-                      <a:r>
-                        <a:t>Tipo</a:t>
-                      </a:r>
-                    </a:p>
-                  </a:txBody>
-                  <a:tcPr/>
-                </a:tc>
-                <a:tc>
-                  <a:txBody>
-                    <a:bodyPr/>
-                    <a:lstStyle/>
-                    <a:p>
-                      <a:pPr>
-                        <a:defRPr sz="1200"/>
-                      </a:pPr>
-                      <a:r>
-                        <a:t>Web</a:t>
-                      </a:r>
-                    </a:p>
-                  </a:txBody>
-                  <a:tcPr/>
-                </a:tc>
-              </a:tr>
-              <a:tr h="360273">
-                <a:tc>
-                  <a:txBody>
-                    <a:bodyPr/>
-                    <a:lstStyle/>
-                    <a:p>
-                      <a:pPr>
-                        <a:defRPr sz="1200" b="1"/>
-                      </a:pPr>
-                      <a:r>
-                        <a:t>Tamaño</a:t>
-                      </a:r>
-                    </a:p>
-                  </a:txBody>
-                  <a:tcPr/>
-                </a:tc>
-                <a:tc>
-                  <a:txBody>
-                    <a:bodyPr/>
-                    <a:lstStyle/>
-                    <a:p>
-                      <a:pPr>
-                        <a:defRPr sz="1200"/>
-                      </a:pPr>
-                      <a:r>
-                        <a:t>1 página</a:t>
-                      </a:r>
-                    </a:p>
-                  </a:txBody>
-                  <a:tcPr/>
-                </a:tc>
-              </a:tr>
-              <a:tr h="360273">
-                <a:tc>
-                  <a:txBody>
-                    <a:bodyPr/>
-                    <a:lstStyle/>
-                    <a:p>
-                      <a:pPr>
-                        <a:defRPr sz="1200" b="1"/>
-                      </a:pPr>
-                      <a:r>
-                        <a:t>Valor Publicitario</a:t>
-                      </a:r>
-                    </a:p>
-                  </a:txBody>
-                  <a:tcPr/>
-                </a:tc>
-                <a:tc>
-                  <a:txBody>
-                    <a:bodyPr/>
-                    <a:lstStyle/>
-                    <a:p>
-                      <a:pPr>
-                        <a:defRPr sz="1200"/>
-                      </a:pPr>
-                      <a:r>
-                        <a:t>B/. 1,000.00</a:t>
-                      </a:r>
-                    </a:p>
-                  </a:txBody>
-                  <a:tcPr/>
-                </a:tc>
-              </a:tr>
-              <a:tr h="360273">
-                <a:tc>
-                  <a:txBody>
-                    <a:bodyPr/>
-                    <a:lstStyle/>
-                    <a:p>
-                      <a:pPr>
-                        <a:defRPr sz="1200" b="1"/>
-                      </a:pPr>
-                      <a:r>
-                        <a:t>Valor Informativo</a:t>
-                      </a:r>
-                    </a:p>
-                  </a:txBody>
-                  <a:tcPr/>
-                </a:tc>
-                <a:tc>
-                  <a:txBody>
-                    <a:bodyPr/>
-                    <a:lstStyle/>
-                    <a:p>
-                      <a:pPr>
-                        <a:defRPr sz="1200"/>
-                      </a:pPr>
-                      <a:r>
-                        <a:t>B/. 4,000.00</a:t>
-                      </a:r>
-                    </a:p>
-                  </a:txBody>
-                  <a:tcPr/>
-                </a:tc>
-              </a:tr>
-              <a:tr h="360273">
-                <a:tc>
-                  <a:txBody>
-                    <a:bodyPr/>
-                    <a:lstStyle/>
-                    <a:p>
-                      <a:pPr>
-                        <a:defRPr sz="1200" b="1"/>
-                      </a:pPr>
-                      <a:r>
-                        <a:t>Tier</a:t>
-                      </a:r>
-                    </a:p>
-                  </a:txBody>
-                  <a:tcPr/>
-                </a:tc>
-                <a:tc>
-                  <a:txBody>
-                    <a:bodyPr/>
-                    <a:lstStyle/>
-                    <a:p>
-                      <a:pPr>
-                        <a:defRPr sz="1200"/>
-                      </a:pPr>
-                      <a:r>
-                        <a:t>1</a:t>
-                      </a:r>
-                    </a:p>
-                  </a:txBody>
-                  <a:tcPr/>
-                </a:tc>
-              </a:tr>
-              <a:tr h="360273">
-                <a:tc>
-                  <a:txBody>
-                    <a:bodyPr/>
-                    <a:lstStyle/>
-                    <a:p>
-                      <a:pPr>
-                        <a:defRPr sz="1200" b="1"/>
-                      </a:pPr>
-                      <a:r>
-                        <a:t>Mención de Marca</a:t>
-                      </a:r>
-                    </a:p>
-                  </a:txBody>
-                  <a:tcPr/>
-                </a:tc>
-                <a:tc>
-                  <a:txBody>
-                    <a:bodyPr/>
-                    <a:lstStyle/>
-                    <a:p>
-                      <a:pPr>
-                        <a:defRPr sz="1200"/>
-                      </a:pPr>
-                      <a:r>
-                        <a:t>Si</a:t>
-                      </a:r>
-                    </a:p>
-                  </a:txBody>
-                  <a:tcPr/>
-                </a:tc>
-              </a:tr>
-              <a:tr h="360273">
-                <a:tc>
-                  <a:txBody>
-                    <a:bodyPr/>
-                    <a:lstStyle/>
-                    <a:p>
-                      <a:pPr>
-                        <a:defRPr sz="1200" b="1"/>
-                      </a:pPr>
-                      <a:r>
-                        <a:t>Presencia de vocero</a:t>
-                      </a:r>
-                    </a:p>
-                  </a:txBody>
-                  <a:tcPr/>
-                </a:tc>
-                <a:tc>
-                  <a:txBody>
-                    <a:bodyPr/>
-                    <a:lstStyle/>
-                    <a:p>
-                      <a:pPr>
-                        <a:defRPr sz="1200"/>
-                      </a:pPr>
-                      <a:r>
-                        <a:t>Si</a:t>
-                      </a:r>
-                    </a:p>
-                  </a:txBody>
-                  <a:tcPr/>
-                </a:tc>
-              </a:tr>
-              <a:tr h="360273">
-                <a:tc>
-                  <a:txBody>
-                    <a:bodyPr/>
-                    <a:lstStyle/>
-                    <a:p>
-                      <a:pPr>
-                        <a:defRPr sz="1200" b="1"/>
-                      </a:pPr>
-                      <a:r>
-                        <a:t>Quote de vocero</a:t>
-                      </a:r>
-                    </a:p>
-                  </a:txBody>
-                  <a:tcPr/>
-                </a:tc>
-                <a:tc>
-                  <a:txBody>
-                    <a:bodyPr/>
-                    <a:lstStyle/>
-                    <a:p>
-                      <a:pPr>
-                        <a:defRPr sz="1200"/>
-                      </a:pPr>
-                      <a:r>
-                        <a:t>Si</a:t>
-                      </a:r>
-                    </a:p>
-                  </a:txBody>
-                  <a:tcPr/>
-                </a:tc>
-              </a:tr>
-              <a:tr h="360279">
-                <a:tc>
-                  <a:txBody>
-                    <a:bodyPr/>
-                    <a:lstStyle/>
-                    <a:p>
-                      <a:pPr>
-                        <a:defRPr sz="1200" b="1"/>
-                      </a:pPr>
-                      <a:r>
-                        <a:t>Favorabilidad mediática</a:t>
-                      </a:r>
-                    </a:p>
-                  </a:txBody>
-                  <a:tcPr/>
-                </a:tc>
-                <a:tc>
-                  <a:txBody>
-                    <a:bodyPr/>
-                    <a:lstStyle/>
-                    <a:p>
-                      <a:pPr>
-                        <a:defRPr sz="1200"/>
-                      </a:pPr>
-                      <a:r>
-                        <a:t>Positiva</a:t>
-                      </a:r>
-                    </a:p>
-                  </a:txBody>
-                  <a:tcPr/>
-                </a:tc>
-              </a:tr>
-            </a:tbl>
-          </a:graphicData>
-        </a:graphic>
-      </p:graphicFrame>
-      <p:pic>
-        <p:nvPicPr>
-          <p:cNvPr id="6" name="Picture 5" descr="Web.png"/>
-          <p:cNvPicPr>
-            <a:picLocks noChangeAspect="1"/>
-          </p:cNvPicPr>
-          <p:nvPr/>
-        </p:nvPicPr>
-        <p:blipFill>
-          <a:blip r:embed="rId2"/>
-          <a:stretch>
-            <a:fillRect/>
-          </a:stretch>
-        </p:blipFill>
-        <p:spPr>
-          <a:xfrm>
-            <a:off x="7498079" y="731520"/>
-            <a:ext cx="533053" cy="521207"/>
-          </a:xfrm>
-          <a:prstGeom prst="rect">
-            <a:avLst/>
-          </a:prstGeom>
-        </p:spPr>
-      </p:pic>
-      <p:pic>
-        <p:nvPicPr>
-          <p:cNvPr id="7" name="Picture 6" descr="DAHUA 18.jpg"/>
-          <p:cNvPicPr>
-            <a:picLocks noChangeAspect="1"/>
-          </p:cNvPicPr>
-          <p:nvPr/>
-        </p:nvPicPr>
-        <p:blipFill>
-          <a:blip r:embed="rId3"/>
-          <a:stretch>
-            <a:fillRect/>
-          </a:stretch>
-        </p:blipFill>
-        <p:spPr>
-          <a:xfrm>
-            <a:off x="228600" y="2103120"/>
-            <a:ext cx="3840480" cy="3840480"/>
-          </a:xfrm>
-          <a:prstGeom prst="rect">
-            <a:avLst/>
-          </a:prstGeom>
-        </p:spPr>
-      </p:pic>
-    </p:spTree>
-  </p:cSld>
-  <p:clrMapOvr>
-    <a:masterClrMapping/>
-  </p:clrMapOvr>
-</p:sld>
-</file>
-
-<file path=ppt/slides/slide16.xml><?xml version="1.0" encoding="utf-8"?>
 <p:sld xmlns:a="http://schemas.openxmlformats.org/drawingml/2006/main" xmlns:p="http://schemas.openxmlformats.org/presentationml/2006/main" xmlns:r="http://schemas.openxmlformats.org/officeDocument/2006/relationships">
   <p:cSld>
     <p:spTree>
@@ -7034,7 +6040,979 @@
       </p:pic>
       <p:pic>
         <p:nvPicPr>
-          <p:cNvPr id="7" name="Picture 6" descr="DAHUA 28.jpg"/>
+          <p:cNvPr id="7" name="Picture 6" descr="E24 18.jpg"/>
+          <p:cNvPicPr>
+            <a:picLocks noChangeAspect="1"/>
+          </p:cNvPicPr>
+          <p:nvPr/>
+        </p:nvPicPr>
+        <p:blipFill>
+          <a:blip r:embed="rId3"/>
+          <a:stretch>
+            <a:fillRect/>
+          </a:stretch>
+        </p:blipFill>
+        <p:spPr>
+          <a:xfrm>
+            <a:off x="228600" y="2103120"/>
+            <a:ext cx="3840480" cy="3840480"/>
+          </a:xfrm>
+          <a:prstGeom prst="rect">
+            <a:avLst/>
+          </a:prstGeom>
+        </p:spPr>
+      </p:pic>
+    </p:spTree>
+  </p:cSld>
+  <p:clrMapOvr>
+    <a:masterClrMapping/>
+  </p:clrMapOvr>
+</p:sld>
+</file>
+
+<file path=ppt/slides/slide15.xml><?xml version="1.0" encoding="utf-8"?>
+<p:sld xmlns:a="http://schemas.openxmlformats.org/drawingml/2006/main" xmlns:p="http://schemas.openxmlformats.org/presentationml/2006/main" xmlns:r="http://schemas.openxmlformats.org/officeDocument/2006/relationships">
+  <p:cSld>
+    <p:spTree>
+      <p:nvGrpSpPr>
+        <p:cNvPr id="1" name=""/>
+        <p:cNvGrpSpPr/>
+        <p:nvPr/>
+      </p:nvGrpSpPr>
+      <p:grpSpPr/>
+      <p:sp>
+        <p:nvSpPr>
+          <p:cNvPr id="2" name="Title 1"/>
+          <p:cNvSpPr>
+            <a:spLocks noGrp="1"/>
+          </p:cNvSpPr>
+          <p:nvPr>
+            <p:ph type="title"/>
+          </p:nvPr>
+        </p:nvSpPr>
+        <p:spPr/>
+        <p:txBody>
+          <a:bodyPr/>
+          <a:lstStyle/>
+          <a:p>
+            <a:pPr algn="ctr">
+              <a:defRPr b="1" sz="3500"/>
+            </a:pPr>
+            <a:r>
+              <a:t>Publicaciones - Twitter</a:t>
+            </a:r>
+          </a:p>
+        </p:txBody>
+      </p:sp>
+      <p:sp>
+        <p:nvSpPr>
+          <p:cNvPr id="3" name="Content Placeholder 2"/>
+          <p:cNvSpPr>
+            <a:spLocks noGrp="1"/>
+          </p:cNvSpPr>
+          <p:nvPr>
+            <p:ph idx="1" sz="half"/>
+          </p:nvPr>
+        </p:nvSpPr>
+        <p:spPr>
+          <a:xfrm>
+            <a:off x="365760" y="1097280"/>
+            <a:ext cx="1828800" cy="274320"/>
+          </a:xfrm>
+        </p:spPr>
+        <p:txBody>
+          <a:bodyPr/>
+          <a:lstStyle/>
+          <a:p>
+            <a:pPr>
+              <a:defRPr b="1" sz="1600"/>
+            </a:pPr>
+            <a:r>
+              <a:t>05 de Octubre</a:t>
+            </a:r>
+          </a:p>
+        </p:txBody>
+      </p:sp>
+      <p:sp>
+        <p:nvSpPr>
+          <p:cNvPr id="4" name="Content Placeholder 3"/>
+          <p:cNvSpPr>
+            <a:spLocks noGrp="1"/>
+          </p:cNvSpPr>
+          <p:nvPr>
+            <p:ph idx="13" sz="quarter"/>
+          </p:nvPr>
+        </p:nvSpPr>
+        <p:spPr/>
+        <p:txBody>
+          <a:bodyPr/>
+          <a:lstStyle/>
+          <a:p>
+            <a:r>
+              <a:t>https://twitter.com/criticaenlinea/status/1313004115430178817?s=20</a:t>
+            </a:r>
+          </a:p>
+        </p:txBody>
+      </p:sp>
+      <p:graphicFrame>
+        <p:nvGraphicFramePr>
+          <p:cNvPr id="5" name="Table 4"/>
+          <p:cNvGraphicFramePr>
+            <a:graphicFrameLocks noGrp="1"/>
+          </p:cNvGraphicFramePr>
+          <p:nvPr/>
+        </p:nvGraphicFramePr>
+        <p:xfrm>
+          <a:off x="5486400" y="1828800"/>
+          <a:ext cx="3291840" cy="3602736"/>
+        </p:xfrm>
+        <a:graphic>
+          <a:graphicData uri="http://schemas.openxmlformats.org/drawingml/2006/table">
+            <a:tbl>
+              <a:tblPr firstRow="1" bandRow="1">
+                <a:tableStyleId>{5C22544A-7EE6-4342-B048-85BDC9FD1C3A}</a:tableStyleId>
+              </a:tblPr>
+              <a:tblGrid>
+                <a:gridCol w="1645920"/>
+                <a:gridCol w="1645920"/>
+              </a:tblGrid>
+              <a:tr h="360273">
+                <a:tc>
+                  <a:txBody>
+                    <a:bodyPr/>
+                    <a:lstStyle/>
+                    <a:p>
+                      <a:pPr>
+                        <a:defRPr sz="1200" b="1"/>
+                      </a:pPr>
+                      <a:r>
+                        <a:t>Medio</a:t>
+                      </a:r>
+                    </a:p>
+                  </a:txBody>
+                  <a:tcPr/>
+                </a:tc>
+                <a:tc>
+                  <a:txBody>
+                    <a:bodyPr/>
+                    <a:lstStyle/>
+                    <a:p>
+                      <a:pPr>
+                        <a:defRPr sz="1200" b="1"/>
+                      </a:pPr>
+                      <a:r>
+                        <a:t>La Crítica</a:t>
+                      </a:r>
+                    </a:p>
+                  </a:txBody>
+                  <a:tcPr/>
+                </a:tc>
+              </a:tr>
+              <a:tr h="360273">
+                <a:tc>
+                  <a:txBody>
+                    <a:bodyPr/>
+                    <a:lstStyle/>
+                    <a:p>
+                      <a:pPr>
+                        <a:defRPr sz="1200" b="1"/>
+                      </a:pPr>
+                      <a:r>
+                        <a:t>Tipo</a:t>
+                      </a:r>
+                    </a:p>
+                  </a:txBody>
+                  <a:tcPr/>
+                </a:tc>
+                <a:tc>
+                  <a:txBody>
+                    <a:bodyPr/>
+                    <a:lstStyle/>
+                    <a:p>
+                      <a:pPr>
+                        <a:defRPr sz="1200"/>
+                      </a:pPr>
+                      <a:r>
+                        <a:t>Twitter</a:t>
+                      </a:r>
+                    </a:p>
+                  </a:txBody>
+                  <a:tcPr/>
+                </a:tc>
+              </a:tr>
+              <a:tr h="360273">
+                <a:tc>
+                  <a:txBody>
+                    <a:bodyPr/>
+                    <a:lstStyle/>
+                    <a:p>
+                      <a:pPr>
+                        <a:defRPr sz="1200" b="1"/>
+                      </a:pPr>
+                      <a:r>
+                        <a:t>Tamaño</a:t>
+                      </a:r>
+                    </a:p>
+                  </a:txBody>
+                  <a:tcPr/>
+                </a:tc>
+                <a:tc>
+                  <a:txBody>
+                    <a:bodyPr/>
+                    <a:lstStyle/>
+                    <a:p>
+                      <a:pPr>
+                        <a:defRPr sz="1200"/>
+                      </a:pPr>
+                      <a:r>
+                        <a:t>1 post</a:t>
+                      </a:r>
+                    </a:p>
+                  </a:txBody>
+                  <a:tcPr/>
+                </a:tc>
+              </a:tr>
+              <a:tr h="360273">
+                <a:tc>
+                  <a:txBody>
+                    <a:bodyPr/>
+                    <a:lstStyle/>
+                    <a:p>
+                      <a:pPr>
+                        <a:defRPr sz="1200" b="1"/>
+                      </a:pPr>
+                      <a:r>
+                        <a:t>Valor Publicitario</a:t>
+                      </a:r>
+                    </a:p>
+                  </a:txBody>
+                  <a:tcPr/>
+                </a:tc>
+                <a:tc>
+                  <a:txBody>
+                    <a:bodyPr/>
+                    <a:lstStyle/>
+                    <a:p>
+                      <a:pPr>
+                        <a:defRPr sz="1200"/>
+                      </a:pPr>
+                      <a:r>
+                        <a:t>B/. 500.00</a:t>
+                      </a:r>
+                    </a:p>
+                  </a:txBody>
+                  <a:tcPr/>
+                </a:tc>
+              </a:tr>
+              <a:tr h="360273">
+                <a:tc>
+                  <a:txBody>
+                    <a:bodyPr/>
+                    <a:lstStyle/>
+                    <a:p>
+                      <a:pPr>
+                        <a:defRPr sz="1200" b="1"/>
+                      </a:pPr>
+                      <a:r>
+                        <a:t>Valor Informativo</a:t>
+                      </a:r>
+                    </a:p>
+                  </a:txBody>
+                  <a:tcPr/>
+                </a:tc>
+                <a:tc>
+                  <a:txBody>
+                    <a:bodyPr/>
+                    <a:lstStyle/>
+                    <a:p>
+                      <a:pPr>
+                        <a:defRPr sz="1200"/>
+                      </a:pPr>
+                      <a:r>
+                        <a:t>B/. 2,000.00</a:t>
+                      </a:r>
+                    </a:p>
+                  </a:txBody>
+                  <a:tcPr/>
+                </a:tc>
+              </a:tr>
+              <a:tr h="360273">
+                <a:tc>
+                  <a:txBody>
+                    <a:bodyPr/>
+                    <a:lstStyle/>
+                    <a:p>
+                      <a:pPr>
+                        <a:defRPr sz="1200" b="1"/>
+                      </a:pPr>
+                      <a:r>
+                        <a:t>Tier</a:t>
+                      </a:r>
+                    </a:p>
+                  </a:txBody>
+                  <a:tcPr/>
+                </a:tc>
+                <a:tc>
+                  <a:txBody>
+                    <a:bodyPr/>
+                    <a:lstStyle/>
+                    <a:p>
+                      <a:pPr>
+                        <a:defRPr sz="1200"/>
+                      </a:pPr>
+                      <a:r>
+                        <a:t>3</a:t>
+                      </a:r>
+                    </a:p>
+                  </a:txBody>
+                  <a:tcPr/>
+                </a:tc>
+              </a:tr>
+              <a:tr h="360273">
+                <a:tc>
+                  <a:txBody>
+                    <a:bodyPr/>
+                    <a:lstStyle/>
+                    <a:p>
+                      <a:pPr>
+                        <a:defRPr sz="1200" b="1"/>
+                      </a:pPr>
+                      <a:r>
+                        <a:t>Mención de Marca</a:t>
+                      </a:r>
+                    </a:p>
+                  </a:txBody>
+                  <a:tcPr/>
+                </a:tc>
+                <a:tc>
+                  <a:txBody>
+                    <a:bodyPr/>
+                    <a:lstStyle/>
+                    <a:p>
+                      <a:pPr>
+                        <a:defRPr sz="1200"/>
+                      </a:pPr>
+                      <a:r>
+                        <a:t>Si</a:t>
+                      </a:r>
+                    </a:p>
+                  </a:txBody>
+                  <a:tcPr/>
+                </a:tc>
+              </a:tr>
+              <a:tr h="360273">
+                <a:tc>
+                  <a:txBody>
+                    <a:bodyPr/>
+                    <a:lstStyle/>
+                    <a:p>
+                      <a:pPr>
+                        <a:defRPr sz="1200" b="1"/>
+                      </a:pPr>
+                      <a:r>
+                        <a:t>Presencia de vocero</a:t>
+                      </a:r>
+                    </a:p>
+                  </a:txBody>
+                  <a:tcPr/>
+                </a:tc>
+                <a:tc>
+                  <a:txBody>
+                    <a:bodyPr/>
+                    <a:lstStyle/>
+                    <a:p>
+                      <a:pPr>
+                        <a:defRPr sz="1200"/>
+                      </a:pPr>
+                      <a:r>
+                        <a:t>Si</a:t>
+                      </a:r>
+                    </a:p>
+                  </a:txBody>
+                  <a:tcPr/>
+                </a:tc>
+              </a:tr>
+              <a:tr h="360273">
+                <a:tc>
+                  <a:txBody>
+                    <a:bodyPr/>
+                    <a:lstStyle/>
+                    <a:p>
+                      <a:pPr>
+                        <a:defRPr sz="1200" b="1"/>
+                      </a:pPr>
+                      <a:r>
+                        <a:t>Quote de vocero</a:t>
+                      </a:r>
+                    </a:p>
+                  </a:txBody>
+                  <a:tcPr/>
+                </a:tc>
+                <a:tc>
+                  <a:txBody>
+                    <a:bodyPr/>
+                    <a:lstStyle/>
+                    <a:p>
+                      <a:pPr>
+                        <a:defRPr sz="1200"/>
+                      </a:pPr>
+                      <a:r>
+                        <a:t>Si</a:t>
+                      </a:r>
+                    </a:p>
+                  </a:txBody>
+                  <a:tcPr/>
+                </a:tc>
+              </a:tr>
+              <a:tr h="360279">
+                <a:tc>
+                  <a:txBody>
+                    <a:bodyPr/>
+                    <a:lstStyle/>
+                    <a:p>
+                      <a:pPr>
+                        <a:defRPr sz="1200" b="1"/>
+                      </a:pPr>
+                      <a:r>
+                        <a:t>Favorabilidad mediática</a:t>
+                      </a:r>
+                    </a:p>
+                  </a:txBody>
+                  <a:tcPr/>
+                </a:tc>
+                <a:tc>
+                  <a:txBody>
+                    <a:bodyPr/>
+                    <a:lstStyle/>
+                    <a:p>
+                      <a:pPr>
+                        <a:defRPr sz="1200"/>
+                      </a:pPr>
+                      <a:r>
+                        <a:t>Positiva</a:t>
+                      </a:r>
+                    </a:p>
+                  </a:txBody>
+                  <a:tcPr/>
+                </a:tc>
+              </a:tr>
+            </a:tbl>
+          </a:graphicData>
+        </a:graphic>
+      </p:graphicFrame>
+      <p:pic>
+        <p:nvPicPr>
+          <p:cNvPr id="6" name="Picture 5" descr="Twitter.png"/>
+          <p:cNvPicPr>
+            <a:picLocks noChangeAspect="1"/>
+          </p:cNvPicPr>
+          <p:nvPr/>
+        </p:nvPicPr>
+        <p:blipFill>
+          <a:blip r:embed="rId2"/>
+          <a:stretch>
+            <a:fillRect/>
+          </a:stretch>
+        </p:blipFill>
+        <p:spPr>
+          <a:xfrm>
+            <a:off x="7498079" y="731520"/>
+            <a:ext cx="521207" cy="521207"/>
+          </a:xfrm>
+          <a:prstGeom prst="rect">
+            <a:avLst/>
+          </a:prstGeom>
+        </p:spPr>
+      </p:pic>
+      <p:pic>
+        <p:nvPicPr>
+          <p:cNvPr id="7" name="Picture 6" descr="E24 3.jpg"/>
+          <p:cNvPicPr>
+            <a:picLocks noChangeAspect="1"/>
+          </p:cNvPicPr>
+          <p:nvPr/>
+        </p:nvPicPr>
+        <p:blipFill>
+          <a:blip r:embed="rId3"/>
+          <a:stretch>
+            <a:fillRect/>
+          </a:stretch>
+        </p:blipFill>
+        <p:spPr>
+          <a:xfrm>
+            <a:off x="228600" y="2103120"/>
+            <a:ext cx="3840480" cy="3840480"/>
+          </a:xfrm>
+          <a:prstGeom prst="rect">
+            <a:avLst/>
+          </a:prstGeom>
+        </p:spPr>
+      </p:pic>
+    </p:spTree>
+  </p:cSld>
+  <p:clrMapOvr>
+    <a:masterClrMapping/>
+  </p:clrMapOvr>
+</p:sld>
+</file>
+
+<file path=ppt/slides/slide16.xml><?xml version="1.0" encoding="utf-8"?>
+<p:sld xmlns:a="http://schemas.openxmlformats.org/drawingml/2006/main" xmlns:p="http://schemas.openxmlformats.org/presentationml/2006/main" xmlns:r="http://schemas.openxmlformats.org/officeDocument/2006/relationships">
+  <p:cSld>
+    <p:spTree>
+      <p:nvGrpSpPr>
+        <p:cNvPr id="1" name=""/>
+        <p:cNvGrpSpPr/>
+        <p:nvPr/>
+      </p:nvGrpSpPr>
+      <p:grpSpPr/>
+      <p:sp>
+        <p:nvSpPr>
+          <p:cNvPr id="2" name="Title 1"/>
+          <p:cNvSpPr>
+            <a:spLocks noGrp="1"/>
+          </p:cNvSpPr>
+          <p:nvPr>
+            <p:ph type="title"/>
+          </p:nvPr>
+        </p:nvSpPr>
+        <p:spPr/>
+        <p:txBody>
+          <a:bodyPr/>
+          <a:lstStyle/>
+          <a:p>
+            <a:pPr algn="ctr">
+              <a:defRPr b="1" sz="3500"/>
+            </a:pPr>
+            <a:r>
+              <a:t>Publicaciones - Twitter</a:t>
+            </a:r>
+          </a:p>
+        </p:txBody>
+      </p:sp>
+      <p:sp>
+        <p:nvSpPr>
+          <p:cNvPr id="3" name="Content Placeholder 2"/>
+          <p:cNvSpPr>
+            <a:spLocks noGrp="1"/>
+          </p:cNvSpPr>
+          <p:nvPr>
+            <p:ph idx="1" sz="half"/>
+          </p:nvPr>
+        </p:nvSpPr>
+        <p:spPr>
+          <a:xfrm>
+            <a:off x="365760" y="1097280"/>
+            <a:ext cx="1828800" cy="274320"/>
+          </a:xfrm>
+        </p:spPr>
+        <p:txBody>
+          <a:bodyPr/>
+          <a:lstStyle/>
+          <a:p>
+            <a:pPr>
+              <a:defRPr b="1" sz="1600"/>
+            </a:pPr>
+            <a:r>
+              <a:t>06 de Octubre</a:t>
+            </a:r>
+          </a:p>
+        </p:txBody>
+      </p:sp>
+      <p:sp>
+        <p:nvSpPr>
+          <p:cNvPr id="4" name="Content Placeholder 3"/>
+          <p:cNvSpPr>
+            <a:spLocks noGrp="1"/>
+          </p:cNvSpPr>
+          <p:nvPr>
+            <p:ph idx="13" sz="quarter"/>
+          </p:nvPr>
+        </p:nvSpPr>
+        <p:spPr/>
+        <p:txBody>
+          <a:bodyPr/>
+          <a:lstStyle/>
+          <a:p>
+            <a:r>
+              <a:t>https://twitter.com/ReportoCA/status/1313549638864117760?s=20</a:t>
+            </a:r>
+          </a:p>
+        </p:txBody>
+      </p:sp>
+      <p:graphicFrame>
+        <p:nvGraphicFramePr>
+          <p:cNvPr id="5" name="Table 4"/>
+          <p:cNvGraphicFramePr>
+            <a:graphicFrameLocks noGrp="1"/>
+          </p:cNvGraphicFramePr>
+          <p:nvPr/>
+        </p:nvGraphicFramePr>
+        <p:xfrm>
+          <a:off x="5486400" y="1828800"/>
+          <a:ext cx="3291840" cy="3602736"/>
+        </p:xfrm>
+        <a:graphic>
+          <a:graphicData uri="http://schemas.openxmlformats.org/drawingml/2006/table">
+            <a:tbl>
+              <a:tblPr firstRow="1" bandRow="1">
+                <a:tableStyleId>{5C22544A-7EE6-4342-B048-85BDC9FD1C3A}</a:tableStyleId>
+              </a:tblPr>
+              <a:tblGrid>
+                <a:gridCol w="1645920"/>
+                <a:gridCol w="1645920"/>
+              </a:tblGrid>
+              <a:tr h="360273">
+                <a:tc>
+                  <a:txBody>
+                    <a:bodyPr/>
+                    <a:lstStyle/>
+                    <a:p>
+                      <a:pPr>
+                        <a:defRPr sz="1200" b="1"/>
+                      </a:pPr>
+                      <a:r>
+                        <a:t>Medio</a:t>
+                      </a:r>
+                    </a:p>
+                  </a:txBody>
+                  <a:tcPr/>
+                </a:tc>
+                <a:tc>
+                  <a:txBody>
+                    <a:bodyPr/>
+                    <a:lstStyle/>
+                    <a:p>
+                      <a:pPr>
+                        <a:defRPr sz="1200" b="1"/>
+                      </a:pPr>
+                      <a:r>
+                        <a:t>Reportes de Camérica</a:t>
+                      </a:r>
+                    </a:p>
+                  </a:txBody>
+                  <a:tcPr/>
+                </a:tc>
+              </a:tr>
+              <a:tr h="360273">
+                <a:tc>
+                  <a:txBody>
+                    <a:bodyPr/>
+                    <a:lstStyle/>
+                    <a:p>
+                      <a:pPr>
+                        <a:defRPr sz="1200" b="1"/>
+                      </a:pPr>
+                      <a:r>
+                        <a:t>Tipo</a:t>
+                      </a:r>
+                    </a:p>
+                  </a:txBody>
+                  <a:tcPr/>
+                </a:tc>
+                <a:tc>
+                  <a:txBody>
+                    <a:bodyPr/>
+                    <a:lstStyle/>
+                    <a:p>
+                      <a:pPr>
+                        <a:defRPr sz="1200"/>
+                      </a:pPr>
+                      <a:r>
+                        <a:t>Twitter</a:t>
+                      </a:r>
+                    </a:p>
+                  </a:txBody>
+                  <a:tcPr/>
+                </a:tc>
+              </a:tr>
+              <a:tr h="360273">
+                <a:tc>
+                  <a:txBody>
+                    <a:bodyPr/>
+                    <a:lstStyle/>
+                    <a:p>
+                      <a:pPr>
+                        <a:defRPr sz="1200" b="1"/>
+                      </a:pPr>
+                      <a:r>
+                        <a:t>Tamaño</a:t>
+                      </a:r>
+                    </a:p>
+                  </a:txBody>
+                  <a:tcPr/>
+                </a:tc>
+                <a:tc>
+                  <a:txBody>
+                    <a:bodyPr/>
+                    <a:lstStyle/>
+                    <a:p>
+                      <a:pPr>
+                        <a:defRPr sz="1200"/>
+                      </a:pPr>
+                      <a:r>
+                        <a:t>1 post</a:t>
+                      </a:r>
+                    </a:p>
+                  </a:txBody>
+                  <a:tcPr/>
+                </a:tc>
+              </a:tr>
+              <a:tr h="360273">
+                <a:tc>
+                  <a:txBody>
+                    <a:bodyPr/>
+                    <a:lstStyle/>
+                    <a:p>
+                      <a:pPr>
+                        <a:defRPr sz="1200" b="1"/>
+                      </a:pPr>
+                      <a:r>
+                        <a:t>Valor Publicitario</a:t>
+                      </a:r>
+                    </a:p>
+                  </a:txBody>
+                  <a:tcPr/>
+                </a:tc>
+                <a:tc>
+                  <a:txBody>
+                    <a:bodyPr/>
+                    <a:lstStyle/>
+                    <a:p>
+                      <a:pPr>
+                        <a:defRPr sz="1200"/>
+                      </a:pPr>
+                      <a:r>
+                        <a:t>B/. 500.00</a:t>
+                      </a:r>
+                    </a:p>
+                  </a:txBody>
+                  <a:tcPr/>
+                </a:tc>
+              </a:tr>
+              <a:tr h="360273">
+                <a:tc>
+                  <a:txBody>
+                    <a:bodyPr/>
+                    <a:lstStyle/>
+                    <a:p>
+                      <a:pPr>
+                        <a:defRPr sz="1200" b="1"/>
+                      </a:pPr>
+                      <a:r>
+                        <a:t>Valor Informativo</a:t>
+                      </a:r>
+                    </a:p>
+                  </a:txBody>
+                  <a:tcPr/>
+                </a:tc>
+                <a:tc>
+                  <a:txBody>
+                    <a:bodyPr/>
+                    <a:lstStyle/>
+                    <a:p>
+                      <a:pPr>
+                        <a:defRPr sz="1200"/>
+                      </a:pPr>
+                      <a:r>
+                        <a:t>B/. 2,000.00</a:t>
+                      </a:r>
+                    </a:p>
+                  </a:txBody>
+                  <a:tcPr/>
+                </a:tc>
+              </a:tr>
+              <a:tr h="360273">
+                <a:tc>
+                  <a:txBody>
+                    <a:bodyPr/>
+                    <a:lstStyle/>
+                    <a:p>
+                      <a:pPr>
+                        <a:defRPr sz="1200" b="1"/>
+                      </a:pPr>
+                      <a:r>
+                        <a:t>Tier</a:t>
+                      </a:r>
+                    </a:p>
+                  </a:txBody>
+                  <a:tcPr/>
+                </a:tc>
+                <a:tc>
+                  <a:txBody>
+                    <a:bodyPr/>
+                    <a:lstStyle/>
+                    <a:p>
+                      <a:pPr>
+                        <a:defRPr sz="1200"/>
+                      </a:pPr>
+                      <a:r>
+                        <a:t>1</a:t>
+                      </a:r>
+                    </a:p>
+                  </a:txBody>
+                  <a:tcPr/>
+                </a:tc>
+              </a:tr>
+              <a:tr h="360273">
+                <a:tc>
+                  <a:txBody>
+                    <a:bodyPr/>
+                    <a:lstStyle/>
+                    <a:p>
+                      <a:pPr>
+                        <a:defRPr sz="1200" b="1"/>
+                      </a:pPr>
+                      <a:r>
+                        <a:t>Mención de Marca</a:t>
+                      </a:r>
+                    </a:p>
+                  </a:txBody>
+                  <a:tcPr/>
+                </a:tc>
+                <a:tc>
+                  <a:txBody>
+                    <a:bodyPr/>
+                    <a:lstStyle/>
+                    <a:p>
+                      <a:pPr>
+                        <a:defRPr sz="1200"/>
+                      </a:pPr>
+                      <a:r>
+                        <a:t>Si</a:t>
+                      </a:r>
+                    </a:p>
+                  </a:txBody>
+                  <a:tcPr/>
+                </a:tc>
+              </a:tr>
+              <a:tr h="360273">
+                <a:tc>
+                  <a:txBody>
+                    <a:bodyPr/>
+                    <a:lstStyle/>
+                    <a:p>
+                      <a:pPr>
+                        <a:defRPr sz="1200" b="1"/>
+                      </a:pPr>
+                      <a:r>
+                        <a:t>Presencia de vocero</a:t>
+                      </a:r>
+                    </a:p>
+                  </a:txBody>
+                  <a:tcPr/>
+                </a:tc>
+                <a:tc>
+                  <a:txBody>
+                    <a:bodyPr/>
+                    <a:lstStyle/>
+                    <a:p>
+                      <a:pPr>
+                        <a:defRPr sz="1200"/>
+                      </a:pPr>
+                      <a:r>
+                        <a:t>Si</a:t>
+                      </a:r>
+                    </a:p>
+                  </a:txBody>
+                  <a:tcPr/>
+                </a:tc>
+              </a:tr>
+              <a:tr h="360273">
+                <a:tc>
+                  <a:txBody>
+                    <a:bodyPr/>
+                    <a:lstStyle/>
+                    <a:p>
+                      <a:pPr>
+                        <a:defRPr sz="1200" b="1"/>
+                      </a:pPr>
+                      <a:r>
+                        <a:t>Quote de vocero</a:t>
+                      </a:r>
+                    </a:p>
+                  </a:txBody>
+                  <a:tcPr/>
+                </a:tc>
+                <a:tc>
+                  <a:txBody>
+                    <a:bodyPr/>
+                    <a:lstStyle/>
+                    <a:p>
+                      <a:pPr>
+                        <a:defRPr sz="1200"/>
+                      </a:pPr>
+                      <a:r>
+                        <a:t>Si</a:t>
+                      </a:r>
+                    </a:p>
+                  </a:txBody>
+                  <a:tcPr/>
+                </a:tc>
+              </a:tr>
+              <a:tr h="360279">
+                <a:tc>
+                  <a:txBody>
+                    <a:bodyPr/>
+                    <a:lstStyle/>
+                    <a:p>
+                      <a:pPr>
+                        <a:defRPr sz="1200" b="1"/>
+                      </a:pPr>
+                      <a:r>
+                        <a:t>Favorabilidad mediática</a:t>
+                      </a:r>
+                    </a:p>
+                  </a:txBody>
+                  <a:tcPr/>
+                </a:tc>
+                <a:tc>
+                  <a:txBody>
+                    <a:bodyPr/>
+                    <a:lstStyle/>
+                    <a:p>
+                      <a:pPr>
+                        <a:defRPr sz="1200"/>
+                      </a:pPr>
+                      <a:r>
+                        <a:t>Positiva</a:t>
+                      </a:r>
+                    </a:p>
+                  </a:txBody>
+                  <a:tcPr/>
+                </a:tc>
+              </a:tr>
+            </a:tbl>
+          </a:graphicData>
+        </a:graphic>
+      </p:graphicFrame>
+      <p:pic>
+        <p:nvPicPr>
+          <p:cNvPr id="6" name="Picture 5" descr="Twitter.png"/>
+          <p:cNvPicPr>
+            <a:picLocks noChangeAspect="1"/>
+          </p:cNvPicPr>
+          <p:nvPr/>
+        </p:nvPicPr>
+        <p:blipFill>
+          <a:blip r:embed="rId2"/>
+          <a:stretch>
+            <a:fillRect/>
+          </a:stretch>
+        </p:blipFill>
+        <p:spPr>
+          <a:xfrm>
+            <a:off x="7498079" y="731520"/>
+            <a:ext cx="521207" cy="521207"/>
+          </a:xfrm>
+          <a:prstGeom prst="rect">
+            <a:avLst/>
+          </a:prstGeom>
+        </p:spPr>
+      </p:pic>
+      <p:pic>
+        <p:nvPicPr>
+          <p:cNvPr id="7" name="Picture 6" descr="E24 5.jpg"/>
           <p:cNvPicPr>
             <a:picLocks noChangeAspect="1"/>
           </p:cNvPicPr>
@@ -7122,7 +7100,7 @@
               <a:defRPr b="1" sz="1600"/>
             </a:pPr>
             <a:r>
-              <a:t>01 de Octubre</a:t>
+              <a:t>06 de Octubre</a:t>
             </a:r>
           </a:p>
         </p:txBody>
@@ -7143,7 +7121,7 @@
           <a:lstStyle/>
           <a:p>
             <a:r>
-              <a:t>https://twitter.com/ElCFPanama/status/1311699596868030465?s=20</a:t>
+              <a:t>https://twitter.com/EstrellaOnline/status/1313554875150721024?s=20</a:t>
             </a:r>
           </a:p>
         </p:txBody>
@@ -7195,7 +7173,7 @@
                         <a:defRPr sz="1200" b="1"/>
                       </a:pPr>
                       <a:r>
-                        <a:t>El Capital Financiero</a:t>
+                        <a:t>La Estrella de Panamá</a:t>
                       </a:r>
                     </a:p>
                   </a:txBody>
@@ -7520,7 +7498,7 @@
       </p:pic>
       <p:pic>
         <p:nvPicPr>
-          <p:cNvPr id="7" name="Picture 6" descr="DAHUA 2.jpg"/>
+          <p:cNvPr id="7" name="Picture 6" descr="E24 6.jpg"/>
           <p:cNvPicPr>
             <a:picLocks noChangeAspect="1"/>
           </p:cNvPicPr>
@@ -7579,7 +7557,7 @@
               <a:defRPr b="1" sz="3500"/>
             </a:pPr>
             <a:r>
-              <a:t>Publicaciones - Instagram</a:t>
+              <a:t>Publicaciones - Twitter</a:t>
             </a:r>
           </a:p>
         </p:txBody>
@@ -7608,7 +7586,7 @@
               <a:defRPr b="1" sz="1600"/>
             </a:pPr>
             <a:r>
-              <a:t>12 de Octubre</a:t>
+              <a:t>07 de Octubre</a:t>
             </a:r>
           </a:p>
         </p:txBody>
@@ -7629,7 +7607,7 @@
           <a:lstStyle/>
           <a:p>
             <a:r>
-              <a:t>https://www.instagram.com/p/CGQouMGn-FB/?igshid=1femxospxoxhy</a:t>
+              <a:t>https://twitter.com/ElCFPanama/status/1313866365854461953?s=20</a:t>
             </a:r>
           </a:p>
         </p:txBody>
@@ -7681,7 +7659,7 @@
                         <a:defRPr sz="1200" b="1"/>
                       </a:pPr>
                       <a:r>
-                        <a:t>El Espectador</a:t>
+                        <a:t>El Capital Financiero</a:t>
                       </a:r>
                     </a:p>
                   </a:txBody>
@@ -7713,7 +7691,7 @@
                         <a:defRPr sz="1200"/>
                       </a:pPr>
                       <a:r>
-                        <a:t>Instagram</a:t>
+                        <a:t>Twitter</a:t>
                       </a:r>
                     </a:p>
                   </a:txBody>
@@ -7982,7 +7960,7 @@
       </p:graphicFrame>
       <p:pic>
         <p:nvPicPr>
-          <p:cNvPr id="6" name="Picture 5" descr="Instagram.png"/>
+          <p:cNvPr id="6" name="Picture 5" descr="Twitter.png"/>
           <p:cNvPicPr>
             <a:picLocks noChangeAspect="1"/>
           </p:cNvPicPr>
@@ -8006,7 +7984,7 @@
       </p:pic>
       <p:pic>
         <p:nvPicPr>
-          <p:cNvPr id="7" name="Picture 6" descr="DAHUA 4.jpg"/>
+          <p:cNvPr id="7" name="Picture 6" descr="E24 9.jpg"/>
           <p:cNvPicPr>
             <a:picLocks noChangeAspect="1"/>
           </p:cNvPicPr>
@@ -8065,7 +8043,7 @@
               <a:defRPr b="1" sz="3500"/>
             </a:pPr>
             <a:r>
-              <a:t>Publicaciones - Twitter</a:t>
+              <a:t>Publicaciones - Instagram</a:t>
             </a:r>
           </a:p>
         </p:txBody>
@@ -8094,7 +8072,7 @@
               <a:defRPr b="1" sz="1600"/>
             </a:pPr>
             <a:r>
-              <a:t>16 de Octubre</a:t>
+              <a:t>07 de Octubre</a:t>
             </a:r>
           </a:p>
         </p:txBody>
@@ -8115,7 +8093,7 @@
           <a:lstStyle/>
           <a:p>
             <a:r>
-              <a:t>https://twitter.com/escenariosv/status/1317126121473847297?s=20</a:t>
+              <a:t>https://www.instagram.com/p/CGECFkHnvmw/?igshid=a9bowmzakvt8</a:t>
             </a:r>
           </a:p>
         </p:txBody>
@@ -8167,7 +8145,7 @@
                         <a:defRPr sz="1200" b="1"/>
                       </a:pPr>
                       <a:r>
-                        <a:t>Escenarios</a:t>
+                        <a:t>El Capital Financiero</a:t>
                       </a:r>
                     </a:p>
                   </a:txBody>
@@ -8199,7 +8177,7 @@
                         <a:defRPr sz="1200"/>
                       </a:pPr>
                       <a:r>
-                        <a:t>Twitter</a:t>
+                        <a:t>Instagram</a:t>
                       </a:r>
                     </a:p>
                   </a:txBody>
@@ -8468,7 +8446,7 @@
       </p:graphicFrame>
       <p:pic>
         <p:nvPicPr>
-          <p:cNvPr id="6" name="Picture 5" descr="Twitter.png"/>
+          <p:cNvPr id="6" name="Picture 5" descr="Instagram.png"/>
           <p:cNvPicPr>
             <a:picLocks noChangeAspect="1"/>
           </p:cNvPicPr>
@@ -8492,7 +8470,7 @@
       </p:pic>
       <p:pic>
         <p:nvPicPr>
-          <p:cNvPr id="7" name="Picture 6" descr="DAHUA 9.jpg"/>
+          <p:cNvPr id="7" name="Picture 6" descr="E24 10.jpg"/>
           <p:cNvPicPr>
             <a:picLocks noChangeAspect="1"/>
           </p:cNvPicPr>
@@ -8580,7 +8558,7 @@
               <a:defRPr b="1" sz="1600"/>
             </a:pPr>
             <a:r>
-              <a:t>02 de Octubre</a:t>
+              <a:t>05 de Octubre</a:t>
             </a:r>
           </a:p>
         </p:txBody>
@@ -8601,7 +8579,7 @@
           <a:lstStyle/>
           <a:p>
             <a:r>
-              <a:t>https://riducaonline.com/2020/10/02/la-tecnologia-que-ayuda-a-monitorear-temperaturas-corporales-anormales/</a:t>
+              <a:t>https://www.critica.com.pa/nacional/el-consumo-siempre-vuelve-589324</a:t>
             </a:r>
           </a:p>
         </p:txBody>
@@ -8653,7 +8631,7 @@
                         <a:defRPr sz="1200" b="1"/>
                       </a:pPr>
                       <a:r>
-                        <a:t>Riduca Online</a:t>
+                        <a:t>La Crítica</a:t>
                       </a:r>
                     </a:p>
                   </a:txBody>
@@ -8978,7 +8956,7 @@
       </p:pic>
       <p:pic>
         <p:nvPicPr>
-          <p:cNvPr id="7" name="Picture 6" descr="DAHUA 3.jpg"/>
+          <p:cNvPr id="7" name="Picture 6" descr="E24 2.jpg"/>
           <p:cNvPicPr>
             <a:picLocks noChangeAspect="1"/>
           </p:cNvPicPr>
@@ -9066,7 +9044,7 @@
               <a:defRPr b="1" sz="1600"/>
             </a:pPr>
             <a:r>
-              <a:t>30 de Octubre</a:t>
+              <a:t>07 de Octubre</a:t>
             </a:r>
           </a:p>
         </p:txBody>
@@ -9087,7 +9065,7 @@
           <a:lstStyle/>
           <a:p>
             <a:r>
-              <a:t>https://twitter.com/Revista_EyN/status/1322289764817608705?s=20</a:t>
+              <a:t>https://twitter.com/EstrellaOnline/status/1313773683941478401?s=20</a:t>
             </a:r>
           </a:p>
         </p:txBody>
@@ -9139,7 +9117,7 @@
                         <a:defRPr sz="1200" b="1"/>
                       </a:pPr>
                       <a:r>
-                        <a:t>Estrategia y Negocios</a:t>
+                        <a:t>La Estrella de Panamá</a:t>
                       </a:r>
                     </a:p>
                   </a:txBody>
@@ -9464,7 +9442,7 @@
       </p:pic>
       <p:pic>
         <p:nvPicPr>
-          <p:cNvPr id="7" name="Picture 6" descr="DAHUA 19.jpg"/>
+          <p:cNvPr id="7" name="Picture 6" descr="E24 11.jpg"/>
           <p:cNvPicPr>
             <a:picLocks noChangeAspect="1"/>
           </p:cNvPicPr>
@@ -9523,7 +9501,7 @@
               <a:defRPr b="1" sz="3500"/>
             </a:pPr>
             <a:r>
-              <a:t>Publicaciones - Twitter</a:t>
+              <a:t>Publicaciones - Facebook</a:t>
             </a:r>
           </a:p>
         </p:txBody>
@@ -9552,7 +9530,7 @@
               <a:defRPr b="1" sz="1600"/>
             </a:pPr>
             <a:r>
-              <a:t>30 de Octubre</a:t>
+              <a:t>07 de Octubre</a:t>
             </a:r>
           </a:p>
         </p:txBody>
@@ -9573,7 +9551,7 @@
           <a:lstStyle/>
           <a:p>
             <a:r>
-              <a:t>https://twitter.com/Revista_EyN/status/1322288871401525252?s=20</a:t>
+              <a:t>https://www.facebook.com/LaEstrelladePanama/photos/capac-plataforma-virtual-clave-para-ferias-inmobiliarias-en-tiempos-de-covid-19-/3362490347121567/</a:t>
             </a:r>
           </a:p>
         </p:txBody>
@@ -9625,7 +9603,7 @@
                         <a:defRPr sz="1200" b="1"/>
                       </a:pPr>
                       <a:r>
-                        <a:t>Estrategia y Negocios</a:t>
+                        <a:t>La Estrella de Panamá</a:t>
                       </a:r>
                     </a:p>
                   </a:txBody>
@@ -9657,7 +9635,7 @@
                         <a:defRPr sz="1200"/>
                       </a:pPr>
                       <a:r>
-                        <a:t>Twitter</a:t>
+                        <a:t>Facebook</a:t>
                       </a:r>
                     </a:p>
                   </a:txBody>
@@ -9926,7 +9904,7 @@
       </p:graphicFrame>
       <p:pic>
         <p:nvPicPr>
-          <p:cNvPr id="6" name="Picture 5" descr="Twitter.png"/>
+          <p:cNvPr id="6" name="Picture 5" descr="Facebook.png"/>
           <p:cNvPicPr>
             <a:picLocks noChangeAspect="1"/>
           </p:cNvPicPr>
@@ -9950,7 +9928,7 @@
       </p:pic>
       <p:pic>
         <p:nvPicPr>
-          <p:cNvPr id="7" name="Picture 6" descr="DAHUA 20.jpg"/>
+          <p:cNvPr id="7" name="Picture 6" descr="E24 12.jpg"/>
           <p:cNvPicPr>
             <a:picLocks noChangeAspect="1"/>
           </p:cNvPicPr>
@@ -10038,7 +10016,7 @@
               <a:defRPr b="1" sz="1600"/>
             </a:pPr>
             <a:r>
-              <a:t>30 de Octubre</a:t>
+              <a:t>29 de Octubre</a:t>
             </a:r>
           </a:p>
         </p:txBody>
@@ -10059,7 +10037,7 @@
           <a:lstStyle/>
           <a:p>
             <a:r>
-              <a:t>https://twitter.com/Revista_EyN/status/1322287805700153345?s=20</a:t>
+              <a:t>https://twitter.com/MetroLibrePTY/status/1321754944316207105?s=20</a:t>
             </a:r>
           </a:p>
         </p:txBody>
@@ -10111,7 +10089,7 @@
                         <a:defRPr sz="1200" b="1"/>
                       </a:pPr>
                       <a:r>
-                        <a:t>Estrategia y Negocios</a:t>
+                        <a:t>Metro Libre</a:t>
                       </a:r>
                     </a:p>
                   </a:txBody>
@@ -10436,2923 +10414,7 @@
       </p:pic>
       <p:pic>
         <p:nvPicPr>
-          <p:cNvPr id="7" name="Picture 6" descr="DAHUA 21.jpg"/>
-          <p:cNvPicPr>
-            <a:picLocks noChangeAspect="1"/>
-          </p:cNvPicPr>
-          <p:nvPr/>
-        </p:nvPicPr>
-        <p:blipFill>
-          <a:blip r:embed="rId3"/>
-          <a:stretch>
-            <a:fillRect/>
-          </a:stretch>
-        </p:blipFill>
-        <p:spPr>
-          <a:xfrm>
-            <a:off x="228600" y="2103120"/>
-            <a:ext cx="3840480" cy="3840480"/>
-          </a:xfrm>
-          <a:prstGeom prst="rect">
-            <a:avLst/>
-          </a:prstGeom>
-        </p:spPr>
-      </p:pic>
-    </p:spTree>
-  </p:cSld>
-  <p:clrMapOvr>
-    <a:masterClrMapping/>
-  </p:clrMapOvr>
-</p:sld>
-</file>
-
-<file path=ppt/slides/slide23.xml><?xml version="1.0" encoding="utf-8"?>
-<p:sld xmlns:a="http://schemas.openxmlformats.org/drawingml/2006/main" xmlns:p="http://schemas.openxmlformats.org/presentationml/2006/main" xmlns:r="http://schemas.openxmlformats.org/officeDocument/2006/relationships">
-  <p:cSld>
-    <p:spTree>
-      <p:nvGrpSpPr>
-        <p:cNvPr id="1" name=""/>
-        <p:cNvGrpSpPr/>
-        <p:nvPr/>
-      </p:nvGrpSpPr>
-      <p:grpSpPr/>
-      <p:sp>
-        <p:nvSpPr>
-          <p:cNvPr id="2" name="Title 1"/>
-          <p:cNvSpPr>
-            <a:spLocks noGrp="1"/>
-          </p:cNvSpPr>
-          <p:nvPr>
-            <p:ph type="title"/>
-          </p:nvPr>
-        </p:nvSpPr>
-        <p:spPr/>
-        <p:txBody>
-          <a:bodyPr/>
-          <a:lstStyle/>
-          <a:p>
-            <a:pPr algn="ctr">
-              <a:defRPr b="1" sz="3500"/>
-            </a:pPr>
-            <a:r>
-              <a:t>Publicaciones - Twitter</a:t>
-            </a:r>
-          </a:p>
-        </p:txBody>
-      </p:sp>
-      <p:sp>
-        <p:nvSpPr>
-          <p:cNvPr id="3" name="Content Placeholder 2"/>
-          <p:cNvSpPr>
-            <a:spLocks noGrp="1"/>
-          </p:cNvSpPr>
-          <p:nvPr>
-            <p:ph idx="1" sz="half"/>
-          </p:nvPr>
-        </p:nvSpPr>
-        <p:spPr>
-          <a:xfrm>
-            <a:off x="365760" y="1097280"/>
-            <a:ext cx="1828800" cy="274320"/>
-          </a:xfrm>
-        </p:spPr>
-        <p:txBody>
-          <a:bodyPr/>
-          <a:lstStyle/>
-          <a:p>
-            <a:pPr>
-              <a:defRPr b="1" sz="1600"/>
-            </a:pPr>
-            <a:r>
-              <a:t>30 de Octubre</a:t>
-            </a:r>
-          </a:p>
-        </p:txBody>
-      </p:sp>
-      <p:sp>
-        <p:nvSpPr>
-          <p:cNvPr id="4" name="Content Placeholder 3"/>
-          <p:cNvSpPr>
-            <a:spLocks noGrp="1"/>
-          </p:cNvSpPr>
-          <p:nvPr>
-            <p:ph idx="13" sz="quarter"/>
-          </p:nvPr>
-        </p:nvSpPr>
-        <p:spPr/>
-        <p:txBody>
-          <a:bodyPr/>
-          <a:lstStyle/>
-          <a:p>
-            <a:r>
-              <a:t>https://twitter.com/Revista_EyN/status/1322233109199392769?s=20</a:t>
-            </a:r>
-          </a:p>
-        </p:txBody>
-      </p:sp>
-      <p:graphicFrame>
-        <p:nvGraphicFramePr>
-          <p:cNvPr id="5" name="Table 4"/>
-          <p:cNvGraphicFramePr>
-            <a:graphicFrameLocks noGrp="1"/>
-          </p:cNvGraphicFramePr>
-          <p:nvPr/>
-        </p:nvGraphicFramePr>
-        <p:xfrm>
-          <a:off x="5486400" y="1828800"/>
-          <a:ext cx="3291840" cy="3602736"/>
-        </p:xfrm>
-        <a:graphic>
-          <a:graphicData uri="http://schemas.openxmlformats.org/drawingml/2006/table">
-            <a:tbl>
-              <a:tblPr firstRow="1" bandRow="1">
-                <a:tableStyleId>{5C22544A-7EE6-4342-B048-85BDC9FD1C3A}</a:tableStyleId>
-              </a:tblPr>
-              <a:tblGrid>
-                <a:gridCol w="1645920"/>
-                <a:gridCol w="1645920"/>
-              </a:tblGrid>
-              <a:tr h="360273">
-                <a:tc>
-                  <a:txBody>
-                    <a:bodyPr/>
-                    <a:lstStyle/>
-                    <a:p>
-                      <a:pPr>
-                        <a:defRPr sz="1200" b="1"/>
-                      </a:pPr>
-                      <a:r>
-                        <a:t>Medio</a:t>
-                      </a:r>
-                    </a:p>
-                  </a:txBody>
-                  <a:tcPr/>
-                </a:tc>
-                <a:tc>
-                  <a:txBody>
-                    <a:bodyPr/>
-                    <a:lstStyle/>
-                    <a:p>
-                      <a:pPr>
-                        <a:defRPr sz="1200" b="1"/>
-                      </a:pPr>
-                      <a:r>
-                        <a:t>Estrategia y Negocios</a:t>
-                      </a:r>
-                    </a:p>
-                  </a:txBody>
-                  <a:tcPr/>
-                </a:tc>
-              </a:tr>
-              <a:tr h="360273">
-                <a:tc>
-                  <a:txBody>
-                    <a:bodyPr/>
-                    <a:lstStyle/>
-                    <a:p>
-                      <a:pPr>
-                        <a:defRPr sz="1200" b="1"/>
-                      </a:pPr>
-                      <a:r>
-                        <a:t>Tipo</a:t>
-                      </a:r>
-                    </a:p>
-                  </a:txBody>
-                  <a:tcPr/>
-                </a:tc>
-                <a:tc>
-                  <a:txBody>
-                    <a:bodyPr/>
-                    <a:lstStyle/>
-                    <a:p>
-                      <a:pPr>
-                        <a:defRPr sz="1200"/>
-                      </a:pPr>
-                      <a:r>
-                        <a:t>Twitter</a:t>
-                      </a:r>
-                    </a:p>
-                  </a:txBody>
-                  <a:tcPr/>
-                </a:tc>
-              </a:tr>
-              <a:tr h="360273">
-                <a:tc>
-                  <a:txBody>
-                    <a:bodyPr/>
-                    <a:lstStyle/>
-                    <a:p>
-                      <a:pPr>
-                        <a:defRPr sz="1200" b="1"/>
-                      </a:pPr>
-                      <a:r>
-                        <a:t>Tamaño</a:t>
-                      </a:r>
-                    </a:p>
-                  </a:txBody>
-                  <a:tcPr/>
-                </a:tc>
-                <a:tc>
-                  <a:txBody>
-                    <a:bodyPr/>
-                    <a:lstStyle/>
-                    <a:p>
-                      <a:pPr>
-                        <a:defRPr sz="1200"/>
-                      </a:pPr>
-                      <a:r>
-                        <a:t>1 post</a:t>
-                      </a:r>
-                    </a:p>
-                  </a:txBody>
-                  <a:tcPr/>
-                </a:tc>
-              </a:tr>
-              <a:tr h="360273">
-                <a:tc>
-                  <a:txBody>
-                    <a:bodyPr/>
-                    <a:lstStyle/>
-                    <a:p>
-                      <a:pPr>
-                        <a:defRPr sz="1200" b="1"/>
-                      </a:pPr>
-                      <a:r>
-                        <a:t>Valor Publicitario</a:t>
-                      </a:r>
-                    </a:p>
-                  </a:txBody>
-                  <a:tcPr/>
-                </a:tc>
-                <a:tc>
-                  <a:txBody>
-                    <a:bodyPr/>
-                    <a:lstStyle/>
-                    <a:p>
-                      <a:pPr>
-                        <a:defRPr sz="1200"/>
-                      </a:pPr>
-                      <a:r>
-                        <a:t>B/. 500.00</a:t>
-                      </a:r>
-                    </a:p>
-                  </a:txBody>
-                  <a:tcPr/>
-                </a:tc>
-              </a:tr>
-              <a:tr h="360273">
-                <a:tc>
-                  <a:txBody>
-                    <a:bodyPr/>
-                    <a:lstStyle/>
-                    <a:p>
-                      <a:pPr>
-                        <a:defRPr sz="1200" b="1"/>
-                      </a:pPr>
-                      <a:r>
-                        <a:t>Valor Informativo</a:t>
-                      </a:r>
-                    </a:p>
-                  </a:txBody>
-                  <a:tcPr/>
-                </a:tc>
-                <a:tc>
-                  <a:txBody>
-                    <a:bodyPr/>
-                    <a:lstStyle/>
-                    <a:p>
-                      <a:pPr>
-                        <a:defRPr sz="1200"/>
-                      </a:pPr>
-                      <a:r>
-                        <a:t>B/. 2,000.00</a:t>
-                      </a:r>
-                    </a:p>
-                  </a:txBody>
-                  <a:tcPr/>
-                </a:tc>
-              </a:tr>
-              <a:tr h="360273">
-                <a:tc>
-                  <a:txBody>
-                    <a:bodyPr/>
-                    <a:lstStyle/>
-                    <a:p>
-                      <a:pPr>
-                        <a:defRPr sz="1200" b="1"/>
-                      </a:pPr>
-                      <a:r>
-                        <a:t>Tier</a:t>
-                      </a:r>
-                    </a:p>
-                  </a:txBody>
-                  <a:tcPr/>
-                </a:tc>
-                <a:tc>
-                  <a:txBody>
-                    <a:bodyPr/>
-                    <a:lstStyle/>
-                    <a:p>
-                      <a:pPr>
-                        <a:defRPr sz="1200"/>
-                      </a:pPr>
-                      <a:r>
-                        <a:t>None</a:t>
-                      </a:r>
-                    </a:p>
-                  </a:txBody>
-                  <a:tcPr/>
-                </a:tc>
-              </a:tr>
-              <a:tr h="360273">
-                <a:tc>
-                  <a:txBody>
-                    <a:bodyPr/>
-                    <a:lstStyle/>
-                    <a:p>
-                      <a:pPr>
-                        <a:defRPr sz="1200" b="1"/>
-                      </a:pPr>
-                      <a:r>
-                        <a:t>Mención de Marca</a:t>
-                      </a:r>
-                    </a:p>
-                  </a:txBody>
-                  <a:tcPr/>
-                </a:tc>
-                <a:tc>
-                  <a:txBody>
-                    <a:bodyPr/>
-                    <a:lstStyle/>
-                    <a:p>
-                      <a:pPr>
-                        <a:defRPr sz="1200"/>
-                      </a:pPr>
-                      <a:r>
-                        <a:t>Si</a:t>
-                      </a:r>
-                    </a:p>
-                  </a:txBody>
-                  <a:tcPr/>
-                </a:tc>
-              </a:tr>
-              <a:tr h="360273">
-                <a:tc>
-                  <a:txBody>
-                    <a:bodyPr/>
-                    <a:lstStyle/>
-                    <a:p>
-                      <a:pPr>
-                        <a:defRPr sz="1200" b="1"/>
-                      </a:pPr>
-                      <a:r>
-                        <a:t>Presencia de vocero</a:t>
-                      </a:r>
-                    </a:p>
-                  </a:txBody>
-                  <a:tcPr/>
-                </a:tc>
-                <a:tc>
-                  <a:txBody>
-                    <a:bodyPr/>
-                    <a:lstStyle/>
-                    <a:p>
-                      <a:pPr>
-                        <a:defRPr sz="1200"/>
-                      </a:pPr>
-                      <a:r>
-                        <a:t>Si</a:t>
-                      </a:r>
-                    </a:p>
-                  </a:txBody>
-                  <a:tcPr/>
-                </a:tc>
-              </a:tr>
-              <a:tr h="360273">
-                <a:tc>
-                  <a:txBody>
-                    <a:bodyPr/>
-                    <a:lstStyle/>
-                    <a:p>
-                      <a:pPr>
-                        <a:defRPr sz="1200" b="1"/>
-                      </a:pPr>
-                      <a:r>
-                        <a:t>Quote de vocero</a:t>
-                      </a:r>
-                    </a:p>
-                  </a:txBody>
-                  <a:tcPr/>
-                </a:tc>
-                <a:tc>
-                  <a:txBody>
-                    <a:bodyPr/>
-                    <a:lstStyle/>
-                    <a:p>
-                      <a:pPr>
-                        <a:defRPr sz="1200"/>
-                      </a:pPr>
-                      <a:r>
-                        <a:t>Si</a:t>
-                      </a:r>
-                    </a:p>
-                  </a:txBody>
-                  <a:tcPr/>
-                </a:tc>
-              </a:tr>
-              <a:tr h="360279">
-                <a:tc>
-                  <a:txBody>
-                    <a:bodyPr/>
-                    <a:lstStyle/>
-                    <a:p>
-                      <a:pPr>
-                        <a:defRPr sz="1200" b="1"/>
-                      </a:pPr>
-                      <a:r>
-                        <a:t>Favorabilidad mediática</a:t>
-                      </a:r>
-                    </a:p>
-                  </a:txBody>
-                  <a:tcPr/>
-                </a:tc>
-                <a:tc>
-                  <a:txBody>
-                    <a:bodyPr/>
-                    <a:lstStyle/>
-                    <a:p>
-                      <a:pPr>
-                        <a:defRPr sz="1200"/>
-                      </a:pPr>
-                      <a:r>
-                        <a:t>Positiva</a:t>
-                      </a:r>
-                    </a:p>
-                  </a:txBody>
-                  <a:tcPr/>
-                </a:tc>
-              </a:tr>
-            </a:tbl>
-          </a:graphicData>
-        </a:graphic>
-      </p:graphicFrame>
-      <p:pic>
-        <p:nvPicPr>
-          <p:cNvPr id="6" name="Picture 5" descr="Twitter.png"/>
-          <p:cNvPicPr>
-            <a:picLocks noChangeAspect="1"/>
-          </p:cNvPicPr>
-          <p:nvPr/>
-        </p:nvPicPr>
-        <p:blipFill>
-          <a:blip r:embed="rId2"/>
-          <a:stretch>
-            <a:fillRect/>
-          </a:stretch>
-        </p:blipFill>
-        <p:spPr>
-          <a:xfrm>
-            <a:off x="7498079" y="731520"/>
-            <a:ext cx="521207" cy="521207"/>
-          </a:xfrm>
-          <a:prstGeom prst="rect">
-            <a:avLst/>
-          </a:prstGeom>
-        </p:spPr>
-      </p:pic>
-      <p:pic>
-        <p:nvPicPr>
-          <p:cNvPr id="7" name="Picture 6" descr="DAHUA 22.jpg"/>
-          <p:cNvPicPr>
-            <a:picLocks noChangeAspect="1"/>
-          </p:cNvPicPr>
-          <p:nvPr/>
-        </p:nvPicPr>
-        <p:blipFill>
-          <a:blip r:embed="rId3"/>
-          <a:stretch>
-            <a:fillRect/>
-          </a:stretch>
-        </p:blipFill>
-        <p:spPr>
-          <a:xfrm>
-            <a:off x="228600" y="2103120"/>
-            <a:ext cx="3840480" cy="3840480"/>
-          </a:xfrm>
-          <a:prstGeom prst="rect">
-            <a:avLst/>
-          </a:prstGeom>
-        </p:spPr>
-      </p:pic>
-    </p:spTree>
-  </p:cSld>
-  <p:clrMapOvr>
-    <a:masterClrMapping/>
-  </p:clrMapOvr>
-</p:sld>
-</file>
-
-<file path=ppt/slides/slide24.xml><?xml version="1.0" encoding="utf-8"?>
-<p:sld xmlns:a="http://schemas.openxmlformats.org/drawingml/2006/main" xmlns:p="http://schemas.openxmlformats.org/presentationml/2006/main" xmlns:r="http://schemas.openxmlformats.org/officeDocument/2006/relationships">
-  <p:cSld>
-    <p:spTree>
-      <p:nvGrpSpPr>
-        <p:cNvPr id="1" name=""/>
-        <p:cNvGrpSpPr/>
-        <p:nvPr/>
-      </p:nvGrpSpPr>
-      <p:grpSpPr/>
-      <p:sp>
-        <p:nvSpPr>
-          <p:cNvPr id="2" name="Title 1"/>
-          <p:cNvSpPr>
-            <a:spLocks noGrp="1"/>
-          </p:cNvSpPr>
-          <p:nvPr>
-            <p:ph type="title"/>
-          </p:nvPr>
-        </p:nvSpPr>
-        <p:spPr/>
-        <p:txBody>
-          <a:bodyPr/>
-          <a:lstStyle/>
-          <a:p>
-            <a:pPr algn="ctr">
-              <a:defRPr b="1" sz="3500"/>
-            </a:pPr>
-            <a:r>
-              <a:t>Publicaciones - Twitter</a:t>
-            </a:r>
-          </a:p>
-        </p:txBody>
-      </p:sp>
-      <p:sp>
-        <p:nvSpPr>
-          <p:cNvPr id="3" name="Content Placeholder 2"/>
-          <p:cNvSpPr>
-            <a:spLocks noGrp="1"/>
-          </p:cNvSpPr>
-          <p:nvPr>
-            <p:ph idx="1" sz="half"/>
-          </p:nvPr>
-        </p:nvSpPr>
-        <p:spPr>
-          <a:xfrm>
-            <a:off x="365760" y="1097280"/>
-            <a:ext cx="1828800" cy="274320"/>
-          </a:xfrm>
-        </p:spPr>
-        <p:txBody>
-          <a:bodyPr/>
-          <a:lstStyle/>
-          <a:p>
-            <a:pPr>
-              <a:defRPr b="1" sz="1600"/>
-            </a:pPr>
-            <a:r>
-              <a:t>30 de Octubre</a:t>
-            </a:r>
-          </a:p>
-        </p:txBody>
-      </p:sp>
-      <p:sp>
-        <p:nvSpPr>
-          <p:cNvPr id="4" name="Content Placeholder 3"/>
-          <p:cNvSpPr>
-            <a:spLocks noGrp="1"/>
-          </p:cNvSpPr>
-          <p:nvPr>
-            <p:ph idx="13" sz="quarter"/>
-          </p:nvPr>
-        </p:nvSpPr>
-        <p:spPr/>
-        <p:txBody>
-          <a:bodyPr/>
-          <a:lstStyle/>
-          <a:p>
-            <a:r>
-              <a:t>https://twitter.com/Revista_EyN/status/1322287311762108417?s=20</a:t>
-            </a:r>
-          </a:p>
-        </p:txBody>
-      </p:sp>
-      <p:graphicFrame>
-        <p:nvGraphicFramePr>
-          <p:cNvPr id="5" name="Table 4"/>
-          <p:cNvGraphicFramePr>
-            <a:graphicFrameLocks noGrp="1"/>
-          </p:cNvGraphicFramePr>
-          <p:nvPr/>
-        </p:nvGraphicFramePr>
-        <p:xfrm>
-          <a:off x="5486400" y="1828800"/>
-          <a:ext cx="3291840" cy="3602736"/>
-        </p:xfrm>
-        <a:graphic>
-          <a:graphicData uri="http://schemas.openxmlformats.org/drawingml/2006/table">
-            <a:tbl>
-              <a:tblPr firstRow="1" bandRow="1">
-                <a:tableStyleId>{5C22544A-7EE6-4342-B048-85BDC9FD1C3A}</a:tableStyleId>
-              </a:tblPr>
-              <a:tblGrid>
-                <a:gridCol w="1645920"/>
-                <a:gridCol w="1645920"/>
-              </a:tblGrid>
-              <a:tr h="360273">
-                <a:tc>
-                  <a:txBody>
-                    <a:bodyPr/>
-                    <a:lstStyle/>
-                    <a:p>
-                      <a:pPr>
-                        <a:defRPr sz="1200" b="1"/>
-                      </a:pPr>
-                      <a:r>
-                        <a:t>Medio</a:t>
-                      </a:r>
-                    </a:p>
-                  </a:txBody>
-                  <a:tcPr/>
-                </a:tc>
-                <a:tc>
-                  <a:txBody>
-                    <a:bodyPr/>
-                    <a:lstStyle/>
-                    <a:p>
-                      <a:pPr>
-                        <a:defRPr sz="1200" b="1"/>
-                      </a:pPr>
-                      <a:r>
-                        <a:t>Estrategia y Negocios</a:t>
-                      </a:r>
-                    </a:p>
-                  </a:txBody>
-                  <a:tcPr/>
-                </a:tc>
-              </a:tr>
-              <a:tr h="360273">
-                <a:tc>
-                  <a:txBody>
-                    <a:bodyPr/>
-                    <a:lstStyle/>
-                    <a:p>
-                      <a:pPr>
-                        <a:defRPr sz="1200" b="1"/>
-                      </a:pPr>
-                      <a:r>
-                        <a:t>Tipo</a:t>
-                      </a:r>
-                    </a:p>
-                  </a:txBody>
-                  <a:tcPr/>
-                </a:tc>
-                <a:tc>
-                  <a:txBody>
-                    <a:bodyPr/>
-                    <a:lstStyle/>
-                    <a:p>
-                      <a:pPr>
-                        <a:defRPr sz="1200"/>
-                      </a:pPr>
-                      <a:r>
-                        <a:t>Twitter</a:t>
-                      </a:r>
-                    </a:p>
-                  </a:txBody>
-                  <a:tcPr/>
-                </a:tc>
-              </a:tr>
-              <a:tr h="360273">
-                <a:tc>
-                  <a:txBody>
-                    <a:bodyPr/>
-                    <a:lstStyle/>
-                    <a:p>
-                      <a:pPr>
-                        <a:defRPr sz="1200" b="1"/>
-                      </a:pPr>
-                      <a:r>
-                        <a:t>Tamaño</a:t>
-                      </a:r>
-                    </a:p>
-                  </a:txBody>
-                  <a:tcPr/>
-                </a:tc>
-                <a:tc>
-                  <a:txBody>
-                    <a:bodyPr/>
-                    <a:lstStyle/>
-                    <a:p>
-                      <a:pPr>
-                        <a:defRPr sz="1200"/>
-                      </a:pPr>
-                      <a:r>
-                        <a:t>1 post</a:t>
-                      </a:r>
-                    </a:p>
-                  </a:txBody>
-                  <a:tcPr/>
-                </a:tc>
-              </a:tr>
-              <a:tr h="360273">
-                <a:tc>
-                  <a:txBody>
-                    <a:bodyPr/>
-                    <a:lstStyle/>
-                    <a:p>
-                      <a:pPr>
-                        <a:defRPr sz="1200" b="1"/>
-                      </a:pPr>
-                      <a:r>
-                        <a:t>Valor Publicitario</a:t>
-                      </a:r>
-                    </a:p>
-                  </a:txBody>
-                  <a:tcPr/>
-                </a:tc>
-                <a:tc>
-                  <a:txBody>
-                    <a:bodyPr/>
-                    <a:lstStyle/>
-                    <a:p>
-                      <a:pPr>
-                        <a:defRPr sz="1200"/>
-                      </a:pPr>
-                      <a:r>
-                        <a:t>B/. 500.00</a:t>
-                      </a:r>
-                    </a:p>
-                  </a:txBody>
-                  <a:tcPr/>
-                </a:tc>
-              </a:tr>
-              <a:tr h="360273">
-                <a:tc>
-                  <a:txBody>
-                    <a:bodyPr/>
-                    <a:lstStyle/>
-                    <a:p>
-                      <a:pPr>
-                        <a:defRPr sz="1200" b="1"/>
-                      </a:pPr>
-                      <a:r>
-                        <a:t>Valor Informativo</a:t>
-                      </a:r>
-                    </a:p>
-                  </a:txBody>
-                  <a:tcPr/>
-                </a:tc>
-                <a:tc>
-                  <a:txBody>
-                    <a:bodyPr/>
-                    <a:lstStyle/>
-                    <a:p>
-                      <a:pPr>
-                        <a:defRPr sz="1200"/>
-                      </a:pPr>
-                      <a:r>
-                        <a:t>B/. 2,000.00</a:t>
-                      </a:r>
-                    </a:p>
-                  </a:txBody>
-                  <a:tcPr/>
-                </a:tc>
-              </a:tr>
-              <a:tr h="360273">
-                <a:tc>
-                  <a:txBody>
-                    <a:bodyPr/>
-                    <a:lstStyle/>
-                    <a:p>
-                      <a:pPr>
-                        <a:defRPr sz="1200" b="1"/>
-                      </a:pPr>
-                      <a:r>
-                        <a:t>Tier</a:t>
-                      </a:r>
-                    </a:p>
-                  </a:txBody>
-                  <a:tcPr/>
-                </a:tc>
-                <a:tc>
-                  <a:txBody>
-                    <a:bodyPr/>
-                    <a:lstStyle/>
-                    <a:p>
-                      <a:pPr>
-                        <a:defRPr sz="1200"/>
-                      </a:pPr>
-                      <a:r>
-                        <a:t>1</a:t>
-                      </a:r>
-                    </a:p>
-                  </a:txBody>
-                  <a:tcPr/>
-                </a:tc>
-              </a:tr>
-              <a:tr h="360273">
-                <a:tc>
-                  <a:txBody>
-                    <a:bodyPr/>
-                    <a:lstStyle/>
-                    <a:p>
-                      <a:pPr>
-                        <a:defRPr sz="1200" b="1"/>
-                      </a:pPr>
-                      <a:r>
-                        <a:t>Mención de Marca</a:t>
-                      </a:r>
-                    </a:p>
-                  </a:txBody>
-                  <a:tcPr/>
-                </a:tc>
-                <a:tc>
-                  <a:txBody>
-                    <a:bodyPr/>
-                    <a:lstStyle/>
-                    <a:p>
-                      <a:pPr>
-                        <a:defRPr sz="1200"/>
-                      </a:pPr>
-                      <a:r>
-                        <a:t>Si</a:t>
-                      </a:r>
-                    </a:p>
-                  </a:txBody>
-                  <a:tcPr/>
-                </a:tc>
-              </a:tr>
-              <a:tr h="360273">
-                <a:tc>
-                  <a:txBody>
-                    <a:bodyPr/>
-                    <a:lstStyle/>
-                    <a:p>
-                      <a:pPr>
-                        <a:defRPr sz="1200" b="1"/>
-                      </a:pPr>
-                      <a:r>
-                        <a:t>Presencia de vocero</a:t>
-                      </a:r>
-                    </a:p>
-                  </a:txBody>
-                  <a:tcPr/>
-                </a:tc>
-                <a:tc>
-                  <a:txBody>
-                    <a:bodyPr/>
-                    <a:lstStyle/>
-                    <a:p>
-                      <a:pPr>
-                        <a:defRPr sz="1200"/>
-                      </a:pPr>
-                      <a:r>
-                        <a:t>Si</a:t>
-                      </a:r>
-                    </a:p>
-                  </a:txBody>
-                  <a:tcPr/>
-                </a:tc>
-              </a:tr>
-              <a:tr h="360273">
-                <a:tc>
-                  <a:txBody>
-                    <a:bodyPr/>
-                    <a:lstStyle/>
-                    <a:p>
-                      <a:pPr>
-                        <a:defRPr sz="1200" b="1"/>
-                      </a:pPr>
-                      <a:r>
-                        <a:t>Quote de vocero</a:t>
-                      </a:r>
-                    </a:p>
-                  </a:txBody>
-                  <a:tcPr/>
-                </a:tc>
-                <a:tc>
-                  <a:txBody>
-                    <a:bodyPr/>
-                    <a:lstStyle/>
-                    <a:p>
-                      <a:pPr>
-                        <a:defRPr sz="1200"/>
-                      </a:pPr>
-                      <a:r>
-                        <a:t>Si</a:t>
-                      </a:r>
-                    </a:p>
-                  </a:txBody>
-                  <a:tcPr/>
-                </a:tc>
-              </a:tr>
-              <a:tr h="360279">
-                <a:tc>
-                  <a:txBody>
-                    <a:bodyPr/>
-                    <a:lstStyle/>
-                    <a:p>
-                      <a:pPr>
-                        <a:defRPr sz="1200" b="1"/>
-                      </a:pPr>
-                      <a:r>
-                        <a:t>Favorabilidad mediática</a:t>
-                      </a:r>
-                    </a:p>
-                  </a:txBody>
-                  <a:tcPr/>
-                </a:tc>
-                <a:tc>
-                  <a:txBody>
-                    <a:bodyPr/>
-                    <a:lstStyle/>
-                    <a:p>
-                      <a:pPr>
-                        <a:defRPr sz="1200"/>
-                      </a:pPr>
-                      <a:r>
-                        <a:t>Positiva</a:t>
-                      </a:r>
-                    </a:p>
-                  </a:txBody>
-                  <a:tcPr/>
-                </a:tc>
-              </a:tr>
-            </a:tbl>
-          </a:graphicData>
-        </a:graphic>
-      </p:graphicFrame>
-      <p:pic>
-        <p:nvPicPr>
-          <p:cNvPr id="6" name="Picture 5" descr="Twitter.png"/>
-          <p:cNvPicPr>
-            <a:picLocks noChangeAspect="1"/>
-          </p:cNvPicPr>
-          <p:nvPr/>
-        </p:nvPicPr>
-        <p:blipFill>
-          <a:blip r:embed="rId2"/>
-          <a:stretch>
-            <a:fillRect/>
-          </a:stretch>
-        </p:blipFill>
-        <p:spPr>
-          <a:xfrm>
-            <a:off x="7498079" y="731520"/>
-            <a:ext cx="521207" cy="521207"/>
-          </a:xfrm>
-          <a:prstGeom prst="rect">
-            <a:avLst/>
-          </a:prstGeom>
-        </p:spPr>
-      </p:pic>
-      <p:pic>
-        <p:nvPicPr>
-          <p:cNvPr id="7" name="Picture 6" descr="DAHUA 23.jpg"/>
-          <p:cNvPicPr>
-            <a:picLocks noChangeAspect="1"/>
-          </p:cNvPicPr>
-          <p:nvPr/>
-        </p:nvPicPr>
-        <p:blipFill>
-          <a:blip r:embed="rId3"/>
-          <a:stretch>
-            <a:fillRect/>
-          </a:stretch>
-        </p:blipFill>
-        <p:spPr>
-          <a:xfrm>
-            <a:off x="228600" y="2103120"/>
-            <a:ext cx="3840480" cy="3840480"/>
-          </a:xfrm>
-          <a:prstGeom prst="rect">
-            <a:avLst/>
-          </a:prstGeom>
-        </p:spPr>
-      </p:pic>
-    </p:spTree>
-  </p:cSld>
-  <p:clrMapOvr>
-    <a:masterClrMapping/>
-  </p:clrMapOvr>
-</p:sld>
-</file>
-
-<file path=ppt/slides/slide25.xml><?xml version="1.0" encoding="utf-8"?>
-<p:sld xmlns:a="http://schemas.openxmlformats.org/drawingml/2006/main" xmlns:p="http://schemas.openxmlformats.org/presentationml/2006/main" xmlns:r="http://schemas.openxmlformats.org/officeDocument/2006/relationships">
-  <p:cSld>
-    <p:spTree>
-      <p:nvGrpSpPr>
-        <p:cNvPr id="1" name=""/>
-        <p:cNvGrpSpPr/>
-        <p:nvPr/>
-      </p:nvGrpSpPr>
-      <p:grpSpPr/>
-      <p:sp>
-        <p:nvSpPr>
-          <p:cNvPr id="2" name="Title 1"/>
-          <p:cNvSpPr>
-            <a:spLocks noGrp="1"/>
-          </p:cNvSpPr>
-          <p:nvPr>
-            <p:ph type="title"/>
-          </p:nvPr>
-        </p:nvSpPr>
-        <p:spPr/>
-        <p:txBody>
-          <a:bodyPr/>
-          <a:lstStyle/>
-          <a:p>
-            <a:pPr algn="ctr">
-              <a:defRPr b="1" sz="3500"/>
-            </a:pPr>
-            <a:r>
-              <a:t>Publicaciones - Twitter</a:t>
-            </a:r>
-          </a:p>
-        </p:txBody>
-      </p:sp>
-      <p:sp>
-        <p:nvSpPr>
-          <p:cNvPr id="3" name="Content Placeholder 2"/>
-          <p:cNvSpPr>
-            <a:spLocks noGrp="1"/>
-          </p:cNvSpPr>
-          <p:nvPr>
-            <p:ph idx="1" sz="half"/>
-          </p:nvPr>
-        </p:nvSpPr>
-        <p:spPr>
-          <a:xfrm>
-            <a:off x="365760" y="1097280"/>
-            <a:ext cx="1828800" cy="274320"/>
-          </a:xfrm>
-        </p:spPr>
-        <p:txBody>
-          <a:bodyPr/>
-          <a:lstStyle/>
-          <a:p>
-            <a:pPr>
-              <a:defRPr b="1" sz="1600"/>
-            </a:pPr>
-            <a:r>
-              <a:t>30 de Octubre</a:t>
-            </a:r>
-          </a:p>
-        </p:txBody>
-      </p:sp>
-      <p:sp>
-        <p:nvSpPr>
-          <p:cNvPr id="4" name="Content Placeholder 3"/>
-          <p:cNvSpPr>
-            <a:spLocks noGrp="1"/>
-          </p:cNvSpPr>
-          <p:nvPr>
-            <p:ph idx="13" sz="quarter"/>
-          </p:nvPr>
-        </p:nvSpPr>
-        <p:spPr/>
-        <p:txBody>
-          <a:bodyPr/>
-          <a:lstStyle/>
-          <a:p>
-            <a:r>
-              <a:t>https://twitter.com/Revista_EyN/status/1322286505566605313?s=20</a:t>
-            </a:r>
-          </a:p>
-        </p:txBody>
-      </p:sp>
-      <p:graphicFrame>
-        <p:nvGraphicFramePr>
-          <p:cNvPr id="5" name="Table 4"/>
-          <p:cNvGraphicFramePr>
-            <a:graphicFrameLocks noGrp="1"/>
-          </p:cNvGraphicFramePr>
-          <p:nvPr/>
-        </p:nvGraphicFramePr>
-        <p:xfrm>
-          <a:off x="5486400" y="1828800"/>
-          <a:ext cx="3291840" cy="3602736"/>
-        </p:xfrm>
-        <a:graphic>
-          <a:graphicData uri="http://schemas.openxmlformats.org/drawingml/2006/table">
-            <a:tbl>
-              <a:tblPr firstRow="1" bandRow="1">
-                <a:tableStyleId>{5C22544A-7EE6-4342-B048-85BDC9FD1C3A}</a:tableStyleId>
-              </a:tblPr>
-              <a:tblGrid>
-                <a:gridCol w="1645920"/>
-                <a:gridCol w="1645920"/>
-              </a:tblGrid>
-              <a:tr h="360273">
-                <a:tc>
-                  <a:txBody>
-                    <a:bodyPr/>
-                    <a:lstStyle/>
-                    <a:p>
-                      <a:pPr>
-                        <a:defRPr sz="1200" b="1"/>
-                      </a:pPr>
-                      <a:r>
-                        <a:t>Medio</a:t>
-                      </a:r>
-                    </a:p>
-                  </a:txBody>
-                  <a:tcPr/>
-                </a:tc>
-                <a:tc>
-                  <a:txBody>
-                    <a:bodyPr/>
-                    <a:lstStyle/>
-                    <a:p>
-                      <a:pPr>
-                        <a:defRPr sz="1200" b="1"/>
-                      </a:pPr>
-                      <a:r>
-                        <a:t>Estrategia y Negocios</a:t>
-                      </a:r>
-                    </a:p>
-                  </a:txBody>
-                  <a:tcPr/>
-                </a:tc>
-              </a:tr>
-              <a:tr h="360273">
-                <a:tc>
-                  <a:txBody>
-                    <a:bodyPr/>
-                    <a:lstStyle/>
-                    <a:p>
-                      <a:pPr>
-                        <a:defRPr sz="1200" b="1"/>
-                      </a:pPr>
-                      <a:r>
-                        <a:t>Tipo</a:t>
-                      </a:r>
-                    </a:p>
-                  </a:txBody>
-                  <a:tcPr/>
-                </a:tc>
-                <a:tc>
-                  <a:txBody>
-                    <a:bodyPr/>
-                    <a:lstStyle/>
-                    <a:p>
-                      <a:pPr>
-                        <a:defRPr sz="1200"/>
-                      </a:pPr>
-                      <a:r>
-                        <a:t>Twitter</a:t>
-                      </a:r>
-                    </a:p>
-                  </a:txBody>
-                  <a:tcPr/>
-                </a:tc>
-              </a:tr>
-              <a:tr h="360273">
-                <a:tc>
-                  <a:txBody>
-                    <a:bodyPr/>
-                    <a:lstStyle/>
-                    <a:p>
-                      <a:pPr>
-                        <a:defRPr sz="1200" b="1"/>
-                      </a:pPr>
-                      <a:r>
-                        <a:t>Tamaño</a:t>
-                      </a:r>
-                    </a:p>
-                  </a:txBody>
-                  <a:tcPr/>
-                </a:tc>
-                <a:tc>
-                  <a:txBody>
-                    <a:bodyPr/>
-                    <a:lstStyle/>
-                    <a:p>
-                      <a:pPr>
-                        <a:defRPr sz="1200"/>
-                      </a:pPr>
-                      <a:r>
-                        <a:t>1 post</a:t>
-                      </a:r>
-                    </a:p>
-                  </a:txBody>
-                  <a:tcPr/>
-                </a:tc>
-              </a:tr>
-              <a:tr h="360273">
-                <a:tc>
-                  <a:txBody>
-                    <a:bodyPr/>
-                    <a:lstStyle/>
-                    <a:p>
-                      <a:pPr>
-                        <a:defRPr sz="1200" b="1"/>
-                      </a:pPr>
-                      <a:r>
-                        <a:t>Valor Publicitario</a:t>
-                      </a:r>
-                    </a:p>
-                  </a:txBody>
-                  <a:tcPr/>
-                </a:tc>
-                <a:tc>
-                  <a:txBody>
-                    <a:bodyPr/>
-                    <a:lstStyle/>
-                    <a:p>
-                      <a:pPr>
-                        <a:defRPr sz="1200"/>
-                      </a:pPr>
-                      <a:r>
-                        <a:t>B/. 500.00</a:t>
-                      </a:r>
-                    </a:p>
-                  </a:txBody>
-                  <a:tcPr/>
-                </a:tc>
-              </a:tr>
-              <a:tr h="360273">
-                <a:tc>
-                  <a:txBody>
-                    <a:bodyPr/>
-                    <a:lstStyle/>
-                    <a:p>
-                      <a:pPr>
-                        <a:defRPr sz="1200" b="1"/>
-                      </a:pPr>
-                      <a:r>
-                        <a:t>Valor Informativo</a:t>
-                      </a:r>
-                    </a:p>
-                  </a:txBody>
-                  <a:tcPr/>
-                </a:tc>
-                <a:tc>
-                  <a:txBody>
-                    <a:bodyPr/>
-                    <a:lstStyle/>
-                    <a:p>
-                      <a:pPr>
-                        <a:defRPr sz="1200"/>
-                      </a:pPr>
-                      <a:r>
-                        <a:t>B/. 2,000.00</a:t>
-                      </a:r>
-                    </a:p>
-                  </a:txBody>
-                  <a:tcPr/>
-                </a:tc>
-              </a:tr>
-              <a:tr h="360273">
-                <a:tc>
-                  <a:txBody>
-                    <a:bodyPr/>
-                    <a:lstStyle/>
-                    <a:p>
-                      <a:pPr>
-                        <a:defRPr sz="1200" b="1"/>
-                      </a:pPr>
-                      <a:r>
-                        <a:t>Tier</a:t>
-                      </a:r>
-                    </a:p>
-                  </a:txBody>
-                  <a:tcPr/>
-                </a:tc>
-                <a:tc>
-                  <a:txBody>
-                    <a:bodyPr/>
-                    <a:lstStyle/>
-                    <a:p>
-                      <a:pPr>
-                        <a:defRPr sz="1200"/>
-                      </a:pPr>
-                      <a:r>
-                        <a:t>1</a:t>
-                      </a:r>
-                    </a:p>
-                  </a:txBody>
-                  <a:tcPr/>
-                </a:tc>
-              </a:tr>
-              <a:tr h="360273">
-                <a:tc>
-                  <a:txBody>
-                    <a:bodyPr/>
-                    <a:lstStyle/>
-                    <a:p>
-                      <a:pPr>
-                        <a:defRPr sz="1200" b="1"/>
-                      </a:pPr>
-                      <a:r>
-                        <a:t>Mención de Marca</a:t>
-                      </a:r>
-                    </a:p>
-                  </a:txBody>
-                  <a:tcPr/>
-                </a:tc>
-                <a:tc>
-                  <a:txBody>
-                    <a:bodyPr/>
-                    <a:lstStyle/>
-                    <a:p>
-                      <a:pPr>
-                        <a:defRPr sz="1200"/>
-                      </a:pPr>
-                      <a:r>
-                        <a:t>Si</a:t>
-                      </a:r>
-                    </a:p>
-                  </a:txBody>
-                  <a:tcPr/>
-                </a:tc>
-              </a:tr>
-              <a:tr h="360273">
-                <a:tc>
-                  <a:txBody>
-                    <a:bodyPr/>
-                    <a:lstStyle/>
-                    <a:p>
-                      <a:pPr>
-                        <a:defRPr sz="1200" b="1"/>
-                      </a:pPr>
-                      <a:r>
-                        <a:t>Presencia de vocero</a:t>
-                      </a:r>
-                    </a:p>
-                  </a:txBody>
-                  <a:tcPr/>
-                </a:tc>
-                <a:tc>
-                  <a:txBody>
-                    <a:bodyPr/>
-                    <a:lstStyle/>
-                    <a:p>
-                      <a:pPr>
-                        <a:defRPr sz="1200"/>
-                      </a:pPr>
-                      <a:r>
-                        <a:t>Si</a:t>
-                      </a:r>
-                    </a:p>
-                  </a:txBody>
-                  <a:tcPr/>
-                </a:tc>
-              </a:tr>
-              <a:tr h="360273">
-                <a:tc>
-                  <a:txBody>
-                    <a:bodyPr/>
-                    <a:lstStyle/>
-                    <a:p>
-                      <a:pPr>
-                        <a:defRPr sz="1200" b="1"/>
-                      </a:pPr>
-                      <a:r>
-                        <a:t>Quote de vocero</a:t>
-                      </a:r>
-                    </a:p>
-                  </a:txBody>
-                  <a:tcPr/>
-                </a:tc>
-                <a:tc>
-                  <a:txBody>
-                    <a:bodyPr/>
-                    <a:lstStyle/>
-                    <a:p>
-                      <a:pPr>
-                        <a:defRPr sz="1200"/>
-                      </a:pPr>
-                      <a:r>
-                        <a:t>Si</a:t>
-                      </a:r>
-                    </a:p>
-                  </a:txBody>
-                  <a:tcPr/>
-                </a:tc>
-              </a:tr>
-              <a:tr h="360279">
-                <a:tc>
-                  <a:txBody>
-                    <a:bodyPr/>
-                    <a:lstStyle/>
-                    <a:p>
-                      <a:pPr>
-                        <a:defRPr sz="1200" b="1"/>
-                      </a:pPr>
-                      <a:r>
-                        <a:t>Favorabilidad mediática</a:t>
-                      </a:r>
-                    </a:p>
-                  </a:txBody>
-                  <a:tcPr/>
-                </a:tc>
-                <a:tc>
-                  <a:txBody>
-                    <a:bodyPr/>
-                    <a:lstStyle/>
-                    <a:p>
-                      <a:pPr>
-                        <a:defRPr sz="1200"/>
-                      </a:pPr>
-                      <a:r>
-                        <a:t>Positiva</a:t>
-                      </a:r>
-                    </a:p>
-                  </a:txBody>
-                  <a:tcPr/>
-                </a:tc>
-              </a:tr>
-            </a:tbl>
-          </a:graphicData>
-        </a:graphic>
-      </p:graphicFrame>
-      <p:pic>
-        <p:nvPicPr>
-          <p:cNvPr id="6" name="Picture 5" descr="Twitter.png"/>
-          <p:cNvPicPr>
-            <a:picLocks noChangeAspect="1"/>
-          </p:cNvPicPr>
-          <p:nvPr/>
-        </p:nvPicPr>
-        <p:blipFill>
-          <a:blip r:embed="rId2"/>
-          <a:stretch>
-            <a:fillRect/>
-          </a:stretch>
-        </p:blipFill>
-        <p:spPr>
-          <a:xfrm>
-            <a:off x="7498079" y="731520"/>
-            <a:ext cx="521207" cy="521207"/>
-          </a:xfrm>
-          <a:prstGeom prst="rect">
-            <a:avLst/>
-          </a:prstGeom>
-        </p:spPr>
-      </p:pic>
-      <p:pic>
-        <p:nvPicPr>
-          <p:cNvPr id="7" name="Picture 6" descr="DAHUA 24.jpg"/>
-          <p:cNvPicPr>
-            <a:picLocks noChangeAspect="1"/>
-          </p:cNvPicPr>
-          <p:nvPr/>
-        </p:nvPicPr>
-        <p:blipFill>
-          <a:blip r:embed="rId3"/>
-          <a:stretch>
-            <a:fillRect/>
-          </a:stretch>
-        </p:blipFill>
-        <p:spPr>
-          <a:xfrm>
-            <a:off x="228600" y="2103120"/>
-            <a:ext cx="3840480" cy="3840480"/>
-          </a:xfrm>
-          <a:prstGeom prst="rect">
-            <a:avLst/>
-          </a:prstGeom>
-        </p:spPr>
-      </p:pic>
-    </p:spTree>
-  </p:cSld>
-  <p:clrMapOvr>
-    <a:masterClrMapping/>
-  </p:clrMapOvr>
-</p:sld>
-</file>
-
-<file path=ppt/slides/slide26.xml><?xml version="1.0" encoding="utf-8"?>
-<p:sld xmlns:a="http://schemas.openxmlformats.org/drawingml/2006/main" xmlns:p="http://schemas.openxmlformats.org/presentationml/2006/main" xmlns:r="http://schemas.openxmlformats.org/officeDocument/2006/relationships">
-  <p:cSld>
-    <p:spTree>
-      <p:nvGrpSpPr>
-        <p:cNvPr id="1" name=""/>
-        <p:cNvGrpSpPr/>
-        <p:nvPr/>
-      </p:nvGrpSpPr>
-      <p:grpSpPr/>
-      <p:sp>
-        <p:nvSpPr>
-          <p:cNvPr id="2" name="Title 1"/>
-          <p:cNvSpPr>
-            <a:spLocks noGrp="1"/>
-          </p:cNvSpPr>
-          <p:nvPr>
-            <p:ph type="title"/>
-          </p:nvPr>
-        </p:nvSpPr>
-        <p:spPr/>
-        <p:txBody>
-          <a:bodyPr/>
-          <a:lstStyle/>
-          <a:p>
-            <a:pPr algn="ctr">
-              <a:defRPr b="1" sz="3500"/>
-            </a:pPr>
-            <a:r>
-              <a:t>Publicaciones - Twitter</a:t>
-            </a:r>
-          </a:p>
-        </p:txBody>
-      </p:sp>
-      <p:sp>
-        <p:nvSpPr>
-          <p:cNvPr id="3" name="Content Placeholder 2"/>
-          <p:cNvSpPr>
-            <a:spLocks noGrp="1"/>
-          </p:cNvSpPr>
-          <p:nvPr>
-            <p:ph idx="1" sz="half"/>
-          </p:nvPr>
-        </p:nvSpPr>
-        <p:spPr>
-          <a:xfrm>
-            <a:off x="365760" y="1097280"/>
-            <a:ext cx="1828800" cy="274320"/>
-          </a:xfrm>
-        </p:spPr>
-        <p:txBody>
-          <a:bodyPr/>
-          <a:lstStyle/>
-          <a:p>
-            <a:pPr>
-              <a:defRPr b="1" sz="1600"/>
-            </a:pPr>
-            <a:r>
-              <a:t>30 de Octubre</a:t>
-            </a:r>
-          </a:p>
-        </p:txBody>
-      </p:sp>
-      <p:sp>
-        <p:nvSpPr>
-          <p:cNvPr id="4" name="Content Placeholder 3"/>
-          <p:cNvSpPr>
-            <a:spLocks noGrp="1"/>
-          </p:cNvSpPr>
-          <p:nvPr>
-            <p:ph idx="13" sz="quarter"/>
-          </p:nvPr>
-        </p:nvSpPr>
-        <p:spPr/>
-        <p:txBody>
-          <a:bodyPr/>
-          <a:lstStyle/>
-          <a:p>
-            <a:r>
-              <a:t>https://twitter.com/Revista_EyN/status/1322284348918370306?s=20</a:t>
-            </a:r>
-          </a:p>
-        </p:txBody>
-      </p:sp>
-      <p:graphicFrame>
-        <p:nvGraphicFramePr>
-          <p:cNvPr id="5" name="Table 4"/>
-          <p:cNvGraphicFramePr>
-            <a:graphicFrameLocks noGrp="1"/>
-          </p:cNvGraphicFramePr>
-          <p:nvPr/>
-        </p:nvGraphicFramePr>
-        <p:xfrm>
-          <a:off x="5486400" y="1828800"/>
-          <a:ext cx="3291840" cy="3602736"/>
-        </p:xfrm>
-        <a:graphic>
-          <a:graphicData uri="http://schemas.openxmlformats.org/drawingml/2006/table">
-            <a:tbl>
-              <a:tblPr firstRow="1" bandRow="1">
-                <a:tableStyleId>{5C22544A-7EE6-4342-B048-85BDC9FD1C3A}</a:tableStyleId>
-              </a:tblPr>
-              <a:tblGrid>
-                <a:gridCol w="1645920"/>
-                <a:gridCol w="1645920"/>
-              </a:tblGrid>
-              <a:tr h="360273">
-                <a:tc>
-                  <a:txBody>
-                    <a:bodyPr/>
-                    <a:lstStyle/>
-                    <a:p>
-                      <a:pPr>
-                        <a:defRPr sz="1200" b="1"/>
-                      </a:pPr>
-                      <a:r>
-                        <a:t>Medio</a:t>
-                      </a:r>
-                    </a:p>
-                  </a:txBody>
-                  <a:tcPr/>
-                </a:tc>
-                <a:tc>
-                  <a:txBody>
-                    <a:bodyPr/>
-                    <a:lstStyle/>
-                    <a:p>
-                      <a:pPr>
-                        <a:defRPr sz="1200" b="1"/>
-                      </a:pPr>
-                      <a:r>
-                        <a:t>Estrategia y Negocios</a:t>
-                      </a:r>
-                    </a:p>
-                  </a:txBody>
-                  <a:tcPr/>
-                </a:tc>
-              </a:tr>
-              <a:tr h="360273">
-                <a:tc>
-                  <a:txBody>
-                    <a:bodyPr/>
-                    <a:lstStyle/>
-                    <a:p>
-                      <a:pPr>
-                        <a:defRPr sz="1200" b="1"/>
-                      </a:pPr>
-                      <a:r>
-                        <a:t>Tipo</a:t>
-                      </a:r>
-                    </a:p>
-                  </a:txBody>
-                  <a:tcPr/>
-                </a:tc>
-                <a:tc>
-                  <a:txBody>
-                    <a:bodyPr/>
-                    <a:lstStyle/>
-                    <a:p>
-                      <a:pPr>
-                        <a:defRPr sz="1200"/>
-                      </a:pPr>
-                      <a:r>
-                        <a:t>Twitter</a:t>
-                      </a:r>
-                    </a:p>
-                  </a:txBody>
-                  <a:tcPr/>
-                </a:tc>
-              </a:tr>
-              <a:tr h="360273">
-                <a:tc>
-                  <a:txBody>
-                    <a:bodyPr/>
-                    <a:lstStyle/>
-                    <a:p>
-                      <a:pPr>
-                        <a:defRPr sz="1200" b="1"/>
-                      </a:pPr>
-                      <a:r>
-                        <a:t>Tamaño</a:t>
-                      </a:r>
-                    </a:p>
-                  </a:txBody>
-                  <a:tcPr/>
-                </a:tc>
-                <a:tc>
-                  <a:txBody>
-                    <a:bodyPr/>
-                    <a:lstStyle/>
-                    <a:p>
-                      <a:pPr>
-                        <a:defRPr sz="1200"/>
-                      </a:pPr>
-                      <a:r>
-                        <a:t>1 post</a:t>
-                      </a:r>
-                    </a:p>
-                  </a:txBody>
-                  <a:tcPr/>
-                </a:tc>
-              </a:tr>
-              <a:tr h="360273">
-                <a:tc>
-                  <a:txBody>
-                    <a:bodyPr/>
-                    <a:lstStyle/>
-                    <a:p>
-                      <a:pPr>
-                        <a:defRPr sz="1200" b="1"/>
-                      </a:pPr>
-                      <a:r>
-                        <a:t>Valor Publicitario</a:t>
-                      </a:r>
-                    </a:p>
-                  </a:txBody>
-                  <a:tcPr/>
-                </a:tc>
-                <a:tc>
-                  <a:txBody>
-                    <a:bodyPr/>
-                    <a:lstStyle/>
-                    <a:p>
-                      <a:pPr>
-                        <a:defRPr sz="1200"/>
-                      </a:pPr>
-                      <a:r>
-                        <a:t>B/. 500.00</a:t>
-                      </a:r>
-                    </a:p>
-                  </a:txBody>
-                  <a:tcPr/>
-                </a:tc>
-              </a:tr>
-              <a:tr h="360273">
-                <a:tc>
-                  <a:txBody>
-                    <a:bodyPr/>
-                    <a:lstStyle/>
-                    <a:p>
-                      <a:pPr>
-                        <a:defRPr sz="1200" b="1"/>
-                      </a:pPr>
-                      <a:r>
-                        <a:t>Valor Informativo</a:t>
-                      </a:r>
-                    </a:p>
-                  </a:txBody>
-                  <a:tcPr/>
-                </a:tc>
-                <a:tc>
-                  <a:txBody>
-                    <a:bodyPr/>
-                    <a:lstStyle/>
-                    <a:p>
-                      <a:pPr>
-                        <a:defRPr sz="1200"/>
-                      </a:pPr>
-                      <a:r>
-                        <a:t>B/. 2,000.00</a:t>
-                      </a:r>
-                    </a:p>
-                  </a:txBody>
-                  <a:tcPr/>
-                </a:tc>
-              </a:tr>
-              <a:tr h="360273">
-                <a:tc>
-                  <a:txBody>
-                    <a:bodyPr/>
-                    <a:lstStyle/>
-                    <a:p>
-                      <a:pPr>
-                        <a:defRPr sz="1200" b="1"/>
-                      </a:pPr>
-                      <a:r>
-                        <a:t>Tier</a:t>
-                      </a:r>
-                    </a:p>
-                  </a:txBody>
-                  <a:tcPr/>
-                </a:tc>
-                <a:tc>
-                  <a:txBody>
-                    <a:bodyPr/>
-                    <a:lstStyle/>
-                    <a:p>
-                      <a:pPr>
-                        <a:defRPr sz="1200"/>
-                      </a:pPr>
-                      <a:r>
-                        <a:t>1</a:t>
-                      </a:r>
-                    </a:p>
-                  </a:txBody>
-                  <a:tcPr/>
-                </a:tc>
-              </a:tr>
-              <a:tr h="360273">
-                <a:tc>
-                  <a:txBody>
-                    <a:bodyPr/>
-                    <a:lstStyle/>
-                    <a:p>
-                      <a:pPr>
-                        <a:defRPr sz="1200" b="1"/>
-                      </a:pPr>
-                      <a:r>
-                        <a:t>Mención de Marca</a:t>
-                      </a:r>
-                    </a:p>
-                  </a:txBody>
-                  <a:tcPr/>
-                </a:tc>
-                <a:tc>
-                  <a:txBody>
-                    <a:bodyPr/>
-                    <a:lstStyle/>
-                    <a:p>
-                      <a:pPr>
-                        <a:defRPr sz="1200"/>
-                      </a:pPr>
-                      <a:r>
-                        <a:t>Si</a:t>
-                      </a:r>
-                    </a:p>
-                  </a:txBody>
-                  <a:tcPr/>
-                </a:tc>
-              </a:tr>
-              <a:tr h="360273">
-                <a:tc>
-                  <a:txBody>
-                    <a:bodyPr/>
-                    <a:lstStyle/>
-                    <a:p>
-                      <a:pPr>
-                        <a:defRPr sz="1200" b="1"/>
-                      </a:pPr>
-                      <a:r>
-                        <a:t>Presencia de vocero</a:t>
-                      </a:r>
-                    </a:p>
-                  </a:txBody>
-                  <a:tcPr/>
-                </a:tc>
-                <a:tc>
-                  <a:txBody>
-                    <a:bodyPr/>
-                    <a:lstStyle/>
-                    <a:p>
-                      <a:pPr>
-                        <a:defRPr sz="1200"/>
-                      </a:pPr>
-                      <a:r>
-                        <a:t>Si</a:t>
-                      </a:r>
-                    </a:p>
-                  </a:txBody>
-                  <a:tcPr/>
-                </a:tc>
-              </a:tr>
-              <a:tr h="360273">
-                <a:tc>
-                  <a:txBody>
-                    <a:bodyPr/>
-                    <a:lstStyle/>
-                    <a:p>
-                      <a:pPr>
-                        <a:defRPr sz="1200" b="1"/>
-                      </a:pPr>
-                      <a:r>
-                        <a:t>Quote de vocero</a:t>
-                      </a:r>
-                    </a:p>
-                  </a:txBody>
-                  <a:tcPr/>
-                </a:tc>
-                <a:tc>
-                  <a:txBody>
-                    <a:bodyPr/>
-                    <a:lstStyle/>
-                    <a:p>
-                      <a:pPr>
-                        <a:defRPr sz="1200"/>
-                      </a:pPr>
-                      <a:r>
-                        <a:t>Si</a:t>
-                      </a:r>
-                    </a:p>
-                  </a:txBody>
-                  <a:tcPr/>
-                </a:tc>
-              </a:tr>
-              <a:tr h="360279">
-                <a:tc>
-                  <a:txBody>
-                    <a:bodyPr/>
-                    <a:lstStyle/>
-                    <a:p>
-                      <a:pPr>
-                        <a:defRPr sz="1200" b="1"/>
-                      </a:pPr>
-                      <a:r>
-                        <a:t>Favorabilidad mediática</a:t>
-                      </a:r>
-                    </a:p>
-                  </a:txBody>
-                  <a:tcPr/>
-                </a:tc>
-                <a:tc>
-                  <a:txBody>
-                    <a:bodyPr/>
-                    <a:lstStyle/>
-                    <a:p>
-                      <a:pPr>
-                        <a:defRPr sz="1200"/>
-                      </a:pPr>
-                      <a:r>
-                        <a:t>Positiva</a:t>
-                      </a:r>
-                    </a:p>
-                  </a:txBody>
-                  <a:tcPr/>
-                </a:tc>
-              </a:tr>
-            </a:tbl>
-          </a:graphicData>
-        </a:graphic>
-      </p:graphicFrame>
-      <p:pic>
-        <p:nvPicPr>
-          <p:cNvPr id="6" name="Picture 5" descr="Twitter.png"/>
-          <p:cNvPicPr>
-            <a:picLocks noChangeAspect="1"/>
-          </p:cNvPicPr>
-          <p:nvPr/>
-        </p:nvPicPr>
-        <p:blipFill>
-          <a:blip r:embed="rId2"/>
-          <a:stretch>
-            <a:fillRect/>
-          </a:stretch>
-        </p:blipFill>
-        <p:spPr>
-          <a:xfrm>
-            <a:off x="7498079" y="731520"/>
-            <a:ext cx="521207" cy="521207"/>
-          </a:xfrm>
-          <a:prstGeom prst="rect">
-            <a:avLst/>
-          </a:prstGeom>
-        </p:spPr>
-      </p:pic>
-      <p:pic>
-        <p:nvPicPr>
-          <p:cNvPr id="7" name="Picture 6" descr="DAHUA 25.jpg"/>
-          <p:cNvPicPr>
-            <a:picLocks noChangeAspect="1"/>
-          </p:cNvPicPr>
-          <p:nvPr/>
-        </p:nvPicPr>
-        <p:blipFill>
-          <a:blip r:embed="rId3"/>
-          <a:stretch>
-            <a:fillRect/>
-          </a:stretch>
-        </p:blipFill>
-        <p:spPr>
-          <a:xfrm>
-            <a:off x="228600" y="2103120"/>
-            <a:ext cx="3840480" cy="3840480"/>
-          </a:xfrm>
-          <a:prstGeom prst="rect">
-            <a:avLst/>
-          </a:prstGeom>
-        </p:spPr>
-      </p:pic>
-    </p:spTree>
-  </p:cSld>
-  <p:clrMapOvr>
-    <a:masterClrMapping/>
-  </p:clrMapOvr>
-</p:sld>
-</file>
-
-<file path=ppt/slides/slide27.xml><?xml version="1.0" encoding="utf-8"?>
-<p:sld xmlns:a="http://schemas.openxmlformats.org/drawingml/2006/main" xmlns:p="http://schemas.openxmlformats.org/presentationml/2006/main" xmlns:r="http://schemas.openxmlformats.org/officeDocument/2006/relationships">
-  <p:cSld>
-    <p:spTree>
-      <p:nvGrpSpPr>
-        <p:cNvPr id="1" name=""/>
-        <p:cNvGrpSpPr/>
-        <p:nvPr/>
-      </p:nvGrpSpPr>
-      <p:grpSpPr/>
-      <p:sp>
-        <p:nvSpPr>
-          <p:cNvPr id="2" name="Title 1"/>
-          <p:cNvSpPr>
-            <a:spLocks noGrp="1"/>
-          </p:cNvSpPr>
-          <p:nvPr>
-            <p:ph type="title"/>
-          </p:nvPr>
-        </p:nvSpPr>
-        <p:spPr/>
-        <p:txBody>
-          <a:bodyPr/>
-          <a:lstStyle/>
-          <a:p>
-            <a:pPr algn="ctr">
-              <a:defRPr b="1" sz="3500"/>
-            </a:pPr>
-            <a:r>
-              <a:t>Publicaciones - Twitter</a:t>
-            </a:r>
-          </a:p>
-        </p:txBody>
-      </p:sp>
-      <p:sp>
-        <p:nvSpPr>
-          <p:cNvPr id="3" name="Content Placeholder 2"/>
-          <p:cNvSpPr>
-            <a:spLocks noGrp="1"/>
-          </p:cNvSpPr>
-          <p:nvPr>
-            <p:ph idx="1" sz="half"/>
-          </p:nvPr>
-        </p:nvSpPr>
-        <p:spPr>
-          <a:xfrm>
-            <a:off x="365760" y="1097280"/>
-            <a:ext cx="1828800" cy="274320"/>
-          </a:xfrm>
-        </p:spPr>
-        <p:txBody>
-          <a:bodyPr/>
-          <a:lstStyle/>
-          <a:p>
-            <a:pPr>
-              <a:defRPr b="1" sz="1600"/>
-            </a:pPr>
-            <a:r>
-              <a:t>30 de Octubre</a:t>
-            </a:r>
-          </a:p>
-        </p:txBody>
-      </p:sp>
-      <p:sp>
-        <p:nvSpPr>
-          <p:cNvPr id="4" name="Content Placeholder 3"/>
-          <p:cNvSpPr>
-            <a:spLocks noGrp="1"/>
-          </p:cNvSpPr>
-          <p:nvPr>
-            <p:ph idx="13" sz="quarter"/>
-          </p:nvPr>
-        </p:nvSpPr>
-        <p:spPr/>
-        <p:txBody>
-          <a:bodyPr/>
-          <a:lstStyle/>
-          <a:p>
-            <a:r>
-              <a:t>https://twitter.com/Revista_EyN/status/1322283203885998081?s=20</a:t>
-            </a:r>
-          </a:p>
-        </p:txBody>
-      </p:sp>
-      <p:graphicFrame>
-        <p:nvGraphicFramePr>
-          <p:cNvPr id="5" name="Table 4"/>
-          <p:cNvGraphicFramePr>
-            <a:graphicFrameLocks noGrp="1"/>
-          </p:cNvGraphicFramePr>
-          <p:nvPr/>
-        </p:nvGraphicFramePr>
-        <p:xfrm>
-          <a:off x="5486400" y="1828800"/>
-          <a:ext cx="3291840" cy="3602736"/>
-        </p:xfrm>
-        <a:graphic>
-          <a:graphicData uri="http://schemas.openxmlformats.org/drawingml/2006/table">
-            <a:tbl>
-              <a:tblPr firstRow="1" bandRow="1">
-                <a:tableStyleId>{5C22544A-7EE6-4342-B048-85BDC9FD1C3A}</a:tableStyleId>
-              </a:tblPr>
-              <a:tblGrid>
-                <a:gridCol w="1645920"/>
-                <a:gridCol w="1645920"/>
-              </a:tblGrid>
-              <a:tr h="360273">
-                <a:tc>
-                  <a:txBody>
-                    <a:bodyPr/>
-                    <a:lstStyle/>
-                    <a:p>
-                      <a:pPr>
-                        <a:defRPr sz="1200" b="1"/>
-                      </a:pPr>
-                      <a:r>
-                        <a:t>Medio</a:t>
-                      </a:r>
-                    </a:p>
-                  </a:txBody>
-                  <a:tcPr/>
-                </a:tc>
-                <a:tc>
-                  <a:txBody>
-                    <a:bodyPr/>
-                    <a:lstStyle/>
-                    <a:p>
-                      <a:pPr>
-                        <a:defRPr sz="1200" b="1"/>
-                      </a:pPr>
-                      <a:r>
-                        <a:t>Estrategia y Negocios</a:t>
-                      </a:r>
-                    </a:p>
-                  </a:txBody>
-                  <a:tcPr/>
-                </a:tc>
-              </a:tr>
-              <a:tr h="360273">
-                <a:tc>
-                  <a:txBody>
-                    <a:bodyPr/>
-                    <a:lstStyle/>
-                    <a:p>
-                      <a:pPr>
-                        <a:defRPr sz="1200" b="1"/>
-                      </a:pPr>
-                      <a:r>
-                        <a:t>Tipo</a:t>
-                      </a:r>
-                    </a:p>
-                  </a:txBody>
-                  <a:tcPr/>
-                </a:tc>
-                <a:tc>
-                  <a:txBody>
-                    <a:bodyPr/>
-                    <a:lstStyle/>
-                    <a:p>
-                      <a:pPr>
-                        <a:defRPr sz="1200"/>
-                      </a:pPr>
-                      <a:r>
-                        <a:t>Twitter</a:t>
-                      </a:r>
-                    </a:p>
-                  </a:txBody>
-                  <a:tcPr/>
-                </a:tc>
-              </a:tr>
-              <a:tr h="360273">
-                <a:tc>
-                  <a:txBody>
-                    <a:bodyPr/>
-                    <a:lstStyle/>
-                    <a:p>
-                      <a:pPr>
-                        <a:defRPr sz="1200" b="1"/>
-                      </a:pPr>
-                      <a:r>
-                        <a:t>Tamaño</a:t>
-                      </a:r>
-                    </a:p>
-                  </a:txBody>
-                  <a:tcPr/>
-                </a:tc>
-                <a:tc>
-                  <a:txBody>
-                    <a:bodyPr/>
-                    <a:lstStyle/>
-                    <a:p>
-                      <a:pPr>
-                        <a:defRPr sz="1200"/>
-                      </a:pPr>
-                      <a:r>
-                        <a:t>1 post</a:t>
-                      </a:r>
-                    </a:p>
-                  </a:txBody>
-                  <a:tcPr/>
-                </a:tc>
-              </a:tr>
-              <a:tr h="360273">
-                <a:tc>
-                  <a:txBody>
-                    <a:bodyPr/>
-                    <a:lstStyle/>
-                    <a:p>
-                      <a:pPr>
-                        <a:defRPr sz="1200" b="1"/>
-                      </a:pPr>
-                      <a:r>
-                        <a:t>Valor Publicitario</a:t>
-                      </a:r>
-                    </a:p>
-                  </a:txBody>
-                  <a:tcPr/>
-                </a:tc>
-                <a:tc>
-                  <a:txBody>
-                    <a:bodyPr/>
-                    <a:lstStyle/>
-                    <a:p>
-                      <a:pPr>
-                        <a:defRPr sz="1200"/>
-                      </a:pPr>
-                      <a:r>
-                        <a:t>B/. 500.00</a:t>
-                      </a:r>
-                    </a:p>
-                  </a:txBody>
-                  <a:tcPr/>
-                </a:tc>
-              </a:tr>
-              <a:tr h="360273">
-                <a:tc>
-                  <a:txBody>
-                    <a:bodyPr/>
-                    <a:lstStyle/>
-                    <a:p>
-                      <a:pPr>
-                        <a:defRPr sz="1200" b="1"/>
-                      </a:pPr>
-                      <a:r>
-                        <a:t>Valor Informativo</a:t>
-                      </a:r>
-                    </a:p>
-                  </a:txBody>
-                  <a:tcPr/>
-                </a:tc>
-                <a:tc>
-                  <a:txBody>
-                    <a:bodyPr/>
-                    <a:lstStyle/>
-                    <a:p>
-                      <a:pPr>
-                        <a:defRPr sz="1200"/>
-                      </a:pPr>
-                      <a:r>
-                        <a:t>B/. 2,000.00</a:t>
-                      </a:r>
-                    </a:p>
-                  </a:txBody>
-                  <a:tcPr/>
-                </a:tc>
-              </a:tr>
-              <a:tr h="360273">
-                <a:tc>
-                  <a:txBody>
-                    <a:bodyPr/>
-                    <a:lstStyle/>
-                    <a:p>
-                      <a:pPr>
-                        <a:defRPr sz="1200" b="1"/>
-                      </a:pPr>
-                      <a:r>
-                        <a:t>Tier</a:t>
-                      </a:r>
-                    </a:p>
-                  </a:txBody>
-                  <a:tcPr/>
-                </a:tc>
-                <a:tc>
-                  <a:txBody>
-                    <a:bodyPr/>
-                    <a:lstStyle/>
-                    <a:p>
-                      <a:pPr>
-                        <a:defRPr sz="1200"/>
-                      </a:pPr>
-                      <a:r>
-                        <a:t>1</a:t>
-                      </a:r>
-                    </a:p>
-                  </a:txBody>
-                  <a:tcPr/>
-                </a:tc>
-              </a:tr>
-              <a:tr h="360273">
-                <a:tc>
-                  <a:txBody>
-                    <a:bodyPr/>
-                    <a:lstStyle/>
-                    <a:p>
-                      <a:pPr>
-                        <a:defRPr sz="1200" b="1"/>
-                      </a:pPr>
-                      <a:r>
-                        <a:t>Mención de Marca</a:t>
-                      </a:r>
-                    </a:p>
-                  </a:txBody>
-                  <a:tcPr/>
-                </a:tc>
-                <a:tc>
-                  <a:txBody>
-                    <a:bodyPr/>
-                    <a:lstStyle/>
-                    <a:p>
-                      <a:pPr>
-                        <a:defRPr sz="1200"/>
-                      </a:pPr>
-                      <a:r>
-                        <a:t>Si</a:t>
-                      </a:r>
-                    </a:p>
-                  </a:txBody>
-                  <a:tcPr/>
-                </a:tc>
-              </a:tr>
-              <a:tr h="360273">
-                <a:tc>
-                  <a:txBody>
-                    <a:bodyPr/>
-                    <a:lstStyle/>
-                    <a:p>
-                      <a:pPr>
-                        <a:defRPr sz="1200" b="1"/>
-                      </a:pPr>
-                      <a:r>
-                        <a:t>Presencia de vocero</a:t>
-                      </a:r>
-                    </a:p>
-                  </a:txBody>
-                  <a:tcPr/>
-                </a:tc>
-                <a:tc>
-                  <a:txBody>
-                    <a:bodyPr/>
-                    <a:lstStyle/>
-                    <a:p>
-                      <a:pPr>
-                        <a:defRPr sz="1200"/>
-                      </a:pPr>
-                      <a:r>
-                        <a:t>Si</a:t>
-                      </a:r>
-                    </a:p>
-                  </a:txBody>
-                  <a:tcPr/>
-                </a:tc>
-              </a:tr>
-              <a:tr h="360273">
-                <a:tc>
-                  <a:txBody>
-                    <a:bodyPr/>
-                    <a:lstStyle/>
-                    <a:p>
-                      <a:pPr>
-                        <a:defRPr sz="1200" b="1"/>
-                      </a:pPr>
-                      <a:r>
-                        <a:t>Quote de vocero</a:t>
-                      </a:r>
-                    </a:p>
-                  </a:txBody>
-                  <a:tcPr/>
-                </a:tc>
-                <a:tc>
-                  <a:txBody>
-                    <a:bodyPr/>
-                    <a:lstStyle/>
-                    <a:p>
-                      <a:pPr>
-                        <a:defRPr sz="1200"/>
-                      </a:pPr>
-                      <a:r>
-                        <a:t>Si</a:t>
-                      </a:r>
-                    </a:p>
-                  </a:txBody>
-                  <a:tcPr/>
-                </a:tc>
-              </a:tr>
-              <a:tr h="360279">
-                <a:tc>
-                  <a:txBody>
-                    <a:bodyPr/>
-                    <a:lstStyle/>
-                    <a:p>
-                      <a:pPr>
-                        <a:defRPr sz="1200" b="1"/>
-                      </a:pPr>
-                      <a:r>
-                        <a:t>Favorabilidad mediática</a:t>
-                      </a:r>
-                    </a:p>
-                  </a:txBody>
-                  <a:tcPr/>
-                </a:tc>
-                <a:tc>
-                  <a:txBody>
-                    <a:bodyPr/>
-                    <a:lstStyle/>
-                    <a:p>
-                      <a:pPr>
-                        <a:defRPr sz="1200"/>
-                      </a:pPr>
-                      <a:r>
-                        <a:t>Positiva</a:t>
-                      </a:r>
-                    </a:p>
-                  </a:txBody>
-                  <a:tcPr/>
-                </a:tc>
-              </a:tr>
-            </a:tbl>
-          </a:graphicData>
-        </a:graphic>
-      </p:graphicFrame>
-      <p:pic>
-        <p:nvPicPr>
-          <p:cNvPr id="6" name="Picture 5" descr="Twitter.png"/>
-          <p:cNvPicPr>
-            <a:picLocks noChangeAspect="1"/>
-          </p:cNvPicPr>
-          <p:nvPr/>
-        </p:nvPicPr>
-        <p:blipFill>
-          <a:blip r:embed="rId2"/>
-          <a:stretch>
-            <a:fillRect/>
-          </a:stretch>
-        </p:blipFill>
-        <p:spPr>
-          <a:xfrm>
-            <a:off x="7498079" y="731520"/>
-            <a:ext cx="521207" cy="521207"/>
-          </a:xfrm>
-          <a:prstGeom prst="rect">
-            <a:avLst/>
-          </a:prstGeom>
-        </p:spPr>
-      </p:pic>
-      <p:pic>
-        <p:nvPicPr>
-          <p:cNvPr id="7" name="Picture 6" descr="DAHUA 26.jpg"/>
-          <p:cNvPicPr>
-            <a:picLocks noChangeAspect="1"/>
-          </p:cNvPicPr>
-          <p:nvPr/>
-        </p:nvPicPr>
-        <p:blipFill>
-          <a:blip r:embed="rId3"/>
-          <a:stretch>
-            <a:fillRect/>
-          </a:stretch>
-        </p:blipFill>
-        <p:spPr>
-          <a:xfrm>
-            <a:off x="228600" y="2103120"/>
-            <a:ext cx="3840480" cy="3840480"/>
-          </a:xfrm>
-          <a:prstGeom prst="rect">
-            <a:avLst/>
-          </a:prstGeom>
-        </p:spPr>
-      </p:pic>
-    </p:spTree>
-  </p:cSld>
-  <p:clrMapOvr>
-    <a:masterClrMapping/>
-  </p:clrMapOvr>
-</p:sld>
-</file>
-
-<file path=ppt/slides/slide28.xml><?xml version="1.0" encoding="utf-8"?>
-<p:sld xmlns:a="http://schemas.openxmlformats.org/drawingml/2006/main" xmlns:p="http://schemas.openxmlformats.org/presentationml/2006/main" xmlns:r="http://schemas.openxmlformats.org/officeDocument/2006/relationships">
-  <p:cSld>
-    <p:spTree>
-      <p:nvGrpSpPr>
-        <p:cNvPr id="1" name=""/>
-        <p:cNvGrpSpPr/>
-        <p:nvPr/>
-      </p:nvGrpSpPr>
-      <p:grpSpPr/>
-      <p:sp>
-        <p:nvSpPr>
-          <p:cNvPr id="2" name="Title 1"/>
-          <p:cNvSpPr>
-            <a:spLocks noGrp="1"/>
-          </p:cNvSpPr>
-          <p:nvPr>
-            <p:ph type="title"/>
-          </p:nvPr>
-        </p:nvSpPr>
-        <p:spPr/>
-        <p:txBody>
-          <a:bodyPr/>
-          <a:lstStyle/>
-          <a:p>
-            <a:pPr algn="ctr">
-              <a:defRPr b="1" sz="3500"/>
-            </a:pPr>
-            <a:r>
-              <a:t>Publicaciones - Twitter</a:t>
-            </a:r>
-          </a:p>
-        </p:txBody>
-      </p:sp>
-      <p:sp>
-        <p:nvSpPr>
-          <p:cNvPr id="3" name="Content Placeholder 2"/>
-          <p:cNvSpPr>
-            <a:spLocks noGrp="1"/>
-          </p:cNvSpPr>
-          <p:nvPr>
-            <p:ph idx="1" sz="half"/>
-          </p:nvPr>
-        </p:nvSpPr>
-        <p:spPr>
-          <a:xfrm>
-            <a:off x="365760" y="1097280"/>
-            <a:ext cx="1828800" cy="274320"/>
-          </a:xfrm>
-        </p:spPr>
-        <p:txBody>
-          <a:bodyPr/>
-          <a:lstStyle/>
-          <a:p>
-            <a:pPr>
-              <a:defRPr b="1" sz="1600"/>
-            </a:pPr>
-            <a:r>
-              <a:t>30 de Octubre</a:t>
-            </a:r>
-          </a:p>
-        </p:txBody>
-      </p:sp>
-      <p:sp>
-        <p:nvSpPr>
-          <p:cNvPr id="4" name="Content Placeholder 3"/>
-          <p:cNvSpPr>
-            <a:spLocks noGrp="1"/>
-          </p:cNvSpPr>
-          <p:nvPr>
-            <p:ph idx="13" sz="quarter"/>
-          </p:nvPr>
-        </p:nvSpPr>
-        <p:spPr/>
-        <p:txBody>
-          <a:bodyPr/>
-          <a:lstStyle/>
-          <a:p>
-            <a:r>
-              <a:t>https://twitter.com/Revista_EyN/status/1322288058688032769?s=20</a:t>
-            </a:r>
-          </a:p>
-        </p:txBody>
-      </p:sp>
-      <p:graphicFrame>
-        <p:nvGraphicFramePr>
-          <p:cNvPr id="5" name="Table 4"/>
-          <p:cNvGraphicFramePr>
-            <a:graphicFrameLocks noGrp="1"/>
-          </p:cNvGraphicFramePr>
-          <p:nvPr/>
-        </p:nvGraphicFramePr>
-        <p:xfrm>
-          <a:off x="5486400" y="1828800"/>
-          <a:ext cx="3291840" cy="3602736"/>
-        </p:xfrm>
-        <a:graphic>
-          <a:graphicData uri="http://schemas.openxmlformats.org/drawingml/2006/table">
-            <a:tbl>
-              <a:tblPr firstRow="1" bandRow="1">
-                <a:tableStyleId>{5C22544A-7EE6-4342-B048-85BDC9FD1C3A}</a:tableStyleId>
-              </a:tblPr>
-              <a:tblGrid>
-                <a:gridCol w="1645920"/>
-                <a:gridCol w="1645920"/>
-              </a:tblGrid>
-              <a:tr h="360273">
-                <a:tc>
-                  <a:txBody>
-                    <a:bodyPr/>
-                    <a:lstStyle/>
-                    <a:p>
-                      <a:pPr>
-                        <a:defRPr sz="1200" b="1"/>
-                      </a:pPr>
-                      <a:r>
-                        <a:t>Medio</a:t>
-                      </a:r>
-                    </a:p>
-                  </a:txBody>
-                  <a:tcPr/>
-                </a:tc>
-                <a:tc>
-                  <a:txBody>
-                    <a:bodyPr/>
-                    <a:lstStyle/>
-                    <a:p>
-                      <a:pPr>
-                        <a:defRPr sz="1200" b="1"/>
-                      </a:pPr>
-                      <a:r>
-                        <a:t>Estrategia y Negocios</a:t>
-                      </a:r>
-                    </a:p>
-                  </a:txBody>
-                  <a:tcPr/>
-                </a:tc>
-              </a:tr>
-              <a:tr h="360273">
-                <a:tc>
-                  <a:txBody>
-                    <a:bodyPr/>
-                    <a:lstStyle/>
-                    <a:p>
-                      <a:pPr>
-                        <a:defRPr sz="1200" b="1"/>
-                      </a:pPr>
-                      <a:r>
-                        <a:t>Tipo</a:t>
-                      </a:r>
-                    </a:p>
-                  </a:txBody>
-                  <a:tcPr/>
-                </a:tc>
-                <a:tc>
-                  <a:txBody>
-                    <a:bodyPr/>
-                    <a:lstStyle/>
-                    <a:p>
-                      <a:pPr>
-                        <a:defRPr sz="1200"/>
-                      </a:pPr>
-                      <a:r>
-                        <a:t>Twitter</a:t>
-                      </a:r>
-                    </a:p>
-                  </a:txBody>
-                  <a:tcPr/>
-                </a:tc>
-              </a:tr>
-              <a:tr h="360273">
-                <a:tc>
-                  <a:txBody>
-                    <a:bodyPr/>
-                    <a:lstStyle/>
-                    <a:p>
-                      <a:pPr>
-                        <a:defRPr sz="1200" b="1"/>
-                      </a:pPr>
-                      <a:r>
-                        <a:t>Tamaño</a:t>
-                      </a:r>
-                    </a:p>
-                  </a:txBody>
-                  <a:tcPr/>
-                </a:tc>
-                <a:tc>
-                  <a:txBody>
-                    <a:bodyPr/>
-                    <a:lstStyle/>
-                    <a:p>
-                      <a:pPr>
-                        <a:defRPr sz="1200"/>
-                      </a:pPr>
-                      <a:r>
-                        <a:t>1 post</a:t>
-                      </a:r>
-                    </a:p>
-                  </a:txBody>
-                  <a:tcPr/>
-                </a:tc>
-              </a:tr>
-              <a:tr h="360273">
-                <a:tc>
-                  <a:txBody>
-                    <a:bodyPr/>
-                    <a:lstStyle/>
-                    <a:p>
-                      <a:pPr>
-                        <a:defRPr sz="1200" b="1"/>
-                      </a:pPr>
-                      <a:r>
-                        <a:t>Valor Publicitario</a:t>
-                      </a:r>
-                    </a:p>
-                  </a:txBody>
-                  <a:tcPr/>
-                </a:tc>
-                <a:tc>
-                  <a:txBody>
-                    <a:bodyPr/>
-                    <a:lstStyle/>
-                    <a:p>
-                      <a:pPr>
-                        <a:defRPr sz="1200"/>
-                      </a:pPr>
-                      <a:r>
-                        <a:t>B/. 500.00</a:t>
-                      </a:r>
-                    </a:p>
-                  </a:txBody>
-                  <a:tcPr/>
-                </a:tc>
-              </a:tr>
-              <a:tr h="360273">
-                <a:tc>
-                  <a:txBody>
-                    <a:bodyPr/>
-                    <a:lstStyle/>
-                    <a:p>
-                      <a:pPr>
-                        <a:defRPr sz="1200" b="1"/>
-                      </a:pPr>
-                      <a:r>
-                        <a:t>Valor Informativo</a:t>
-                      </a:r>
-                    </a:p>
-                  </a:txBody>
-                  <a:tcPr/>
-                </a:tc>
-                <a:tc>
-                  <a:txBody>
-                    <a:bodyPr/>
-                    <a:lstStyle/>
-                    <a:p>
-                      <a:pPr>
-                        <a:defRPr sz="1200"/>
-                      </a:pPr>
-                      <a:r>
-                        <a:t>B/. 2,000.00</a:t>
-                      </a:r>
-                    </a:p>
-                  </a:txBody>
-                  <a:tcPr/>
-                </a:tc>
-              </a:tr>
-              <a:tr h="360273">
-                <a:tc>
-                  <a:txBody>
-                    <a:bodyPr/>
-                    <a:lstStyle/>
-                    <a:p>
-                      <a:pPr>
-                        <a:defRPr sz="1200" b="1"/>
-                      </a:pPr>
-                      <a:r>
-                        <a:t>Tier</a:t>
-                      </a:r>
-                    </a:p>
-                  </a:txBody>
-                  <a:tcPr/>
-                </a:tc>
-                <a:tc>
-                  <a:txBody>
-                    <a:bodyPr/>
-                    <a:lstStyle/>
-                    <a:p>
-                      <a:pPr>
-                        <a:defRPr sz="1200"/>
-                      </a:pPr>
-                      <a:r>
-                        <a:t>11</a:t>
-                      </a:r>
-                    </a:p>
-                  </a:txBody>
-                  <a:tcPr/>
-                </a:tc>
-              </a:tr>
-              <a:tr h="360273">
-                <a:tc>
-                  <a:txBody>
-                    <a:bodyPr/>
-                    <a:lstStyle/>
-                    <a:p>
-                      <a:pPr>
-                        <a:defRPr sz="1200" b="1"/>
-                      </a:pPr>
-                      <a:r>
-                        <a:t>Mención de Marca</a:t>
-                      </a:r>
-                    </a:p>
-                  </a:txBody>
-                  <a:tcPr/>
-                </a:tc>
-                <a:tc>
-                  <a:txBody>
-                    <a:bodyPr/>
-                    <a:lstStyle/>
-                    <a:p>
-                      <a:pPr>
-                        <a:defRPr sz="1200"/>
-                      </a:pPr>
-                      <a:r>
-                        <a:t>Si</a:t>
-                      </a:r>
-                    </a:p>
-                  </a:txBody>
-                  <a:tcPr/>
-                </a:tc>
-              </a:tr>
-              <a:tr h="360273">
-                <a:tc>
-                  <a:txBody>
-                    <a:bodyPr/>
-                    <a:lstStyle/>
-                    <a:p>
-                      <a:pPr>
-                        <a:defRPr sz="1200" b="1"/>
-                      </a:pPr>
-                      <a:r>
-                        <a:t>Presencia de vocero</a:t>
-                      </a:r>
-                    </a:p>
-                  </a:txBody>
-                  <a:tcPr/>
-                </a:tc>
-                <a:tc>
-                  <a:txBody>
-                    <a:bodyPr/>
-                    <a:lstStyle/>
-                    <a:p>
-                      <a:pPr>
-                        <a:defRPr sz="1200"/>
-                      </a:pPr>
-                      <a:r>
-                        <a:t>Si</a:t>
-                      </a:r>
-                    </a:p>
-                  </a:txBody>
-                  <a:tcPr/>
-                </a:tc>
-              </a:tr>
-              <a:tr h="360273">
-                <a:tc>
-                  <a:txBody>
-                    <a:bodyPr/>
-                    <a:lstStyle/>
-                    <a:p>
-                      <a:pPr>
-                        <a:defRPr sz="1200" b="1"/>
-                      </a:pPr>
-                      <a:r>
-                        <a:t>Quote de vocero</a:t>
-                      </a:r>
-                    </a:p>
-                  </a:txBody>
-                  <a:tcPr/>
-                </a:tc>
-                <a:tc>
-                  <a:txBody>
-                    <a:bodyPr/>
-                    <a:lstStyle/>
-                    <a:p>
-                      <a:pPr>
-                        <a:defRPr sz="1200"/>
-                      </a:pPr>
-                      <a:r>
-                        <a:t>Si</a:t>
-                      </a:r>
-                    </a:p>
-                  </a:txBody>
-                  <a:tcPr/>
-                </a:tc>
-              </a:tr>
-              <a:tr h="360279">
-                <a:tc>
-                  <a:txBody>
-                    <a:bodyPr/>
-                    <a:lstStyle/>
-                    <a:p>
-                      <a:pPr>
-                        <a:defRPr sz="1200" b="1"/>
-                      </a:pPr>
-                      <a:r>
-                        <a:t>Favorabilidad mediática</a:t>
-                      </a:r>
-                    </a:p>
-                  </a:txBody>
-                  <a:tcPr/>
-                </a:tc>
-                <a:tc>
-                  <a:txBody>
-                    <a:bodyPr/>
-                    <a:lstStyle/>
-                    <a:p>
-                      <a:pPr>
-                        <a:defRPr sz="1200"/>
-                      </a:pPr>
-                      <a:r>
-                        <a:t>Positiva</a:t>
-                      </a:r>
-                    </a:p>
-                  </a:txBody>
-                  <a:tcPr/>
-                </a:tc>
-              </a:tr>
-            </a:tbl>
-          </a:graphicData>
-        </a:graphic>
-      </p:graphicFrame>
-      <p:pic>
-        <p:nvPicPr>
-          <p:cNvPr id="6" name="Picture 5" descr="Twitter.png"/>
-          <p:cNvPicPr>
-            <a:picLocks noChangeAspect="1"/>
-          </p:cNvPicPr>
-          <p:nvPr/>
-        </p:nvPicPr>
-        <p:blipFill>
-          <a:blip r:embed="rId2"/>
-          <a:stretch>
-            <a:fillRect/>
-          </a:stretch>
-        </p:blipFill>
-        <p:spPr>
-          <a:xfrm>
-            <a:off x="7498079" y="731520"/>
-            <a:ext cx="521207" cy="521207"/>
-          </a:xfrm>
-          <a:prstGeom prst="rect">
-            <a:avLst/>
-          </a:prstGeom>
-        </p:spPr>
-      </p:pic>
-      <p:pic>
-        <p:nvPicPr>
-          <p:cNvPr id="7" name="Picture 6" descr="DAHUA 27.jpg"/>
+          <p:cNvPr id="7" name="Picture 6" descr="E24 21.jpg"/>
           <p:cNvPicPr>
             <a:picLocks noChangeAspect="1"/>
           </p:cNvPicPr>
@@ -13440,7 +10502,7 @@
               <a:defRPr b="1" sz="1600"/>
             </a:pPr>
             <a:r>
-              <a:t>13 de Octubre</a:t>
+              <a:t>06 de Octubre</a:t>
             </a:r>
           </a:p>
         </p:txBody>
@@ -13461,7 +10523,7 @@
           <a:lstStyle/>
           <a:p>
             <a:r>
-              <a:t>https://riducaonline.com/2020/10/13/la-inteligencia-artificial-mejora-el-nivel-de-seguridad-de-las-actividades-comerciales/</a:t>
+              <a:t>https://www.laestrella.com.pa/economia/201006/plataforma-virtual-clave-ferias-inmobiliarias-tiempos-covid-19</a:t>
             </a:r>
           </a:p>
         </p:txBody>
@@ -13513,7 +10575,7 @@
                         <a:defRPr sz="1200" b="1"/>
                       </a:pPr>
                       <a:r>
-                        <a:t>Riduca Online</a:t>
+                        <a:t>La Estrella de Panamá</a:t>
                       </a:r>
                     </a:p>
                   </a:txBody>
@@ -13609,7 +10671,7 @@
                         <a:defRPr sz="1200"/>
                       </a:pPr>
                       <a:r>
-                        <a:t>B/. 750.00</a:t>
+                        <a:t>B/. 1,000.00</a:t>
                       </a:r>
                     </a:p>
                   </a:txBody>
@@ -13641,7 +10703,7 @@
                         <a:defRPr sz="1200"/>
                       </a:pPr>
                       <a:r>
-                        <a:t>B/. 3,000.00</a:t>
+                        <a:t>B/. 4,000.00</a:t>
                       </a:r>
                     </a:p>
                   </a:txBody>
@@ -13673,7 +10735,7 @@
                         <a:defRPr sz="1200"/>
                       </a:pPr>
                       <a:r>
-                        <a:t>3</a:t>
+                        <a:t>1</a:t>
                       </a:r>
                     </a:p>
                   </a:txBody>
@@ -13838,7 +10900,7 @@
       </p:pic>
       <p:pic>
         <p:nvPicPr>
-          <p:cNvPr id="7" name="Picture 6" descr="DAHUA 5.jpg"/>
+          <p:cNvPr id="7" name="Picture 6" descr="E24 4.jpg"/>
           <p:cNvPicPr>
             <a:picLocks noChangeAspect="1"/>
           </p:cNvPicPr>
@@ -13926,7 +10988,7 @@
               <a:defRPr b="1" sz="1600"/>
             </a:pPr>
             <a:r>
-              <a:t>13 de Octubre</a:t>
+              <a:t>07 de Octubre</a:t>
             </a:r>
           </a:p>
         </p:txBody>
@@ -13947,7 +11009,7 @@
           <a:lstStyle/>
           <a:p>
             <a:r>
-              <a:t>https://eljacaguero.com.do/inteligencia-artificial-mejora-el-nivel-de-seguridad-de-las-actividades-comerciales/</a:t>
+              <a:t>https://elcapitalfinanciero.com/modalidad-virtual-impacta-a-las-principales-ferias-comerciales-de-la-region/</a:t>
             </a:r>
           </a:p>
         </p:txBody>
@@ -13999,7 +11061,7 @@
                         <a:defRPr sz="1200" b="1"/>
                       </a:pPr>
                       <a:r>
-                        <a:t>El Jacagüero- Rep. Dominicana</a:t>
+                        <a:t>El Capital Financiero</a:t>
                       </a:r>
                     </a:p>
                   </a:txBody>
@@ -14095,7 +11157,7 @@
                         <a:defRPr sz="1200"/>
                       </a:pPr>
                       <a:r>
-                        <a:t>B/. 1,500.00</a:t>
+                        <a:t>B/. 1,000.00</a:t>
                       </a:r>
                     </a:p>
                   </a:txBody>
@@ -14127,7 +11189,7 @@
                         <a:defRPr sz="1200"/>
                       </a:pPr>
                       <a:r>
-                        <a:t>B/. 6,000.00</a:t>
+                        <a:t>B/. 4,000.00</a:t>
                       </a:r>
                     </a:p>
                   </a:txBody>
@@ -14324,7 +11386,7 @@
       </p:pic>
       <p:pic>
         <p:nvPicPr>
-          <p:cNvPr id="7" name="Picture 6" descr="DAHUA 6.jpg"/>
+          <p:cNvPr id="7" name="Picture 6" descr="E24 7.jpg"/>
           <p:cNvPicPr>
             <a:picLocks noChangeAspect="1"/>
           </p:cNvPicPr>
@@ -14412,7 +11474,7 @@
               <a:defRPr b="1" sz="1600"/>
             </a:pPr>
             <a:r>
-              <a:t>14 de Octubre</a:t>
+              <a:t>07 de Octubre</a:t>
             </a:r>
           </a:p>
         </p:txBody>
@@ -14433,7 +11495,7 @@
           <a:lstStyle/>
           <a:p>
             <a:r>
-              <a:t>http://mundoescazu.com/index.php/noticias-escazu-negocios/5233-inteligencia-artificial-mejora-el-nivel-de-seguridad-de-las-actividades-comerciales</a:t>
+              <a:t>http://www.findglocal.com/PA/Panama-City/22056981168/El-Espectador-de-Panam%C3%A1</a:t>
             </a:r>
           </a:p>
         </p:txBody>
@@ -14485,7 +11547,7 @@
                         <a:defRPr sz="1200" b="1"/>
                       </a:pPr>
                       <a:r>
-                        <a:t>Mundo Escazu- Costa Rica</a:t>
+                        <a:t>Find G Local- El Espectador </a:t>
                       </a:r>
                     </a:p>
                   </a:txBody>
@@ -14581,7 +11643,7 @@
                         <a:defRPr sz="1200"/>
                       </a:pPr>
                       <a:r>
-                        <a:t>B/. 1,500.00</a:t>
+                        <a:t>B/. 1,000.00</a:t>
                       </a:r>
                     </a:p>
                   </a:txBody>
@@ -14613,7 +11675,7 @@
                         <a:defRPr sz="1200"/>
                       </a:pPr>
                       <a:r>
-                        <a:t>B/. 6,000.00</a:t>
+                        <a:t>B/. 4,000.00</a:t>
                       </a:r>
                     </a:p>
                   </a:txBody>
@@ -14810,7 +11872,7 @@
       </p:pic>
       <p:pic>
         <p:nvPicPr>
-          <p:cNvPr id="7" name="Picture 6" descr="DAHUA 7.jpg"/>
+          <p:cNvPr id="7" name="Picture 6" descr="E24 8.jpg"/>
           <p:cNvPicPr>
             <a:picLocks noChangeAspect="1"/>
           </p:cNvPicPr>
@@ -14898,7 +11960,7 @@
               <a:defRPr b="1" sz="1600"/>
             </a:pPr>
             <a:r>
-              <a:t>15 de Octubre</a:t>
+              <a:t>10 de Octubre</a:t>
             </a:r>
           </a:p>
         </p:txBody>
@@ -14919,7 +11981,7 @@
           <a:lstStyle/>
           <a:p>
             <a:r>
-              <a:t>http://www.escenariosv.com/articulo/Econom%C3%ADa/inteligencia-artificial-mejora-nivel-seguridad-actividades-comerciales/20201015155644004333.html</a:t>
+              <a:t>https://www.periodicoequilibrium.com/vivir-en-espacios-abiertos-alternativa-de-usuarios-de-plataformas-digitales/</a:t>
             </a:r>
           </a:p>
         </p:txBody>
@@ -14971,7 +12033,7 @@
                         <a:defRPr sz="1200" b="1"/>
                       </a:pPr>
                       <a:r>
-                        <a:t>Escenarios- El Salvador</a:t>
+                        <a:t>Periódico Equilibrium</a:t>
                       </a:r>
                     </a:p>
                   </a:txBody>
@@ -15067,7 +12129,7 @@
                         <a:defRPr sz="1200"/>
                       </a:pPr>
                       <a:r>
-                        <a:t>B/. 1,500.00</a:t>
+                        <a:t>B/. 750.00</a:t>
                       </a:r>
                     </a:p>
                   </a:txBody>
@@ -15099,7 +12161,7 @@
                         <a:defRPr sz="1200"/>
                       </a:pPr>
                       <a:r>
-                        <a:t>B/. 6,000.00</a:t>
+                        <a:t>B/. 3,000.00</a:t>
                       </a:r>
                     </a:p>
                   </a:txBody>
@@ -15131,7 +12193,7 @@
                         <a:defRPr sz="1200"/>
                       </a:pPr>
                       <a:r>
-                        <a:t>1</a:t>
+                        <a:t>3</a:t>
                       </a:r>
                     </a:p>
                   </a:txBody>
@@ -15296,7 +12358,7 @@
       </p:pic>
       <p:pic>
         <p:nvPicPr>
-          <p:cNvPr id="7" name="Picture 6" descr="DAHUA 8.jpg"/>
+          <p:cNvPr id="7" name="Picture 6" descr="E24 13.jpg"/>
           <p:cNvPicPr>
             <a:picLocks noChangeAspect="1"/>
           </p:cNvPicPr>
@@ -15355,7 +12417,7 @@
               <a:defRPr b="1" sz="3500"/>
             </a:pPr>
             <a:r>
-              <a:t>Publicaciones - Televisión</a:t>
+              <a:t>Publicaciones - Web</a:t>
             </a:r>
           </a:p>
         </p:txBody>
@@ -15384,7 +12446,7 @@
               <a:defRPr b="1" sz="1600"/>
             </a:pPr>
             <a:r>
-              <a:t>20 de Octubre</a:t>
+              <a:t>13 de Octubre</a:t>
             </a:r>
           </a:p>
         </p:txBody>
@@ -15405,7 +12467,7 @@
           <a:lstStyle/>
           <a:p>
             <a:r>
-              <a:t>https://panama.consulado.gov.co/consulado/citas</a:t>
+              <a:t>https://www.panama24horas.com.pa/centroamerica/encuentra24-cumple-15-anos-siendo-la-plataforma-lider-en-la-region/#~text=existencia%20de%20Encuentra24.-,Este%20mes%2C%20la%20plataforma%20digital%20l%C3%ADder%20en%20la%20regi%C3%B3n%2C%20celebra,nuestra%20regi%C3%B3n%20y%20el%20Caribe.</a:t>
             </a:r>
           </a:p>
         </p:txBody>
@@ -15457,7 +12519,7 @@
                         <a:defRPr sz="1200" b="1"/>
                       </a:pPr>
                       <a:r>
-                        <a:t>NEXTV</a:t>
+                        <a:t>Panamá 24 Horas</a:t>
                       </a:r>
                     </a:p>
                   </a:txBody>
@@ -15489,7 +12551,7 @@
                         <a:defRPr sz="1200"/>
                       </a:pPr>
                       <a:r>
-                        <a:t>Televisión</a:t>
+                        <a:t>Web</a:t>
                       </a:r>
                     </a:p>
                   </a:txBody>
@@ -15521,7 +12583,7 @@
                         <a:defRPr sz="1200"/>
                       </a:pPr>
                       <a:r>
-                        <a:t>239 segundos</a:t>
+                        <a:t>1 página</a:t>
                       </a:r>
                     </a:p>
                   </a:txBody>
@@ -15553,7 +12615,7 @@
                         <a:defRPr sz="1200"/>
                       </a:pPr>
                       <a:r>
-                        <a:t>B/. 3,585.00</a:t>
+                        <a:t>B/. 750.00</a:t>
                       </a:r>
                     </a:p>
                   </a:txBody>
@@ -15585,7 +12647,7 @@
                         <a:defRPr sz="1200"/>
                       </a:pPr>
                       <a:r>
-                        <a:t>B/. 14,340.00</a:t>
+                        <a:t>B/. 3,000.00</a:t>
                       </a:r>
                     </a:p>
                   </a:txBody>
@@ -15617,7 +12679,7 @@
                         <a:defRPr sz="1200"/>
                       </a:pPr>
                       <a:r>
-                        <a:t>None</a:t>
+                        <a:t>3</a:t>
                       </a:r>
                     </a:p>
                   </a:txBody>
@@ -15758,7 +12820,7 @@
       </p:graphicFrame>
       <p:pic>
         <p:nvPicPr>
-          <p:cNvPr id="6" name="Picture 5" descr="TV.png"/>
+          <p:cNvPr id="6" name="Picture 5" descr="Web.png"/>
           <p:cNvPicPr>
             <a:picLocks noChangeAspect="1"/>
           </p:cNvPicPr>
@@ -15773,7 +12835,7 @@
         <p:spPr>
           <a:xfrm>
             <a:off x="7498079" y="731520"/>
-            <a:ext cx="538581" cy="521207"/>
+            <a:ext cx="533053" cy="521207"/>
           </a:xfrm>
           <a:prstGeom prst="rect">
             <a:avLst/>
@@ -15782,7 +12844,7 @@
       </p:pic>
       <p:pic>
         <p:nvPicPr>
-          <p:cNvPr id="7" name="Picture 6" descr="DAHUA 10.jpg"/>
+          <p:cNvPr id="7" name="Picture 6" descr="E24 14.jpg"/>
           <p:cNvPicPr>
             <a:picLocks noChangeAspect="1"/>
           </p:cNvPicPr>
@@ -15870,7 +12932,7 @@
               <a:defRPr b="1" sz="1600"/>
             </a:pPr>
             <a:r>
-              <a:t>20 de Octubre</a:t>
+              <a:t>13 de Octubre</a:t>
             </a:r>
           </a:p>
         </p:txBody>
@@ -15891,7 +12953,7 @@
           <a:lstStyle/>
           <a:p>
             <a:r>
-              <a:t>https://www.youtube.com/watch?v=9uCtTNO9D_o&amp;feature=youtu.be</a:t>
+              <a:t>https://panamaaldia.news/encuentra24-cumple-15-anos-siendo-la-plataforma-lider-en-la-region/</a:t>
             </a:r>
           </a:p>
         </p:txBody>
@@ -15943,7 +13005,7 @@
                         <a:defRPr sz="1200" b="1"/>
                       </a:pPr>
                       <a:r>
-                        <a:t>NEXTV</a:t>
+                        <a:t>Panamá al Día</a:t>
                       </a:r>
                     </a:p>
                   </a:txBody>
@@ -16007,7 +13069,7 @@
                         <a:defRPr sz="1200"/>
                       </a:pPr>
                       <a:r>
-                        <a:t>239 segundos</a:t>
+                        <a:t>1 página</a:t>
                       </a:r>
                     </a:p>
                   </a:txBody>
@@ -16039,7 +13101,7 @@
                         <a:defRPr sz="1200"/>
                       </a:pPr>
                       <a:r>
-                        <a:t>B/. 1,195.00</a:t>
+                        <a:t>B/. 750.00</a:t>
                       </a:r>
                     </a:p>
                   </a:txBody>
@@ -16071,7 +13133,7 @@
                         <a:defRPr sz="1200"/>
                       </a:pPr>
                       <a:r>
-                        <a:t>B/. 4,780.00</a:t>
+                        <a:t>B/. 3,000.00</a:t>
                       </a:r>
                     </a:p>
                   </a:txBody>
@@ -16103,7 +13165,7 @@
                         <a:defRPr sz="1200"/>
                       </a:pPr>
                       <a:r>
-                        <a:t>1</a:t>
+                        <a:t>3</a:t>
                       </a:r>
                     </a:p>
                   </a:txBody>
@@ -16268,7 +13330,7 @@
       </p:pic>
       <p:pic>
         <p:nvPicPr>
-          <p:cNvPr id="7" name="Picture 6" descr="DAHUA 11.jpg"/>
+          <p:cNvPr id="7" name="Picture 6" descr="E24 15.jpg"/>
           <p:cNvPicPr>
             <a:picLocks noChangeAspect="1"/>
           </p:cNvPicPr>
@@ -16356,7 +13418,7 @@
               <a:defRPr b="1" sz="1600"/>
             </a:pPr>
             <a:r>
-              <a:t>20 de Octubre</a:t>
+              <a:t>15 de Octubre</a:t>
             </a:r>
           </a:p>
         </p:txBody>
@@ -16377,7 +13439,7 @@
           <a:lstStyle/>
           <a:p>
             <a:r>
-              <a:t>https://pa.domiplay.net/video/entrevista-al-ing-enrique-luna-20-10-20-nex-9ucdo</a:t>
+              <a:t>https://www.vidayexito.net/agenda/encuentra24-promocionara-la-feria-capac-con-50-millones-de-usuarios-en-toda-la-region/</a:t>
             </a:r>
           </a:p>
         </p:txBody>
@@ -16429,7 +13491,7 @@
                         <a:defRPr sz="1200" b="1"/>
                       </a:pPr>
                       <a:r>
-                        <a:t>NEXTV</a:t>
+                        <a:t>Vida y Éxito</a:t>
                       </a:r>
                     </a:p>
                   </a:txBody>
@@ -16493,7 +13555,7 @@
                         <a:defRPr sz="1200"/>
                       </a:pPr>
                       <a:r>
-                        <a:t>239 segundos</a:t>
+                        <a:t>1 página</a:t>
                       </a:r>
                     </a:p>
                   </a:txBody>
@@ -16525,7 +13587,7 @@
                         <a:defRPr sz="1200"/>
                       </a:pPr>
                       <a:r>
-                        <a:t>B/. 1,195.00</a:t>
+                        <a:t>B/. 1,500.00</a:t>
                       </a:r>
                     </a:p>
                   </a:txBody>
@@ -16557,7 +13619,7 @@
                         <a:defRPr sz="1200"/>
                       </a:pPr>
                       <a:r>
-                        <a:t>B/. 4,780.00</a:t>
+                        <a:t>B/. 6,000.00</a:t>
                       </a:r>
                     </a:p>
                   </a:txBody>
@@ -16589,7 +13651,7 @@
                         <a:defRPr sz="1200"/>
                       </a:pPr>
                       <a:r>
-                        <a:t>11</a:t>
+                        <a:t>1</a:t>
                       </a:r>
                     </a:p>
                   </a:txBody>
@@ -16754,7 +13816,7 @@
       </p:pic>
       <p:pic>
         <p:nvPicPr>
-          <p:cNvPr id="7" name="Picture 6" descr="DAHUA 12.jpg"/>
+          <p:cNvPr id="7" name="Picture 6" descr="E24 16.jpg"/>
           <p:cNvPicPr>
             <a:picLocks noChangeAspect="1"/>
           </p:cNvPicPr>

--- a/Presentacion Terminada.pptx
+++ b/Presentacion Terminada.pptx
@@ -112,7 +112,7 @@
   <p:extLst>
     <p:ext uri="{EFAFB233-063F-42B5-8137-9DF3F51BA10A}">
       <p15:sldGuideLst xmlns:p15="http://schemas.microsoft.com/office/powerpoint/2012/main">
-        <p15:guide id="1" orient="horz" pos="1139" userDrawn="1">
+        <p15:guide id="1" orient="horz" pos="1117" userDrawn="1">
           <p15:clr>
             <a:srgbClr val="A4A3A4"/>
           </p15:clr>
@@ -226,7 +226,7 @@
           <a:p>
             <a:fld id="{CD18E0D6-6212-E842-A73E-3B7FC6A8F192}" type="datetimeFigureOut">
               <a:rPr lang="es-ES_tradnl" smtClean="0"/>
-              <a:t>29/11/2020</a:t>
+              <a:t>28/11/2020</a:t>
             </a:fld>
             <a:endParaRPr lang="es-ES_tradnl"/>
           </a:p>
@@ -624,7 +624,7 @@
           <a:p>
             <a:fld id="{BFB120B0-2BAF-C849-945E-F9FEF71CE641}" type="datetimeFigureOut">
               <a:rPr lang="es-PA" smtClean="0"/>
-              <a:t>29/11/20</a:t>
+              <a:t>28/11/20</a:t>
             </a:fld>
             <a:endParaRPr lang="es-PA"/>
           </a:p>
@@ -770,7 +770,7 @@
           <a:p>
             <a:fld id="{BFB120B0-2BAF-C849-945E-F9FEF71CE641}" type="datetimeFigureOut">
               <a:rPr lang="es-PA" smtClean="0"/>
-              <a:t>29/11/20</a:t>
+              <a:t>28/11/20</a:t>
             </a:fld>
             <a:endParaRPr lang="es-PA"/>
           </a:p>
@@ -926,7 +926,7 @@
           <a:p>
             <a:fld id="{BFB120B0-2BAF-C849-945E-F9FEF71CE641}" type="datetimeFigureOut">
               <a:rPr lang="es-PA" smtClean="0"/>
-              <a:t>29/11/20</a:t>
+              <a:t>28/11/20</a:t>
             </a:fld>
             <a:endParaRPr lang="es-PA"/>
           </a:p>
@@ -1072,7 +1072,7 @@
           <a:p>
             <a:fld id="{BFB120B0-2BAF-C849-945E-F9FEF71CE641}" type="datetimeFigureOut">
               <a:rPr lang="es-PA" smtClean="0"/>
-              <a:t>29/11/20</a:t>
+              <a:t>28/11/20</a:t>
             </a:fld>
             <a:endParaRPr lang="es-PA"/>
           </a:p>
@@ -1321,7 +1321,7 @@
           <a:p>
             <a:fld id="{BFB120B0-2BAF-C849-945E-F9FEF71CE641}" type="datetimeFigureOut">
               <a:rPr lang="es-PA" smtClean="0"/>
-              <a:t>29/11/20</a:t>
+              <a:t>28/11/20</a:t>
             </a:fld>
             <a:endParaRPr lang="es-PA"/>
           </a:p>
@@ -1385,20 +1385,6 @@
 <file path=ppt/slideLayouts/slideLayout4.xml><?xml version="1.0" encoding="utf-8"?>
 <p:sldLayout xmlns:a="http://schemas.openxmlformats.org/drawingml/2006/main" xmlns:r="http://schemas.openxmlformats.org/officeDocument/2006/relationships" xmlns:p="http://schemas.openxmlformats.org/presentationml/2006/main" preserve="1" userDrawn="1">
   <p:cSld name="Dos objetos">
-    <p:bg>
-      <p:bgPr>
-        <a:blipFill dpi="0" rotWithShape="1">
-          <a:blip r:embed="rId2">
-            <a:lum/>
-          </a:blip>
-          <a:srcRect/>
-          <a:stretch>
-            <a:fillRect t="-1000" b="-1000"/>
-          </a:stretch>
-        </a:blipFill>
-        <a:effectLst/>
-      </p:bgPr>
-    </p:bg>
     <p:spTree>
       <p:nvGrpSpPr>
         <p:cNvPr id="1" name=""/>
@@ -1420,12 +1406,12 @@
             <a:spLocks noGrp="1"/>
           </p:cNvSpPr>
           <p:nvPr>
-            <p:ph type="title" hasCustomPrompt="1"/>
+            <p:ph type="title"/>
           </p:nvPr>
         </p:nvSpPr>
         <p:spPr>
           <a:xfrm>
-            <a:off x="304799" y="230367"/>
+            <a:off x="1311563" y="18256"/>
             <a:ext cx="5975927" cy="729890"/>
           </a:xfrm>
         </p:spPr>
@@ -1433,11 +1419,10 @@
           <a:bodyPr/>
           <a:lstStyle>
             <a:lvl1pPr>
-              <a:defRPr b="1">
+              <a:defRPr>
                 <a:solidFill>
-                  <a:schemeClr val="tx1"/>
+                  <a:schemeClr val="bg1"/>
                 </a:solidFill>
-                <a:latin typeface="Trebuchet MS" panose="020B0603020202020204" pitchFamily="34" charset="0"/>
               </a:defRPr>
             </a:lvl1pPr>
           </a:lstStyle>
@@ -1499,7 +1484,7 @@
           <a:p>
             <a:fld id="{BFB120B0-2BAF-C849-945E-F9FEF71CE641}" type="datetimeFigureOut">
               <a:rPr lang="es-PA" smtClean="0"/>
-              <a:t>29/11/20</a:t>
+              <a:t>28/11/20</a:t>
             </a:fld>
             <a:endParaRPr lang="es-PA"/>
           </a:p>
@@ -1866,7 +1851,7 @@
           <a:p>
             <a:fld id="{BFB120B0-2BAF-C849-945E-F9FEF71CE641}" type="datetimeFigureOut">
               <a:rPr lang="es-PA" smtClean="0"/>
-              <a:t>29/11/20</a:t>
+              <a:t>28/11/20</a:t>
             </a:fld>
             <a:endParaRPr lang="es-PA"/>
           </a:p>
@@ -1984,7 +1969,7 @@
           <a:p>
             <a:fld id="{BFB120B0-2BAF-C849-945E-F9FEF71CE641}" type="datetimeFigureOut">
               <a:rPr lang="es-PA" smtClean="0"/>
-              <a:t>29/11/20</a:t>
+              <a:t>28/11/20</a:t>
             </a:fld>
             <a:endParaRPr lang="es-PA"/>
           </a:p>
@@ -2079,7 +2064,7 @@
           <a:p>
             <a:fld id="{BFB120B0-2BAF-C849-945E-F9FEF71CE641}" type="datetimeFigureOut">
               <a:rPr lang="es-PA" smtClean="0"/>
-              <a:t>29/11/20</a:t>
+              <a:t>28/11/20</a:t>
             </a:fld>
             <a:endParaRPr lang="es-PA"/>
           </a:p>
@@ -2337,7 +2322,7 @@
           <a:p>
             <a:fld id="{BFB120B0-2BAF-C849-945E-F9FEF71CE641}" type="datetimeFigureOut">
               <a:rPr lang="es-PA" smtClean="0"/>
-              <a:t>29/11/20</a:t>
+              <a:t>28/11/20</a:t>
             </a:fld>
             <a:endParaRPr lang="es-PA"/>
           </a:p>
@@ -2599,7 +2584,7 @@
           <a:p>
             <a:fld id="{BFB120B0-2BAF-C849-945E-F9FEF71CE641}" type="datetimeFigureOut">
               <a:rPr lang="es-PA" smtClean="0"/>
-              <a:t>29/11/20</a:t>
+              <a:t>28/11/20</a:t>
             </a:fld>
             <a:endParaRPr lang="es-PA"/>
           </a:p>
@@ -2797,7 +2782,7 @@
           <a:p>
             <a:fld id="{BFB120B0-2BAF-C849-945E-F9FEF71CE641}" type="datetimeFigureOut">
               <a:rPr lang="es-PA" smtClean="0"/>
-              <a:t>29/11/20</a:t>
+              <a:t>28/11/20</a:t>
             </a:fld>
             <a:endParaRPr lang="es-PA"/>
           </a:p>
@@ -3641,7 +3626,7 @@
       </p:pic>
       <p:pic>
         <p:nvPicPr>
-          <p:cNvPr id="7" name="Picture 6" descr="TT 1.jpg"/>
+          <p:cNvPr id="7" name="Picture 6" descr="ADEDAPP 1.jpg"/>
           <p:cNvPicPr>
             <a:picLocks noChangeAspect="1"/>
           </p:cNvPicPr>
@@ -4127,7 +4112,7 @@
       </p:pic>
       <p:pic>
         <p:nvPicPr>
-          <p:cNvPr id="7" name="Picture 6" descr="TT 2.jpg"/>
+          <p:cNvPr id="7" name="Picture 6" descr="ADEDAPP 2.jpg"/>
           <p:cNvPicPr>
             <a:picLocks noChangeAspect="1"/>
           </p:cNvPicPr>
@@ -4613,7 +4598,7 @@
       </p:pic>
       <p:pic>
         <p:nvPicPr>
-          <p:cNvPr id="7" name="Picture 6" descr="TT 3.jpg"/>
+          <p:cNvPr id="7" name="Picture 6" descr="ADEDAPP 3.jpg"/>
           <p:cNvPicPr>
             <a:picLocks noChangeAspect="1"/>
           </p:cNvPicPr>

--- a/Presentacion Terminada.pptx
+++ b/Presentacion Terminada.pptx
@@ -8,14 +8,29 @@
     <p:notesMasterId r:id="rId2"/>
   </p:notesMasterIdLst>
   <p:sldIdLst>
-    <p:sldId id="256" r:id="rId7"/>
-    <p:sldId id="257" r:id="rId8"/>
-    <p:sldId id="258" r:id="rId9"/>
-    <p:sldId id="259" r:id="rId10"/>
-    <p:sldId id="260" r:id="rId11"/>
-    <p:sldId id="261" r:id="rId12"/>
-    <p:sldId id="262" r:id="rId13"/>
-    <p:sldId id="263" r:id="rId14"/>
+    <p:sldId id="256" r:id="rId8"/>
+    <p:sldId id="257" r:id="rId9"/>
+    <p:sldId id="258" r:id="rId10"/>
+    <p:sldId id="259" r:id="rId11"/>
+    <p:sldId id="260" r:id="rId12"/>
+    <p:sldId id="261" r:id="rId13"/>
+    <p:sldId id="262" r:id="rId14"/>
+    <p:sldId id="263" r:id="rId15"/>
+    <p:sldId id="264" r:id="rId16"/>
+    <p:sldId id="265" r:id="rId17"/>
+    <p:sldId id="266" r:id="rId18"/>
+    <p:sldId id="267" r:id="rId19"/>
+    <p:sldId id="268" r:id="rId20"/>
+    <p:sldId id="269" r:id="rId21"/>
+    <p:sldId id="270" r:id="rId22"/>
+    <p:sldId id="271" r:id="rId23"/>
+    <p:sldId id="272" r:id="rId24"/>
+    <p:sldId id="273" r:id="rId25"/>
+    <p:sldId id="274" r:id="rId26"/>
+    <p:sldId id="275" r:id="rId27"/>
+    <p:sldId id="276" r:id="rId28"/>
+    <p:sldId id="277" r:id="rId29"/>
+    <p:sldId id="278" r:id="rId30"/>
   </p:sldIdLst>
   <p:sldSz cx="9144000" cy="6858000" type="screen4x3"/>
   <p:notesSz cx="6858000" cy="9144000"/>
@@ -117,37 +132,22 @@
   <p:extLst>
     <p:ext uri="{EFAFB233-063F-42B5-8137-9DF3F51BA10A}">
       <p15:sldGuideLst xmlns:p15="http://schemas.microsoft.com/office/powerpoint/2012/main">
-        <p15:guide id="1" orient="horz" pos="1706" userDrawn="1">
+        <p15:guide id="1" orient="horz" pos="1139" userDrawn="1">
           <p15:clr>
             <a:srgbClr val="A4A3A4"/>
           </p15:clr>
         </p15:guide>
-        <p15:guide id="2" pos="2880" userDrawn="1">
+        <p15:guide id="2" orient="horz" pos="3997" userDrawn="1">
           <p15:clr>
             <a:srgbClr val="A4A3A4"/>
           </p15:clr>
         </p15:guide>
-        <p15:guide id="3" orient="horz" pos="3385" userDrawn="1">
+        <p15:guide id="3" pos="249" userDrawn="1">
           <p15:clr>
             <a:srgbClr val="A4A3A4"/>
           </p15:clr>
         </p15:guide>
-        <p15:guide id="4" pos="295" userDrawn="1">
-          <p15:clr>
-            <a:srgbClr val="A4A3A4"/>
-          </p15:clr>
-        </p15:guide>
-        <p15:guide id="5" orient="horz" pos="754" userDrawn="1">
-          <p15:clr>
-            <a:srgbClr val="A4A3A4"/>
-          </p15:clr>
-        </p15:guide>
-        <p15:guide id="6" pos="5329" userDrawn="1">
-          <p15:clr>
-            <a:srgbClr val="A4A3A4"/>
-          </p15:clr>
-        </p15:guide>
-        <p15:guide id="7" pos="930" userDrawn="1">
+        <p15:guide id="4" pos="5511" userDrawn="1">
           <p15:clr>
             <a:srgbClr val="A4A3A4"/>
           </p15:clr>
@@ -156,6 +156,12 @@
     </p:ext>
   </p:extLst>
 </p:presentation>
+</file>
+
+<file path=ppt/commentAuthors.xml><?xml version="1.0" encoding="utf-8"?>
+<p:cmAuthorLst xmlns:a="http://schemas.openxmlformats.org/drawingml/2006/main" xmlns:r="http://schemas.openxmlformats.org/officeDocument/2006/relationships" xmlns:p="http://schemas.openxmlformats.org/presentationml/2006/main">
+  <p:cmAuthor id="1" name="Khadine Sanhueza" initials="KS" lastIdx="1" clrIdx="0"/>
+</p:cmAuthorLst>
 </file>
 
 <file path=ppt/notesMasters/notesMaster1.xml><?xml version="1.0" encoding="utf-8"?>
@@ -207,7 +213,7 @@
             </a:lvl1pPr>
           </a:lstStyle>
           <a:p>
-            <a:endParaRPr lang="es-PA"/>
+            <a:endParaRPr lang="es-ES_tradnl"/>
           </a:p>
         </p:txBody>
       </p:sp>
@@ -238,11 +244,11 @@
             </a:lvl1pPr>
           </a:lstStyle>
           <a:p>
-            <a:fld id="{9788CE07-EA69-614D-85EA-D681D11087EE}" type="datetimeFigureOut">
-              <a:rPr lang="es-PA" smtClean="0"/>
-              <a:t>18/8/20</a:t>
+            <a:fld id="{CD18E0D6-6212-E842-A73E-3B7FC6A8F192}" type="datetimeFigureOut">
+              <a:rPr lang="es-ES_tradnl" smtClean="0"/>
+              <a:t>18/08/2020</a:t>
             </a:fld>
-            <a:endParaRPr lang="es-PA"/>
+            <a:endParaRPr lang="es-ES_tradnl"/>
           </a:p>
         </p:txBody>
       </p:sp>
@@ -275,7 +281,7 @@
           <a:bodyPr vert="horz" lIns="91440" tIns="45720" rIns="91440" bIns="45720" rtlCol="0" anchor="ctr"/>
           <a:lstStyle/>
           <a:p>
-            <a:endParaRPr lang="es-PA"/>
+            <a:endParaRPr lang="es-ES_tradnl"/>
           </a:p>
         </p:txBody>
       </p:sp>
@@ -304,38 +310,37 @@
           <a:p>
             <a:pPr lvl="0"/>
             <a:r>
-              <a:rPr lang="es-ES"/>
-              <a:t>Haga clic para modificar los estilos de texto del patrón</a:t>
+              <a:rPr lang="es-ES_tradnl"/>
+              <a:t>Haga clic para modificar el estilo de texto del patrón</a:t>
             </a:r>
           </a:p>
           <a:p>
             <a:pPr lvl="1"/>
             <a:r>
-              <a:rPr lang="es-ES"/>
+              <a:rPr lang="es-ES_tradnl"/>
               <a:t>Segundo nivel</a:t>
             </a:r>
           </a:p>
           <a:p>
             <a:pPr lvl="2"/>
             <a:r>
-              <a:rPr lang="es-ES"/>
+              <a:rPr lang="es-ES_tradnl"/>
               <a:t>Tercer nivel</a:t>
             </a:r>
           </a:p>
           <a:p>
             <a:pPr lvl="3"/>
             <a:r>
-              <a:rPr lang="es-ES"/>
+              <a:rPr lang="es-ES_tradnl"/>
               <a:t>Cuarto nivel</a:t>
             </a:r>
           </a:p>
           <a:p>
             <a:pPr lvl="4"/>
             <a:r>
-              <a:rPr lang="es-ES"/>
+              <a:rPr lang="es-ES_tradnl"/>
               <a:t>Quinto nivel</a:t>
             </a:r>
-            <a:endParaRPr lang="es-PA"/>
           </a:p>
         </p:txBody>
       </p:sp>
@@ -366,7 +371,7 @@
             </a:lvl1pPr>
           </a:lstStyle>
           <a:p>
-            <a:endParaRPr lang="es-PA"/>
+            <a:endParaRPr lang="es-ES_tradnl"/>
           </a:p>
         </p:txBody>
       </p:sp>
@@ -397,18 +402,18 @@
             </a:lvl1pPr>
           </a:lstStyle>
           <a:p>
-            <a:fld id="{DF4AD035-8AED-F44F-B2ED-91ED0E5A0587}" type="slidenum">
-              <a:rPr lang="es-PA" smtClean="0"/>
+            <a:fld id="{60A1B0C3-C0CF-7144-9FB0-F96185DCCEDA}" type="slidenum">
+              <a:rPr lang="es-ES_tradnl" smtClean="0"/>
               <a:t>‹#›</a:t>
             </a:fld>
-            <a:endParaRPr lang="es-PA"/>
+            <a:endParaRPr lang="es-ES_tradnl"/>
           </a:p>
         </p:txBody>
       </p:sp>
     </p:spTree>
     <p:extLst>
       <p:ext uri="{BB962C8B-B14F-4D97-AF65-F5344CB8AC3E}">
-        <p14:creationId xmlns:p14="http://schemas.microsoft.com/office/powerpoint/2010/main" val="4229063459"/>
+        <p14:creationId xmlns:p14="http://schemas.microsoft.com/office/powerpoint/2010/main" val="1995739995"/>
       </p:ext>
     </p:extLst>
   </p:cSld>
@@ -637,7 +642,7 @@
           <a:bodyPr/>
           <a:lstStyle/>
           <a:p>
-            <a:fld id="{D9AE8A25-F16C-694E-87BC-D715F3F1374D}" type="datetimeFigureOut">
+            <a:fld id="{BFB120B0-2BAF-C849-945E-F9FEF71CE641}" type="datetimeFigureOut">
               <a:rPr lang="es-PA" smtClean="0"/>
               <a:t>18/8/20</a:t>
             </a:fld>
@@ -679,7 +684,7 @@
           <a:bodyPr/>
           <a:lstStyle/>
           <a:p>
-            <a:fld id="{7B255036-AECB-CD49-A457-9AA5499F7B4D}" type="slidenum">
+            <a:fld id="{99296C9A-B325-0843-9242-79B54DC37190}" type="slidenum">
               <a:rPr lang="es-PA" smtClean="0"/>
               <a:t>‹#›</a:t>
             </a:fld>
@@ -690,7 +695,7 @@
     </p:spTree>
     <p:extLst>
       <p:ext uri="{BB962C8B-B14F-4D97-AF65-F5344CB8AC3E}">
-        <p14:creationId xmlns:p14="http://schemas.microsoft.com/office/powerpoint/2010/main" val="3756541790"/>
+        <p14:creationId xmlns:p14="http://schemas.microsoft.com/office/powerpoint/2010/main" val="445785274"/>
       </p:ext>
     </p:extLst>
   </p:cSld>
@@ -783,7 +788,7 @@
           <a:bodyPr/>
           <a:lstStyle/>
           <a:p>
-            <a:fld id="{D9AE8A25-F16C-694E-87BC-D715F3F1374D}" type="datetimeFigureOut">
+            <a:fld id="{BFB120B0-2BAF-C849-945E-F9FEF71CE641}" type="datetimeFigureOut">
               <a:rPr lang="es-PA" smtClean="0"/>
               <a:t>18/8/20</a:t>
             </a:fld>
@@ -825,7 +830,7 @@
           <a:bodyPr/>
           <a:lstStyle/>
           <a:p>
-            <a:fld id="{7B255036-AECB-CD49-A457-9AA5499F7B4D}" type="slidenum">
+            <a:fld id="{99296C9A-B325-0843-9242-79B54DC37190}" type="slidenum">
               <a:rPr lang="es-PA" smtClean="0"/>
               <a:t>‹#›</a:t>
             </a:fld>
@@ -836,7 +841,7 @@
     </p:spTree>
     <p:extLst>
       <p:ext uri="{BB962C8B-B14F-4D97-AF65-F5344CB8AC3E}">
-        <p14:creationId xmlns:p14="http://schemas.microsoft.com/office/powerpoint/2010/main" val="1853103103"/>
+        <p14:creationId xmlns:p14="http://schemas.microsoft.com/office/powerpoint/2010/main" val="378179947"/>
       </p:ext>
     </p:extLst>
   </p:cSld>
@@ -939,7 +944,7 @@
           <a:bodyPr/>
           <a:lstStyle/>
           <a:p>
-            <a:fld id="{D9AE8A25-F16C-694E-87BC-D715F3F1374D}" type="datetimeFigureOut">
+            <a:fld id="{BFB120B0-2BAF-C849-945E-F9FEF71CE641}" type="datetimeFigureOut">
               <a:rPr lang="es-PA" smtClean="0"/>
               <a:t>18/8/20</a:t>
             </a:fld>
@@ -981,7 +986,7 @@
           <a:bodyPr/>
           <a:lstStyle/>
           <a:p>
-            <a:fld id="{7B255036-AECB-CD49-A457-9AA5499F7B4D}" type="slidenum">
+            <a:fld id="{99296C9A-B325-0843-9242-79B54DC37190}" type="slidenum">
               <a:rPr lang="es-PA" smtClean="0"/>
               <a:t>‹#›</a:t>
             </a:fld>
@@ -992,7 +997,7 @@
     </p:spTree>
     <p:extLst>
       <p:ext uri="{BB962C8B-B14F-4D97-AF65-F5344CB8AC3E}">
-        <p14:creationId xmlns:p14="http://schemas.microsoft.com/office/powerpoint/2010/main" val="744412465"/>
+        <p14:creationId xmlns:p14="http://schemas.microsoft.com/office/powerpoint/2010/main" val="1629522331"/>
       </p:ext>
     </p:extLst>
   </p:cSld>
@@ -1085,7 +1090,7 @@
           <a:bodyPr/>
           <a:lstStyle/>
           <a:p>
-            <a:fld id="{D9AE8A25-F16C-694E-87BC-D715F3F1374D}" type="datetimeFigureOut">
+            <a:fld id="{BFB120B0-2BAF-C849-945E-F9FEF71CE641}" type="datetimeFigureOut">
               <a:rPr lang="es-PA" smtClean="0"/>
               <a:t>18/8/20</a:t>
             </a:fld>
@@ -1127,7 +1132,7 @@
           <a:bodyPr/>
           <a:lstStyle/>
           <a:p>
-            <a:fld id="{7B255036-AECB-CD49-A457-9AA5499F7B4D}" type="slidenum">
+            <a:fld id="{99296C9A-B325-0843-9242-79B54DC37190}" type="slidenum">
               <a:rPr lang="es-PA" smtClean="0"/>
               <a:t>‹#›</a:t>
             </a:fld>
@@ -1138,7 +1143,7 @@
     </p:spTree>
     <p:extLst>
       <p:ext uri="{BB962C8B-B14F-4D97-AF65-F5344CB8AC3E}">
-        <p14:creationId xmlns:p14="http://schemas.microsoft.com/office/powerpoint/2010/main" val="184996177"/>
+        <p14:creationId xmlns:p14="http://schemas.microsoft.com/office/powerpoint/2010/main" val="3727865845"/>
       </p:ext>
     </p:extLst>
   </p:cSld>
@@ -1334,7 +1339,7 @@
           <a:bodyPr/>
           <a:lstStyle/>
           <a:p>
-            <a:fld id="{D9AE8A25-F16C-694E-87BC-D715F3F1374D}" type="datetimeFigureOut">
+            <a:fld id="{BFB120B0-2BAF-C849-945E-F9FEF71CE641}" type="datetimeFigureOut">
               <a:rPr lang="es-PA" smtClean="0"/>
               <a:t>18/8/20</a:t>
             </a:fld>
@@ -1376,7 +1381,7 @@
           <a:bodyPr/>
           <a:lstStyle/>
           <a:p>
-            <a:fld id="{7B255036-AECB-CD49-A457-9AA5499F7B4D}" type="slidenum">
+            <a:fld id="{99296C9A-B325-0843-9242-79B54DC37190}" type="slidenum">
               <a:rPr lang="es-PA" smtClean="0"/>
               <a:t>‹#›</a:t>
             </a:fld>
@@ -1387,7 +1392,7 @@
     </p:spTree>
     <p:extLst>
       <p:ext uri="{BB962C8B-B14F-4D97-AF65-F5344CB8AC3E}">
-        <p14:creationId xmlns:p14="http://schemas.microsoft.com/office/powerpoint/2010/main" val="365411084"/>
+        <p14:creationId xmlns:p14="http://schemas.microsoft.com/office/powerpoint/2010/main" val="2134298020"/>
       </p:ext>
     </p:extLst>
   </p:cSld>
@@ -1424,14 +1429,19 @@
             <p:ph type="title"/>
           </p:nvPr>
         </p:nvSpPr>
-        <p:spPr/>
+        <p:spPr>
+          <a:xfrm>
+            <a:off x="1311563" y="18256"/>
+            <a:ext cx="5975927" cy="729890"/>
+          </a:xfrm>
+        </p:spPr>
         <p:txBody>
           <a:bodyPr/>
           <a:lstStyle>
             <a:lvl1pPr>
               <a:defRPr>
                 <a:solidFill>
-                  <a:srgbClr val="FF0000"/>
+                  <a:schemeClr val="bg1"/>
                 </a:solidFill>
               </a:defRPr>
             </a:lvl1pPr>
@@ -1492,7 +1502,7 @@
           <a:bodyPr/>
           <a:lstStyle/>
           <a:p>
-            <a:fld id="{D9AE8A25-F16C-694E-87BC-D715F3F1374D}" type="datetimeFigureOut">
+            <a:fld id="{BFB120B0-2BAF-C849-945E-F9FEF71CE641}" type="datetimeFigureOut">
               <a:rPr lang="es-PA" smtClean="0"/>
               <a:t>18/8/20</a:t>
             </a:fld>
@@ -1534,7 +1544,7 @@
           <a:bodyPr/>
           <a:lstStyle/>
           <a:p>
-            <a:fld id="{7B255036-AECB-CD49-A457-9AA5499F7B4D}" type="slidenum">
+            <a:fld id="{99296C9A-B325-0843-9242-79B54DC37190}" type="slidenum">
               <a:rPr lang="es-PA" smtClean="0"/>
               <a:t>‹#›</a:t>
             </a:fld>
@@ -1544,10 +1554,10 @@
       </p:sp>
       <p:sp>
         <p:nvSpPr>
-          <p:cNvPr id="8" name="Content Placeholder 7">
+          <p:cNvPr id="9" name="Content Placeholder 8">
             <a:extLst>
               <a:ext uri="{FF2B5EF4-FFF2-40B4-BE49-F238E27FC236}">
-                <a16:creationId xmlns:a16="http://schemas.microsoft.com/office/drawing/2014/main" id="{CB786883-7310-46AE-8C14-C9B645E8EBA5}"/>
+                <a16:creationId xmlns:a16="http://schemas.microsoft.com/office/drawing/2014/main" id="{4BE4D790-4C2B-4D52-9BB6-D68CC78EB3F3}"/>
               </a:ext>
             </a:extLst>
           </p:cNvPr>
@@ -1560,8 +1570,8 @@
         </p:nvSpPr>
         <p:spPr>
           <a:xfrm>
-            <a:off x="4710113" y="5624513"/>
-            <a:ext cx="4313237" cy="638175"/>
+            <a:off x="4765675" y="5652655"/>
+            <a:ext cx="4165600" cy="610033"/>
           </a:xfrm>
         </p:spPr>
         <p:txBody>
@@ -1571,7 +1581,7 @@
           <a:lstStyle>
             <a:lvl1pPr marL="0" indent="0">
               <a:buNone/>
-              <a:defRPr sz="1200"/>
+              <a:defRPr sz="1400"/>
             </a:lvl1pPr>
           </a:lstStyle>
           <a:p>
@@ -1583,7 +1593,7 @@
     </p:spTree>
     <p:extLst>
       <p:ext uri="{BB962C8B-B14F-4D97-AF65-F5344CB8AC3E}">
-        <p14:creationId xmlns:p14="http://schemas.microsoft.com/office/powerpoint/2010/main" val="939486565"/>
+        <p14:creationId xmlns:p14="http://schemas.microsoft.com/office/powerpoint/2010/main" val="3923843314"/>
       </p:ext>
     </p:extLst>
   </p:cSld>
@@ -1859,7 +1869,7 @@
           <a:bodyPr/>
           <a:lstStyle/>
           <a:p>
-            <a:fld id="{D9AE8A25-F16C-694E-87BC-D715F3F1374D}" type="datetimeFigureOut">
+            <a:fld id="{BFB120B0-2BAF-C849-945E-F9FEF71CE641}" type="datetimeFigureOut">
               <a:rPr lang="es-PA" smtClean="0"/>
               <a:t>18/8/20</a:t>
             </a:fld>
@@ -1901,7 +1911,7 @@
           <a:bodyPr/>
           <a:lstStyle/>
           <a:p>
-            <a:fld id="{7B255036-AECB-CD49-A457-9AA5499F7B4D}" type="slidenum">
+            <a:fld id="{99296C9A-B325-0843-9242-79B54DC37190}" type="slidenum">
               <a:rPr lang="es-PA" smtClean="0"/>
               <a:t>‹#›</a:t>
             </a:fld>
@@ -1912,7 +1922,7 @@
     </p:spTree>
     <p:extLst>
       <p:ext uri="{BB962C8B-B14F-4D97-AF65-F5344CB8AC3E}">
-        <p14:creationId xmlns:p14="http://schemas.microsoft.com/office/powerpoint/2010/main" val="654832079"/>
+        <p14:creationId xmlns:p14="http://schemas.microsoft.com/office/powerpoint/2010/main" val="1674713275"/>
       </p:ext>
     </p:extLst>
   </p:cSld>
@@ -1977,7 +1987,7 @@
           <a:bodyPr/>
           <a:lstStyle/>
           <a:p>
-            <a:fld id="{D9AE8A25-F16C-694E-87BC-D715F3F1374D}" type="datetimeFigureOut">
+            <a:fld id="{BFB120B0-2BAF-C849-945E-F9FEF71CE641}" type="datetimeFigureOut">
               <a:rPr lang="es-PA" smtClean="0"/>
               <a:t>18/8/20</a:t>
             </a:fld>
@@ -2019,7 +2029,7 @@
           <a:bodyPr/>
           <a:lstStyle/>
           <a:p>
-            <a:fld id="{7B255036-AECB-CD49-A457-9AA5499F7B4D}" type="slidenum">
+            <a:fld id="{99296C9A-B325-0843-9242-79B54DC37190}" type="slidenum">
               <a:rPr lang="es-PA" smtClean="0"/>
               <a:t>‹#›</a:t>
             </a:fld>
@@ -2030,7 +2040,7 @@
     </p:spTree>
     <p:extLst>
       <p:ext uri="{BB962C8B-B14F-4D97-AF65-F5344CB8AC3E}">
-        <p14:creationId xmlns:p14="http://schemas.microsoft.com/office/powerpoint/2010/main" val="3128982054"/>
+        <p14:creationId xmlns:p14="http://schemas.microsoft.com/office/powerpoint/2010/main" val="3514288925"/>
       </p:ext>
     </p:extLst>
   </p:cSld>
@@ -2072,7 +2082,7 @@
           <a:bodyPr/>
           <a:lstStyle/>
           <a:p>
-            <a:fld id="{D9AE8A25-F16C-694E-87BC-D715F3F1374D}" type="datetimeFigureOut">
+            <a:fld id="{BFB120B0-2BAF-C849-945E-F9FEF71CE641}" type="datetimeFigureOut">
               <a:rPr lang="es-PA" smtClean="0"/>
               <a:t>18/8/20</a:t>
             </a:fld>
@@ -2114,7 +2124,7 @@
           <a:bodyPr/>
           <a:lstStyle/>
           <a:p>
-            <a:fld id="{7B255036-AECB-CD49-A457-9AA5499F7B4D}" type="slidenum">
+            <a:fld id="{99296C9A-B325-0843-9242-79B54DC37190}" type="slidenum">
               <a:rPr lang="es-PA" smtClean="0"/>
               <a:t>‹#›</a:t>
             </a:fld>
@@ -2125,7 +2135,7 @@
     </p:spTree>
     <p:extLst>
       <p:ext uri="{BB962C8B-B14F-4D97-AF65-F5344CB8AC3E}">
-        <p14:creationId xmlns:p14="http://schemas.microsoft.com/office/powerpoint/2010/main" val="1789580305"/>
+        <p14:creationId xmlns:p14="http://schemas.microsoft.com/office/powerpoint/2010/main" val="1307836923"/>
       </p:ext>
     </p:extLst>
   </p:cSld>
@@ -2330,7 +2340,7 @@
           <a:bodyPr/>
           <a:lstStyle/>
           <a:p>
-            <a:fld id="{D9AE8A25-F16C-694E-87BC-D715F3F1374D}" type="datetimeFigureOut">
+            <a:fld id="{BFB120B0-2BAF-C849-945E-F9FEF71CE641}" type="datetimeFigureOut">
               <a:rPr lang="es-PA" smtClean="0"/>
               <a:t>18/8/20</a:t>
             </a:fld>
@@ -2372,7 +2382,7 @@
           <a:bodyPr/>
           <a:lstStyle/>
           <a:p>
-            <a:fld id="{7B255036-AECB-CD49-A457-9AA5499F7B4D}" type="slidenum">
+            <a:fld id="{99296C9A-B325-0843-9242-79B54DC37190}" type="slidenum">
               <a:rPr lang="es-PA" smtClean="0"/>
               <a:t>‹#›</a:t>
             </a:fld>
@@ -2383,7 +2393,7 @@
     </p:spTree>
     <p:extLst>
       <p:ext uri="{BB962C8B-B14F-4D97-AF65-F5344CB8AC3E}">
-        <p14:creationId xmlns:p14="http://schemas.microsoft.com/office/powerpoint/2010/main" val="925072056"/>
+        <p14:creationId xmlns:p14="http://schemas.microsoft.com/office/powerpoint/2010/main" val="4153639901"/>
       </p:ext>
     </p:extLst>
   </p:cSld>
@@ -2500,7 +2510,7 @@
           </a:lstStyle>
           <a:p>
             <a:r>
-              <a:rPr lang="es-ES"/>
+              <a:rPr lang="es-ES" dirty="0"/>
               <a:t>Haga clic en el icono para agregar una imagen</a:t>
             </a:r>
             <a:endParaRPr lang="en-US" dirty="0"/>
@@ -2592,7 +2602,7 @@
           <a:bodyPr/>
           <a:lstStyle/>
           <a:p>
-            <a:fld id="{D9AE8A25-F16C-694E-87BC-D715F3F1374D}" type="datetimeFigureOut">
+            <a:fld id="{BFB120B0-2BAF-C849-945E-F9FEF71CE641}" type="datetimeFigureOut">
               <a:rPr lang="es-PA" smtClean="0"/>
               <a:t>18/8/20</a:t>
             </a:fld>
@@ -2634,7 +2644,7 @@
           <a:bodyPr/>
           <a:lstStyle/>
           <a:p>
-            <a:fld id="{7B255036-AECB-CD49-A457-9AA5499F7B4D}" type="slidenum">
+            <a:fld id="{99296C9A-B325-0843-9242-79B54DC37190}" type="slidenum">
               <a:rPr lang="es-PA" smtClean="0"/>
               <a:t>‹#›</a:t>
             </a:fld>
@@ -2645,7 +2655,7 @@
     </p:spTree>
     <p:extLst>
       <p:ext uri="{BB962C8B-B14F-4D97-AF65-F5344CB8AC3E}">
-        <p14:creationId xmlns:p14="http://schemas.microsoft.com/office/powerpoint/2010/main" val="1767776357"/>
+        <p14:creationId xmlns:p14="http://schemas.microsoft.com/office/powerpoint/2010/main" val="146387613"/>
       </p:ext>
     </p:extLst>
   </p:cSld>
@@ -2790,7 +2800,7 @@
             </a:lvl1pPr>
           </a:lstStyle>
           <a:p>
-            <a:fld id="{D9AE8A25-F16C-694E-87BC-D715F3F1374D}" type="datetimeFigureOut">
+            <a:fld id="{BFB120B0-2BAF-C849-945E-F9FEF71CE641}" type="datetimeFigureOut">
               <a:rPr lang="es-PA" smtClean="0"/>
               <a:t>18/8/20</a:t>
             </a:fld>
@@ -2868,7 +2878,7 @@
             </a:lvl1pPr>
           </a:lstStyle>
           <a:p>
-            <a:fld id="{7B255036-AECB-CD49-A457-9AA5499F7B4D}" type="slidenum">
+            <a:fld id="{99296C9A-B325-0843-9242-79B54DC37190}" type="slidenum">
               <a:rPr lang="es-PA" smtClean="0"/>
               <a:t>‹#›</a:t>
             </a:fld>
@@ -2879,7 +2889,7 @@
     </p:spTree>
     <p:extLst>
       <p:ext uri="{BB962C8B-B14F-4D97-AF65-F5344CB8AC3E}">
-        <p14:creationId xmlns:p14="http://schemas.microsoft.com/office/powerpoint/2010/main" val="4106970172"/>
+        <p14:creationId xmlns:p14="http://schemas.microsoft.com/office/powerpoint/2010/main" val="1293207038"/>
       </p:ext>
     </p:extLst>
   </p:cSld>
@@ -3209,6 +3219,468 @@
               <a:defRPr b="1" sz="3500"/>
             </a:pPr>
             <a:r>
+              <a:t>Publicaciones - Televisión</a:t>
+            </a:r>
+          </a:p>
+        </p:txBody>
+      </p:sp>
+      <p:sp>
+        <p:nvSpPr>
+          <p:cNvPr id="3" name="Content Placeholder 2"/>
+          <p:cNvSpPr>
+            <a:spLocks noGrp="1"/>
+          </p:cNvSpPr>
+          <p:nvPr>
+            <p:ph idx="1" sz="half"/>
+          </p:nvPr>
+        </p:nvSpPr>
+        <p:spPr>
+          <a:xfrm>
+            <a:off x="365760" y="1097280"/>
+            <a:ext cx="1828800" cy="274320"/>
+          </a:xfrm>
+        </p:spPr>
+        <p:txBody>
+          <a:bodyPr/>
+          <a:lstStyle/>
+          <a:p>
+            <a:pPr>
+              <a:defRPr b="1" sz="1600"/>
+            </a:pPr>
+            <a:r>
+              <a:t>13 de Noviembre</a:t>
+            </a:r>
+          </a:p>
+        </p:txBody>
+      </p:sp>
+      <p:sp>
+        <p:nvSpPr>
+          <p:cNvPr id="4" name="Content Placeholder 3"/>
+          <p:cNvSpPr>
+            <a:spLocks noGrp="1"/>
+          </p:cNvSpPr>
+          <p:nvPr>
+            <p:ph idx="13" sz="quarter"/>
+          </p:nvPr>
+        </p:nvSpPr>
+        <p:spPr/>
+        <p:txBody>
+          <a:bodyPr/>
+          <a:lstStyle/>
+          <a:p>
+            <a:r>
+              <a:t>No Link</a:t>
+            </a:r>
+          </a:p>
+        </p:txBody>
+      </p:sp>
+      <p:graphicFrame>
+        <p:nvGraphicFramePr>
+          <p:cNvPr id="5" name="Table 4"/>
+          <p:cNvGraphicFramePr>
+            <a:graphicFrameLocks noGrp="1"/>
+          </p:cNvGraphicFramePr>
+          <p:nvPr/>
+        </p:nvGraphicFramePr>
+        <p:xfrm>
+          <a:off x="5486400" y="1828800"/>
+          <a:ext cx="3291840" cy="3602736"/>
+        </p:xfrm>
+        <a:graphic>
+          <a:graphicData uri="http://schemas.openxmlformats.org/drawingml/2006/table">
+            <a:tbl>
+              <a:tblPr firstRow="1" bandRow="1">
+                <a:tableStyleId>{5C22544A-7EE6-4342-B048-85BDC9FD1C3A}</a:tableStyleId>
+              </a:tblPr>
+              <a:tblGrid>
+                <a:gridCol w="1645920"/>
+                <a:gridCol w="1645920"/>
+              </a:tblGrid>
+              <a:tr h="360273">
+                <a:tc>
+                  <a:txBody>
+                    <a:bodyPr/>
+                    <a:lstStyle/>
+                    <a:p>
+                      <a:pPr>
+                        <a:defRPr sz="1200" b="1"/>
+                      </a:pPr>
+                      <a:r>
+                        <a:t>Medio</a:t>
+                      </a:r>
+                    </a:p>
+                  </a:txBody>
+                  <a:tcPr/>
+                </a:tc>
+                <a:tc>
+                  <a:txBody>
+                    <a:bodyPr/>
+                    <a:lstStyle/>
+                    <a:p>
+                      <a:pPr>
+                        <a:defRPr sz="1200" b="1"/>
+                      </a:pPr>
+                      <a:r>
+                        <a:t>Telemetro</a:t>
+                      </a:r>
+                    </a:p>
+                  </a:txBody>
+                  <a:tcPr/>
+                </a:tc>
+              </a:tr>
+              <a:tr h="360273">
+                <a:tc>
+                  <a:txBody>
+                    <a:bodyPr/>
+                    <a:lstStyle/>
+                    <a:p>
+                      <a:pPr>
+                        <a:defRPr sz="1200" b="1"/>
+                      </a:pPr>
+                      <a:r>
+                        <a:t>Tipo</a:t>
+                      </a:r>
+                    </a:p>
+                  </a:txBody>
+                  <a:tcPr/>
+                </a:tc>
+                <a:tc>
+                  <a:txBody>
+                    <a:bodyPr/>
+                    <a:lstStyle/>
+                    <a:p>
+                      <a:pPr>
+                        <a:defRPr sz="1200"/>
+                      </a:pPr>
+                      <a:r>
+                        <a:t>Televisión</a:t>
+                      </a:r>
+                    </a:p>
+                  </a:txBody>
+                  <a:tcPr/>
+                </a:tc>
+              </a:tr>
+              <a:tr h="360273">
+                <a:tc>
+                  <a:txBody>
+                    <a:bodyPr/>
+                    <a:lstStyle/>
+                    <a:p>
+                      <a:pPr>
+                        <a:defRPr sz="1200" b="1"/>
+                      </a:pPr>
+                      <a:r>
+                        <a:t>Tamaño</a:t>
+                      </a:r>
+                    </a:p>
+                  </a:txBody>
+                  <a:tcPr/>
+                </a:tc>
+                <a:tc>
+                  <a:txBody>
+                    <a:bodyPr/>
+                    <a:lstStyle/>
+                    <a:p>
+                      <a:pPr>
+                        <a:defRPr sz="1200"/>
+                      </a:pPr>
+                      <a:r>
+                        <a:t>128 segundos</a:t>
+                      </a:r>
+                    </a:p>
+                  </a:txBody>
+                  <a:tcPr/>
+                </a:tc>
+              </a:tr>
+              <a:tr h="360273">
+                <a:tc>
+                  <a:txBody>
+                    <a:bodyPr/>
+                    <a:lstStyle/>
+                    <a:p>
+                      <a:pPr>
+                        <a:defRPr sz="1200" b="1"/>
+                      </a:pPr>
+                      <a:r>
+                        <a:t>Valor Publicitario</a:t>
+                      </a:r>
+                    </a:p>
+                  </a:txBody>
+                  <a:tcPr/>
+                </a:tc>
+                <a:tc>
+                  <a:txBody>
+                    <a:bodyPr/>
+                    <a:lstStyle/>
+                    <a:p>
+                      <a:pPr>
+                        <a:defRPr sz="1200"/>
+                      </a:pPr>
+                      <a:r>
+                        <a:t>B/. 3,910.40</a:t>
+                      </a:r>
+                    </a:p>
+                  </a:txBody>
+                  <a:tcPr/>
+                </a:tc>
+              </a:tr>
+              <a:tr h="360273">
+                <a:tc>
+                  <a:txBody>
+                    <a:bodyPr/>
+                    <a:lstStyle/>
+                    <a:p>
+                      <a:pPr>
+                        <a:defRPr sz="1200" b="1"/>
+                      </a:pPr>
+                      <a:r>
+                        <a:t>Valor Informativo</a:t>
+                      </a:r>
+                    </a:p>
+                  </a:txBody>
+                  <a:tcPr/>
+                </a:tc>
+                <a:tc>
+                  <a:txBody>
+                    <a:bodyPr/>
+                    <a:lstStyle/>
+                    <a:p>
+                      <a:pPr>
+                        <a:defRPr sz="1200"/>
+                      </a:pPr>
+                      <a:r>
+                        <a:t>B/. 15,641.60</a:t>
+                      </a:r>
+                    </a:p>
+                  </a:txBody>
+                  <a:tcPr/>
+                </a:tc>
+              </a:tr>
+              <a:tr h="360273">
+                <a:tc>
+                  <a:txBody>
+                    <a:bodyPr/>
+                    <a:lstStyle/>
+                    <a:p>
+                      <a:pPr>
+                        <a:defRPr sz="1200" b="1"/>
+                      </a:pPr>
+                      <a:r>
+                        <a:t>Tier</a:t>
+                      </a:r>
+                    </a:p>
+                  </a:txBody>
+                  <a:tcPr/>
+                </a:tc>
+                <a:tc>
+                  <a:txBody>
+                    <a:bodyPr/>
+                    <a:lstStyle/>
+                    <a:p>
+                      <a:pPr>
+                        <a:defRPr sz="1200"/>
+                      </a:pPr>
+                      <a:r>
+                        <a:t>1</a:t>
+                      </a:r>
+                    </a:p>
+                  </a:txBody>
+                  <a:tcPr/>
+                </a:tc>
+              </a:tr>
+              <a:tr h="360273">
+                <a:tc>
+                  <a:txBody>
+                    <a:bodyPr/>
+                    <a:lstStyle/>
+                    <a:p>
+                      <a:pPr>
+                        <a:defRPr sz="1200" b="1"/>
+                      </a:pPr>
+                      <a:r>
+                        <a:t>Mención de Marca</a:t>
+                      </a:r>
+                    </a:p>
+                  </a:txBody>
+                  <a:tcPr/>
+                </a:tc>
+                <a:tc>
+                  <a:txBody>
+                    <a:bodyPr/>
+                    <a:lstStyle/>
+                    <a:p>
+                      <a:pPr>
+                        <a:defRPr sz="1200"/>
+                      </a:pPr>
+                      <a:r>
+                        <a:t>Si</a:t>
+                      </a:r>
+                    </a:p>
+                  </a:txBody>
+                  <a:tcPr/>
+                </a:tc>
+              </a:tr>
+              <a:tr h="360273">
+                <a:tc>
+                  <a:txBody>
+                    <a:bodyPr/>
+                    <a:lstStyle/>
+                    <a:p>
+                      <a:pPr>
+                        <a:defRPr sz="1200" b="1"/>
+                      </a:pPr>
+                      <a:r>
+                        <a:t>Presencia de vocero</a:t>
+                      </a:r>
+                    </a:p>
+                  </a:txBody>
+                  <a:tcPr/>
+                </a:tc>
+                <a:tc>
+                  <a:txBody>
+                    <a:bodyPr/>
+                    <a:lstStyle/>
+                    <a:p>
+                      <a:pPr>
+                        <a:defRPr sz="1200"/>
+                      </a:pPr>
+                      <a:r>
+                        <a:t>Si</a:t>
+                      </a:r>
+                    </a:p>
+                  </a:txBody>
+                  <a:tcPr/>
+                </a:tc>
+              </a:tr>
+              <a:tr h="360273">
+                <a:tc>
+                  <a:txBody>
+                    <a:bodyPr/>
+                    <a:lstStyle/>
+                    <a:p>
+                      <a:pPr>
+                        <a:defRPr sz="1200" b="1"/>
+                      </a:pPr>
+                      <a:r>
+                        <a:t>Quote de vocero</a:t>
+                      </a:r>
+                    </a:p>
+                  </a:txBody>
+                  <a:tcPr/>
+                </a:tc>
+                <a:tc>
+                  <a:txBody>
+                    <a:bodyPr/>
+                    <a:lstStyle/>
+                    <a:p>
+                      <a:pPr>
+                        <a:defRPr sz="1200"/>
+                      </a:pPr>
+                      <a:r>
+                        <a:t>Si</a:t>
+                      </a:r>
+                    </a:p>
+                  </a:txBody>
+                  <a:tcPr/>
+                </a:tc>
+              </a:tr>
+              <a:tr h="360279">
+                <a:tc>
+                  <a:txBody>
+                    <a:bodyPr/>
+                    <a:lstStyle/>
+                    <a:p>
+                      <a:pPr>
+                        <a:defRPr sz="1200" b="1"/>
+                      </a:pPr>
+                      <a:r>
+                        <a:t>Favorabilidad mediática</a:t>
+                      </a:r>
+                    </a:p>
+                  </a:txBody>
+                  <a:tcPr/>
+                </a:tc>
+                <a:tc>
+                  <a:txBody>
+                    <a:bodyPr/>
+                    <a:lstStyle/>
+                    <a:p>
+                      <a:pPr>
+                        <a:defRPr sz="1200"/>
+                      </a:pPr>
+                      <a:r>
+                        <a:t>Positiva</a:t>
+                      </a:r>
+                    </a:p>
+                  </a:txBody>
+                  <a:tcPr/>
+                </a:tc>
+              </a:tr>
+            </a:tbl>
+          </a:graphicData>
+        </a:graphic>
+      </p:graphicFrame>
+      <p:pic>
+        <p:nvPicPr>
+          <p:cNvPr id="6" name="Picture 5" descr="TV.png"/>
+          <p:cNvPicPr>
+            <a:picLocks noChangeAspect="1"/>
+          </p:cNvPicPr>
+          <p:nvPr/>
+        </p:nvPicPr>
+        <p:blipFill>
+          <a:blip r:embed="rId2"/>
+          <a:stretch>
+            <a:fillRect/>
+          </a:stretch>
+        </p:blipFill>
+        <p:spPr>
+          <a:xfrm>
+            <a:off x="7498079" y="868680"/>
+            <a:ext cx="538581" cy="521207"/>
+          </a:xfrm>
+          <a:prstGeom prst="rect">
+            <a:avLst/>
+          </a:prstGeom>
+        </p:spPr>
+      </p:pic>
+    </p:spTree>
+  </p:cSld>
+  <p:clrMapOvr>
+    <a:masterClrMapping/>
+  </p:clrMapOvr>
+</p:sld>
+</file>
+
+<file path=ppt/slides/slide10.xml><?xml version="1.0" encoding="utf-8"?>
+<p:sld xmlns:a="http://schemas.openxmlformats.org/drawingml/2006/main" xmlns:p="http://schemas.openxmlformats.org/presentationml/2006/main" xmlns:r="http://schemas.openxmlformats.org/officeDocument/2006/relationships">
+  <p:cSld>
+    <p:spTree>
+      <p:nvGrpSpPr>
+        <p:cNvPr id="1" name=""/>
+        <p:cNvGrpSpPr/>
+        <p:nvPr/>
+      </p:nvGrpSpPr>
+      <p:grpSpPr/>
+      <p:sp>
+        <p:nvSpPr>
+          <p:cNvPr id="2" name="Title 1"/>
+          <p:cNvSpPr>
+            <a:spLocks noGrp="1"/>
+          </p:cNvSpPr>
+          <p:nvPr>
+            <p:ph type="title"/>
+          </p:nvPr>
+        </p:nvSpPr>
+        <p:spPr/>
+        <p:txBody>
+          <a:bodyPr/>
+          <a:lstStyle/>
+          <a:p>
+            <a:pPr algn="ctr">
+              <a:defRPr b="1" sz="3500"/>
+            </a:pPr>
+            <a:r>
               <a:t>Publicaciones - Web</a:t>
             </a:r>
           </a:p>
@@ -3238,7 +3710,7 @@
               <a:defRPr b="1" sz="1600"/>
             </a:pPr>
             <a:r>
-              <a:t>09 de Noviembre</a:t>
+              <a:t>26 de Noviembre</a:t>
             </a:r>
           </a:p>
         </p:txBody>
@@ -3259,7 +3731,7 @@
           <a:lstStyle/>
           <a:p>
             <a:r>
-              <a:t>https://www.vidayexito.net/negocios/periscopio/dahua-technology-instala-camara-termica-donada-a-la-municipalidad-de-santa-ana-en-costa-rica/</a:t>
+              <a:t>https://xpectativapty.com/2020/11/26/panama-pacifico-la-comunidad-del-emprendimiento-y-la-creatividad/</a:t>
             </a:r>
           </a:p>
         </p:txBody>
@@ -3311,7 +3783,7 @@
                         <a:defRPr sz="1200" b="1"/>
                       </a:pPr>
                       <a:r>
-                        <a:t>Vida y Éxito</a:t>
+                        <a:t>Xpectativa PTY</a:t>
                       </a:r>
                     </a:p>
                   </a:txBody>
@@ -3407,7 +3879,7 @@
                         <a:defRPr sz="1200"/>
                       </a:pPr>
                       <a:r>
-                        <a:t>B/. 1,500.00</a:t>
+                        <a:t>B/. 750.00</a:t>
                       </a:r>
                     </a:p>
                   </a:txBody>
@@ -3439,7 +3911,7 @@
                         <a:defRPr sz="1200"/>
                       </a:pPr>
                       <a:r>
-                        <a:t>B/. 6,000.00</a:t>
+                        <a:t>B/. 3,000.00</a:t>
                       </a:r>
                     </a:p>
                   </a:txBody>
@@ -3471,7 +3943,7 @@
                         <a:defRPr sz="1200"/>
                       </a:pPr>
                       <a:r>
-                        <a:t>1</a:t>
+                        <a:t>3</a:t>
                       </a:r>
                     </a:p>
                   </a:txBody>
@@ -3626,7 +4098,7 @@
         </p:blipFill>
         <p:spPr>
           <a:xfrm>
-            <a:off x="7498079" y="731520"/>
+            <a:off x="7498079" y="868680"/>
             <a:ext cx="533053" cy="521207"/>
           </a:xfrm>
           <a:prstGeom prst="rect">
@@ -3636,7 +4108,4357 @@
       </p:pic>
       <p:pic>
         <p:nvPicPr>
-          <p:cNvPr id="7" name="Picture 6" descr="DAHUA 1.jpg"/>
+          <p:cNvPr id="7" name="Picture 6" descr="PANAMA PACIFICO 13.jpg"/>
+          <p:cNvPicPr>
+            <a:picLocks noChangeAspect="1"/>
+          </p:cNvPicPr>
+          <p:nvPr/>
+        </p:nvPicPr>
+        <p:blipFill>
+          <a:blip r:embed="rId3"/>
+          <a:stretch>
+            <a:fillRect/>
+          </a:stretch>
+        </p:blipFill>
+        <p:spPr>
+          <a:xfrm>
+            <a:off x="228600" y="2103120"/>
+            <a:ext cx="3840480" cy="3840480"/>
+          </a:xfrm>
+          <a:prstGeom prst="rect">
+            <a:avLst/>
+          </a:prstGeom>
+        </p:spPr>
+      </p:pic>
+    </p:spTree>
+  </p:cSld>
+  <p:clrMapOvr>
+    <a:masterClrMapping/>
+  </p:clrMapOvr>
+</p:sld>
+</file>
+
+<file path=ppt/slides/slide11.xml><?xml version="1.0" encoding="utf-8"?>
+<p:sld xmlns:a="http://schemas.openxmlformats.org/drawingml/2006/main" xmlns:p="http://schemas.openxmlformats.org/presentationml/2006/main" xmlns:r="http://schemas.openxmlformats.org/officeDocument/2006/relationships">
+  <p:cSld>
+    <p:spTree>
+      <p:nvGrpSpPr>
+        <p:cNvPr id="1" name=""/>
+        <p:cNvGrpSpPr/>
+        <p:nvPr/>
+      </p:nvGrpSpPr>
+      <p:grpSpPr/>
+      <p:sp>
+        <p:nvSpPr>
+          <p:cNvPr id="2" name="Title 1"/>
+          <p:cNvSpPr>
+            <a:spLocks noGrp="1"/>
+          </p:cNvSpPr>
+          <p:nvPr>
+            <p:ph type="title"/>
+          </p:nvPr>
+        </p:nvSpPr>
+        <p:spPr/>
+        <p:txBody>
+          <a:bodyPr/>
+          <a:lstStyle/>
+          <a:p>
+            <a:pPr algn="ctr">
+              <a:defRPr b="1" sz="3500"/>
+            </a:pPr>
+            <a:r>
+              <a:t>Publicaciones - Web</a:t>
+            </a:r>
+          </a:p>
+        </p:txBody>
+      </p:sp>
+      <p:sp>
+        <p:nvSpPr>
+          <p:cNvPr id="3" name="Content Placeholder 2"/>
+          <p:cNvSpPr>
+            <a:spLocks noGrp="1"/>
+          </p:cNvSpPr>
+          <p:nvPr>
+            <p:ph idx="1" sz="half"/>
+          </p:nvPr>
+        </p:nvSpPr>
+        <p:spPr>
+          <a:xfrm>
+            <a:off x="365760" y="1097280"/>
+            <a:ext cx="1828800" cy="274320"/>
+          </a:xfrm>
+        </p:spPr>
+        <p:txBody>
+          <a:bodyPr/>
+          <a:lstStyle/>
+          <a:p>
+            <a:pPr>
+              <a:defRPr b="1" sz="1600"/>
+            </a:pPr>
+            <a:r>
+              <a:t>27 de Noviembre</a:t>
+            </a:r>
+          </a:p>
+        </p:txBody>
+      </p:sp>
+      <p:sp>
+        <p:nvSpPr>
+          <p:cNvPr id="4" name="Content Placeholder 3"/>
+          <p:cNvSpPr>
+            <a:spLocks noGrp="1"/>
+          </p:cNvSpPr>
+          <p:nvPr>
+            <p:ph idx="13" sz="quarter"/>
+          </p:nvPr>
+        </p:nvSpPr>
+        <p:spPr/>
+        <p:txBody>
+          <a:bodyPr/>
+          <a:lstStyle/>
+          <a:p>
+            <a:r>
+              <a:t>https://vozdeladiasporanews.com/panama-pacifico-atesora-lugares-emblematicos-que-marcaron-la-historia-del-pais/</a:t>
+            </a:r>
+          </a:p>
+        </p:txBody>
+      </p:sp>
+      <p:graphicFrame>
+        <p:nvGraphicFramePr>
+          <p:cNvPr id="5" name="Table 4"/>
+          <p:cNvGraphicFramePr>
+            <a:graphicFrameLocks noGrp="1"/>
+          </p:cNvGraphicFramePr>
+          <p:nvPr/>
+        </p:nvGraphicFramePr>
+        <p:xfrm>
+          <a:off x="5486400" y="1828800"/>
+          <a:ext cx="3291840" cy="3602736"/>
+        </p:xfrm>
+        <a:graphic>
+          <a:graphicData uri="http://schemas.openxmlformats.org/drawingml/2006/table">
+            <a:tbl>
+              <a:tblPr firstRow="1" bandRow="1">
+                <a:tableStyleId>{5C22544A-7EE6-4342-B048-85BDC9FD1C3A}</a:tableStyleId>
+              </a:tblPr>
+              <a:tblGrid>
+                <a:gridCol w="1645920"/>
+                <a:gridCol w="1645920"/>
+              </a:tblGrid>
+              <a:tr h="360273">
+                <a:tc>
+                  <a:txBody>
+                    <a:bodyPr/>
+                    <a:lstStyle/>
+                    <a:p>
+                      <a:pPr>
+                        <a:defRPr sz="1200" b="1"/>
+                      </a:pPr>
+                      <a:r>
+                        <a:t>Medio</a:t>
+                      </a:r>
+                    </a:p>
+                  </a:txBody>
+                  <a:tcPr/>
+                </a:tc>
+                <a:tc>
+                  <a:txBody>
+                    <a:bodyPr/>
+                    <a:lstStyle/>
+                    <a:p>
+                      <a:pPr>
+                        <a:defRPr sz="1200" b="1"/>
+                      </a:pPr>
+                      <a:r>
+                        <a:t>La Voz de la Diáspora</a:t>
+                      </a:r>
+                    </a:p>
+                  </a:txBody>
+                  <a:tcPr/>
+                </a:tc>
+              </a:tr>
+              <a:tr h="360273">
+                <a:tc>
+                  <a:txBody>
+                    <a:bodyPr/>
+                    <a:lstStyle/>
+                    <a:p>
+                      <a:pPr>
+                        <a:defRPr sz="1200" b="1"/>
+                      </a:pPr>
+                      <a:r>
+                        <a:t>Tipo</a:t>
+                      </a:r>
+                    </a:p>
+                  </a:txBody>
+                  <a:tcPr/>
+                </a:tc>
+                <a:tc>
+                  <a:txBody>
+                    <a:bodyPr/>
+                    <a:lstStyle/>
+                    <a:p>
+                      <a:pPr>
+                        <a:defRPr sz="1200"/>
+                      </a:pPr>
+                      <a:r>
+                        <a:t>Web</a:t>
+                      </a:r>
+                    </a:p>
+                  </a:txBody>
+                  <a:tcPr/>
+                </a:tc>
+              </a:tr>
+              <a:tr h="360273">
+                <a:tc>
+                  <a:txBody>
+                    <a:bodyPr/>
+                    <a:lstStyle/>
+                    <a:p>
+                      <a:pPr>
+                        <a:defRPr sz="1200" b="1"/>
+                      </a:pPr>
+                      <a:r>
+                        <a:t>Tamaño</a:t>
+                      </a:r>
+                    </a:p>
+                  </a:txBody>
+                  <a:tcPr/>
+                </a:tc>
+                <a:tc>
+                  <a:txBody>
+                    <a:bodyPr/>
+                    <a:lstStyle/>
+                    <a:p>
+                      <a:pPr>
+                        <a:defRPr sz="1200"/>
+                      </a:pPr>
+                      <a:r>
+                        <a:t>1 página</a:t>
+                      </a:r>
+                    </a:p>
+                  </a:txBody>
+                  <a:tcPr/>
+                </a:tc>
+              </a:tr>
+              <a:tr h="360273">
+                <a:tc>
+                  <a:txBody>
+                    <a:bodyPr/>
+                    <a:lstStyle/>
+                    <a:p>
+                      <a:pPr>
+                        <a:defRPr sz="1200" b="1"/>
+                      </a:pPr>
+                      <a:r>
+                        <a:t>Valor Publicitario</a:t>
+                      </a:r>
+                    </a:p>
+                  </a:txBody>
+                  <a:tcPr/>
+                </a:tc>
+                <a:tc>
+                  <a:txBody>
+                    <a:bodyPr/>
+                    <a:lstStyle/>
+                    <a:p>
+                      <a:pPr>
+                        <a:defRPr sz="1200"/>
+                      </a:pPr>
+                      <a:r>
+                        <a:t>B/. 1,000.00</a:t>
+                      </a:r>
+                    </a:p>
+                  </a:txBody>
+                  <a:tcPr/>
+                </a:tc>
+              </a:tr>
+              <a:tr h="360273">
+                <a:tc>
+                  <a:txBody>
+                    <a:bodyPr/>
+                    <a:lstStyle/>
+                    <a:p>
+                      <a:pPr>
+                        <a:defRPr sz="1200" b="1"/>
+                      </a:pPr>
+                      <a:r>
+                        <a:t>Valor Informativo</a:t>
+                      </a:r>
+                    </a:p>
+                  </a:txBody>
+                  <a:tcPr/>
+                </a:tc>
+                <a:tc>
+                  <a:txBody>
+                    <a:bodyPr/>
+                    <a:lstStyle/>
+                    <a:p>
+                      <a:pPr>
+                        <a:defRPr sz="1200"/>
+                      </a:pPr>
+                      <a:r>
+                        <a:t>B/. 4,000.00</a:t>
+                      </a:r>
+                    </a:p>
+                  </a:txBody>
+                  <a:tcPr/>
+                </a:tc>
+              </a:tr>
+              <a:tr h="360273">
+                <a:tc>
+                  <a:txBody>
+                    <a:bodyPr/>
+                    <a:lstStyle/>
+                    <a:p>
+                      <a:pPr>
+                        <a:defRPr sz="1200" b="1"/>
+                      </a:pPr>
+                      <a:r>
+                        <a:t>Tier</a:t>
+                      </a:r>
+                    </a:p>
+                  </a:txBody>
+                  <a:tcPr/>
+                </a:tc>
+                <a:tc>
+                  <a:txBody>
+                    <a:bodyPr/>
+                    <a:lstStyle/>
+                    <a:p>
+                      <a:pPr>
+                        <a:defRPr sz="1200"/>
+                      </a:pPr>
+                      <a:r>
+                        <a:t>1</a:t>
+                      </a:r>
+                    </a:p>
+                  </a:txBody>
+                  <a:tcPr/>
+                </a:tc>
+              </a:tr>
+              <a:tr h="360273">
+                <a:tc>
+                  <a:txBody>
+                    <a:bodyPr/>
+                    <a:lstStyle/>
+                    <a:p>
+                      <a:pPr>
+                        <a:defRPr sz="1200" b="1"/>
+                      </a:pPr>
+                      <a:r>
+                        <a:t>Mención de Marca</a:t>
+                      </a:r>
+                    </a:p>
+                  </a:txBody>
+                  <a:tcPr/>
+                </a:tc>
+                <a:tc>
+                  <a:txBody>
+                    <a:bodyPr/>
+                    <a:lstStyle/>
+                    <a:p>
+                      <a:pPr>
+                        <a:defRPr sz="1200"/>
+                      </a:pPr>
+                      <a:r>
+                        <a:t>Si</a:t>
+                      </a:r>
+                    </a:p>
+                  </a:txBody>
+                  <a:tcPr/>
+                </a:tc>
+              </a:tr>
+              <a:tr h="360273">
+                <a:tc>
+                  <a:txBody>
+                    <a:bodyPr/>
+                    <a:lstStyle/>
+                    <a:p>
+                      <a:pPr>
+                        <a:defRPr sz="1200" b="1"/>
+                      </a:pPr>
+                      <a:r>
+                        <a:t>Presencia de vocero</a:t>
+                      </a:r>
+                    </a:p>
+                  </a:txBody>
+                  <a:tcPr/>
+                </a:tc>
+                <a:tc>
+                  <a:txBody>
+                    <a:bodyPr/>
+                    <a:lstStyle/>
+                    <a:p>
+                      <a:pPr>
+                        <a:defRPr sz="1200"/>
+                      </a:pPr>
+                      <a:r>
+                        <a:t>Si</a:t>
+                      </a:r>
+                    </a:p>
+                  </a:txBody>
+                  <a:tcPr/>
+                </a:tc>
+              </a:tr>
+              <a:tr h="360273">
+                <a:tc>
+                  <a:txBody>
+                    <a:bodyPr/>
+                    <a:lstStyle/>
+                    <a:p>
+                      <a:pPr>
+                        <a:defRPr sz="1200" b="1"/>
+                      </a:pPr>
+                      <a:r>
+                        <a:t>Quote de vocero</a:t>
+                      </a:r>
+                    </a:p>
+                  </a:txBody>
+                  <a:tcPr/>
+                </a:tc>
+                <a:tc>
+                  <a:txBody>
+                    <a:bodyPr/>
+                    <a:lstStyle/>
+                    <a:p>
+                      <a:pPr>
+                        <a:defRPr sz="1200"/>
+                      </a:pPr>
+                      <a:r>
+                        <a:t>Si</a:t>
+                      </a:r>
+                    </a:p>
+                  </a:txBody>
+                  <a:tcPr/>
+                </a:tc>
+              </a:tr>
+              <a:tr h="360279">
+                <a:tc>
+                  <a:txBody>
+                    <a:bodyPr/>
+                    <a:lstStyle/>
+                    <a:p>
+                      <a:pPr>
+                        <a:defRPr sz="1200" b="1"/>
+                      </a:pPr>
+                      <a:r>
+                        <a:t>Favorabilidad mediática</a:t>
+                      </a:r>
+                    </a:p>
+                  </a:txBody>
+                  <a:tcPr/>
+                </a:tc>
+                <a:tc>
+                  <a:txBody>
+                    <a:bodyPr/>
+                    <a:lstStyle/>
+                    <a:p>
+                      <a:pPr>
+                        <a:defRPr sz="1200"/>
+                      </a:pPr>
+                      <a:r>
+                        <a:t>Positiva</a:t>
+                      </a:r>
+                    </a:p>
+                  </a:txBody>
+                  <a:tcPr/>
+                </a:tc>
+              </a:tr>
+            </a:tbl>
+          </a:graphicData>
+        </a:graphic>
+      </p:graphicFrame>
+      <p:pic>
+        <p:nvPicPr>
+          <p:cNvPr id="6" name="Picture 5" descr="Web.png"/>
+          <p:cNvPicPr>
+            <a:picLocks noChangeAspect="1"/>
+          </p:cNvPicPr>
+          <p:nvPr/>
+        </p:nvPicPr>
+        <p:blipFill>
+          <a:blip r:embed="rId2"/>
+          <a:stretch>
+            <a:fillRect/>
+          </a:stretch>
+        </p:blipFill>
+        <p:spPr>
+          <a:xfrm>
+            <a:off x="7498079" y="868680"/>
+            <a:ext cx="533053" cy="521207"/>
+          </a:xfrm>
+          <a:prstGeom prst="rect">
+            <a:avLst/>
+          </a:prstGeom>
+        </p:spPr>
+      </p:pic>
+      <p:pic>
+        <p:nvPicPr>
+          <p:cNvPr id="7" name="Picture 6" descr="PANAMA PACIFICO 14.jpg"/>
+          <p:cNvPicPr>
+            <a:picLocks noChangeAspect="1"/>
+          </p:cNvPicPr>
+          <p:nvPr/>
+        </p:nvPicPr>
+        <p:blipFill>
+          <a:blip r:embed="rId3"/>
+          <a:stretch>
+            <a:fillRect/>
+          </a:stretch>
+        </p:blipFill>
+        <p:spPr>
+          <a:xfrm>
+            <a:off x="228600" y="2103120"/>
+            <a:ext cx="3840480" cy="3840480"/>
+          </a:xfrm>
+          <a:prstGeom prst="rect">
+            <a:avLst/>
+          </a:prstGeom>
+        </p:spPr>
+      </p:pic>
+    </p:spTree>
+  </p:cSld>
+  <p:clrMapOvr>
+    <a:masterClrMapping/>
+  </p:clrMapOvr>
+</p:sld>
+</file>
+
+<file path=ppt/slides/slide12.xml><?xml version="1.0" encoding="utf-8"?>
+<p:sld xmlns:a="http://schemas.openxmlformats.org/drawingml/2006/main" xmlns:p="http://schemas.openxmlformats.org/presentationml/2006/main" xmlns:r="http://schemas.openxmlformats.org/officeDocument/2006/relationships">
+  <p:cSld>
+    <p:spTree>
+      <p:nvGrpSpPr>
+        <p:cNvPr id="1" name=""/>
+        <p:cNvGrpSpPr/>
+        <p:nvPr/>
+      </p:nvGrpSpPr>
+      <p:grpSpPr/>
+      <p:sp>
+        <p:nvSpPr>
+          <p:cNvPr id="2" name="Title 1"/>
+          <p:cNvSpPr>
+            <a:spLocks noGrp="1"/>
+          </p:cNvSpPr>
+          <p:nvPr>
+            <p:ph type="title"/>
+          </p:nvPr>
+        </p:nvSpPr>
+        <p:spPr/>
+        <p:txBody>
+          <a:bodyPr/>
+          <a:lstStyle/>
+          <a:p>
+            <a:pPr algn="ctr">
+              <a:defRPr b="1" sz="3500"/>
+            </a:pPr>
+            <a:r>
+              <a:t>Publicaciones - Web</a:t>
+            </a:r>
+          </a:p>
+        </p:txBody>
+      </p:sp>
+      <p:sp>
+        <p:nvSpPr>
+          <p:cNvPr id="3" name="Content Placeholder 2"/>
+          <p:cNvSpPr>
+            <a:spLocks noGrp="1"/>
+          </p:cNvSpPr>
+          <p:nvPr>
+            <p:ph idx="1" sz="half"/>
+          </p:nvPr>
+        </p:nvSpPr>
+        <p:spPr>
+          <a:xfrm>
+            <a:off x="365760" y="1097280"/>
+            <a:ext cx="1828800" cy="274320"/>
+          </a:xfrm>
+        </p:spPr>
+        <p:txBody>
+          <a:bodyPr/>
+          <a:lstStyle/>
+          <a:p>
+            <a:pPr>
+              <a:defRPr b="1" sz="1600"/>
+            </a:pPr>
+            <a:r>
+              <a:t>28 de Noviembre</a:t>
+            </a:r>
+          </a:p>
+        </p:txBody>
+      </p:sp>
+      <p:sp>
+        <p:nvSpPr>
+          <p:cNvPr id="4" name="Content Placeholder 3"/>
+          <p:cNvSpPr>
+            <a:spLocks noGrp="1"/>
+          </p:cNvSpPr>
+          <p:nvPr>
+            <p:ph idx="13" sz="quarter"/>
+          </p:nvPr>
+        </p:nvSpPr>
+        <p:spPr/>
+        <p:txBody>
+          <a:bodyPr/>
+          <a:lstStyle/>
+          <a:p>
+            <a:r>
+              <a:t>https://vozdeladiasporanews.com/como-hemos-podido-seguir-siendo-competitivos-en-panama-pacifico/</a:t>
+            </a:r>
+          </a:p>
+        </p:txBody>
+      </p:sp>
+      <p:graphicFrame>
+        <p:nvGraphicFramePr>
+          <p:cNvPr id="5" name="Table 4"/>
+          <p:cNvGraphicFramePr>
+            <a:graphicFrameLocks noGrp="1"/>
+          </p:cNvGraphicFramePr>
+          <p:nvPr/>
+        </p:nvGraphicFramePr>
+        <p:xfrm>
+          <a:off x="5486400" y="1828800"/>
+          <a:ext cx="3291840" cy="3602736"/>
+        </p:xfrm>
+        <a:graphic>
+          <a:graphicData uri="http://schemas.openxmlformats.org/drawingml/2006/table">
+            <a:tbl>
+              <a:tblPr firstRow="1" bandRow="1">
+                <a:tableStyleId>{5C22544A-7EE6-4342-B048-85BDC9FD1C3A}</a:tableStyleId>
+              </a:tblPr>
+              <a:tblGrid>
+                <a:gridCol w="1645920"/>
+                <a:gridCol w="1645920"/>
+              </a:tblGrid>
+              <a:tr h="360273">
+                <a:tc>
+                  <a:txBody>
+                    <a:bodyPr/>
+                    <a:lstStyle/>
+                    <a:p>
+                      <a:pPr>
+                        <a:defRPr sz="1200" b="1"/>
+                      </a:pPr>
+                      <a:r>
+                        <a:t>Medio</a:t>
+                      </a:r>
+                    </a:p>
+                  </a:txBody>
+                  <a:tcPr/>
+                </a:tc>
+                <a:tc>
+                  <a:txBody>
+                    <a:bodyPr/>
+                    <a:lstStyle/>
+                    <a:p>
+                      <a:pPr>
+                        <a:defRPr sz="1200" b="1"/>
+                      </a:pPr>
+                      <a:r>
+                        <a:t>La Voz de la Diáspora</a:t>
+                      </a:r>
+                    </a:p>
+                  </a:txBody>
+                  <a:tcPr/>
+                </a:tc>
+              </a:tr>
+              <a:tr h="360273">
+                <a:tc>
+                  <a:txBody>
+                    <a:bodyPr/>
+                    <a:lstStyle/>
+                    <a:p>
+                      <a:pPr>
+                        <a:defRPr sz="1200" b="1"/>
+                      </a:pPr>
+                      <a:r>
+                        <a:t>Tipo</a:t>
+                      </a:r>
+                    </a:p>
+                  </a:txBody>
+                  <a:tcPr/>
+                </a:tc>
+                <a:tc>
+                  <a:txBody>
+                    <a:bodyPr/>
+                    <a:lstStyle/>
+                    <a:p>
+                      <a:pPr>
+                        <a:defRPr sz="1200"/>
+                      </a:pPr>
+                      <a:r>
+                        <a:t>Web</a:t>
+                      </a:r>
+                    </a:p>
+                  </a:txBody>
+                  <a:tcPr/>
+                </a:tc>
+              </a:tr>
+              <a:tr h="360273">
+                <a:tc>
+                  <a:txBody>
+                    <a:bodyPr/>
+                    <a:lstStyle/>
+                    <a:p>
+                      <a:pPr>
+                        <a:defRPr sz="1200" b="1"/>
+                      </a:pPr>
+                      <a:r>
+                        <a:t>Tamaño</a:t>
+                      </a:r>
+                    </a:p>
+                  </a:txBody>
+                  <a:tcPr/>
+                </a:tc>
+                <a:tc>
+                  <a:txBody>
+                    <a:bodyPr/>
+                    <a:lstStyle/>
+                    <a:p>
+                      <a:pPr>
+                        <a:defRPr sz="1200"/>
+                      </a:pPr>
+                      <a:r>
+                        <a:t>1 página</a:t>
+                      </a:r>
+                    </a:p>
+                  </a:txBody>
+                  <a:tcPr/>
+                </a:tc>
+              </a:tr>
+              <a:tr h="360273">
+                <a:tc>
+                  <a:txBody>
+                    <a:bodyPr/>
+                    <a:lstStyle/>
+                    <a:p>
+                      <a:pPr>
+                        <a:defRPr sz="1200" b="1"/>
+                      </a:pPr>
+                      <a:r>
+                        <a:t>Valor Publicitario</a:t>
+                      </a:r>
+                    </a:p>
+                  </a:txBody>
+                  <a:tcPr/>
+                </a:tc>
+                <a:tc>
+                  <a:txBody>
+                    <a:bodyPr/>
+                    <a:lstStyle/>
+                    <a:p>
+                      <a:pPr>
+                        <a:defRPr sz="1200"/>
+                      </a:pPr>
+                      <a:r>
+                        <a:t>B/. 1,000.00</a:t>
+                      </a:r>
+                    </a:p>
+                  </a:txBody>
+                  <a:tcPr/>
+                </a:tc>
+              </a:tr>
+              <a:tr h="360273">
+                <a:tc>
+                  <a:txBody>
+                    <a:bodyPr/>
+                    <a:lstStyle/>
+                    <a:p>
+                      <a:pPr>
+                        <a:defRPr sz="1200" b="1"/>
+                      </a:pPr>
+                      <a:r>
+                        <a:t>Valor Informativo</a:t>
+                      </a:r>
+                    </a:p>
+                  </a:txBody>
+                  <a:tcPr/>
+                </a:tc>
+                <a:tc>
+                  <a:txBody>
+                    <a:bodyPr/>
+                    <a:lstStyle/>
+                    <a:p>
+                      <a:pPr>
+                        <a:defRPr sz="1200"/>
+                      </a:pPr>
+                      <a:r>
+                        <a:t>B/. 4,000.00</a:t>
+                      </a:r>
+                    </a:p>
+                  </a:txBody>
+                  <a:tcPr/>
+                </a:tc>
+              </a:tr>
+              <a:tr h="360273">
+                <a:tc>
+                  <a:txBody>
+                    <a:bodyPr/>
+                    <a:lstStyle/>
+                    <a:p>
+                      <a:pPr>
+                        <a:defRPr sz="1200" b="1"/>
+                      </a:pPr>
+                      <a:r>
+                        <a:t>Tier</a:t>
+                      </a:r>
+                    </a:p>
+                  </a:txBody>
+                  <a:tcPr/>
+                </a:tc>
+                <a:tc>
+                  <a:txBody>
+                    <a:bodyPr/>
+                    <a:lstStyle/>
+                    <a:p>
+                      <a:pPr>
+                        <a:defRPr sz="1200"/>
+                      </a:pPr>
+                      <a:r>
+                        <a:t>1</a:t>
+                      </a:r>
+                    </a:p>
+                  </a:txBody>
+                  <a:tcPr/>
+                </a:tc>
+              </a:tr>
+              <a:tr h="360273">
+                <a:tc>
+                  <a:txBody>
+                    <a:bodyPr/>
+                    <a:lstStyle/>
+                    <a:p>
+                      <a:pPr>
+                        <a:defRPr sz="1200" b="1"/>
+                      </a:pPr>
+                      <a:r>
+                        <a:t>Mención de Marca</a:t>
+                      </a:r>
+                    </a:p>
+                  </a:txBody>
+                  <a:tcPr/>
+                </a:tc>
+                <a:tc>
+                  <a:txBody>
+                    <a:bodyPr/>
+                    <a:lstStyle/>
+                    <a:p>
+                      <a:pPr>
+                        <a:defRPr sz="1200"/>
+                      </a:pPr>
+                      <a:r>
+                        <a:t>Si</a:t>
+                      </a:r>
+                    </a:p>
+                  </a:txBody>
+                  <a:tcPr/>
+                </a:tc>
+              </a:tr>
+              <a:tr h="360273">
+                <a:tc>
+                  <a:txBody>
+                    <a:bodyPr/>
+                    <a:lstStyle/>
+                    <a:p>
+                      <a:pPr>
+                        <a:defRPr sz="1200" b="1"/>
+                      </a:pPr>
+                      <a:r>
+                        <a:t>Presencia de vocero</a:t>
+                      </a:r>
+                    </a:p>
+                  </a:txBody>
+                  <a:tcPr/>
+                </a:tc>
+                <a:tc>
+                  <a:txBody>
+                    <a:bodyPr/>
+                    <a:lstStyle/>
+                    <a:p>
+                      <a:pPr>
+                        <a:defRPr sz="1200"/>
+                      </a:pPr>
+                      <a:r>
+                        <a:t>Si</a:t>
+                      </a:r>
+                    </a:p>
+                  </a:txBody>
+                  <a:tcPr/>
+                </a:tc>
+              </a:tr>
+              <a:tr h="360273">
+                <a:tc>
+                  <a:txBody>
+                    <a:bodyPr/>
+                    <a:lstStyle/>
+                    <a:p>
+                      <a:pPr>
+                        <a:defRPr sz="1200" b="1"/>
+                      </a:pPr>
+                      <a:r>
+                        <a:t>Quote de vocero</a:t>
+                      </a:r>
+                    </a:p>
+                  </a:txBody>
+                  <a:tcPr/>
+                </a:tc>
+                <a:tc>
+                  <a:txBody>
+                    <a:bodyPr/>
+                    <a:lstStyle/>
+                    <a:p>
+                      <a:pPr>
+                        <a:defRPr sz="1200"/>
+                      </a:pPr>
+                      <a:r>
+                        <a:t>Si</a:t>
+                      </a:r>
+                    </a:p>
+                  </a:txBody>
+                  <a:tcPr/>
+                </a:tc>
+              </a:tr>
+              <a:tr h="360279">
+                <a:tc>
+                  <a:txBody>
+                    <a:bodyPr/>
+                    <a:lstStyle/>
+                    <a:p>
+                      <a:pPr>
+                        <a:defRPr sz="1200" b="1"/>
+                      </a:pPr>
+                      <a:r>
+                        <a:t>Favorabilidad mediática</a:t>
+                      </a:r>
+                    </a:p>
+                  </a:txBody>
+                  <a:tcPr/>
+                </a:tc>
+                <a:tc>
+                  <a:txBody>
+                    <a:bodyPr/>
+                    <a:lstStyle/>
+                    <a:p>
+                      <a:pPr>
+                        <a:defRPr sz="1200"/>
+                      </a:pPr>
+                      <a:r>
+                        <a:t>Positiva</a:t>
+                      </a:r>
+                    </a:p>
+                  </a:txBody>
+                  <a:tcPr/>
+                </a:tc>
+              </a:tr>
+            </a:tbl>
+          </a:graphicData>
+        </a:graphic>
+      </p:graphicFrame>
+      <p:pic>
+        <p:nvPicPr>
+          <p:cNvPr id="6" name="Picture 5" descr="Web.png"/>
+          <p:cNvPicPr>
+            <a:picLocks noChangeAspect="1"/>
+          </p:cNvPicPr>
+          <p:nvPr/>
+        </p:nvPicPr>
+        <p:blipFill>
+          <a:blip r:embed="rId2"/>
+          <a:stretch>
+            <a:fillRect/>
+          </a:stretch>
+        </p:blipFill>
+        <p:spPr>
+          <a:xfrm>
+            <a:off x="7498079" y="868680"/>
+            <a:ext cx="533053" cy="521207"/>
+          </a:xfrm>
+          <a:prstGeom prst="rect">
+            <a:avLst/>
+          </a:prstGeom>
+        </p:spPr>
+      </p:pic>
+      <p:pic>
+        <p:nvPicPr>
+          <p:cNvPr id="7" name="Picture 6" descr="PANAMA PACIFICO 16.jpg"/>
+          <p:cNvPicPr>
+            <a:picLocks noChangeAspect="1"/>
+          </p:cNvPicPr>
+          <p:nvPr/>
+        </p:nvPicPr>
+        <p:blipFill>
+          <a:blip r:embed="rId3"/>
+          <a:stretch>
+            <a:fillRect/>
+          </a:stretch>
+        </p:blipFill>
+        <p:spPr>
+          <a:xfrm>
+            <a:off x="228600" y="2103120"/>
+            <a:ext cx="3840480" cy="3840480"/>
+          </a:xfrm>
+          <a:prstGeom prst="rect">
+            <a:avLst/>
+          </a:prstGeom>
+        </p:spPr>
+      </p:pic>
+    </p:spTree>
+  </p:cSld>
+  <p:clrMapOvr>
+    <a:masterClrMapping/>
+  </p:clrMapOvr>
+</p:sld>
+</file>
+
+<file path=ppt/slides/slide13.xml><?xml version="1.0" encoding="utf-8"?>
+<p:sld xmlns:a="http://schemas.openxmlformats.org/drawingml/2006/main" xmlns:p="http://schemas.openxmlformats.org/presentationml/2006/main" xmlns:r="http://schemas.openxmlformats.org/officeDocument/2006/relationships">
+  <p:cSld>
+    <p:spTree>
+      <p:nvGrpSpPr>
+        <p:cNvPr id="1" name=""/>
+        <p:cNvGrpSpPr/>
+        <p:nvPr/>
+      </p:nvGrpSpPr>
+      <p:grpSpPr/>
+      <p:sp>
+        <p:nvSpPr>
+          <p:cNvPr id="2" name="Title 1"/>
+          <p:cNvSpPr>
+            <a:spLocks noGrp="1"/>
+          </p:cNvSpPr>
+          <p:nvPr>
+            <p:ph type="title"/>
+          </p:nvPr>
+        </p:nvSpPr>
+        <p:spPr/>
+        <p:txBody>
+          <a:bodyPr/>
+          <a:lstStyle/>
+          <a:p>
+            <a:pPr algn="ctr">
+              <a:defRPr b="1" sz="3500"/>
+            </a:pPr>
+            <a:r>
+              <a:t>Publicaciones - Web</a:t>
+            </a:r>
+          </a:p>
+        </p:txBody>
+      </p:sp>
+      <p:sp>
+        <p:nvSpPr>
+          <p:cNvPr id="3" name="Content Placeholder 2"/>
+          <p:cNvSpPr>
+            <a:spLocks noGrp="1"/>
+          </p:cNvSpPr>
+          <p:nvPr>
+            <p:ph idx="1" sz="half"/>
+          </p:nvPr>
+        </p:nvSpPr>
+        <p:spPr>
+          <a:xfrm>
+            <a:off x="365760" y="1097280"/>
+            <a:ext cx="1828800" cy="274320"/>
+          </a:xfrm>
+        </p:spPr>
+        <p:txBody>
+          <a:bodyPr/>
+          <a:lstStyle/>
+          <a:p>
+            <a:pPr>
+              <a:defRPr b="1" sz="1600"/>
+            </a:pPr>
+            <a:r>
+              <a:t>30 de Noviembre</a:t>
+            </a:r>
+          </a:p>
+        </p:txBody>
+      </p:sp>
+      <p:sp>
+        <p:nvSpPr>
+          <p:cNvPr id="4" name="Content Placeholder 3"/>
+          <p:cNvSpPr>
+            <a:spLocks noGrp="1"/>
+          </p:cNvSpPr>
+          <p:nvPr>
+            <p:ph idx="13" sz="quarter"/>
+          </p:nvPr>
+        </p:nvSpPr>
+        <p:spPr/>
+        <p:txBody>
+          <a:bodyPr/>
+          <a:lstStyle/>
+          <a:p>
+            <a:r>
+              <a:t>https://somosimpactopositivo.com/impacto-social/panama-pacifico-turismo/</a:t>
+            </a:r>
+          </a:p>
+        </p:txBody>
+      </p:sp>
+      <p:graphicFrame>
+        <p:nvGraphicFramePr>
+          <p:cNvPr id="5" name="Table 4"/>
+          <p:cNvGraphicFramePr>
+            <a:graphicFrameLocks noGrp="1"/>
+          </p:cNvGraphicFramePr>
+          <p:nvPr/>
+        </p:nvGraphicFramePr>
+        <p:xfrm>
+          <a:off x="5486400" y="1828800"/>
+          <a:ext cx="3291840" cy="3602736"/>
+        </p:xfrm>
+        <a:graphic>
+          <a:graphicData uri="http://schemas.openxmlformats.org/drawingml/2006/table">
+            <a:tbl>
+              <a:tblPr firstRow="1" bandRow="1">
+                <a:tableStyleId>{5C22544A-7EE6-4342-B048-85BDC9FD1C3A}</a:tableStyleId>
+              </a:tblPr>
+              <a:tblGrid>
+                <a:gridCol w="1645920"/>
+                <a:gridCol w="1645920"/>
+              </a:tblGrid>
+              <a:tr h="360273">
+                <a:tc>
+                  <a:txBody>
+                    <a:bodyPr/>
+                    <a:lstStyle/>
+                    <a:p>
+                      <a:pPr>
+                        <a:defRPr sz="1200" b="1"/>
+                      </a:pPr>
+                      <a:r>
+                        <a:t>Medio</a:t>
+                      </a:r>
+                    </a:p>
+                  </a:txBody>
+                  <a:tcPr/>
+                </a:tc>
+                <a:tc>
+                  <a:txBody>
+                    <a:bodyPr/>
+                    <a:lstStyle/>
+                    <a:p>
+                      <a:pPr>
+                        <a:defRPr sz="1200" b="1"/>
+                      </a:pPr>
+                      <a:r>
+                        <a:t>Impacto Positivo</a:t>
+                      </a:r>
+                    </a:p>
+                  </a:txBody>
+                  <a:tcPr/>
+                </a:tc>
+              </a:tr>
+              <a:tr h="360273">
+                <a:tc>
+                  <a:txBody>
+                    <a:bodyPr/>
+                    <a:lstStyle/>
+                    <a:p>
+                      <a:pPr>
+                        <a:defRPr sz="1200" b="1"/>
+                      </a:pPr>
+                      <a:r>
+                        <a:t>Tipo</a:t>
+                      </a:r>
+                    </a:p>
+                  </a:txBody>
+                  <a:tcPr/>
+                </a:tc>
+                <a:tc>
+                  <a:txBody>
+                    <a:bodyPr/>
+                    <a:lstStyle/>
+                    <a:p>
+                      <a:pPr>
+                        <a:defRPr sz="1200"/>
+                      </a:pPr>
+                      <a:r>
+                        <a:t>Web</a:t>
+                      </a:r>
+                    </a:p>
+                  </a:txBody>
+                  <a:tcPr/>
+                </a:tc>
+              </a:tr>
+              <a:tr h="360273">
+                <a:tc>
+                  <a:txBody>
+                    <a:bodyPr/>
+                    <a:lstStyle/>
+                    <a:p>
+                      <a:pPr>
+                        <a:defRPr sz="1200" b="1"/>
+                      </a:pPr>
+                      <a:r>
+                        <a:t>Tamaño</a:t>
+                      </a:r>
+                    </a:p>
+                  </a:txBody>
+                  <a:tcPr/>
+                </a:tc>
+                <a:tc>
+                  <a:txBody>
+                    <a:bodyPr/>
+                    <a:lstStyle/>
+                    <a:p>
+                      <a:pPr>
+                        <a:defRPr sz="1200"/>
+                      </a:pPr>
+                      <a:r>
+                        <a:t>1 página</a:t>
+                      </a:r>
+                    </a:p>
+                  </a:txBody>
+                  <a:tcPr/>
+                </a:tc>
+              </a:tr>
+              <a:tr h="360273">
+                <a:tc>
+                  <a:txBody>
+                    <a:bodyPr/>
+                    <a:lstStyle/>
+                    <a:p>
+                      <a:pPr>
+                        <a:defRPr sz="1200" b="1"/>
+                      </a:pPr>
+                      <a:r>
+                        <a:t>Valor Publicitario</a:t>
+                      </a:r>
+                    </a:p>
+                  </a:txBody>
+                  <a:tcPr/>
+                </a:tc>
+                <a:tc>
+                  <a:txBody>
+                    <a:bodyPr/>
+                    <a:lstStyle/>
+                    <a:p>
+                      <a:pPr>
+                        <a:defRPr sz="1200"/>
+                      </a:pPr>
+                      <a:r>
+                        <a:t>B/. 1,000.00</a:t>
+                      </a:r>
+                    </a:p>
+                  </a:txBody>
+                  <a:tcPr/>
+                </a:tc>
+              </a:tr>
+              <a:tr h="360273">
+                <a:tc>
+                  <a:txBody>
+                    <a:bodyPr/>
+                    <a:lstStyle/>
+                    <a:p>
+                      <a:pPr>
+                        <a:defRPr sz="1200" b="1"/>
+                      </a:pPr>
+                      <a:r>
+                        <a:t>Valor Informativo</a:t>
+                      </a:r>
+                    </a:p>
+                  </a:txBody>
+                  <a:tcPr/>
+                </a:tc>
+                <a:tc>
+                  <a:txBody>
+                    <a:bodyPr/>
+                    <a:lstStyle/>
+                    <a:p>
+                      <a:pPr>
+                        <a:defRPr sz="1200"/>
+                      </a:pPr>
+                      <a:r>
+                        <a:t>B/. 4,000.00</a:t>
+                      </a:r>
+                    </a:p>
+                  </a:txBody>
+                  <a:tcPr/>
+                </a:tc>
+              </a:tr>
+              <a:tr h="360273">
+                <a:tc>
+                  <a:txBody>
+                    <a:bodyPr/>
+                    <a:lstStyle/>
+                    <a:p>
+                      <a:pPr>
+                        <a:defRPr sz="1200" b="1"/>
+                      </a:pPr>
+                      <a:r>
+                        <a:t>Tier</a:t>
+                      </a:r>
+                    </a:p>
+                  </a:txBody>
+                  <a:tcPr/>
+                </a:tc>
+                <a:tc>
+                  <a:txBody>
+                    <a:bodyPr/>
+                    <a:lstStyle/>
+                    <a:p>
+                      <a:pPr>
+                        <a:defRPr sz="1200"/>
+                      </a:pPr>
+                      <a:r>
+                        <a:t>1</a:t>
+                      </a:r>
+                    </a:p>
+                  </a:txBody>
+                  <a:tcPr/>
+                </a:tc>
+              </a:tr>
+              <a:tr h="360273">
+                <a:tc>
+                  <a:txBody>
+                    <a:bodyPr/>
+                    <a:lstStyle/>
+                    <a:p>
+                      <a:pPr>
+                        <a:defRPr sz="1200" b="1"/>
+                      </a:pPr>
+                      <a:r>
+                        <a:t>Mención de Marca</a:t>
+                      </a:r>
+                    </a:p>
+                  </a:txBody>
+                  <a:tcPr/>
+                </a:tc>
+                <a:tc>
+                  <a:txBody>
+                    <a:bodyPr/>
+                    <a:lstStyle/>
+                    <a:p>
+                      <a:pPr>
+                        <a:defRPr sz="1200"/>
+                      </a:pPr>
+                      <a:r>
+                        <a:t>Si</a:t>
+                      </a:r>
+                    </a:p>
+                  </a:txBody>
+                  <a:tcPr/>
+                </a:tc>
+              </a:tr>
+              <a:tr h="360273">
+                <a:tc>
+                  <a:txBody>
+                    <a:bodyPr/>
+                    <a:lstStyle/>
+                    <a:p>
+                      <a:pPr>
+                        <a:defRPr sz="1200" b="1"/>
+                      </a:pPr>
+                      <a:r>
+                        <a:t>Presencia de vocero</a:t>
+                      </a:r>
+                    </a:p>
+                  </a:txBody>
+                  <a:tcPr/>
+                </a:tc>
+                <a:tc>
+                  <a:txBody>
+                    <a:bodyPr/>
+                    <a:lstStyle/>
+                    <a:p>
+                      <a:pPr>
+                        <a:defRPr sz="1200"/>
+                      </a:pPr>
+                      <a:r>
+                        <a:t>Si</a:t>
+                      </a:r>
+                    </a:p>
+                  </a:txBody>
+                  <a:tcPr/>
+                </a:tc>
+              </a:tr>
+              <a:tr h="360273">
+                <a:tc>
+                  <a:txBody>
+                    <a:bodyPr/>
+                    <a:lstStyle/>
+                    <a:p>
+                      <a:pPr>
+                        <a:defRPr sz="1200" b="1"/>
+                      </a:pPr>
+                      <a:r>
+                        <a:t>Quote de vocero</a:t>
+                      </a:r>
+                    </a:p>
+                  </a:txBody>
+                  <a:tcPr/>
+                </a:tc>
+                <a:tc>
+                  <a:txBody>
+                    <a:bodyPr/>
+                    <a:lstStyle/>
+                    <a:p>
+                      <a:pPr>
+                        <a:defRPr sz="1200"/>
+                      </a:pPr>
+                      <a:r>
+                        <a:t>Si</a:t>
+                      </a:r>
+                    </a:p>
+                  </a:txBody>
+                  <a:tcPr/>
+                </a:tc>
+              </a:tr>
+              <a:tr h="360279">
+                <a:tc>
+                  <a:txBody>
+                    <a:bodyPr/>
+                    <a:lstStyle/>
+                    <a:p>
+                      <a:pPr>
+                        <a:defRPr sz="1200" b="1"/>
+                      </a:pPr>
+                      <a:r>
+                        <a:t>Favorabilidad mediática</a:t>
+                      </a:r>
+                    </a:p>
+                  </a:txBody>
+                  <a:tcPr/>
+                </a:tc>
+                <a:tc>
+                  <a:txBody>
+                    <a:bodyPr/>
+                    <a:lstStyle/>
+                    <a:p>
+                      <a:pPr>
+                        <a:defRPr sz="1200"/>
+                      </a:pPr>
+                      <a:r>
+                        <a:t>Positiva</a:t>
+                      </a:r>
+                    </a:p>
+                  </a:txBody>
+                  <a:tcPr/>
+                </a:tc>
+              </a:tr>
+            </a:tbl>
+          </a:graphicData>
+        </a:graphic>
+      </p:graphicFrame>
+      <p:pic>
+        <p:nvPicPr>
+          <p:cNvPr id="6" name="Picture 5" descr="Web.png"/>
+          <p:cNvPicPr>
+            <a:picLocks noChangeAspect="1"/>
+          </p:cNvPicPr>
+          <p:nvPr/>
+        </p:nvPicPr>
+        <p:blipFill>
+          <a:blip r:embed="rId2"/>
+          <a:stretch>
+            <a:fillRect/>
+          </a:stretch>
+        </p:blipFill>
+        <p:spPr>
+          <a:xfrm>
+            <a:off x="7498079" y="868680"/>
+            <a:ext cx="533053" cy="521207"/>
+          </a:xfrm>
+          <a:prstGeom prst="rect">
+            <a:avLst/>
+          </a:prstGeom>
+        </p:spPr>
+      </p:pic>
+      <p:pic>
+        <p:nvPicPr>
+          <p:cNvPr id="7" name="Picture 6" descr="PANAMA PACIFICO 18.jpg"/>
+          <p:cNvPicPr>
+            <a:picLocks noChangeAspect="1"/>
+          </p:cNvPicPr>
+          <p:nvPr/>
+        </p:nvPicPr>
+        <p:blipFill>
+          <a:blip r:embed="rId3"/>
+          <a:stretch>
+            <a:fillRect/>
+          </a:stretch>
+        </p:blipFill>
+        <p:spPr>
+          <a:xfrm>
+            <a:off x="228600" y="2103120"/>
+            <a:ext cx="3840480" cy="3840480"/>
+          </a:xfrm>
+          <a:prstGeom prst="rect">
+            <a:avLst/>
+          </a:prstGeom>
+        </p:spPr>
+      </p:pic>
+    </p:spTree>
+  </p:cSld>
+  <p:clrMapOvr>
+    <a:masterClrMapping/>
+  </p:clrMapOvr>
+</p:sld>
+</file>
+
+<file path=ppt/slides/slide14.xml><?xml version="1.0" encoding="utf-8"?>
+<p:sld xmlns:a="http://schemas.openxmlformats.org/drawingml/2006/main" xmlns:p="http://schemas.openxmlformats.org/presentationml/2006/main" xmlns:r="http://schemas.openxmlformats.org/officeDocument/2006/relationships">
+  <p:cSld>
+    <p:spTree>
+      <p:nvGrpSpPr>
+        <p:cNvPr id="1" name=""/>
+        <p:cNvGrpSpPr/>
+        <p:nvPr/>
+      </p:nvGrpSpPr>
+      <p:grpSpPr/>
+      <p:sp>
+        <p:nvSpPr>
+          <p:cNvPr id="2" name="Title 1"/>
+          <p:cNvSpPr>
+            <a:spLocks noGrp="1"/>
+          </p:cNvSpPr>
+          <p:nvPr>
+            <p:ph type="title"/>
+          </p:nvPr>
+        </p:nvSpPr>
+        <p:spPr/>
+        <p:txBody>
+          <a:bodyPr/>
+          <a:lstStyle/>
+          <a:p>
+            <a:pPr algn="ctr">
+              <a:defRPr b="1" sz="3500"/>
+            </a:pPr>
+            <a:r>
+              <a:t>Publicaciones - Web</a:t>
+            </a:r>
+          </a:p>
+        </p:txBody>
+      </p:sp>
+      <p:sp>
+        <p:nvSpPr>
+          <p:cNvPr id="3" name="Content Placeholder 2"/>
+          <p:cNvSpPr>
+            <a:spLocks noGrp="1"/>
+          </p:cNvSpPr>
+          <p:nvPr>
+            <p:ph idx="1" sz="half"/>
+          </p:nvPr>
+        </p:nvSpPr>
+        <p:spPr>
+          <a:xfrm>
+            <a:off x="365760" y="1097280"/>
+            <a:ext cx="1828800" cy="274320"/>
+          </a:xfrm>
+        </p:spPr>
+        <p:txBody>
+          <a:bodyPr/>
+          <a:lstStyle/>
+          <a:p>
+            <a:pPr>
+              <a:defRPr b="1" sz="1600"/>
+            </a:pPr>
+            <a:r>
+              <a:t>30 de Noviembre</a:t>
+            </a:r>
+          </a:p>
+        </p:txBody>
+      </p:sp>
+      <p:sp>
+        <p:nvSpPr>
+          <p:cNvPr id="4" name="Content Placeholder 3"/>
+          <p:cNvSpPr>
+            <a:spLocks noGrp="1"/>
+          </p:cNvSpPr>
+          <p:nvPr>
+            <p:ph idx="13" sz="quarter"/>
+          </p:nvPr>
+        </p:nvSpPr>
+        <p:spPr/>
+        <p:txBody>
+          <a:bodyPr/>
+          <a:lstStyle/>
+          <a:p>
+            <a:r>
+              <a:t>https://riducaonline.com/2020/11/30/panama-pacifico-la-comunidad-del-emprendimiento-y-la-creatividad/</a:t>
+            </a:r>
+          </a:p>
+        </p:txBody>
+      </p:sp>
+      <p:graphicFrame>
+        <p:nvGraphicFramePr>
+          <p:cNvPr id="5" name="Table 4"/>
+          <p:cNvGraphicFramePr>
+            <a:graphicFrameLocks noGrp="1"/>
+          </p:cNvGraphicFramePr>
+          <p:nvPr/>
+        </p:nvGraphicFramePr>
+        <p:xfrm>
+          <a:off x="5486400" y="1828800"/>
+          <a:ext cx="3291840" cy="3602736"/>
+        </p:xfrm>
+        <a:graphic>
+          <a:graphicData uri="http://schemas.openxmlformats.org/drawingml/2006/table">
+            <a:tbl>
+              <a:tblPr firstRow="1" bandRow="1">
+                <a:tableStyleId>{5C22544A-7EE6-4342-B048-85BDC9FD1C3A}</a:tableStyleId>
+              </a:tblPr>
+              <a:tblGrid>
+                <a:gridCol w="1645920"/>
+                <a:gridCol w="1645920"/>
+              </a:tblGrid>
+              <a:tr h="360273">
+                <a:tc>
+                  <a:txBody>
+                    <a:bodyPr/>
+                    <a:lstStyle/>
+                    <a:p>
+                      <a:pPr>
+                        <a:defRPr sz="1200" b="1"/>
+                      </a:pPr>
+                      <a:r>
+                        <a:t>Medio</a:t>
+                      </a:r>
+                    </a:p>
+                  </a:txBody>
+                  <a:tcPr/>
+                </a:tc>
+                <a:tc>
+                  <a:txBody>
+                    <a:bodyPr/>
+                    <a:lstStyle/>
+                    <a:p>
+                      <a:pPr>
+                        <a:defRPr sz="1200" b="1"/>
+                      </a:pPr>
+                      <a:r>
+                        <a:t>Riduca Online</a:t>
+                      </a:r>
+                    </a:p>
+                  </a:txBody>
+                  <a:tcPr/>
+                </a:tc>
+              </a:tr>
+              <a:tr h="360273">
+                <a:tc>
+                  <a:txBody>
+                    <a:bodyPr/>
+                    <a:lstStyle/>
+                    <a:p>
+                      <a:pPr>
+                        <a:defRPr sz="1200" b="1"/>
+                      </a:pPr>
+                      <a:r>
+                        <a:t>Tipo</a:t>
+                      </a:r>
+                    </a:p>
+                  </a:txBody>
+                  <a:tcPr/>
+                </a:tc>
+                <a:tc>
+                  <a:txBody>
+                    <a:bodyPr/>
+                    <a:lstStyle/>
+                    <a:p>
+                      <a:pPr>
+                        <a:defRPr sz="1200"/>
+                      </a:pPr>
+                      <a:r>
+                        <a:t>Web</a:t>
+                      </a:r>
+                    </a:p>
+                  </a:txBody>
+                  <a:tcPr/>
+                </a:tc>
+              </a:tr>
+              <a:tr h="360273">
+                <a:tc>
+                  <a:txBody>
+                    <a:bodyPr/>
+                    <a:lstStyle/>
+                    <a:p>
+                      <a:pPr>
+                        <a:defRPr sz="1200" b="1"/>
+                      </a:pPr>
+                      <a:r>
+                        <a:t>Tamaño</a:t>
+                      </a:r>
+                    </a:p>
+                  </a:txBody>
+                  <a:tcPr/>
+                </a:tc>
+                <a:tc>
+                  <a:txBody>
+                    <a:bodyPr/>
+                    <a:lstStyle/>
+                    <a:p>
+                      <a:pPr>
+                        <a:defRPr sz="1200"/>
+                      </a:pPr>
+                      <a:r>
+                        <a:t>1 página</a:t>
+                      </a:r>
+                    </a:p>
+                  </a:txBody>
+                  <a:tcPr/>
+                </a:tc>
+              </a:tr>
+              <a:tr h="360273">
+                <a:tc>
+                  <a:txBody>
+                    <a:bodyPr/>
+                    <a:lstStyle/>
+                    <a:p>
+                      <a:pPr>
+                        <a:defRPr sz="1200" b="1"/>
+                      </a:pPr>
+                      <a:r>
+                        <a:t>Valor Publicitario</a:t>
+                      </a:r>
+                    </a:p>
+                  </a:txBody>
+                  <a:tcPr/>
+                </a:tc>
+                <a:tc>
+                  <a:txBody>
+                    <a:bodyPr/>
+                    <a:lstStyle/>
+                    <a:p>
+                      <a:pPr>
+                        <a:defRPr sz="1200"/>
+                      </a:pPr>
+                      <a:r>
+                        <a:t>B/. 750.00</a:t>
+                      </a:r>
+                    </a:p>
+                  </a:txBody>
+                  <a:tcPr/>
+                </a:tc>
+              </a:tr>
+              <a:tr h="360273">
+                <a:tc>
+                  <a:txBody>
+                    <a:bodyPr/>
+                    <a:lstStyle/>
+                    <a:p>
+                      <a:pPr>
+                        <a:defRPr sz="1200" b="1"/>
+                      </a:pPr>
+                      <a:r>
+                        <a:t>Valor Informativo</a:t>
+                      </a:r>
+                    </a:p>
+                  </a:txBody>
+                  <a:tcPr/>
+                </a:tc>
+                <a:tc>
+                  <a:txBody>
+                    <a:bodyPr/>
+                    <a:lstStyle/>
+                    <a:p>
+                      <a:pPr>
+                        <a:defRPr sz="1200"/>
+                      </a:pPr>
+                      <a:r>
+                        <a:t>B/. 3,000.00</a:t>
+                      </a:r>
+                    </a:p>
+                  </a:txBody>
+                  <a:tcPr/>
+                </a:tc>
+              </a:tr>
+              <a:tr h="360273">
+                <a:tc>
+                  <a:txBody>
+                    <a:bodyPr/>
+                    <a:lstStyle/>
+                    <a:p>
+                      <a:pPr>
+                        <a:defRPr sz="1200" b="1"/>
+                      </a:pPr>
+                      <a:r>
+                        <a:t>Tier</a:t>
+                      </a:r>
+                    </a:p>
+                  </a:txBody>
+                  <a:tcPr/>
+                </a:tc>
+                <a:tc>
+                  <a:txBody>
+                    <a:bodyPr/>
+                    <a:lstStyle/>
+                    <a:p>
+                      <a:pPr>
+                        <a:defRPr sz="1200"/>
+                      </a:pPr>
+                      <a:r>
+                        <a:t>3</a:t>
+                      </a:r>
+                    </a:p>
+                  </a:txBody>
+                  <a:tcPr/>
+                </a:tc>
+              </a:tr>
+              <a:tr h="360273">
+                <a:tc>
+                  <a:txBody>
+                    <a:bodyPr/>
+                    <a:lstStyle/>
+                    <a:p>
+                      <a:pPr>
+                        <a:defRPr sz="1200" b="1"/>
+                      </a:pPr>
+                      <a:r>
+                        <a:t>Mención de Marca</a:t>
+                      </a:r>
+                    </a:p>
+                  </a:txBody>
+                  <a:tcPr/>
+                </a:tc>
+                <a:tc>
+                  <a:txBody>
+                    <a:bodyPr/>
+                    <a:lstStyle/>
+                    <a:p>
+                      <a:pPr>
+                        <a:defRPr sz="1200"/>
+                      </a:pPr>
+                      <a:r>
+                        <a:t>Si</a:t>
+                      </a:r>
+                    </a:p>
+                  </a:txBody>
+                  <a:tcPr/>
+                </a:tc>
+              </a:tr>
+              <a:tr h="360273">
+                <a:tc>
+                  <a:txBody>
+                    <a:bodyPr/>
+                    <a:lstStyle/>
+                    <a:p>
+                      <a:pPr>
+                        <a:defRPr sz="1200" b="1"/>
+                      </a:pPr>
+                      <a:r>
+                        <a:t>Presencia de vocero</a:t>
+                      </a:r>
+                    </a:p>
+                  </a:txBody>
+                  <a:tcPr/>
+                </a:tc>
+                <a:tc>
+                  <a:txBody>
+                    <a:bodyPr/>
+                    <a:lstStyle/>
+                    <a:p>
+                      <a:pPr>
+                        <a:defRPr sz="1200"/>
+                      </a:pPr>
+                      <a:r>
+                        <a:t>Si</a:t>
+                      </a:r>
+                    </a:p>
+                  </a:txBody>
+                  <a:tcPr/>
+                </a:tc>
+              </a:tr>
+              <a:tr h="360273">
+                <a:tc>
+                  <a:txBody>
+                    <a:bodyPr/>
+                    <a:lstStyle/>
+                    <a:p>
+                      <a:pPr>
+                        <a:defRPr sz="1200" b="1"/>
+                      </a:pPr>
+                      <a:r>
+                        <a:t>Quote de vocero</a:t>
+                      </a:r>
+                    </a:p>
+                  </a:txBody>
+                  <a:tcPr/>
+                </a:tc>
+                <a:tc>
+                  <a:txBody>
+                    <a:bodyPr/>
+                    <a:lstStyle/>
+                    <a:p>
+                      <a:pPr>
+                        <a:defRPr sz="1200"/>
+                      </a:pPr>
+                      <a:r>
+                        <a:t>Si</a:t>
+                      </a:r>
+                    </a:p>
+                  </a:txBody>
+                  <a:tcPr/>
+                </a:tc>
+              </a:tr>
+              <a:tr h="360279">
+                <a:tc>
+                  <a:txBody>
+                    <a:bodyPr/>
+                    <a:lstStyle/>
+                    <a:p>
+                      <a:pPr>
+                        <a:defRPr sz="1200" b="1"/>
+                      </a:pPr>
+                      <a:r>
+                        <a:t>Favorabilidad mediática</a:t>
+                      </a:r>
+                    </a:p>
+                  </a:txBody>
+                  <a:tcPr/>
+                </a:tc>
+                <a:tc>
+                  <a:txBody>
+                    <a:bodyPr/>
+                    <a:lstStyle/>
+                    <a:p>
+                      <a:pPr>
+                        <a:defRPr sz="1200"/>
+                      </a:pPr>
+                      <a:r>
+                        <a:t>Positiva</a:t>
+                      </a:r>
+                    </a:p>
+                  </a:txBody>
+                  <a:tcPr/>
+                </a:tc>
+              </a:tr>
+            </a:tbl>
+          </a:graphicData>
+        </a:graphic>
+      </p:graphicFrame>
+      <p:pic>
+        <p:nvPicPr>
+          <p:cNvPr id="6" name="Picture 5" descr="Web.png"/>
+          <p:cNvPicPr>
+            <a:picLocks noChangeAspect="1"/>
+          </p:cNvPicPr>
+          <p:nvPr/>
+        </p:nvPicPr>
+        <p:blipFill>
+          <a:blip r:embed="rId2"/>
+          <a:stretch>
+            <a:fillRect/>
+          </a:stretch>
+        </p:blipFill>
+        <p:spPr>
+          <a:xfrm>
+            <a:off x="7498079" y="868680"/>
+            <a:ext cx="533053" cy="521207"/>
+          </a:xfrm>
+          <a:prstGeom prst="rect">
+            <a:avLst/>
+          </a:prstGeom>
+        </p:spPr>
+      </p:pic>
+      <p:pic>
+        <p:nvPicPr>
+          <p:cNvPr id="7" name="Picture 6" descr="PANAMA PACIFICO 19.jpg"/>
+          <p:cNvPicPr>
+            <a:picLocks noChangeAspect="1"/>
+          </p:cNvPicPr>
+          <p:nvPr/>
+        </p:nvPicPr>
+        <p:blipFill>
+          <a:blip r:embed="rId3"/>
+          <a:stretch>
+            <a:fillRect/>
+          </a:stretch>
+        </p:blipFill>
+        <p:spPr>
+          <a:xfrm>
+            <a:off x="228600" y="2103120"/>
+            <a:ext cx="3840480" cy="3840480"/>
+          </a:xfrm>
+          <a:prstGeom prst="rect">
+            <a:avLst/>
+          </a:prstGeom>
+        </p:spPr>
+      </p:pic>
+    </p:spTree>
+  </p:cSld>
+  <p:clrMapOvr>
+    <a:masterClrMapping/>
+  </p:clrMapOvr>
+</p:sld>
+</file>
+
+<file path=ppt/slides/slide15.xml><?xml version="1.0" encoding="utf-8"?>
+<p:sld xmlns:a="http://schemas.openxmlformats.org/drawingml/2006/main" xmlns:p="http://schemas.openxmlformats.org/presentationml/2006/main" xmlns:r="http://schemas.openxmlformats.org/officeDocument/2006/relationships">
+  <p:cSld>
+    <p:spTree>
+      <p:nvGrpSpPr>
+        <p:cNvPr id="1" name=""/>
+        <p:cNvGrpSpPr/>
+        <p:nvPr/>
+      </p:nvGrpSpPr>
+      <p:grpSpPr/>
+      <p:sp>
+        <p:nvSpPr>
+          <p:cNvPr id="2" name="Title 1"/>
+          <p:cNvSpPr>
+            <a:spLocks noGrp="1"/>
+          </p:cNvSpPr>
+          <p:nvPr>
+            <p:ph type="title"/>
+          </p:nvPr>
+        </p:nvSpPr>
+        <p:spPr/>
+        <p:txBody>
+          <a:bodyPr/>
+          <a:lstStyle/>
+          <a:p>
+            <a:pPr algn="ctr">
+              <a:defRPr b="1" sz="3500"/>
+            </a:pPr>
+            <a:r>
+              <a:t>Publicaciones - Televisión</a:t>
+            </a:r>
+          </a:p>
+        </p:txBody>
+      </p:sp>
+      <p:sp>
+        <p:nvSpPr>
+          <p:cNvPr id="3" name="Content Placeholder 2"/>
+          <p:cNvSpPr>
+            <a:spLocks noGrp="1"/>
+          </p:cNvSpPr>
+          <p:nvPr>
+            <p:ph idx="1" sz="half"/>
+          </p:nvPr>
+        </p:nvSpPr>
+        <p:spPr>
+          <a:xfrm>
+            <a:off x="365760" y="1097280"/>
+            <a:ext cx="1828800" cy="274320"/>
+          </a:xfrm>
+        </p:spPr>
+        <p:txBody>
+          <a:bodyPr/>
+          <a:lstStyle/>
+          <a:p>
+            <a:pPr>
+              <a:defRPr b="1" sz="1600"/>
+            </a:pPr>
+            <a:r>
+              <a:t>30 de Noviembre</a:t>
+            </a:r>
+          </a:p>
+        </p:txBody>
+      </p:sp>
+      <p:sp>
+        <p:nvSpPr>
+          <p:cNvPr id="4" name="Content Placeholder 3"/>
+          <p:cNvSpPr>
+            <a:spLocks noGrp="1"/>
+          </p:cNvSpPr>
+          <p:nvPr>
+            <p:ph idx="13" sz="quarter"/>
+          </p:nvPr>
+        </p:nvSpPr>
+        <p:spPr/>
+        <p:txBody>
+          <a:bodyPr/>
+          <a:lstStyle/>
+          <a:p>
+            <a:r>
+              <a:t>No Link</a:t>
+            </a:r>
+          </a:p>
+        </p:txBody>
+      </p:sp>
+      <p:graphicFrame>
+        <p:nvGraphicFramePr>
+          <p:cNvPr id="5" name="Table 4"/>
+          <p:cNvGraphicFramePr>
+            <a:graphicFrameLocks noGrp="1"/>
+          </p:cNvGraphicFramePr>
+          <p:nvPr/>
+        </p:nvGraphicFramePr>
+        <p:xfrm>
+          <a:off x="5486400" y="1828800"/>
+          <a:ext cx="3291840" cy="3602736"/>
+        </p:xfrm>
+        <a:graphic>
+          <a:graphicData uri="http://schemas.openxmlformats.org/drawingml/2006/table">
+            <a:tbl>
+              <a:tblPr firstRow="1" bandRow="1">
+                <a:tableStyleId>{5C22544A-7EE6-4342-B048-85BDC9FD1C3A}</a:tableStyleId>
+              </a:tblPr>
+              <a:tblGrid>
+                <a:gridCol w="1645920"/>
+                <a:gridCol w="1645920"/>
+              </a:tblGrid>
+              <a:tr h="360273">
+                <a:tc>
+                  <a:txBody>
+                    <a:bodyPr/>
+                    <a:lstStyle/>
+                    <a:p>
+                      <a:pPr>
+                        <a:defRPr sz="1200" b="1"/>
+                      </a:pPr>
+                      <a:r>
+                        <a:t>Medio</a:t>
+                      </a:r>
+                    </a:p>
+                  </a:txBody>
+                  <a:tcPr/>
+                </a:tc>
+                <a:tc>
+                  <a:txBody>
+                    <a:bodyPr/>
+                    <a:lstStyle/>
+                    <a:p>
+                      <a:pPr>
+                        <a:defRPr sz="1200" b="1"/>
+                      </a:pPr>
+                      <a:r>
+                        <a:t>NEXTV</a:t>
+                      </a:r>
+                    </a:p>
+                  </a:txBody>
+                  <a:tcPr/>
+                </a:tc>
+              </a:tr>
+              <a:tr h="360273">
+                <a:tc>
+                  <a:txBody>
+                    <a:bodyPr/>
+                    <a:lstStyle/>
+                    <a:p>
+                      <a:pPr>
+                        <a:defRPr sz="1200" b="1"/>
+                      </a:pPr>
+                      <a:r>
+                        <a:t>Tipo</a:t>
+                      </a:r>
+                    </a:p>
+                  </a:txBody>
+                  <a:tcPr/>
+                </a:tc>
+                <a:tc>
+                  <a:txBody>
+                    <a:bodyPr/>
+                    <a:lstStyle/>
+                    <a:p>
+                      <a:pPr>
+                        <a:defRPr sz="1200"/>
+                      </a:pPr>
+                      <a:r>
+                        <a:t>Televisión</a:t>
+                      </a:r>
+                    </a:p>
+                  </a:txBody>
+                  <a:tcPr/>
+                </a:tc>
+              </a:tr>
+              <a:tr h="360273">
+                <a:tc>
+                  <a:txBody>
+                    <a:bodyPr/>
+                    <a:lstStyle/>
+                    <a:p>
+                      <a:pPr>
+                        <a:defRPr sz="1200" b="1"/>
+                      </a:pPr>
+                      <a:r>
+                        <a:t>Tamaño</a:t>
+                      </a:r>
+                    </a:p>
+                  </a:txBody>
+                  <a:tcPr/>
+                </a:tc>
+                <a:tc>
+                  <a:txBody>
+                    <a:bodyPr/>
+                    <a:lstStyle/>
+                    <a:p>
+                      <a:pPr>
+                        <a:defRPr sz="1200"/>
+                      </a:pPr>
+                      <a:r>
+                        <a:t>486 segundos</a:t>
+                      </a:r>
+                    </a:p>
+                  </a:txBody>
+                  <a:tcPr/>
+                </a:tc>
+              </a:tr>
+              <a:tr h="360273">
+                <a:tc>
+                  <a:txBody>
+                    <a:bodyPr/>
+                    <a:lstStyle/>
+                    <a:p>
+                      <a:pPr>
+                        <a:defRPr sz="1200" b="1"/>
+                      </a:pPr>
+                      <a:r>
+                        <a:t>Valor Publicitario</a:t>
+                      </a:r>
+                    </a:p>
+                  </a:txBody>
+                  <a:tcPr/>
+                </a:tc>
+                <a:tc>
+                  <a:txBody>
+                    <a:bodyPr/>
+                    <a:lstStyle/>
+                    <a:p>
+                      <a:pPr>
+                        <a:defRPr sz="1200"/>
+                      </a:pPr>
+                      <a:r>
+                        <a:t>B/. 7,290.00</a:t>
+                      </a:r>
+                    </a:p>
+                  </a:txBody>
+                  <a:tcPr/>
+                </a:tc>
+              </a:tr>
+              <a:tr h="360273">
+                <a:tc>
+                  <a:txBody>
+                    <a:bodyPr/>
+                    <a:lstStyle/>
+                    <a:p>
+                      <a:pPr>
+                        <a:defRPr sz="1200" b="1"/>
+                      </a:pPr>
+                      <a:r>
+                        <a:t>Valor Informativo</a:t>
+                      </a:r>
+                    </a:p>
+                  </a:txBody>
+                  <a:tcPr/>
+                </a:tc>
+                <a:tc>
+                  <a:txBody>
+                    <a:bodyPr/>
+                    <a:lstStyle/>
+                    <a:p>
+                      <a:pPr>
+                        <a:defRPr sz="1200"/>
+                      </a:pPr>
+                      <a:r>
+                        <a:t>B/. 29,160.00</a:t>
+                      </a:r>
+                    </a:p>
+                  </a:txBody>
+                  <a:tcPr/>
+                </a:tc>
+              </a:tr>
+              <a:tr h="360273">
+                <a:tc>
+                  <a:txBody>
+                    <a:bodyPr/>
+                    <a:lstStyle/>
+                    <a:p>
+                      <a:pPr>
+                        <a:defRPr sz="1200" b="1"/>
+                      </a:pPr>
+                      <a:r>
+                        <a:t>Tier</a:t>
+                      </a:r>
+                    </a:p>
+                  </a:txBody>
+                  <a:tcPr/>
+                </a:tc>
+                <a:tc>
+                  <a:txBody>
+                    <a:bodyPr/>
+                    <a:lstStyle/>
+                    <a:p>
+                      <a:pPr>
+                        <a:defRPr sz="1200"/>
+                      </a:pPr>
+                      <a:r>
+                        <a:t>1</a:t>
+                      </a:r>
+                    </a:p>
+                  </a:txBody>
+                  <a:tcPr/>
+                </a:tc>
+              </a:tr>
+              <a:tr h="360273">
+                <a:tc>
+                  <a:txBody>
+                    <a:bodyPr/>
+                    <a:lstStyle/>
+                    <a:p>
+                      <a:pPr>
+                        <a:defRPr sz="1200" b="1"/>
+                      </a:pPr>
+                      <a:r>
+                        <a:t>Mención de Marca</a:t>
+                      </a:r>
+                    </a:p>
+                  </a:txBody>
+                  <a:tcPr/>
+                </a:tc>
+                <a:tc>
+                  <a:txBody>
+                    <a:bodyPr/>
+                    <a:lstStyle/>
+                    <a:p>
+                      <a:pPr>
+                        <a:defRPr sz="1200"/>
+                      </a:pPr>
+                      <a:r>
+                        <a:t>Si</a:t>
+                      </a:r>
+                    </a:p>
+                  </a:txBody>
+                  <a:tcPr/>
+                </a:tc>
+              </a:tr>
+              <a:tr h="360273">
+                <a:tc>
+                  <a:txBody>
+                    <a:bodyPr/>
+                    <a:lstStyle/>
+                    <a:p>
+                      <a:pPr>
+                        <a:defRPr sz="1200" b="1"/>
+                      </a:pPr>
+                      <a:r>
+                        <a:t>Presencia de vocero</a:t>
+                      </a:r>
+                    </a:p>
+                  </a:txBody>
+                  <a:tcPr/>
+                </a:tc>
+                <a:tc>
+                  <a:txBody>
+                    <a:bodyPr/>
+                    <a:lstStyle/>
+                    <a:p>
+                      <a:pPr>
+                        <a:defRPr sz="1200"/>
+                      </a:pPr>
+                      <a:r>
+                        <a:t>Si</a:t>
+                      </a:r>
+                    </a:p>
+                  </a:txBody>
+                  <a:tcPr/>
+                </a:tc>
+              </a:tr>
+              <a:tr h="360273">
+                <a:tc>
+                  <a:txBody>
+                    <a:bodyPr/>
+                    <a:lstStyle/>
+                    <a:p>
+                      <a:pPr>
+                        <a:defRPr sz="1200" b="1"/>
+                      </a:pPr>
+                      <a:r>
+                        <a:t>Quote de vocero</a:t>
+                      </a:r>
+                    </a:p>
+                  </a:txBody>
+                  <a:tcPr/>
+                </a:tc>
+                <a:tc>
+                  <a:txBody>
+                    <a:bodyPr/>
+                    <a:lstStyle/>
+                    <a:p>
+                      <a:pPr>
+                        <a:defRPr sz="1200"/>
+                      </a:pPr>
+                      <a:r>
+                        <a:t>Si</a:t>
+                      </a:r>
+                    </a:p>
+                  </a:txBody>
+                  <a:tcPr/>
+                </a:tc>
+              </a:tr>
+              <a:tr h="360279">
+                <a:tc>
+                  <a:txBody>
+                    <a:bodyPr/>
+                    <a:lstStyle/>
+                    <a:p>
+                      <a:pPr>
+                        <a:defRPr sz="1200" b="1"/>
+                      </a:pPr>
+                      <a:r>
+                        <a:t>Favorabilidad mediática</a:t>
+                      </a:r>
+                    </a:p>
+                  </a:txBody>
+                  <a:tcPr/>
+                </a:tc>
+                <a:tc>
+                  <a:txBody>
+                    <a:bodyPr/>
+                    <a:lstStyle/>
+                    <a:p>
+                      <a:pPr>
+                        <a:defRPr sz="1200"/>
+                      </a:pPr>
+                      <a:r>
+                        <a:t>Positiva</a:t>
+                      </a:r>
+                    </a:p>
+                  </a:txBody>
+                  <a:tcPr/>
+                </a:tc>
+              </a:tr>
+            </a:tbl>
+          </a:graphicData>
+        </a:graphic>
+      </p:graphicFrame>
+      <p:pic>
+        <p:nvPicPr>
+          <p:cNvPr id="6" name="Picture 5" descr="TV.png"/>
+          <p:cNvPicPr>
+            <a:picLocks noChangeAspect="1"/>
+          </p:cNvPicPr>
+          <p:nvPr/>
+        </p:nvPicPr>
+        <p:blipFill>
+          <a:blip r:embed="rId2"/>
+          <a:stretch>
+            <a:fillRect/>
+          </a:stretch>
+        </p:blipFill>
+        <p:spPr>
+          <a:xfrm>
+            <a:off x="7498079" y="868680"/>
+            <a:ext cx="538581" cy="521207"/>
+          </a:xfrm>
+          <a:prstGeom prst="rect">
+            <a:avLst/>
+          </a:prstGeom>
+        </p:spPr>
+      </p:pic>
+    </p:spTree>
+  </p:cSld>
+  <p:clrMapOvr>
+    <a:masterClrMapping/>
+  </p:clrMapOvr>
+</p:sld>
+</file>
+
+<file path=ppt/slides/slide16.xml><?xml version="1.0" encoding="utf-8"?>
+<p:sld xmlns:a="http://schemas.openxmlformats.org/drawingml/2006/main" xmlns:p="http://schemas.openxmlformats.org/presentationml/2006/main" xmlns:r="http://schemas.openxmlformats.org/officeDocument/2006/relationships">
+  <p:cSld>
+    <p:spTree>
+      <p:nvGrpSpPr>
+        <p:cNvPr id="1" name=""/>
+        <p:cNvGrpSpPr/>
+        <p:nvPr/>
+      </p:nvGrpSpPr>
+      <p:grpSpPr/>
+      <p:sp>
+        <p:nvSpPr>
+          <p:cNvPr id="2" name="Title 1"/>
+          <p:cNvSpPr>
+            <a:spLocks noGrp="1"/>
+          </p:cNvSpPr>
+          <p:nvPr>
+            <p:ph type="title"/>
+          </p:nvPr>
+        </p:nvSpPr>
+        <p:spPr/>
+        <p:txBody>
+          <a:bodyPr/>
+          <a:lstStyle/>
+          <a:p>
+            <a:pPr algn="ctr">
+              <a:defRPr b="1" sz="3500"/>
+            </a:pPr>
+            <a:r>
+              <a:t>Publicaciones - Web</a:t>
+            </a:r>
+          </a:p>
+        </p:txBody>
+      </p:sp>
+      <p:sp>
+        <p:nvSpPr>
+          <p:cNvPr id="3" name="Content Placeholder 2"/>
+          <p:cNvSpPr>
+            <a:spLocks noGrp="1"/>
+          </p:cNvSpPr>
+          <p:nvPr>
+            <p:ph idx="1" sz="half"/>
+          </p:nvPr>
+        </p:nvSpPr>
+        <p:spPr>
+          <a:xfrm>
+            <a:off x="365760" y="1097280"/>
+            <a:ext cx="1828800" cy="274320"/>
+          </a:xfrm>
+        </p:spPr>
+        <p:txBody>
+          <a:bodyPr/>
+          <a:lstStyle/>
+          <a:p>
+            <a:pPr>
+              <a:defRPr b="1" sz="1600"/>
+            </a:pPr>
+            <a:r>
+              <a:t>30 de Noviembre</a:t>
+            </a:r>
+          </a:p>
+        </p:txBody>
+      </p:sp>
+      <p:sp>
+        <p:nvSpPr>
+          <p:cNvPr id="4" name="Content Placeholder 3"/>
+          <p:cNvSpPr>
+            <a:spLocks noGrp="1"/>
+          </p:cNvSpPr>
+          <p:nvPr>
+            <p:ph idx="13" sz="quarter"/>
+          </p:nvPr>
+        </p:nvSpPr>
+        <p:spPr/>
+        <p:txBody>
+          <a:bodyPr/>
+          <a:lstStyle/>
+          <a:p>
+            <a:r>
+              <a:t>https://www.youtube.com/watch?v=RyCKGiePHUQ</a:t>
+            </a:r>
+          </a:p>
+        </p:txBody>
+      </p:sp>
+      <p:graphicFrame>
+        <p:nvGraphicFramePr>
+          <p:cNvPr id="5" name="Table 4"/>
+          <p:cNvGraphicFramePr>
+            <a:graphicFrameLocks noGrp="1"/>
+          </p:cNvGraphicFramePr>
+          <p:nvPr/>
+        </p:nvGraphicFramePr>
+        <p:xfrm>
+          <a:off x="5486400" y="1828800"/>
+          <a:ext cx="3291840" cy="3602736"/>
+        </p:xfrm>
+        <a:graphic>
+          <a:graphicData uri="http://schemas.openxmlformats.org/drawingml/2006/table">
+            <a:tbl>
+              <a:tblPr firstRow="1" bandRow="1">
+                <a:tableStyleId>{5C22544A-7EE6-4342-B048-85BDC9FD1C3A}</a:tableStyleId>
+              </a:tblPr>
+              <a:tblGrid>
+                <a:gridCol w="1645920"/>
+                <a:gridCol w="1645920"/>
+              </a:tblGrid>
+              <a:tr h="360273">
+                <a:tc>
+                  <a:txBody>
+                    <a:bodyPr/>
+                    <a:lstStyle/>
+                    <a:p>
+                      <a:pPr>
+                        <a:defRPr sz="1200" b="1"/>
+                      </a:pPr>
+                      <a:r>
+                        <a:t>Medio</a:t>
+                      </a:r>
+                    </a:p>
+                  </a:txBody>
+                  <a:tcPr/>
+                </a:tc>
+                <a:tc>
+                  <a:txBody>
+                    <a:bodyPr/>
+                    <a:lstStyle/>
+                    <a:p>
+                      <a:pPr>
+                        <a:defRPr sz="1200" b="1"/>
+                      </a:pPr>
+                      <a:r>
+                        <a:t>NEXTV</a:t>
+                      </a:r>
+                    </a:p>
+                  </a:txBody>
+                  <a:tcPr/>
+                </a:tc>
+              </a:tr>
+              <a:tr h="360273">
+                <a:tc>
+                  <a:txBody>
+                    <a:bodyPr/>
+                    <a:lstStyle/>
+                    <a:p>
+                      <a:pPr>
+                        <a:defRPr sz="1200" b="1"/>
+                      </a:pPr>
+                      <a:r>
+                        <a:t>Tipo</a:t>
+                      </a:r>
+                    </a:p>
+                  </a:txBody>
+                  <a:tcPr/>
+                </a:tc>
+                <a:tc>
+                  <a:txBody>
+                    <a:bodyPr/>
+                    <a:lstStyle/>
+                    <a:p>
+                      <a:pPr>
+                        <a:defRPr sz="1200"/>
+                      </a:pPr>
+                      <a:r>
+                        <a:t>Web</a:t>
+                      </a:r>
+                    </a:p>
+                  </a:txBody>
+                  <a:tcPr/>
+                </a:tc>
+              </a:tr>
+              <a:tr h="360273">
+                <a:tc>
+                  <a:txBody>
+                    <a:bodyPr/>
+                    <a:lstStyle/>
+                    <a:p>
+                      <a:pPr>
+                        <a:defRPr sz="1200" b="1"/>
+                      </a:pPr>
+                      <a:r>
+                        <a:t>Tamaño</a:t>
+                      </a:r>
+                    </a:p>
+                  </a:txBody>
+                  <a:tcPr/>
+                </a:tc>
+                <a:tc>
+                  <a:txBody>
+                    <a:bodyPr/>
+                    <a:lstStyle/>
+                    <a:p>
+                      <a:pPr>
+                        <a:defRPr sz="1200"/>
+                      </a:pPr>
+                      <a:r>
+                        <a:t>1 página</a:t>
+                      </a:r>
+                    </a:p>
+                  </a:txBody>
+                  <a:tcPr/>
+                </a:tc>
+              </a:tr>
+              <a:tr h="360273">
+                <a:tc>
+                  <a:txBody>
+                    <a:bodyPr/>
+                    <a:lstStyle/>
+                    <a:p>
+                      <a:pPr>
+                        <a:defRPr sz="1200" b="1"/>
+                      </a:pPr>
+                      <a:r>
+                        <a:t>Valor Publicitario</a:t>
+                      </a:r>
+                    </a:p>
+                  </a:txBody>
+                  <a:tcPr/>
+                </a:tc>
+                <a:tc>
+                  <a:txBody>
+                    <a:bodyPr/>
+                    <a:lstStyle/>
+                    <a:p>
+                      <a:pPr>
+                        <a:defRPr sz="1200"/>
+                      </a:pPr>
+                      <a:r>
+                        <a:t>B/. 2,430.00</a:t>
+                      </a:r>
+                    </a:p>
+                  </a:txBody>
+                  <a:tcPr/>
+                </a:tc>
+              </a:tr>
+              <a:tr h="360273">
+                <a:tc>
+                  <a:txBody>
+                    <a:bodyPr/>
+                    <a:lstStyle/>
+                    <a:p>
+                      <a:pPr>
+                        <a:defRPr sz="1200" b="1"/>
+                      </a:pPr>
+                      <a:r>
+                        <a:t>Valor Informativo</a:t>
+                      </a:r>
+                    </a:p>
+                  </a:txBody>
+                  <a:tcPr/>
+                </a:tc>
+                <a:tc>
+                  <a:txBody>
+                    <a:bodyPr/>
+                    <a:lstStyle/>
+                    <a:p>
+                      <a:pPr>
+                        <a:defRPr sz="1200"/>
+                      </a:pPr>
+                      <a:r>
+                        <a:t>B/. 9,720.00</a:t>
+                      </a:r>
+                    </a:p>
+                  </a:txBody>
+                  <a:tcPr/>
+                </a:tc>
+              </a:tr>
+              <a:tr h="360273">
+                <a:tc>
+                  <a:txBody>
+                    <a:bodyPr/>
+                    <a:lstStyle/>
+                    <a:p>
+                      <a:pPr>
+                        <a:defRPr sz="1200" b="1"/>
+                      </a:pPr>
+                      <a:r>
+                        <a:t>Tier</a:t>
+                      </a:r>
+                    </a:p>
+                  </a:txBody>
+                  <a:tcPr/>
+                </a:tc>
+                <a:tc>
+                  <a:txBody>
+                    <a:bodyPr/>
+                    <a:lstStyle/>
+                    <a:p>
+                      <a:pPr>
+                        <a:defRPr sz="1200"/>
+                      </a:pPr>
+                      <a:r>
+                        <a:t>1</a:t>
+                      </a:r>
+                    </a:p>
+                  </a:txBody>
+                  <a:tcPr/>
+                </a:tc>
+              </a:tr>
+              <a:tr h="360273">
+                <a:tc>
+                  <a:txBody>
+                    <a:bodyPr/>
+                    <a:lstStyle/>
+                    <a:p>
+                      <a:pPr>
+                        <a:defRPr sz="1200" b="1"/>
+                      </a:pPr>
+                      <a:r>
+                        <a:t>Mención de Marca</a:t>
+                      </a:r>
+                    </a:p>
+                  </a:txBody>
+                  <a:tcPr/>
+                </a:tc>
+                <a:tc>
+                  <a:txBody>
+                    <a:bodyPr/>
+                    <a:lstStyle/>
+                    <a:p>
+                      <a:pPr>
+                        <a:defRPr sz="1200"/>
+                      </a:pPr>
+                      <a:r>
+                        <a:t>Si</a:t>
+                      </a:r>
+                    </a:p>
+                  </a:txBody>
+                  <a:tcPr/>
+                </a:tc>
+              </a:tr>
+              <a:tr h="360273">
+                <a:tc>
+                  <a:txBody>
+                    <a:bodyPr/>
+                    <a:lstStyle/>
+                    <a:p>
+                      <a:pPr>
+                        <a:defRPr sz="1200" b="1"/>
+                      </a:pPr>
+                      <a:r>
+                        <a:t>Presencia de vocero</a:t>
+                      </a:r>
+                    </a:p>
+                  </a:txBody>
+                  <a:tcPr/>
+                </a:tc>
+                <a:tc>
+                  <a:txBody>
+                    <a:bodyPr/>
+                    <a:lstStyle/>
+                    <a:p>
+                      <a:pPr>
+                        <a:defRPr sz="1200"/>
+                      </a:pPr>
+                      <a:r>
+                        <a:t>Si</a:t>
+                      </a:r>
+                    </a:p>
+                  </a:txBody>
+                  <a:tcPr/>
+                </a:tc>
+              </a:tr>
+              <a:tr h="360273">
+                <a:tc>
+                  <a:txBody>
+                    <a:bodyPr/>
+                    <a:lstStyle/>
+                    <a:p>
+                      <a:pPr>
+                        <a:defRPr sz="1200" b="1"/>
+                      </a:pPr>
+                      <a:r>
+                        <a:t>Quote de vocero</a:t>
+                      </a:r>
+                    </a:p>
+                  </a:txBody>
+                  <a:tcPr/>
+                </a:tc>
+                <a:tc>
+                  <a:txBody>
+                    <a:bodyPr/>
+                    <a:lstStyle/>
+                    <a:p>
+                      <a:pPr>
+                        <a:defRPr sz="1200"/>
+                      </a:pPr>
+                      <a:r>
+                        <a:t>Si</a:t>
+                      </a:r>
+                    </a:p>
+                  </a:txBody>
+                  <a:tcPr/>
+                </a:tc>
+              </a:tr>
+              <a:tr h="360279">
+                <a:tc>
+                  <a:txBody>
+                    <a:bodyPr/>
+                    <a:lstStyle/>
+                    <a:p>
+                      <a:pPr>
+                        <a:defRPr sz="1200" b="1"/>
+                      </a:pPr>
+                      <a:r>
+                        <a:t>Favorabilidad mediática</a:t>
+                      </a:r>
+                    </a:p>
+                  </a:txBody>
+                  <a:tcPr/>
+                </a:tc>
+                <a:tc>
+                  <a:txBody>
+                    <a:bodyPr/>
+                    <a:lstStyle/>
+                    <a:p>
+                      <a:pPr>
+                        <a:defRPr sz="1200"/>
+                      </a:pPr>
+                      <a:r>
+                        <a:t>Positiva</a:t>
+                      </a:r>
+                    </a:p>
+                  </a:txBody>
+                  <a:tcPr/>
+                </a:tc>
+              </a:tr>
+            </a:tbl>
+          </a:graphicData>
+        </a:graphic>
+      </p:graphicFrame>
+      <p:pic>
+        <p:nvPicPr>
+          <p:cNvPr id="6" name="Picture 5" descr="Web.png"/>
+          <p:cNvPicPr>
+            <a:picLocks noChangeAspect="1"/>
+          </p:cNvPicPr>
+          <p:nvPr/>
+        </p:nvPicPr>
+        <p:blipFill>
+          <a:blip r:embed="rId2"/>
+          <a:stretch>
+            <a:fillRect/>
+          </a:stretch>
+        </p:blipFill>
+        <p:spPr>
+          <a:xfrm>
+            <a:off x="7498079" y="868680"/>
+            <a:ext cx="533053" cy="521207"/>
+          </a:xfrm>
+          <a:prstGeom prst="rect">
+            <a:avLst/>
+          </a:prstGeom>
+        </p:spPr>
+      </p:pic>
+      <p:pic>
+        <p:nvPicPr>
+          <p:cNvPr id="7" name="Picture 6" descr="PANAMA PACIFICO 21.jpg"/>
+          <p:cNvPicPr>
+            <a:picLocks noChangeAspect="1"/>
+          </p:cNvPicPr>
+          <p:nvPr/>
+        </p:nvPicPr>
+        <p:blipFill>
+          <a:blip r:embed="rId3"/>
+          <a:stretch>
+            <a:fillRect/>
+          </a:stretch>
+        </p:blipFill>
+        <p:spPr>
+          <a:xfrm>
+            <a:off x="228600" y="2103120"/>
+            <a:ext cx="3840480" cy="3840480"/>
+          </a:xfrm>
+          <a:prstGeom prst="rect">
+            <a:avLst/>
+          </a:prstGeom>
+        </p:spPr>
+      </p:pic>
+    </p:spTree>
+  </p:cSld>
+  <p:clrMapOvr>
+    <a:masterClrMapping/>
+  </p:clrMapOvr>
+</p:sld>
+</file>
+
+<file path=ppt/slides/slide17.xml><?xml version="1.0" encoding="utf-8"?>
+<p:sld xmlns:a="http://schemas.openxmlformats.org/drawingml/2006/main" xmlns:p="http://schemas.openxmlformats.org/presentationml/2006/main" xmlns:r="http://schemas.openxmlformats.org/officeDocument/2006/relationships">
+  <p:cSld>
+    <p:spTree>
+      <p:nvGrpSpPr>
+        <p:cNvPr id="1" name=""/>
+        <p:cNvGrpSpPr/>
+        <p:nvPr/>
+      </p:nvGrpSpPr>
+      <p:grpSpPr/>
+      <p:sp>
+        <p:nvSpPr>
+          <p:cNvPr id="2" name="Title 1"/>
+          <p:cNvSpPr>
+            <a:spLocks noGrp="1"/>
+          </p:cNvSpPr>
+          <p:nvPr>
+            <p:ph type="title"/>
+          </p:nvPr>
+        </p:nvSpPr>
+        <p:spPr/>
+        <p:txBody>
+          <a:bodyPr/>
+          <a:lstStyle/>
+          <a:p>
+            <a:pPr algn="ctr">
+              <a:defRPr b="1" sz="3500"/>
+            </a:pPr>
+            <a:r>
+              <a:t>Publicaciones - Web</a:t>
+            </a:r>
+          </a:p>
+        </p:txBody>
+      </p:sp>
+      <p:sp>
+        <p:nvSpPr>
+          <p:cNvPr id="3" name="Content Placeholder 2"/>
+          <p:cNvSpPr>
+            <a:spLocks noGrp="1"/>
+          </p:cNvSpPr>
+          <p:nvPr>
+            <p:ph idx="1" sz="half"/>
+          </p:nvPr>
+        </p:nvSpPr>
+        <p:spPr>
+          <a:xfrm>
+            <a:off x="365760" y="1097280"/>
+            <a:ext cx="1828800" cy="274320"/>
+          </a:xfrm>
+        </p:spPr>
+        <p:txBody>
+          <a:bodyPr/>
+          <a:lstStyle/>
+          <a:p>
+            <a:pPr>
+              <a:defRPr b="1" sz="1600"/>
+            </a:pPr>
+            <a:r>
+              <a:t>30 de Noviembre</a:t>
+            </a:r>
+          </a:p>
+        </p:txBody>
+      </p:sp>
+      <p:sp>
+        <p:nvSpPr>
+          <p:cNvPr id="4" name="Content Placeholder 3"/>
+          <p:cNvSpPr>
+            <a:spLocks noGrp="1"/>
+          </p:cNvSpPr>
+          <p:nvPr>
+            <p:ph idx="13" sz="quarter"/>
+          </p:nvPr>
+        </p:nvSpPr>
+        <p:spPr/>
+        <p:txBody>
+          <a:bodyPr/>
+          <a:lstStyle/>
+          <a:p>
+            <a:r>
+              <a:t>https://pa.domiplay.net/video/entrevista-a-magaly-regalado-gerente-30-11-20-nex-rychuq</a:t>
+            </a:r>
+          </a:p>
+        </p:txBody>
+      </p:sp>
+      <p:graphicFrame>
+        <p:nvGraphicFramePr>
+          <p:cNvPr id="5" name="Table 4"/>
+          <p:cNvGraphicFramePr>
+            <a:graphicFrameLocks noGrp="1"/>
+          </p:cNvGraphicFramePr>
+          <p:nvPr/>
+        </p:nvGraphicFramePr>
+        <p:xfrm>
+          <a:off x="5486400" y="1828800"/>
+          <a:ext cx="3291840" cy="3602736"/>
+        </p:xfrm>
+        <a:graphic>
+          <a:graphicData uri="http://schemas.openxmlformats.org/drawingml/2006/table">
+            <a:tbl>
+              <a:tblPr firstRow="1" bandRow="1">
+                <a:tableStyleId>{5C22544A-7EE6-4342-B048-85BDC9FD1C3A}</a:tableStyleId>
+              </a:tblPr>
+              <a:tblGrid>
+                <a:gridCol w="1645920"/>
+                <a:gridCol w="1645920"/>
+              </a:tblGrid>
+              <a:tr h="360273">
+                <a:tc>
+                  <a:txBody>
+                    <a:bodyPr/>
+                    <a:lstStyle/>
+                    <a:p>
+                      <a:pPr>
+                        <a:defRPr sz="1200" b="1"/>
+                      </a:pPr>
+                      <a:r>
+                        <a:t>Medio</a:t>
+                      </a:r>
+                    </a:p>
+                  </a:txBody>
+                  <a:tcPr/>
+                </a:tc>
+                <a:tc>
+                  <a:txBody>
+                    <a:bodyPr/>
+                    <a:lstStyle/>
+                    <a:p>
+                      <a:pPr>
+                        <a:defRPr sz="1200" b="1"/>
+                      </a:pPr>
+                      <a:r>
+                        <a:t>NEXTV</a:t>
+                      </a:r>
+                    </a:p>
+                  </a:txBody>
+                  <a:tcPr/>
+                </a:tc>
+              </a:tr>
+              <a:tr h="360273">
+                <a:tc>
+                  <a:txBody>
+                    <a:bodyPr/>
+                    <a:lstStyle/>
+                    <a:p>
+                      <a:pPr>
+                        <a:defRPr sz="1200" b="1"/>
+                      </a:pPr>
+                      <a:r>
+                        <a:t>Tipo</a:t>
+                      </a:r>
+                    </a:p>
+                  </a:txBody>
+                  <a:tcPr/>
+                </a:tc>
+                <a:tc>
+                  <a:txBody>
+                    <a:bodyPr/>
+                    <a:lstStyle/>
+                    <a:p>
+                      <a:pPr>
+                        <a:defRPr sz="1200"/>
+                      </a:pPr>
+                      <a:r>
+                        <a:t>Web</a:t>
+                      </a:r>
+                    </a:p>
+                  </a:txBody>
+                  <a:tcPr/>
+                </a:tc>
+              </a:tr>
+              <a:tr h="360273">
+                <a:tc>
+                  <a:txBody>
+                    <a:bodyPr/>
+                    <a:lstStyle/>
+                    <a:p>
+                      <a:pPr>
+                        <a:defRPr sz="1200" b="1"/>
+                      </a:pPr>
+                      <a:r>
+                        <a:t>Tamaño</a:t>
+                      </a:r>
+                    </a:p>
+                  </a:txBody>
+                  <a:tcPr/>
+                </a:tc>
+                <a:tc>
+                  <a:txBody>
+                    <a:bodyPr/>
+                    <a:lstStyle/>
+                    <a:p>
+                      <a:pPr>
+                        <a:defRPr sz="1200"/>
+                      </a:pPr>
+                      <a:r>
+                        <a:t>1 página</a:t>
+                      </a:r>
+                    </a:p>
+                  </a:txBody>
+                  <a:tcPr/>
+                </a:tc>
+              </a:tr>
+              <a:tr h="360273">
+                <a:tc>
+                  <a:txBody>
+                    <a:bodyPr/>
+                    <a:lstStyle/>
+                    <a:p>
+                      <a:pPr>
+                        <a:defRPr sz="1200" b="1"/>
+                      </a:pPr>
+                      <a:r>
+                        <a:t>Valor Publicitario</a:t>
+                      </a:r>
+                    </a:p>
+                  </a:txBody>
+                  <a:tcPr/>
+                </a:tc>
+                <a:tc>
+                  <a:txBody>
+                    <a:bodyPr/>
+                    <a:lstStyle/>
+                    <a:p>
+                      <a:pPr>
+                        <a:defRPr sz="1200"/>
+                      </a:pPr>
+                      <a:r>
+                        <a:t>B/. 2,430.00</a:t>
+                      </a:r>
+                    </a:p>
+                  </a:txBody>
+                  <a:tcPr/>
+                </a:tc>
+              </a:tr>
+              <a:tr h="360273">
+                <a:tc>
+                  <a:txBody>
+                    <a:bodyPr/>
+                    <a:lstStyle/>
+                    <a:p>
+                      <a:pPr>
+                        <a:defRPr sz="1200" b="1"/>
+                      </a:pPr>
+                      <a:r>
+                        <a:t>Valor Informativo</a:t>
+                      </a:r>
+                    </a:p>
+                  </a:txBody>
+                  <a:tcPr/>
+                </a:tc>
+                <a:tc>
+                  <a:txBody>
+                    <a:bodyPr/>
+                    <a:lstStyle/>
+                    <a:p>
+                      <a:pPr>
+                        <a:defRPr sz="1200"/>
+                      </a:pPr>
+                      <a:r>
+                        <a:t>B/. 9,720.00</a:t>
+                      </a:r>
+                    </a:p>
+                  </a:txBody>
+                  <a:tcPr/>
+                </a:tc>
+              </a:tr>
+              <a:tr h="360273">
+                <a:tc>
+                  <a:txBody>
+                    <a:bodyPr/>
+                    <a:lstStyle/>
+                    <a:p>
+                      <a:pPr>
+                        <a:defRPr sz="1200" b="1"/>
+                      </a:pPr>
+                      <a:r>
+                        <a:t>Tier</a:t>
+                      </a:r>
+                    </a:p>
+                  </a:txBody>
+                  <a:tcPr/>
+                </a:tc>
+                <a:tc>
+                  <a:txBody>
+                    <a:bodyPr/>
+                    <a:lstStyle/>
+                    <a:p>
+                      <a:pPr>
+                        <a:defRPr sz="1200"/>
+                      </a:pPr>
+                      <a:r>
+                        <a:t>1</a:t>
+                      </a:r>
+                    </a:p>
+                  </a:txBody>
+                  <a:tcPr/>
+                </a:tc>
+              </a:tr>
+              <a:tr h="360273">
+                <a:tc>
+                  <a:txBody>
+                    <a:bodyPr/>
+                    <a:lstStyle/>
+                    <a:p>
+                      <a:pPr>
+                        <a:defRPr sz="1200" b="1"/>
+                      </a:pPr>
+                      <a:r>
+                        <a:t>Mención de Marca</a:t>
+                      </a:r>
+                    </a:p>
+                  </a:txBody>
+                  <a:tcPr/>
+                </a:tc>
+                <a:tc>
+                  <a:txBody>
+                    <a:bodyPr/>
+                    <a:lstStyle/>
+                    <a:p>
+                      <a:pPr>
+                        <a:defRPr sz="1200"/>
+                      </a:pPr>
+                      <a:r>
+                        <a:t>Si</a:t>
+                      </a:r>
+                    </a:p>
+                  </a:txBody>
+                  <a:tcPr/>
+                </a:tc>
+              </a:tr>
+              <a:tr h="360273">
+                <a:tc>
+                  <a:txBody>
+                    <a:bodyPr/>
+                    <a:lstStyle/>
+                    <a:p>
+                      <a:pPr>
+                        <a:defRPr sz="1200" b="1"/>
+                      </a:pPr>
+                      <a:r>
+                        <a:t>Presencia de vocero</a:t>
+                      </a:r>
+                    </a:p>
+                  </a:txBody>
+                  <a:tcPr/>
+                </a:tc>
+                <a:tc>
+                  <a:txBody>
+                    <a:bodyPr/>
+                    <a:lstStyle/>
+                    <a:p>
+                      <a:pPr>
+                        <a:defRPr sz="1200"/>
+                      </a:pPr>
+                      <a:r>
+                        <a:t>Si</a:t>
+                      </a:r>
+                    </a:p>
+                  </a:txBody>
+                  <a:tcPr/>
+                </a:tc>
+              </a:tr>
+              <a:tr h="360273">
+                <a:tc>
+                  <a:txBody>
+                    <a:bodyPr/>
+                    <a:lstStyle/>
+                    <a:p>
+                      <a:pPr>
+                        <a:defRPr sz="1200" b="1"/>
+                      </a:pPr>
+                      <a:r>
+                        <a:t>Quote de vocero</a:t>
+                      </a:r>
+                    </a:p>
+                  </a:txBody>
+                  <a:tcPr/>
+                </a:tc>
+                <a:tc>
+                  <a:txBody>
+                    <a:bodyPr/>
+                    <a:lstStyle/>
+                    <a:p>
+                      <a:pPr>
+                        <a:defRPr sz="1200"/>
+                      </a:pPr>
+                      <a:r>
+                        <a:t>Si</a:t>
+                      </a:r>
+                    </a:p>
+                  </a:txBody>
+                  <a:tcPr/>
+                </a:tc>
+              </a:tr>
+              <a:tr h="360279">
+                <a:tc>
+                  <a:txBody>
+                    <a:bodyPr/>
+                    <a:lstStyle/>
+                    <a:p>
+                      <a:pPr>
+                        <a:defRPr sz="1200" b="1"/>
+                      </a:pPr>
+                      <a:r>
+                        <a:t>Favorabilidad mediática</a:t>
+                      </a:r>
+                    </a:p>
+                  </a:txBody>
+                  <a:tcPr/>
+                </a:tc>
+                <a:tc>
+                  <a:txBody>
+                    <a:bodyPr/>
+                    <a:lstStyle/>
+                    <a:p>
+                      <a:pPr>
+                        <a:defRPr sz="1200"/>
+                      </a:pPr>
+                      <a:r>
+                        <a:t>Positiva</a:t>
+                      </a:r>
+                    </a:p>
+                  </a:txBody>
+                  <a:tcPr/>
+                </a:tc>
+              </a:tr>
+            </a:tbl>
+          </a:graphicData>
+        </a:graphic>
+      </p:graphicFrame>
+      <p:pic>
+        <p:nvPicPr>
+          <p:cNvPr id="6" name="Picture 5" descr="Web.png"/>
+          <p:cNvPicPr>
+            <a:picLocks noChangeAspect="1"/>
+          </p:cNvPicPr>
+          <p:nvPr/>
+        </p:nvPicPr>
+        <p:blipFill>
+          <a:blip r:embed="rId2"/>
+          <a:stretch>
+            <a:fillRect/>
+          </a:stretch>
+        </p:blipFill>
+        <p:spPr>
+          <a:xfrm>
+            <a:off x="7498079" y="868680"/>
+            <a:ext cx="533053" cy="521207"/>
+          </a:xfrm>
+          <a:prstGeom prst="rect">
+            <a:avLst/>
+          </a:prstGeom>
+        </p:spPr>
+      </p:pic>
+      <p:pic>
+        <p:nvPicPr>
+          <p:cNvPr id="7" name="Picture 6" descr="PANAMA PACIFICO 22.jpg"/>
+          <p:cNvPicPr>
+            <a:picLocks noChangeAspect="1"/>
+          </p:cNvPicPr>
+          <p:nvPr/>
+        </p:nvPicPr>
+        <p:blipFill>
+          <a:blip r:embed="rId3"/>
+          <a:stretch>
+            <a:fillRect/>
+          </a:stretch>
+        </p:blipFill>
+        <p:spPr>
+          <a:xfrm>
+            <a:off x="228600" y="2103120"/>
+            <a:ext cx="3840480" cy="3840480"/>
+          </a:xfrm>
+          <a:prstGeom prst="rect">
+            <a:avLst/>
+          </a:prstGeom>
+        </p:spPr>
+      </p:pic>
+    </p:spTree>
+  </p:cSld>
+  <p:clrMapOvr>
+    <a:masterClrMapping/>
+  </p:clrMapOvr>
+</p:sld>
+</file>
+
+<file path=ppt/slides/slide18.xml><?xml version="1.0" encoding="utf-8"?>
+<p:sld xmlns:a="http://schemas.openxmlformats.org/drawingml/2006/main" xmlns:p="http://schemas.openxmlformats.org/presentationml/2006/main" xmlns:r="http://schemas.openxmlformats.org/officeDocument/2006/relationships">
+  <p:cSld>
+    <p:spTree>
+      <p:nvGrpSpPr>
+        <p:cNvPr id="1" name=""/>
+        <p:cNvGrpSpPr/>
+        <p:nvPr/>
+      </p:nvGrpSpPr>
+      <p:grpSpPr/>
+      <p:sp>
+        <p:nvSpPr>
+          <p:cNvPr id="2" name="Title 1"/>
+          <p:cNvSpPr>
+            <a:spLocks noGrp="1"/>
+          </p:cNvSpPr>
+          <p:nvPr>
+            <p:ph type="title"/>
+          </p:nvPr>
+        </p:nvSpPr>
+        <p:spPr/>
+        <p:txBody>
+          <a:bodyPr/>
+          <a:lstStyle/>
+          <a:p>
+            <a:pPr algn="ctr">
+              <a:defRPr b="1" sz="3500"/>
+            </a:pPr>
+            <a:r>
+              <a:t>Publicaciones - Web</a:t>
+            </a:r>
+          </a:p>
+        </p:txBody>
+      </p:sp>
+      <p:sp>
+        <p:nvSpPr>
+          <p:cNvPr id="3" name="Content Placeholder 2"/>
+          <p:cNvSpPr>
+            <a:spLocks noGrp="1"/>
+          </p:cNvSpPr>
+          <p:nvPr>
+            <p:ph idx="1" sz="half"/>
+          </p:nvPr>
+        </p:nvSpPr>
+        <p:spPr>
+          <a:xfrm>
+            <a:off x="365760" y="1097280"/>
+            <a:ext cx="1828800" cy="274320"/>
+          </a:xfrm>
+        </p:spPr>
+        <p:txBody>
+          <a:bodyPr/>
+          <a:lstStyle/>
+          <a:p>
+            <a:pPr>
+              <a:defRPr b="1" sz="1600"/>
+            </a:pPr>
+            <a:r>
+              <a:t>30 de Noviembre</a:t>
+            </a:r>
+          </a:p>
+        </p:txBody>
+      </p:sp>
+      <p:sp>
+        <p:nvSpPr>
+          <p:cNvPr id="4" name="Content Placeholder 3"/>
+          <p:cNvSpPr>
+            <a:spLocks noGrp="1"/>
+          </p:cNvSpPr>
+          <p:nvPr>
+            <p:ph idx="13" sz="quarter"/>
+          </p:nvPr>
+        </p:nvSpPr>
+        <p:spPr/>
+        <p:txBody>
+          <a:bodyPr/>
+          <a:lstStyle/>
+          <a:p>
+            <a:r>
+              <a:t>https://www.dailymotion.com/video/x7xteb7</a:t>
+            </a:r>
+          </a:p>
+        </p:txBody>
+      </p:sp>
+      <p:graphicFrame>
+        <p:nvGraphicFramePr>
+          <p:cNvPr id="5" name="Table 4"/>
+          <p:cNvGraphicFramePr>
+            <a:graphicFrameLocks noGrp="1"/>
+          </p:cNvGraphicFramePr>
+          <p:nvPr/>
+        </p:nvGraphicFramePr>
+        <p:xfrm>
+          <a:off x="5486400" y="1828800"/>
+          <a:ext cx="3291840" cy="3602736"/>
+        </p:xfrm>
+        <a:graphic>
+          <a:graphicData uri="http://schemas.openxmlformats.org/drawingml/2006/table">
+            <a:tbl>
+              <a:tblPr firstRow="1" bandRow="1">
+                <a:tableStyleId>{5C22544A-7EE6-4342-B048-85BDC9FD1C3A}</a:tableStyleId>
+              </a:tblPr>
+              <a:tblGrid>
+                <a:gridCol w="1645920"/>
+                <a:gridCol w="1645920"/>
+              </a:tblGrid>
+              <a:tr h="360273">
+                <a:tc>
+                  <a:txBody>
+                    <a:bodyPr/>
+                    <a:lstStyle/>
+                    <a:p>
+                      <a:pPr>
+                        <a:defRPr sz="1200" b="1"/>
+                      </a:pPr>
+                      <a:r>
+                        <a:t>Medio</a:t>
+                      </a:r>
+                    </a:p>
+                  </a:txBody>
+                  <a:tcPr/>
+                </a:tc>
+                <a:tc>
+                  <a:txBody>
+                    <a:bodyPr/>
+                    <a:lstStyle/>
+                    <a:p>
+                      <a:pPr>
+                        <a:defRPr sz="1200" b="1"/>
+                      </a:pPr>
+                      <a:r>
+                        <a:t>NEXTV</a:t>
+                      </a:r>
+                    </a:p>
+                  </a:txBody>
+                  <a:tcPr/>
+                </a:tc>
+              </a:tr>
+              <a:tr h="360273">
+                <a:tc>
+                  <a:txBody>
+                    <a:bodyPr/>
+                    <a:lstStyle/>
+                    <a:p>
+                      <a:pPr>
+                        <a:defRPr sz="1200" b="1"/>
+                      </a:pPr>
+                      <a:r>
+                        <a:t>Tipo</a:t>
+                      </a:r>
+                    </a:p>
+                  </a:txBody>
+                  <a:tcPr/>
+                </a:tc>
+                <a:tc>
+                  <a:txBody>
+                    <a:bodyPr/>
+                    <a:lstStyle/>
+                    <a:p>
+                      <a:pPr>
+                        <a:defRPr sz="1200"/>
+                      </a:pPr>
+                      <a:r>
+                        <a:t>Web</a:t>
+                      </a:r>
+                    </a:p>
+                  </a:txBody>
+                  <a:tcPr/>
+                </a:tc>
+              </a:tr>
+              <a:tr h="360273">
+                <a:tc>
+                  <a:txBody>
+                    <a:bodyPr/>
+                    <a:lstStyle/>
+                    <a:p>
+                      <a:pPr>
+                        <a:defRPr sz="1200" b="1"/>
+                      </a:pPr>
+                      <a:r>
+                        <a:t>Tamaño</a:t>
+                      </a:r>
+                    </a:p>
+                  </a:txBody>
+                  <a:tcPr/>
+                </a:tc>
+                <a:tc>
+                  <a:txBody>
+                    <a:bodyPr/>
+                    <a:lstStyle/>
+                    <a:p>
+                      <a:pPr>
+                        <a:defRPr sz="1200"/>
+                      </a:pPr>
+                      <a:r>
+                        <a:t>1 página</a:t>
+                      </a:r>
+                    </a:p>
+                  </a:txBody>
+                  <a:tcPr/>
+                </a:tc>
+              </a:tr>
+              <a:tr h="360273">
+                <a:tc>
+                  <a:txBody>
+                    <a:bodyPr/>
+                    <a:lstStyle/>
+                    <a:p>
+                      <a:pPr>
+                        <a:defRPr sz="1200" b="1"/>
+                      </a:pPr>
+                      <a:r>
+                        <a:t>Valor Publicitario</a:t>
+                      </a:r>
+                    </a:p>
+                  </a:txBody>
+                  <a:tcPr/>
+                </a:tc>
+                <a:tc>
+                  <a:txBody>
+                    <a:bodyPr/>
+                    <a:lstStyle/>
+                    <a:p>
+                      <a:pPr>
+                        <a:defRPr sz="1200"/>
+                      </a:pPr>
+                      <a:r>
+                        <a:t>B/. 2,430.00</a:t>
+                      </a:r>
+                    </a:p>
+                  </a:txBody>
+                  <a:tcPr/>
+                </a:tc>
+              </a:tr>
+              <a:tr h="360273">
+                <a:tc>
+                  <a:txBody>
+                    <a:bodyPr/>
+                    <a:lstStyle/>
+                    <a:p>
+                      <a:pPr>
+                        <a:defRPr sz="1200" b="1"/>
+                      </a:pPr>
+                      <a:r>
+                        <a:t>Valor Informativo</a:t>
+                      </a:r>
+                    </a:p>
+                  </a:txBody>
+                  <a:tcPr/>
+                </a:tc>
+                <a:tc>
+                  <a:txBody>
+                    <a:bodyPr/>
+                    <a:lstStyle/>
+                    <a:p>
+                      <a:pPr>
+                        <a:defRPr sz="1200"/>
+                      </a:pPr>
+                      <a:r>
+                        <a:t>B/. 9,720.00</a:t>
+                      </a:r>
+                    </a:p>
+                  </a:txBody>
+                  <a:tcPr/>
+                </a:tc>
+              </a:tr>
+              <a:tr h="360273">
+                <a:tc>
+                  <a:txBody>
+                    <a:bodyPr/>
+                    <a:lstStyle/>
+                    <a:p>
+                      <a:pPr>
+                        <a:defRPr sz="1200" b="1"/>
+                      </a:pPr>
+                      <a:r>
+                        <a:t>Tier</a:t>
+                      </a:r>
+                    </a:p>
+                  </a:txBody>
+                  <a:tcPr/>
+                </a:tc>
+                <a:tc>
+                  <a:txBody>
+                    <a:bodyPr/>
+                    <a:lstStyle/>
+                    <a:p>
+                      <a:pPr>
+                        <a:defRPr sz="1200"/>
+                      </a:pPr>
+                      <a:r>
+                        <a:t>1</a:t>
+                      </a:r>
+                    </a:p>
+                  </a:txBody>
+                  <a:tcPr/>
+                </a:tc>
+              </a:tr>
+              <a:tr h="360273">
+                <a:tc>
+                  <a:txBody>
+                    <a:bodyPr/>
+                    <a:lstStyle/>
+                    <a:p>
+                      <a:pPr>
+                        <a:defRPr sz="1200" b="1"/>
+                      </a:pPr>
+                      <a:r>
+                        <a:t>Mención de Marca</a:t>
+                      </a:r>
+                    </a:p>
+                  </a:txBody>
+                  <a:tcPr/>
+                </a:tc>
+                <a:tc>
+                  <a:txBody>
+                    <a:bodyPr/>
+                    <a:lstStyle/>
+                    <a:p>
+                      <a:pPr>
+                        <a:defRPr sz="1200"/>
+                      </a:pPr>
+                      <a:r>
+                        <a:t>Si</a:t>
+                      </a:r>
+                    </a:p>
+                  </a:txBody>
+                  <a:tcPr/>
+                </a:tc>
+              </a:tr>
+              <a:tr h="360273">
+                <a:tc>
+                  <a:txBody>
+                    <a:bodyPr/>
+                    <a:lstStyle/>
+                    <a:p>
+                      <a:pPr>
+                        <a:defRPr sz="1200" b="1"/>
+                      </a:pPr>
+                      <a:r>
+                        <a:t>Presencia de vocero</a:t>
+                      </a:r>
+                    </a:p>
+                  </a:txBody>
+                  <a:tcPr/>
+                </a:tc>
+                <a:tc>
+                  <a:txBody>
+                    <a:bodyPr/>
+                    <a:lstStyle/>
+                    <a:p>
+                      <a:pPr>
+                        <a:defRPr sz="1200"/>
+                      </a:pPr>
+                      <a:r>
+                        <a:t>Si</a:t>
+                      </a:r>
+                    </a:p>
+                  </a:txBody>
+                  <a:tcPr/>
+                </a:tc>
+              </a:tr>
+              <a:tr h="360273">
+                <a:tc>
+                  <a:txBody>
+                    <a:bodyPr/>
+                    <a:lstStyle/>
+                    <a:p>
+                      <a:pPr>
+                        <a:defRPr sz="1200" b="1"/>
+                      </a:pPr>
+                      <a:r>
+                        <a:t>Quote de vocero</a:t>
+                      </a:r>
+                    </a:p>
+                  </a:txBody>
+                  <a:tcPr/>
+                </a:tc>
+                <a:tc>
+                  <a:txBody>
+                    <a:bodyPr/>
+                    <a:lstStyle/>
+                    <a:p>
+                      <a:pPr>
+                        <a:defRPr sz="1200"/>
+                      </a:pPr>
+                      <a:r>
+                        <a:t>Si</a:t>
+                      </a:r>
+                    </a:p>
+                  </a:txBody>
+                  <a:tcPr/>
+                </a:tc>
+              </a:tr>
+              <a:tr h="360279">
+                <a:tc>
+                  <a:txBody>
+                    <a:bodyPr/>
+                    <a:lstStyle/>
+                    <a:p>
+                      <a:pPr>
+                        <a:defRPr sz="1200" b="1"/>
+                      </a:pPr>
+                      <a:r>
+                        <a:t>Favorabilidad mediática</a:t>
+                      </a:r>
+                    </a:p>
+                  </a:txBody>
+                  <a:tcPr/>
+                </a:tc>
+                <a:tc>
+                  <a:txBody>
+                    <a:bodyPr/>
+                    <a:lstStyle/>
+                    <a:p>
+                      <a:pPr>
+                        <a:defRPr sz="1200"/>
+                      </a:pPr>
+                      <a:r>
+                        <a:t>Positiva</a:t>
+                      </a:r>
+                    </a:p>
+                  </a:txBody>
+                  <a:tcPr/>
+                </a:tc>
+              </a:tr>
+            </a:tbl>
+          </a:graphicData>
+        </a:graphic>
+      </p:graphicFrame>
+      <p:pic>
+        <p:nvPicPr>
+          <p:cNvPr id="6" name="Picture 5" descr="Web.png"/>
+          <p:cNvPicPr>
+            <a:picLocks noChangeAspect="1"/>
+          </p:cNvPicPr>
+          <p:nvPr/>
+        </p:nvPicPr>
+        <p:blipFill>
+          <a:blip r:embed="rId2"/>
+          <a:stretch>
+            <a:fillRect/>
+          </a:stretch>
+        </p:blipFill>
+        <p:spPr>
+          <a:xfrm>
+            <a:off x="7498079" y="868680"/>
+            <a:ext cx="533053" cy="521207"/>
+          </a:xfrm>
+          <a:prstGeom prst="rect">
+            <a:avLst/>
+          </a:prstGeom>
+        </p:spPr>
+      </p:pic>
+      <p:pic>
+        <p:nvPicPr>
+          <p:cNvPr id="7" name="Picture 6" descr="PANAMA PACIFICO 23.jpg"/>
+          <p:cNvPicPr>
+            <a:picLocks noChangeAspect="1"/>
+          </p:cNvPicPr>
+          <p:nvPr/>
+        </p:nvPicPr>
+        <p:blipFill>
+          <a:blip r:embed="rId3"/>
+          <a:stretch>
+            <a:fillRect/>
+          </a:stretch>
+        </p:blipFill>
+        <p:spPr>
+          <a:xfrm>
+            <a:off x="228600" y="2103120"/>
+            <a:ext cx="3840480" cy="3840480"/>
+          </a:xfrm>
+          <a:prstGeom prst="rect">
+            <a:avLst/>
+          </a:prstGeom>
+        </p:spPr>
+      </p:pic>
+    </p:spTree>
+  </p:cSld>
+  <p:clrMapOvr>
+    <a:masterClrMapping/>
+  </p:clrMapOvr>
+</p:sld>
+</file>
+
+<file path=ppt/slides/slide19.xml><?xml version="1.0" encoding="utf-8"?>
+<p:sld xmlns:a="http://schemas.openxmlformats.org/drawingml/2006/main" xmlns:p="http://schemas.openxmlformats.org/presentationml/2006/main" xmlns:r="http://schemas.openxmlformats.org/officeDocument/2006/relationships">
+  <p:cSld>
+    <p:spTree>
+      <p:nvGrpSpPr>
+        <p:cNvPr id="1" name=""/>
+        <p:cNvGrpSpPr/>
+        <p:nvPr/>
+      </p:nvGrpSpPr>
+      <p:grpSpPr/>
+      <p:sp>
+        <p:nvSpPr>
+          <p:cNvPr id="2" name="Title 1"/>
+          <p:cNvSpPr>
+            <a:spLocks noGrp="1"/>
+          </p:cNvSpPr>
+          <p:nvPr>
+            <p:ph type="title"/>
+          </p:nvPr>
+        </p:nvSpPr>
+        <p:spPr/>
+        <p:txBody>
+          <a:bodyPr/>
+          <a:lstStyle/>
+          <a:p>
+            <a:pPr algn="ctr">
+              <a:defRPr b="1" sz="3500"/>
+            </a:pPr>
+            <a:r>
+              <a:t>Publicaciones - Twitter</a:t>
+            </a:r>
+          </a:p>
+        </p:txBody>
+      </p:sp>
+      <p:sp>
+        <p:nvSpPr>
+          <p:cNvPr id="3" name="Content Placeholder 2"/>
+          <p:cNvSpPr>
+            <a:spLocks noGrp="1"/>
+          </p:cNvSpPr>
+          <p:nvPr>
+            <p:ph idx="1" sz="half"/>
+          </p:nvPr>
+        </p:nvSpPr>
+        <p:spPr>
+          <a:xfrm>
+            <a:off x="365760" y="1097280"/>
+            <a:ext cx="1828800" cy="274320"/>
+          </a:xfrm>
+        </p:spPr>
+        <p:txBody>
+          <a:bodyPr/>
+          <a:lstStyle/>
+          <a:p>
+            <a:pPr>
+              <a:defRPr b="1" sz="1600"/>
+            </a:pPr>
+            <a:r>
+              <a:t>13 de Noviembre</a:t>
+            </a:r>
+          </a:p>
+        </p:txBody>
+      </p:sp>
+      <p:sp>
+        <p:nvSpPr>
+          <p:cNvPr id="4" name="Content Placeholder 3"/>
+          <p:cNvSpPr>
+            <a:spLocks noGrp="1"/>
+          </p:cNvSpPr>
+          <p:nvPr>
+            <p:ph idx="13" sz="quarter"/>
+          </p:nvPr>
+        </p:nvSpPr>
+        <p:spPr/>
+        <p:txBody>
+          <a:bodyPr/>
+          <a:lstStyle/>
+          <a:p>
+            <a:r>
+              <a:t>https://twitter.com/TReporta/status/1327052086161395714?s=20</a:t>
+            </a:r>
+          </a:p>
+        </p:txBody>
+      </p:sp>
+      <p:graphicFrame>
+        <p:nvGraphicFramePr>
+          <p:cNvPr id="5" name="Table 4"/>
+          <p:cNvGraphicFramePr>
+            <a:graphicFrameLocks noGrp="1"/>
+          </p:cNvGraphicFramePr>
+          <p:nvPr/>
+        </p:nvGraphicFramePr>
+        <p:xfrm>
+          <a:off x="5486400" y="1828800"/>
+          <a:ext cx="3291840" cy="3602736"/>
+        </p:xfrm>
+        <a:graphic>
+          <a:graphicData uri="http://schemas.openxmlformats.org/drawingml/2006/table">
+            <a:tbl>
+              <a:tblPr firstRow="1" bandRow="1">
+                <a:tableStyleId>{5C22544A-7EE6-4342-B048-85BDC9FD1C3A}</a:tableStyleId>
+              </a:tblPr>
+              <a:tblGrid>
+                <a:gridCol w="1645920"/>
+                <a:gridCol w="1645920"/>
+              </a:tblGrid>
+              <a:tr h="360273">
+                <a:tc>
+                  <a:txBody>
+                    <a:bodyPr/>
+                    <a:lstStyle/>
+                    <a:p>
+                      <a:pPr>
+                        <a:defRPr sz="1200" b="1"/>
+                      </a:pPr>
+                      <a:r>
+                        <a:t>Medio</a:t>
+                      </a:r>
+                    </a:p>
+                  </a:txBody>
+                  <a:tcPr/>
+                </a:tc>
+                <a:tc>
+                  <a:txBody>
+                    <a:bodyPr/>
+                    <a:lstStyle/>
+                    <a:p>
+                      <a:pPr>
+                        <a:defRPr sz="1200" b="1"/>
+                      </a:pPr>
+                      <a:r>
+                        <a:t>Telemetro</a:t>
+                      </a:r>
+                    </a:p>
+                  </a:txBody>
+                  <a:tcPr/>
+                </a:tc>
+              </a:tr>
+              <a:tr h="360273">
+                <a:tc>
+                  <a:txBody>
+                    <a:bodyPr/>
+                    <a:lstStyle/>
+                    <a:p>
+                      <a:pPr>
+                        <a:defRPr sz="1200" b="1"/>
+                      </a:pPr>
+                      <a:r>
+                        <a:t>Tipo</a:t>
+                      </a:r>
+                    </a:p>
+                  </a:txBody>
+                  <a:tcPr/>
+                </a:tc>
+                <a:tc>
+                  <a:txBody>
+                    <a:bodyPr/>
+                    <a:lstStyle/>
+                    <a:p>
+                      <a:pPr>
+                        <a:defRPr sz="1200"/>
+                      </a:pPr>
+                      <a:r>
+                        <a:t>Twitter</a:t>
+                      </a:r>
+                    </a:p>
+                  </a:txBody>
+                  <a:tcPr/>
+                </a:tc>
+              </a:tr>
+              <a:tr h="360273">
+                <a:tc>
+                  <a:txBody>
+                    <a:bodyPr/>
+                    <a:lstStyle/>
+                    <a:p>
+                      <a:pPr>
+                        <a:defRPr sz="1200" b="1"/>
+                      </a:pPr>
+                      <a:r>
+                        <a:t>Tamaño</a:t>
+                      </a:r>
+                    </a:p>
+                  </a:txBody>
+                  <a:tcPr/>
+                </a:tc>
+                <a:tc>
+                  <a:txBody>
+                    <a:bodyPr/>
+                    <a:lstStyle/>
+                    <a:p>
+                      <a:pPr>
+                        <a:defRPr sz="1200"/>
+                      </a:pPr>
+                      <a:r>
+                        <a:t>1 post</a:t>
+                      </a:r>
+                    </a:p>
+                  </a:txBody>
+                  <a:tcPr/>
+                </a:tc>
+              </a:tr>
+              <a:tr h="360273">
+                <a:tc>
+                  <a:txBody>
+                    <a:bodyPr/>
+                    <a:lstStyle/>
+                    <a:p>
+                      <a:pPr>
+                        <a:defRPr sz="1200" b="1"/>
+                      </a:pPr>
+                      <a:r>
+                        <a:t>Valor Publicitario</a:t>
+                      </a:r>
+                    </a:p>
+                  </a:txBody>
+                  <a:tcPr/>
+                </a:tc>
+                <a:tc>
+                  <a:txBody>
+                    <a:bodyPr/>
+                    <a:lstStyle/>
+                    <a:p>
+                      <a:pPr>
+                        <a:defRPr sz="1200"/>
+                      </a:pPr>
+                      <a:r>
+                        <a:t>B/. 500.00</a:t>
+                      </a:r>
+                    </a:p>
+                  </a:txBody>
+                  <a:tcPr/>
+                </a:tc>
+              </a:tr>
+              <a:tr h="360273">
+                <a:tc>
+                  <a:txBody>
+                    <a:bodyPr/>
+                    <a:lstStyle/>
+                    <a:p>
+                      <a:pPr>
+                        <a:defRPr sz="1200" b="1"/>
+                      </a:pPr>
+                      <a:r>
+                        <a:t>Valor Informativo</a:t>
+                      </a:r>
+                    </a:p>
+                  </a:txBody>
+                  <a:tcPr/>
+                </a:tc>
+                <a:tc>
+                  <a:txBody>
+                    <a:bodyPr/>
+                    <a:lstStyle/>
+                    <a:p>
+                      <a:pPr>
+                        <a:defRPr sz="1200"/>
+                      </a:pPr>
+                      <a:r>
+                        <a:t>B/. 2,000.00</a:t>
+                      </a:r>
+                    </a:p>
+                  </a:txBody>
+                  <a:tcPr/>
+                </a:tc>
+              </a:tr>
+              <a:tr h="360273">
+                <a:tc>
+                  <a:txBody>
+                    <a:bodyPr/>
+                    <a:lstStyle/>
+                    <a:p>
+                      <a:pPr>
+                        <a:defRPr sz="1200" b="1"/>
+                      </a:pPr>
+                      <a:r>
+                        <a:t>Tier</a:t>
+                      </a:r>
+                    </a:p>
+                  </a:txBody>
+                  <a:tcPr/>
+                </a:tc>
+                <a:tc>
+                  <a:txBody>
+                    <a:bodyPr/>
+                    <a:lstStyle/>
+                    <a:p>
+                      <a:pPr>
+                        <a:defRPr sz="1200"/>
+                      </a:pPr>
+                      <a:r>
+                        <a:t>1</a:t>
+                      </a:r>
+                    </a:p>
+                  </a:txBody>
+                  <a:tcPr/>
+                </a:tc>
+              </a:tr>
+              <a:tr h="360273">
+                <a:tc>
+                  <a:txBody>
+                    <a:bodyPr/>
+                    <a:lstStyle/>
+                    <a:p>
+                      <a:pPr>
+                        <a:defRPr sz="1200" b="1"/>
+                      </a:pPr>
+                      <a:r>
+                        <a:t>Mención de Marca</a:t>
+                      </a:r>
+                    </a:p>
+                  </a:txBody>
+                  <a:tcPr/>
+                </a:tc>
+                <a:tc>
+                  <a:txBody>
+                    <a:bodyPr/>
+                    <a:lstStyle/>
+                    <a:p>
+                      <a:pPr>
+                        <a:defRPr sz="1200"/>
+                      </a:pPr>
+                      <a:r>
+                        <a:t>Si</a:t>
+                      </a:r>
+                    </a:p>
+                  </a:txBody>
+                  <a:tcPr/>
+                </a:tc>
+              </a:tr>
+              <a:tr h="360273">
+                <a:tc>
+                  <a:txBody>
+                    <a:bodyPr/>
+                    <a:lstStyle/>
+                    <a:p>
+                      <a:pPr>
+                        <a:defRPr sz="1200" b="1"/>
+                      </a:pPr>
+                      <a:r>
+                        <a:t>Presencia de vocero</a:t>
+                      </a:r>
+                    </a:p>
+                  </a:txBody>
+                  <a:tcPr/>
+                </a:tc>
+                <a:tc>
+                  <a:txBody>
+                    <a:bodyPr/>
+                    <a:lstStyle/>
+                    <a:p>
+                      <a:pPr>
+                        <a:defRPr sz="1200"/>
+                      </a:pPr>
+                      <a:r>
+                        <a:t>Si</a:t>
+                      </a:r>
+                    </a:p>
+                  </a:txBody>
+                  <a:tcPr/>
+                </a:tc>
+              </a:tr>
+              <a:tr h="360273">
+                <a:tc>
+                  <a:txBody>
+                    <a:bodyPr/>
+                    <a:lstStyle/>
+                    <a:p>
+                      <a:pPr>
+                        <a:defRPr sz="1200" b="1"/>
+                      </a:pPr>
+                      <a:r>
+                        <a:t>Quote de vocero</a:t>
+                      </a:r>
+                    </a:p>
+                  </a:txBody>
+                  <a:tcPr/>
+                </a:tc>
+                <a:tc>
+                  <a:txBody>
+                    <a:bodyPr/>
+                    <a:lstStyle/>
+                    <a:p>
+                      <a:pPr>
+                        <a:defRPr sz="1200"/>
+                      </a:pPr>
+                      <a:r>
+                        <a:t>Si</a:t>
+                      </a:r>
+                    </a:p>
+                  </a:txBody>
+                  <a:tcPr/>
+                </a:tc>
+              </a:tr>
+              <a:tr h="360279">
+                <a:tc>
+                  <a:txBody>
+                    <a:bodyPr/>
+                    <a:lstStyle/>
+                    <a:p>
+                      <a:pPr>
+                        <a:defRPr sz="1200" b="1"/>
+                      </a:pPr>
+                      <a:r>
+                        <a:t>Favorabilidad mediática</a:t>
+                      </a:r>
+                    </a:p>
+                  </a:txBody>
+                  <a:tcPr/>
+                </a:tc>
+                <a:tc>
+                  <a:txBody>
+                    <a:bodyPr/>
+                    <a:lstStyle/>
+                    <a:p>
+                      <a:pPr>
+                        <a:defRPr sz="1200"/>
+                      </a:pPr>
+                      <a:r>
+                        <a:t>Positiva</a:t>
+                      </a:r>
+                    </a:p>
+                  </a:txBody>
+                  <a:tcPr/>
+                </a:tc>
+              </a:tr>
+            </a:tbl>
+          </a:graphicData>
+        </a:graphic>
+      </p:graphicFrame>
+      <p:pic>
+        <p:nvPicPr>
+          <p:cNvPr id="6" name="Picture 5" descr="Twitter.png"/>
+          <p:cNvPicPr>
+            <a:picLocks noChangeAspect="1"/>
+          </p:cNvPicPr>
+          <p:nvPr/>
+        </p:nvPicPr>
+        <p:blipFill>
+          <a:blip r:embed="rId2"/>
+          <a:stretch>
+            <a:fillRect/>
+          </a:stretch>
+        </p:blipFill>
+        <p:spPr>
+          <a:xfrm>
+            <a:off x="7498079" y="868680"/>
+            <a:ext cx="521207" cy="521207"/>
+          </a:xfrm>
+          <a:prstGeom prst="rect">
+            <a:avLst/>
+          </a:prstGeom>
+        </p:spPr>
+      </p:pic>
+      <p:pic>
+        <p:nvPicPr>
+          <p:cNvPr id="7" name="Picture 6" descr="PANAMA PACIFICO 3.jpg"/>
           <p:cNvPicPr>
             <a:picLocks noChangeAspect="1"/>
           </p:cNvPicPr>
@@ -3724,7 +8546,7 @@
               <a:defRPr b="1" sz="1600"/>
             </a:pPr>
             <a:r>
-              <a:t>12 de Noviembre</a:t>
+              <a:t>13 de Noviembre</a:t>
             </a:r>
           </a:p>
         </p:txBody>
@@ -3745,7 +8567,7 @@
           <a:lstStyle/>
           <a:p>
             <a:r>
-              <a:t>http://www.mundosantaana.com/index.php/noticias-santa-ana-mi-canton/1563-dahua-technology-instala-camara-termica-donada-a-la-municipalidad-de-santa-ana</a:t>
+              <a:t>https://www.telemetro.com/minuto-tecnologico/2020/11/13/panama-pacifico-apuesta-por-la-virtualidad/3452368.html</a:t>
             </a:r>
           </a:p>
         </p:txBody>
@@ -3797,7 +8619,7 @@
                         <a:defRPr sz="1200" b="1"/>
                       </a:pPr>
                       <a:r>
-                        <a:t>Mundo Santana</a:t>
+                        <a:t>Telemetro</a:t>
                       </a:r>
                     </a:p>
                   </a:txBody>
@@ -3893,7 +8715,7 @@
                         <a:defRPr sz="1200"/>
                       </a:pPr>
                       <a:r>
-                        <a:t>B/. 1,500.00</a:t>
+                        <a:t>B/. 1,303.47</a:t>
                       </a:r>
                     </a:p>
                   </a:txBody>
@@ -3925,7 +8747,7 @@
                         <a:defRPr sz="1200"/>
                       </a:pPr>
                       <a:r>
-                        <a:t>B/. 6,000.00</a:t>
+                        <a:t>B/. 5,213.88</a:t>
                       </a:r>
                     </a:p>
                   </a:txBody>
@@ -4112,7 +8934,7 @@
         </p:blipFill>
         <p:spPr>
           <a:xfrm>
-            <a:off x="7498079" y="731520"/>
+            <a:off x="7498079" y="868680"/>
             <a:ext cx="533053" cy="521207"/>
           </a:xfrm>
           <a:prstGeom prst="rect">
@@ -4122,7 +8944,1951 @@
       </p:pic>
       <p:pic>
         <p:nvPicPr>
-          <p:cNvPr id="7" name="Picture 6" descr="DAHUA 2.jpg"/>
+          <p:cNvPr id="7" name="Picture 6" descr="PANAMA PACIFICO 2.jpg"/>
+          <p:cNvPicPr>
+            <a:picLocks noChangeAspect="1"/>
+          </p:cNvPicPr>
+          <p:nvPr/>
+        </p:nvPicPr>
+        <p:blipFill>
+          <a:blip r:embed="rId3"/>
+          <a:stretch>
+            <a:fillRect/>
+          </a:stretch>
+        </p:blipFill>
+        <p:spPr>
+          <a:xfrm>
+            <a:off x="228600" y="2103120"/>
+            <a:ext cx="3840480" cy="3840480"/>
+          </a:xfrm>
+          <a:prstGeom prst="rect">
+            <a:avLst/>
+          </a:prstGeom>
+        </p:spPr>
+      </p:pic>
+    </p:spTree>
+  </p:cSld>
+  <p:clrMapOvr>
+    <a:masterClrMapping/>
+  </p:clrMapOvr>
+</p:sld>
+</file>
+
+<file path=ppt/slides/slide20.xml><?xml version="1.0" encoding="utf-8"?>
+<p:sld xmlns:a="http://schemas.openxmlformats.org/drawingml/2006/main" xmlns:p="http://schemas.openxmlformats.org/presentationml/2006/main" xmlns:r="http://schemas.openxmlformats.org/officeDocument/2006/relationships">
+  <p:cSld>
+    <p:spTree>
+      <p:nvGrpSpPr>
+        <p:cNvPr id="1" name=""/>
+        <p:cNvGrpSpPr/>
+        <p:nvPr/>
+      </p:nvGrpSpPr>
+      <p:grpSpPr/>
+      <p:sp>
+        <p:nvSpPr>
+          <p:cNvPr id="2" name="Title 1"/>
+          <p:cNvSpPr>
+            <a:spLocks noGrp="1"/>
+          </p:cNvSpPr>
+          <p:nvPr>
+            <p:ph type="title"/>
+          </p:nvPr>
+        </p:nvSpPr>
+        <p:spPr/>
+        <p:txBody>
+          <a:bodyPr/>
+          <a:lstStyle/>
+          <a:p>
+            <a:pPr algn="ctr">
+              <a:defRPr b="1" sz="3500"/>
+            </a:pPr>
+            <a:r>
+              <a:t>Publicaciones - Twitter</a:t>
+            </a:r>
+          </a:p>
+        </p:txBody>
+      </p:sp>
+      <p:sp>
+        <p:nvSpPr>
+          <p:cNvPr id="3" name="Content Placeholder 2"/>
+          <p:cNvSpPr>
+            <a:spLocks noGrp="1"/>
+          </p:cNvSpPr>
+          <p:nvPr>
+            <p:ph idx="1" sz="half"/>
+          </p:nvPr>
+        </p:nvSpPr>
+        <p:spPr>
+          <a:xfrm>
+            <a:off x="365760" y="1097280"/>
+            <a:ext cx="1828800" cy="274320"/>
+          </a:xfrm>
+        </p:spPr>
+        <p:txBody>
+          <a:bodyPr/>
+          <a:lstStyle/>
+          <a:p>
+            <a:pPr>
+              <a:defRPr b="1" sz="1600"/>
+            </a:pPr>
+            <a:r>
+              <a:t>16 de Noviembre</a:t>
+            </a:r>
+          </a:p>
+        </p:txBody>
+      </p:sp>
+      <p:sp>
+        <p:nvSpPr>
+          <p:cNvPr id="4" name="Content Placeholder 3"/>
+          <p:cNvSpPr>
+            <a:spLocks noGrp="1"/>
+          </p:cNvSpPr>
+          <p:nvPr>
+            <p:ph idx="13" sz="quarter"/>
+          </p:nvPr>
+        </p:nvSpPr>
+        <p:spPr/>
+        <p:txBody>
+          <a:bodyPr/>
+          <a:lstStyle/>
+          <a:p>
+            <a:r>
+              <a:t>https://twitter.com/PanamaAmerica/status/1328503119353950208?s=20</a:t>
+            </a:r>
+          </a:p>
+        </p:txBody>
+      </p:sp>
+      <p:graphicFrame>
+        <p:nvGraphicFramePr>
+          <p:cNvPr id="5" name="Table 4"/>
+          <p:cNvGraphicFramePr>
+            <a:graphicFrameLocks noGrp="1"/>
+          </p:cNvGraphicFramePr>
+          <p:nvPr/>
+        </p:nvGraphicFramePr>
+        <p:xfrm>
+          <a:off x="5486400" y="1828800"/>
+          <a:ext cx="3291840" cy="3602736"/>
+        </p:xfrm>
+        <a:graphic>
+          <a:graphicData uri="http://schemas.openxmlformats.org/drawingml/2006/table">
+            <a:tbl>
+              <a:tblPr firstRow="1" bandRow="1">
+                <a:tableStyleId>{5C22544A-7EE6-4342-B048-85BDC9FD1C3A}</a:tableStyleId>
+              </a:tblPr>
+              <a:tblGrid>
+                <a:gridCol w="1645920"/>
+                <a:gridCol w="1645920"/>
+              </a:tblGrid>
+              <a:tr h="360273">
+                <a:tc>
+                  <a:txBody>
+                    <a:bodyPr/>
+                    <a:lstStyle/>
+                    <a:p>
+                      <a:pPr>
+                        <a:defRPr sz="1200" b="1"/>
+                      </a:pPr>
+                      <a:r>
+                        <a:t>Medio</a:t>
+                      </a:r>
+                    </a:p>
+                  </a:txBody>
+                  <a:tcPr/>
+                </a:tc>
+                <a:tc>
+                  <a:txBody>
+                    <a:bodyPr/>
+                    <a:lstStyle/>
+                    <a:p>
+                      <a:pPr>
+                        <a:defRPr sz="1200" b="1"/>
+                      </a:pPr>
+                      <a:r>
+                        <a:t>Panamá América</a:t>
+                      </a:r>
+                    </a:p>
+                  </a:txBody>
+                  <a:tcPr/>
+                </a:tc>
+              </a:tr>
+              <a:tr h="360273">
+                <a:tc>
+                  <a:txBody>
+                    <a:bodyPr/>
+                    <a:lstStyle/>
+                    <a:p>
+                      <a:pPr>
+                        <a:defRPr sz="1200" b="1"/>
+                      </a:pPr>
+                      <a:r>
+                        <a:t>Tipo</a:t>
+                      </a:r>
+                    </a:p>
+                  </a:txBody>
+                  <a:tcPr/>
+                </a:tc>
+                <a:tc>
+                  <a:txBody>
+                    <a:bodyPr/>
+                    <a:lstStyle/>
+                    <a:p>
+                      <a:pPr>
+                        <a:defRPr sz="1200"/>
+                      </a:pPr>
+                      <a:r>
+                        <a:t>Twitter</a:t>
+                      </a:r>
+                    </a:p>
+                  </a:txBody>
+                  <a:tcPr/>
+                </a:tc>
+              </a:tr>
+              <a:tr h="360273">
+                <a:tc>
+                  <a:txBody>
+                    <a:bodyPr/>
+                    <a:lstStyle/>
+                    <a:p>
+                      <a:pPr>
+                        <a:defRPr sz="1200" b="1"/>
+                      </a:pPr>
+                      <a:r>
+                        <a:t>Tamaño</a:t>
+                      </a:r>
+                    </a:p>
+                  </a:txBody>
+                  <a:tcPr/>
+                </a:tc>
+                <a:tc>
+                  <a:txBody>
+                    <a:bodyPr/>
+                    <a:lstStyle/>
+                    <a:p>
+                      <a:pPr>
+                        <a:defRPr sz="1200"/>
+                      </a:pPr>
+                      <a:r>
+                        <a:t>1 post</a:t>
+                      </a:r>
+                    </a:p>
+                  </a:txBody>
+                  <a:tcPr/>
+                </a:tc>
+              </a:tr>
+              <a:tr h="360273">
+                <a:tc>
+                  <a:txBody>
+                    <a:bodyPr/>
+                    <a:lstStyle/>
+                    <a:p>
+                      <a:pPr>
+                        <a:defRPr sz="1200" b="1"/>
+                      </a:pPr>
+                      <a:r>
+                        <a:t>Valor Publicitario</a:t>
+                      </a:r>
+                    </a:p>
+                  </a:txBody>
+                  <a:tcPr/>
+                </a:tc>
+                <a:tc>
+                  <a:txBody>
+                    <a:bodyPr/>
+                    <a:lstStyle/>
+                    <a:p>
+                      <a:pPr>
+                        <a:defRPr sz="1200"/>
+                      </a:pPr>
+                      <a:r>
+                        <a:t>B/. 500.00</a:t>
+                      </a:r>
+                    </a:p>
+                  </a:txBody>
+                  <a:tcPr/>
+                </a:tc>
+              </a:tr>
+              <a:tr h="360273">
+                <a:tc>
+                  <a:txBody>
+                    <a:bodyPr/>
+                    <a:lstStyle/>
+                    <a:p>
+                      <a:pPr>
+                        <a:defRPr sz="1200" b="1"/>
+                      </a:pPr>
+                      <a:r>
+                        <a:t>Valor Informativo</a:t>
+                      </a:r>
+                    </a:p>
+                  </a:txBody>
+                  <a:tcPr/>
+                </a:tc>
+                <a:tc>
+                  <a:txBody>
+                    <a:bodyPr/>
+                    <a:lstStyle/>
+                    <a:p>
+                      <a:pPr>
+                        <a:defRPr sz="1200"/>
+                      </a:pPr>
+                      <a:r>
+                        <a:t>B/. 2,000.00</a:t>
+                      </a:r>
+                    </a:p>
+                  </a:txBody>
+                  <a:tcPr/>
+                </a:tc>
+              </a:tr>
+              <a:tr h="360273">
+                <a:tc>
+                  <a:txBody>
+                    <a:bodyPr/>
+                    <a:lstStyle/>
+                    <a:p>
+                      <a:pPr>
+                        <a:defRPr sz="1200" b="1"/>
+                      </a:pPr>
+                      <a:r>
+                        <a:t>Tier</a:t>
+                      </a:r>
+                    </a:p>
+                  </a:txBody>
+                  <a:tcPr/>
+                </a:tc>
+                <a:tc>
+                  <a:txBody>
+                    <a:bodyPr/>
+                    <a:lstStyle/>
+                    <a:p>
+                      <a:pPr>
+                        <a:defRPr sz="1200"/>
+                      </a:pPr>
+                      <a:r>
+                        <a:t>1</a:t>
+                      </a:r>
+                    </a:p>
+                  </a:txBody>
+                  <a:tcPr/>
+                </a:tc>
+              </a:tr>
+              <a:tr h="360273">
+                <a:tc>
+                  <a:txBody>
+                    <a:bodyPr/>
+                    <a:lstStyle/>
+                    <a:p>
+                      <a:pPr>
+                        <a:defRPr sz="1200" b="1"/>
+                      </a:pPr>
+                      <a:r>
+                        <a:t>Mención de Marca</a:t>
+                      </a:r>
+                    </a:p>
+                  </a:txBody>
+                  <a:tcPr/>
+                </a:tc>
+                <a:tc>
+                  <a:txBody>
+                    <a:bodyPr/>
+                    <a:lstStyle/>
+                    <a:p>
+                      <a:pPr>
+                        <a:defRPr sz="1200"/>
+                      </a:pPr>
+                      <a:r>
+                        <a:t>Si</a:t>
+                      </a:r>
+                    </a:p>
+                  </a:txBody>
+                  <a:tcPr/>
+                </a:tc>
+              </a:tr>
+              <a:tr h="360273">
+                <a:tc>
+                  <a:txBody>
+                    <a:bodyPr/>
+                    <a:lstStyle/>
+                    <a:p>
+                      <a:pPr>
+                        <a:defRPr sz="1200" b="1"/>
+                      </a:pPr>
+                      <a:r>
+                        <a:t>Presencia de vocero</a:t>
+                      </a:r>
+                    </a:p>
+                  </a:txBody>
+                  <a:tcPr/>
+                </a:tc>
+                <a:tc>
+                  <a:txBody>
+                    <a:bodyPr/>
+                    <a:lstStyle/>
+                    <a:p>
+                      <a:pPr>
+                        <a:defRPr sz="1200"/>
+                      </a:pPr>
+                      <a:r>
+                        <a:t>Si</a:t>
+                      </a:r>
+                    </a:p>
+                  </a:txBody>
+                  <a:tcPr/>
+                </a:tc>
+              </a:tr>
+              <a:tr h="360273">
+                <a:tc>
+                  <a:txBody>
+                    <a:bodyPr/>
+                    <a:lstStyle/>
+                    <a:p>
+                      <a:pPr>
+                        <a:defRPr sz="1200" b="1"/>
+                      </a:pPr>
+                      <a:r>
+                        <a:t>Quote de vocero</a:t>
+                      </a:r>
+                    </a:p>
+                  </a:txBody>
+                  <a:tcPr/>
+                </a:tc>
+                <a:tc>
+                  <a:txBody>
+                    <a:bodyPr/>
+                    <a:lstStyle/>
+                    <a:p>
+                      <a:pPr>
+                        <a:defRPr sz="1200"/>
+                      </a:pPr>
+                      <a:r>
+                        <a:t>Si</a:t>
+                      </a:r>
+                    </a:p>
+                  </a:txBody>
+                  <a:tcPr/>
+                </a:tc>
+              </a:tr>
+              <a:tr h="360279">
+                <a:tc>
+                  <a:txBody>
+                    <a:bodyPr/>
+                    <a:lstStyle/>
+                    <a:p>
+                      <a:pPr>
+                        <a:defRPr sz="1200" b="1"/>
+                      </a:pPr>
+                      <a:r>
+                        <a:t>Favorabilidad mediática</a:t>
+                      </a:r>
+                    </a:p>
+                  </a:txBody>
+                  <a:tcPr/>
+                </a:tc>
+                <a:tc>
+                  <a:txBody>
+                    <a:bodyPr/>
+                    <a:lstStyle/>
+                    <a:p>
+                      <a:pPr>
+                        <a:defRPr sz="1200"/>
+                      </a:pPr>
+                      <a:r>
+                        <a:t>Positiva</a:t>
+                      </a:r>
+                    </a:p>
+                  </a:txBody>
+                  <a:tcPr/>
+                </a:tc>
+              </a:tr>
+            </a:tbl>
+          </a:graphicData>
+        </a:graphic>
+      </p:graphicFrame>
+      <p:pic>
+        <p:nvPicPr>
+          <p:cNvPr id="6" name="Picture 5" descr="Twitter.png"/>
+          <p:cNvPicPr>
+            <a:picLocks noChangeAspect="1"/>
+          </p:cNvPicPr>
+          <p:nvPr/>
+        </p:nvPicPr>
+        <p:blipFill>
+          <a:blip r:embed="rId2"/>
+          <a:stretch>
+            <a:fillRect/>
+          </a:stretch>
+        </p:blipFill>
+        <p:spPr>
+          <a:xfrm>
+            <a:off x="7498079" y="868680"/>
+            <a:ext cx="521207" cy="521207"/>
+          </a:xfrm>
+          <a:prstGeom prst="rect">
+            <a:avLst/>
+          </a:prstGeom>
+        </p:spPr>
+      </p:pic>
+      <p:pic>
+        <p:nvPicPr>
+          <p:cNvPr id="7" name="Picture 6" descr="PANAMA PACIFICO 5.jpg"/>
+          <p:cNvPicPr>
+            <a:picLocks noChangeAspect="1"/>
+          </p:cNvPicPr>
+          <p:nvPr/>
+        </p:nvPicPr>
+        <p:blipFill>
+          <a:blip r:embed="rId3"/>
+          <a:stretch>
+            <a:fillRect/>
+          </a:stretch>
+        </p:blipFill>
+        <p:spPr>
+          <a:xfrm>
+            <a:off x="228600" y="2103120"/>
+            <a:ext cx="3840480" cy="3840480"/>
+          </a:xfrm>
+          <a:prstGeom prst="rect">
+            <a:avLst/>
+          </a:prstGeom>
+        </p:spPr>
+      </p:pic>
+    </p:spTree>
+  </p:cSld>
+  <p:clrMapOvr>
+    <a:masterClrMapping/>
+  </p:clrMapOvr>
+</p:sld>
+</file>
+
+<file path=ppt/slides/slide21.xml><?xml version="1.0" encoding="utf-8"?>
+<p:sld xmlns:a="http://schemas.openxmlformats.org/drawingml/2006/main" xmlns:p="http://schemas.openxmlformats.org/presentationml/2006/main" xmlns:r="http://schemas.openxmlformats.org/officeDocument/2006/relationships">
+  <p:cSld>
+    <p:spTree>
+      <p:nvGrpSpPr>
+        <p:cNvPr id="1" name=""/>
+        <p:cNvGrpSpPr/>
+        <p:nvPr/>
+      </p:nvGrpSpPr>
+      <p:grpSpPr/>
+      <p:sp>
+        <p:nvSpPr>
+          <p:cNvPr id="2" name="Title 1"/>
+          <p:cNvSpPr>
+            <a:spLocks noGrp="1"/>
+          </p:cNvSpPr>
+          <p:nvPr>
+            <p:ph type="title"/>
+          </p:nvPr>
+        </p:nvSpPr>
+        <p:spPr/>
+        <p:txBody>
+          <a:bodyPr/>
+          <a:lstStyle/>
+          <a:p>
+            <a:pPr algn="ctr">
+              <a:defRPr b="1" sz="3500"/>
+            </a:pPr>
+            <a:r>
+              <a:t>Publicaciones - Twitter</a:t>
+            </a:r>
+          </a:p>
+        </p:txBody>
+      </p:sp>
+      <p:sp>
+        <p:nvSpPr>
+          <p:cNvPr id="3" name="Content Placeholder 2"/>
+          <p:cNvSpPr>
+            <a:spLocks noGrp="1"/>
+          </p:cNvSpPr>
+          <p:nvPr>
+            <p:ph idx="1" sz="half"/>
+          </p:nvPr>
+        </p:nvSpPr>
+        <p:spPr>
+          <a:xfrm>
+            <a:off x="365760" y="1097280"/>
+            <a:ext cx="1828800" cy="274320"/>
+          </a:xfrm>
+        </p:spPr>
+        <p:txBody>
+          <a:bodyPr/>
+          <a:lstStyle/>
+          <a:p>
+            <a:pPr>
+              <a:defRPr b="1" sz="1600"/>
+            </a:pPr>
+            <a:r>
+              <a:t>26 de Noviembre</a:t>
+            </a:r>
+          </a:p>
+        </p:txBody>
+      </p:sp>
+      <p:sp>
+        <p:nvSpPr>
+          <p:cNvPr id="4" name="Content Placeholder 3"/>
+          <p:cNvSpPr>
+            <a:spLocks noGrp="1"/>
+          </p:cNvSpPr>
+          <p:nvPr>
+            <p:ph idx="13" sz="quarter"/>
+          </p:nvPr>
+        </p:nvSpPr>
+        <p:spPr/>
+        <p:txBody>
+          <a:bodyPr/>
+          <a:lstStyle/>
+          <a:p>
+            <a:r>
+              <a:t>https://twitter.com/Panama24horas/status/1331952196343230464?s=20</a:t>
+            </a:r>
+          </a:p>
+        </p:txBody>
+      </p:sp>
+      <p:graphicFrame>
+        <p:nvGraphicFramePr>
+          <p:cNvPr id="5" name="Table 4"/>
+          <p:cNvGraphicFramePr>
+            <a:graphicFrameLocks noGrp="1"/>
+          </p:cNvGraphicFramePr>
+          <p:nvPr/>
+        </p:nvGraphicFramePr>
+        <p:xfrm>
+          <a:off x="5486400" y="1828800"/>
+          <a:ext cx="3291840" cy="3602736"/>
+        </p:xfrm>
+        <a:graphic>
+          <a:graphicData uri="http://schemas.openxmlformats.org/drawingml/2006/table">
+            <a:tbl>
+              <a:tblPr firstRow="1" bandRow="1">
+                <a:tableStyleId>{5C22544A-7EE6-4342-B048-85BDC9FD1C3A}</a:tableStyleId>
+              </a:tblPr>
+              <a:tblGrid>
+                <a:gridCol w="1645920"/>
+                <a:gridCol w="1645920"/>
+              </a:tblGrid>
+              <a:tr h="360273">
+                <a:tc>
+                  <a:txBody>
+                    <a:bodyPr/>
+                    <a:lstStyle/>
+                    <a:p>
+                      <a:pPr>
+                        <a:defRPr sz="1200" b="1"/>
+                      </a:pPr>
+                      <a:r>
+                        <a:t>Medio</a:t>
+                      </a:r>
+                    </a:p>
+                  </a:txBody>
+                  <a:tcPr/>
+                </a:tc>
+                <a:tc>
+                  <a:txBody>
+                    <a:bodyPr/>
+                    <a:lstStyle/>
+                    <a:p>
+                      <a:pPr>
+                        <a:defRPr sz="1200" b="1"/>
+                      </a:pPr>
+                      <a:r>
+                        <a:t>Panamá 24 Horas</a:t>
+                      </a:r>
+                    </a:p>
+                  </a:txBody>
+                  <a:tcPr/>
+                </a:tc>
+              </a:tr>
+              <a:tr h="360273">
+                <a:tc>
+                  <a:txBody>
+                    <a:bodyPr/>
+                    <a:lstStyle/>
+                    <a:p>
+                      <a:pPr>
+                        <a:defRPr sz="1200" b="1"/>
+                      </a:pPr>
+                      <a:r>
+                        <a:t>Tipo</a:t>
+                      </a:r>
+                    </a:p>
+                  </a:txBody>
+                  <a:tcPr/>
+                </a:tc>
+                <a:tc>
+                  <a:txBody>
+                    <a:bodyPr/>
+                    <a:lstStyle/>
+                    <a:p>
+                      <a:pPr>
+                        <a:defRPr sz="1200"/>
+                      </a:pPr>
+                      <a:r>
+                        <a:t>Twitter</a:t>
+                      </a:r>
+                    </a:p>
+                  </a:txBody>
+                  <a:tcPr/>
+                </a:tc>
+              </a:tr>
+              <a:tr h="360273">
+                <a:tc>
+                  <a:txBody>
+                    <a:bodyPr/>
+                    <a:lstStyle/>
+                    <a:p>
+                      <a:pPr>
+                        <a:defRPr sz="1200" b="1"/>
+                      </a:pPr>
+                      <a:r>
+                        <a:t>Tamaño</a:t>
+                      </a:r>
+                    </a:p>
+                  </a:txBody>
+                  <a:tcPr/>
+                </a:tc>
+                <a:tc>
+                  <a:txBody>
+                    <a:bodyPr/>
+                    <a:lstStyle/>
+                    <a:p>
+                      <a:pPr>
+                        <a:defRPr sz="1200"/>
+                      </a:pPr>
+                      <a:r>
+                        <a:t>1 post</a:t>
+                      </a:r>
+                    </a:p>
+                  </a:txBody>
+                  <a:tcPr/>
+                </a:tc>
+              </a:tr>
+              <a:tr h="360273">
+                <a:tc>
+                  <a:txBody>
+                    <a:bodyPr/>
+                    <a:lstStyle/>
+                    <a:p>
+                      <a:pPr>
+                        <a:defRPr sz="1200" b="1"/>
+                      </a:pPr>
+                      <a:r>
+                        <a:t>Valor Publicitario</a:t>
+                      </a:r>
+                    </a:p>
+                  </a:txBody>
+                  <a:tcPr/>
+                </a:tc>
+                <a:tc>
+                  <a:txBody>
+                    <a:bodyPr/>
+                    <a:lstStyle/>
+                    <a:p>
+                      <a:pPr>
+                        <a:defRPr sz="1200"/>
+                      </a:pPr>
+                      <a:r>
+                        <a:t>B/. 500.00</a:t>
+                      </a:r>
+                    </a:p>
+                  </a:txBody>
+                  <a:tcPr/>
+                </a:tc>
+              </a:tr>
+              <a:tr h="360273">
+                <a:tc>
+                  <a:txBody>
+                    <a:bodyPr/>
+                    <a:lstStyle/>
+                    <a:p>
+                      <a:pPr>
+                        <a:defRPr sz="1200" b="1"/>
+                      </a:pPr>
+                      <a:r>
+                        <a:t>Valor Informativo</a:t>
+                      </a:r>
+                    </a:p>
+                  </a:txBody>
+                  <a:tcPr/>
+                </a:tc>
+                <a:tc>
+                  <a:txBody>
+                    <a:bodyPr/>
+                    <a:lstStyle/>
+                    <a:p>
+                      <a:pPr>
+                        <a:defRPr sz="1200"/>
+                      </a:pPr>
+                      <a:r>
+                        <a:t>B/. 2,000.00</a:t>
+                      </a:r>
+                    </a:p>
+                  </a:txBody>
+                  <a:tcPr/>
+                </a:tc>
+              </a:tr>
+              <a:tr h="360273">
+                <a:tc>
+                  <a:txBody>
+                    <a:bodyPr/>
+                    <a:lstStyle/>
+                    <a:p>
+                      <a:pPr>
+                        <a:defRPr sz="1200" b="1"/>
+                      </a:pPr>
+                      <a:r>
+                        <a:t>Tier</a:t>
+                      </a:r>
+                    </a:p>
+                  </a:txBody>
+                  <a:tcPr/>
+                </a:tc>
+                <a:tc>
+                  <a:txBody>
+                    <a:bodyPr/>
+                    <a:lstStyle/>
+                    <a:p>
+                      <a:pPr>
+                        <a:defRPr sz="1200"/>
+                      </a:pPr>
+                      <a:r>
+                        <a:t>3</a:t>
+                      </a:r>
+                    </a:p>
+                  </a:txBody>
+                  <a:tcPr/>
+                </a:tc>
+              </a:tr>
+              <a:tr h="360273">
+                <a:tc>
+                  <a:txBody>
+                    <a:bodyPr/>
+                    <a:lstStyle/>
+                    <a:p>
+                      <a:pPr>
+                        <a:defRPr sz="1200" b="1"/>
+                      </a:pPr>
+                      <a:r>
+                        <a:t>Mención de Marca</a:t>
+                      </a:r>
+                    </a:p>
+                  </a:txBody>
+                  <a:tcPr/>
+                </a:tc>
+                <a:tc>
+                  <a:txBody>
+                    <a:bodyPr/>
+                    <a:lstStyle/>
+                    <a:p>
+                      <a:pPr>
+                        <a:defRPr sz="1200"/>
+                      </a:pPr>
+                      <a:r>
+                        <a:t>Si</a:t>
+                      </a:r>
+                    </a:p>
+                  </a:txBody>
+                  <a:tcPr/>
+                </a:tc>
+              </a:tr>
+              <a:tr h="360273">
+                <a:tc>
+                  <a:txBody>
+                    <a:bodyPr/>
+                    <a:lstStyle/>
+                    <a:p>
+                      <a:pPr>
+                        <a:defRPr sz="1200" b="1"/>
+                      </a:pPr>
+                      <a:r>
+                        <a:t>Presencia de vocero</a:t>
+                      </a:r>
+                    </a:p>
+                  </a:txBody>
+                  <a:tcPr/>
+                </a:tc>
+                <a:tc>
+                  <a:txBody>
+                    <a:bodyPr/>
+                    <a:lstStyle/>
+                    <a:p>
+                      <a:pPr>
+                        <a:defRPr sz="1200"/>
+                      </a:pPr>
+                      <a:r>
+                        <a:t>Si</a:t>
+                      </a:r>
+                    </a:p>
+                  </a:txBody>
+                  <a:tcPr/>
+                </a:tc>
+              </a:tr>
+              <a:tr h="360273">
+                <a:tc>
+                  <a:txBody>
+                    <a:bodyPr/>
+                    <a:lstStyle/>
+                    <a:p>
+                      <a:pPr>
+                        <a:defRPr sz="1200" b="1"/>
+                      </a:pPr>
+                      <a:r>
+                        <a:t>Quote de vocero</a:t>
+                      </a:r>
+                    </a:p>
+                  </a:txBody>
+                  <a:tcPr/>
+                </a:tc>
+                <a:tc>
+                  <a:txBody>
+                    <a:bodyPr/>
+                    <a:lstStyle/>
+                    <a:p>
+                      <a:pPr>
+                        <a:defRPr sz="1200"/>
+                      </a:pPr>
+                      <a:r>
+                        <a:t>Si</a:t>
+                      </a:r>
+                    </a:p>
+                  </a:txBody>
+                  <a:tcPr/>
+                </a:tc>
+              </a:tr>
+              <a:tr h="360279">
+                <a:tc>
+                  <a:txBody>
+                    <a:bodyPr/>
+                    <a:lstStyle/>
+                    <a:p>
+                      <a:pPr>
+                        <a:defRPr sz="1200" b="1"/>
+                      </a:pPr>
+                      <a:r>
+                        <a:t>Favorabilidad mediática</a:t>
+                      </a:r>
+                    </a:p>
+                  </a:txBody>
+                  <a:tcPr/>
+                </a:tc>
+                <a:tc>
+                  <a:txBody>
+                    <a:bodyPr/>
+                    <a:lstStyle/>
+                    <a:p>
+                      <a:pPr>
+                        <a:defRPr sz="1200"/>
+                      </a:pPr>
+                      <a:r>
+                        <a:t>Positiva</a:t>
+                      </a:r>
+                    </a:p>
+                  </a:txBody>
+                  <a:tcPr/>
+                </a:tc>
+              </a:tr>
+            </a:tbl>
+          </a:graphicData>
+        </a:graphic>
+      </p:graphicFrame>
+      <p:pic>
+        <p:nvPicPr>
+          <p:cNvPr id="6" name="Picture 5" descr="Twitter.png"/>
+          <p:cNvPicPr>
+            <a:picLocks noChangeAspect="1"/>
+          </p:cNvPicPr>
+          <p:nvPr/>
+        </p:nvPicPr>
+        <p:blipFill>
+          <a:blip r:embed="rId2"/>
+          <a:stretch>
+            <a:fillRect/>
+          </a:stretch>
+        </p:blipFill>
+        <p:spPr>
+          <a:xfrm>
+            <a:off x="7498079" y="868680"/>
+            <a:ext cx="521207" cy="521207"/>
+          </a:xfrm>
+          <a:prstGeom prst="rect">
+            <a:avLst/>
+          </a:prstGeom>
+        </p:spPr>
+      </p:pic>
+      <p:pic>
+        <p:nvPicPr>
+          <p:cNvPr id="7" name="Picture 6" descr="PANAMA PACIFICO 12.jpg"/>
+          <p:cNvPicPr>
+            <a:picLocks noChangeAspect="1"/>
+          </p:cNvPicPr>
+          <p:nvPr/>
+        </p:nvPicPr>
+        <p:blipFill>
+          <a:blip r:embed="rId3"/>
+          <a:stretch>
+            <a:fillRect/>
+          </a:stretch>
+        </p:blipFill>
+        <p:spPr>
+          <a:xfrm>
+            <a:off x="228600" y="2103120"/>
+            <a:ext cx="3840480" cy="3840480"/>
+          </a:xfrm>
+          <a:prstGeom prst="rect">
+            <a:avLst/>
+          </a:prstGeom>
+        </p:spPr>
+      </p:pic>
+    </p:spTree>
+  </p:cSld>
+  <p:clrMapOvr>
+    <a:masterClrMapping/>
+  </p:clrMapOvr>
+</p:sld>
+</file>
+
+<file path=ppt/slides/slide22.xml><?xml version="1.0" encoding="utf-8"?>
+<p:sld xmlns:a="http://schemas.openxmlformats.org/drawingml/2006/main" xmlns:p="http://schemas.openxmlformats.org/presentationml/2006/main" xmlns:r="http://schemas.openxmlformats.org/officeDocument/2006/relationships">
+  <p:cSld>
+    <p:spTree>
+      <p:nvGrpSpPr>
+        <p:cNvPr id="1" name=""/>
+        <p:cNvGrpSpPr/>
+        <p:nvPr/>
+      </p:nvGrpSpPr>
+      <p:grpSpPr/>
+      <p:sp>
+        <p:nvSpPr>
+          <p:cNvPr id="2" name="Title 1"/>
+          <p:cNvSpPr>
+            <a:spLocks noGrp="1"/>
+          </p:cNvSpPr>
+          <p:nvPr>
+            <p:ph type="title"/>
+          </p:nvPr>
+        </p:nvSpPr>
+        <p:spPr/>
+        <p:txBody>
+          <a:bodyPr/>
+          <a:lstStyle/>
+          <a:p>
+            <a:pPr algn="ctr">
+              <a:defRPr b="1" sz="3500"/>
+            </a:pPr>
+            <a:r>
+              <a:t>Publicaciones - Twitter</a:t>
+            </a:r>
+          </a:p>
+        </p:txBody>
+      </p:sp>
+      <p:sp>
+        <p:nvSpPr>
+          <p:cNvPr id="3" name="Content Placeholder 2"/>
+          <p:cNvSpPr>
+            <a:spLocks noGrp="1"/>
+          </p:cNvSpPr>
+          <p:nvPr>
+            <p:ph idx="1" sz="half"/>
+          </p:nvPr>
+        </p:nvSpPr>
+        <p:spPr>
+          <a:xfrm>
+            <a:off x="365760" y="1097280"/>
+            <a:ext cx="1828800" cy="274320"/>
+          </a:xfrm>
+        </p:spPr>
+        <p:txBody>
+          <a:bodyPr/>
+          <a:lstStyle/>
+          <a:p>
+            <a:pPr>
+              <a:defRPr b="1" sz="1600"/>
+            </a:pPr>
+            <a:r>
+              <a:t>27 de Noviembre</a:t>
+            </a:r>
+          </a:p>
+        </p:txBody>
+      </p:sp>
+      <p:sp>
+        <p:nvSpPr>
+          <p:cNvPr id="4" name="Content Placeholder 3"/>
+          <p:cNvSpPr>
+            <a:spLocks noGrp="1"/>
+          </p:cNvSpPr>
+          <p:nvPr>
+            <p:ph idx="13" sz="quarter"/>
+          </p:nvPr>
+        </p:nvSpPr>
+        <p:spPr/>
+        <p:txBody>
+          <a:bodyPr/>
+          <a:lstStyle/>
+          <a:p>
+            <a:r>
+              <a:t>https://twitter.com/VozDiasporaSV/status/1332514294655750145?s=20</a:t>
+            </a:r>
+          </a:p>
+        </p:txBody>
+      </p:sp>
+      <p:graphicFrame>
+        <p:nvGraphicFramePr>
+          <p:cNvPr id="5" name="Table 4"/>
+          <p:cNvGraphicFramePr>
+            <a:graphicFrameLocks noGrp="1"/>
+          </p:cNvGraphicFramePr>
+          <p:nvPr/>
+        </p:nvGraphicFramePr>
+        <p:xfrm>
+          <a:off x="5486400" y="1828800"/>
+          <a:ext cx="3291840" cy="3602736"/>
+        </p:xfrm>
+        <a:graphic>
+          <a:graphicData uri="http://schemas.openxmlformats.org/drawingml/2006/table">
+            <a:tbl>
+              <a:tblPr firstRow="1" bandRow="1">
+                <a:tableStyleId>{5C22544A-7EE6-4342-B048-85BDC9FD1C3A}</a:tableStyleId>
+              </a:tblPr>
+              <a:tblGrid>
+                <a:gridCol w="1645920"/>
+                <a:gridCol w="1645920"/>
+              </a:tblGrid>
+              <a:tr h="360273">
+                <a:tc>
+                  <a:txBody>
+                    <a:bodyPr/>
+                    <a:lstStyle/>
+                    <a:p>
+                      <a:pPr>
+                        <a:defRPr sz="1200" b="1"/>
+                      </a:pPr>
+                      <a:r>
+                        <a:t>Medio</a:t>
+                      </a:r>
+                    </a:p>
+                  </a:txBody>
+                  <a:tcPr/>
+                </a:tc>
+                <a:tc>
+                  <a:txBody>
+                    <a:bodyPr/>
+                    <a:lstStyle/>
+                    <a:p>
+                      <a:pPr>
+                        <a:defRPr sz="1200" b="1"/>
+                      </a:pPr>
+                      <a:r>
+                        <a:t>La Voz de la Diáspora</a:t>
+                      </a:r>
+                    </a:p>
+                  </a:txBody>
+                  <a:tcPr/>
+                </a:tc>
+              </a:tr>
+              <a:tr h="360273">
+                <a:tc>
+                  <a:txBody>
+                    <a:bodyPr/>
+                    <a:lstStyle/>
+                    <a:p>
+                      <a:pPr>
+                        <a:defRPr sz="1200" b="1"/>
+                      </a:pPr>
+                      <a:r>
+                        <a:t>Tipo</a:t>
+                      </a:r>
+                    </a:p>
+                  </a:txBody>
+                  <a:tcPr/>
+                </a:tc>
+                <a:tc>
+                  <a:txBody>
+                    <a:bodyPr/>
+                    <a:lstStyle/>
+                    <a:p>
+                      <a:pPr>
+                        <a:defRPr sz="1200"/>
+                      </a:pPr>
+                      <a:r>
+                        <a:t>Twitter</a:t>
+                      </a:r>
+                    </a:p>
+                  </a:txBody>
+                  <a:tcPr/>
+                </a:tc>
+              </a:tr>
+              <a:tr h="360273">
+                <a:tc>
+                  <a:txBody>
+                    <a:bodyPr/>
+                    <a:lstStyle/>
+                    <a:p>
+                      <a:pPr>
+                        <a:defRPr sz="1200" b="1"/>
+                      </a:pPr>
+                      <a:r>
+                        <a:t>Tamaño</a:t>
+                      </a:r>
+                    </a:p>
+                  </a:txBody>
+                  <a:tcPr/>
+                </a:tc>
+                <a:tc>
+                  <a:txBody>
+                    <a:bodyPr/>
+                    <a:lstStyle/>
+                    <a:p>
+                      <a:pPr>
+                        <a:defRPr sz="1200"/>
+                      </a:pPr>
+                      <a:r>
+                        <a:t>1 post</a:t>
+                      </a:r>
+                    </a:p>
+                  </a:txBody>
+                  <a:tcPr/>
+                </a:tc>
+              </a:tr>
+              <a:tr h="360273">
+                <a:tc>
+                  <a:txBody>
+                    <a:bodyPr/>
+                    <a:lstStyle/>
+                    <a:p>
+                      <a:pPr>
+                        <a:defRPr sz="1200" b="1"/>
+                      </a:pPr>
+                      <a:r>
+                        <a:t>Valor Publicitario</a:t>
+                      </a:r>
+                    </a:p>
+                  </a:txBody>
+                  <a:tcPr/>
+                </a:tc>
+                <a:tc>
+                  <a:txBody>
+                    <a:bodyPr/>
+                    <a:lstStyle/>
+                    <a:p>
+                      <a:pPr>
+                        <a:defRPr sz="1200"/>
+                      </a:pPr>
+                      <a:r>
+                        <a:t>B/. 500.00</a:t>
+                      </a:r>
+                    </a:p>
+                  </a:txBody>
+                  <a:tcPr/>
+                </a:tc>
+              </a:tr>
+              <a:tr h="360273">
+                <a:tc>
+                  <a:txBody>
+                    <a:bodyPr/>
+                    <a:lstStyle/>
+                    <a:p>
+                      <a:pPr>
+                        <a:defRPr sz="1200" b="1"/>
+                      </a:pPr>
+                      <a:r>
+                        <a:t>Valor Informativo</a:t>
+                      </a:r>
+                    </a:p>
+                  </a:txBody>
+                  <a:tcPr/>
+                </a:tc>
+                <a:tc>
+                  <a:txBody>
+                    <a:bodyPr/>
+                    <a:lstStyle/>
+                    <a:p>
+                      <a:pPr>
+                        <a:defRPr sz="1200"/>
+                      </a:pPr>
+                      <a:r>
+                        <a:t>B/. 2,000.00</a:t>
+                      </a:r>
+                    </a:p>
+                  </a:txBody>
+                  <a:tcPr/>
+                </a:tc>
+              </a:tr>
+              <a:tr h="360273">
+                <a:tc>
+                  <a:txBody>
+                    <a:bodyPr/>
+                    <a:lstStyle/>
+                    <a:p>
+                      <a:pPr>
+                        <a:defRPr sz="1200" b="1"/>
+                      </a:pPr>
+                      <a:r>
+                        <a:t>Tier</a:t>
+                      </a:r>
+                    </a:p>
+                  </a:txBody>
+                  <a:tcPr/>
+                </a:tc>
+                <a:tc>
+                  <a:txBody>
+                    <a:bodyPr/>
+                    <a:lstStyle/>
+                    <a:p>
+                      <a:pPr>
+                        <a:defRPr sz="1200"/>
+                      </a:pPr>
+                      <a:r>
+                        <a:t>1</a:t>
+                      </a:r>
+                    </a:p>
+                  </a:txBody>
+                  <a:tcPr/>
+                </a:tc>
+              </a:tr>
+              <a:tr h="360273">
+                <a:tc>
+                  <a:txBody>
+                    <a:bodyPr/>
+                    <a:lstStyle/>
+                    <a:p>
+                      <a:pPr>
+                        <a:defRPr sz="1200" b="1"/>
+                      </a:pPr>
+                      <a:r>
+                        <a:t>Mención de Marca</a:t>
+                      </a:r>
+                    </a:p>
+                  </a:txBody>
+                  <a:tcPr/>
+                </a:tc>
+                <a:tc>
+                  <a:txBody>
+                    <a:bodyPr/>
+                    <a:lstStyle/>
+                    <a:p>
+                      <a:pPr>
+                        <a:defRPr sz="1200"/>
+                      </a:pPr>
+                      <a:r>
+                        <a:t>Si</a:t>
+                      </a:r>
+                    </a:p>
+                  </a:txBody>
+                  <a:tcPr/>
+                </a:tc>
+              </a:tr>
+              <a:tr h="360273">
+                <a:tc>
+                  <a:txBody>
+                    <a:bodyPr/>
+                    <a:lstStyle/>
+                    <a:p>
+                      <a:pPr>
+                        <a:defRPr sz="1200" b="1"/>
+                      </a:pPr>
+                      <a:r>
+                        <a:t>Presencia de vocero</a:t>
+                      </a:r>
+                    </a:p>
+                  </a:txBody>
+                  <a:tcPr/>
+                </a:tc>
+                <a:tc>
+                  <a:txBody>
+                    <a:bodyPr/>
+                    <a:lstStyle/>
+                    <a:p>
+                      <a:pPr>
+                        <a:defRPr sz="1200"/>
+                      </a:pPr>
+                      <a:r>
+                        <a:t>Si</a:t>
+                      </a:r>
+                    </a:p>
+                  </a:txBody>
+                  <a:tcPr/>
+                </a:tc>
+              </a:tr>
+              <a:tr h="360273">
+                <a:tc>
+                  <a:txBody>
+                    <a:bodyPr/>
+                    <a:lstStyle/>
+                    <a:p>
+                      <a:pPr>
+                        <a:defRPr sz="1200" b="1"/>
+                      </a:pPr>
+                      <a:r>
+                        <a:t>Quote de vocero</a:t>
+                      </a:r>
+                    </a:p>
+                  </a:txBody>
+                  <a:tcPr/>
+                </a:tc>
+                <a:tc>
+                  <a:txBody>
+                    <a:bodyPr/>
+                    <a:lstStyle/>
+                    <a:p>
+                      <a:pPr>
+                        <a:defRPr sz="1200"/>
+                      </a:pPr>
+                      <a:r>
+                        <a:t>Si</a:t>
+                      </a:r>
+                    </a:p>
+                  </a:txBody>
+                  <a:tcPr/>
+                </a:tc>
+              </a:tr>
+              <a:tr h="360279">
+                <a:tc>
+                  <a:txBody>
+                    <a:bodyPr/>
+                    <a:lstStyle/>
+                    <a:p>
+                      <a:pPr>
+                        <a:defRPr sz="1200" b="1"/>
+                      </a:pPr>
+                      <a:r>
+                        <a:t>Favorabilidad mediática</a:t>
+                      </a:r>
+                    </a:p>
+                  </a:txBody>
+                  <a:tcPr/>
+                </a:tc>
+                <a:tc>
+                  <a:txBody>
+                    <a:bodyPr/>
+                    <a:lstStyle/>
+                    <a:p>
+                      <a:pPr>
+                        <a:defRPr sz="1200"/>
+                      </a:pPr>
+                      <a:r>
+                        <a:t>Positiva</a:t>
+                      </a:r>
+                    </a:p>
+                  </a:txBody>
+                  <a:tcPr/>
+                </a:tc>
+              </a:tr>
+            </a:tbl>
+          </a:graphicData>
+        </a:graphic>
+      </p:graphicFrame>
+      <p:pic>
+        <p:nvPicPr>
+          <p:cNvPr id="6" name="Picture 5" descr="Twitter.png"/>
+          <p:cNvPicPr>
+            <a:picLocks noChangeAspect="1"/>
+          </p:cNvPicPr>
+          <p:nvPr/>
+        </p:nvPicPr>
+        <p:blipFill>
+          <a:blip r:embed="rId2"/>
+          <a:stretch>
+            <a:fillRect/>
+          </a:stretch>
+        </p:blipFill>
+        <p:spPr>
+          <a:xfrm>
+            <a:off x="7498079" y="868680"/>
+            <a:ext cx="521207" cy="521207"/>
+          </a:xfrm>
+          <a:prstGeom prst="rect">
+            <a:avLst/>
+          </a:prstGeom>
+        </p:spPr>
+      </p:pic>
+      <p:pic>
+        <p:nvPicPr>
+          <p:cNvPr id="7" name="Picture 6" descr="PANAMA PACIFICO 15.jpg"/>
+          <p:cNvPicPr>
+            <a:picLocks noChangeAspect="1"/>
+          </p:cNvPicPr>
+          <p:nvPr/>
+        </p:nvPicPr>
+        <p:blipFill>
+          <a:blip r:embed="rId3"/>
+          <a:stretch>
+            <a:fillRect/>
+          </a:stretch>
+        </p:blipFill>
+        <p:spPr>
+          <a:xfrm>
+            <a:off x="228600" y="2103120"/>
+            <a:ext cx="3840480" cy="3840480"/>
+          </a:xfrm>
+          <a:prstGeom prst="rect">
+            <a:avLst/>
+          </a:prstGeom>
+        </p:spPr>
+      </p:pic>
+    </p:spTree>
+  </p:cSld>
+  <p:clrMapOvr>
+    <a:masterClrMapping/>
+  </p:clrMapOvr>
+</p:sld>
+</file>
+
+<file path=ppt/slides/slide23.xml><?xml version="1.0" encoding="utf-8"?>
+<p:sld xmlns:a="http://schemas.openxmlformats.org/drawingml/2006/main" xmlns:p="http://schemas.openxmlformats.org/presentationml/2006/main" xmlns:r="http://schemas.openxmlformats.org/officeDocument/2006/relationships">
+  <p:cSld>
+    <p:spTree>
+      <p:nvGrpSpPr>
+        <p:cNvPr id="1" name=""/>
+        <p:cNvGrpSpPr/>
+        <p:nvPr/>
+      </p:nvGrpSpPr>
+      <p:grpSpPr/>
+      <p:sp>
+        <p:nvSpPr>
+          <p:cNvPr id="2" name="Title 1"/>
+          <p:cNvSpPr>
+            <a:spLocks noGrp="1"/>
+          </p:cNvSpPr>
+          <p:nvPr>
+            <p:ph type="title"/>
+          </p:nvPr>
+        </p:nvSpPr>
+        <p:spPr/>
+        <p:txBody>
+          <a:bodyPr/>
+          <a:lstStyle/>
+          <a:p>
+            <a:pPr algn="ctr">
+              <a:defRPr b="1" sz="3500"/>
+            </a:pPr>
+            <a:r>
+              <a:t>Publicaciones - Twitter</a:t>
+            </a:r>
+          </a:p>
+        </p:txBody>
+      </p:sp>
+      <p:sp>
+        <p:nvSpPr>
+          <p:cNvPr id="3" name="Content Placeholder 2"/>
+          <p:cNvSpPr>
+            <a:spLocks noGrp="1"/>
+          </p:cNvSpPr>
+          <p:nvPr>
+            <p:ph idx="1" sz="half"/>
+          </p:nvPr>
+        </p:nvSpPr>
+        <p:spPr>
+          <a:xfrm>
+            <a:off x="365760" y="1097280"/>
+            <a:ext cx="1828800" cy="274320"/>
+          </a:xfrm>
+        </p:spPr>
+        <p:txBody>
+          <a:bodyPr/>
+          <a:lstStyle/>
+          <a:p>
+            <a:pPr>
+              <a:defRPr b="1" sz="1600"/>
+            </a:pPr>
+            <a:r>
+              <a:t>28 de Noviembre</a:t>
+            </a:r>
+          </a:p>
+        </p:txBody>
+      </p:sp>
+      <p:sp>
+        <p:nvSpPr>
+          <p:cNvPr id="4" name="Content Placeholder 3"/>
+          <p:cNvSpPr>
+            <a:spLocks noGrp="1"/>
+          </p:cNvSpPr>
+          <p:nvPr>
+            <p:ph idx="13" sz="quarter"/>
+          </p:nvPr>
+        </p:nvSpPr>
+        <p:spPr/>
+        <p:txBody>
+          <a:bodyPr/>
+          <a:lstStyle/>
+          <a:p>
+            <a:r>
+              <a:t>https://twitter.com/VozDiasporaSV/status/1332577794606424065?s=20</a:t>
+            </a:r>
+          </a:p>
+        </p:txBody>
+      </p:sp>
+      <p:graphicFrame>
+        <p:nvGraphicFramePr>
+          <p:cNvPr id="5" name="Table 4"/>
+          <p:cNvGraphicFramePr>
+            <a:graphicFrameLocks noGrp="1"/>
+          </p:cNvGraphicFramePr>
+          <p:nvPr/>
+        </p:nvGraphicFramePr>
+        <p:xfrm>
+          <a:off x="5486400" y="1828800"/>
+          <a:ext cx="3291840" cy="3602736"/>
+        </p:xfrm>
+        <a:graphic>
+          <a:graphicData uri="http://schemas.openxmlformats.org/drawingml/2006/table">
+            <a:tbl>
+              <a:tblPr firstRow="1" bandRow="1">
+                <a:tableStyleId>{5C22544A-7EE6-4342-B048-85BDC9FD1C3A}</a:tableStyleId>
+              </a:tblPr>
+              <a:tblGrid>
+                <a:gridCol w="1645920"/>
+                <a:gridCol w="1645920"/>
+              </a:tblGrid>
+              <a:tr h="360273">
+                <a:tc>
+                  <a:txBody>
+                    <a:bodyPr/>
+                    <a:lstStyle/>
+                    <a:p>
+                      <a:pPr>
+                        <a:defRPr sz="1200" b="1"/>
+                      </a:pPr>
+                      <a:r>
+                        <a:t>Medio</a:t>
+                      </a:r>
+                    </a:p>
+                  </a:txBody>
+                  <a:tcPr/>
+                </a:tc>
+                <a:tc>
+                  <a:txBody>
+                    <a:bodyPr/>
+                    <a:lstStyle/>
+                    <a:p>
+                      <a:pPr>
+                        <a:defRPr sz="1200" b="1"/>
+                      </a:pPr>
+                      <a:r>
+                        <a:t>La Voz de la Diáspora</a:t>
+                      </a:r>
+                    </a:p>
+                  </a:txBody>
+                  <a:tcPr/>
+                </a:tc>
+              </a:tr>
+              <a:tr h="360273">
+                <a:tc>
+                  <a:txBody>
+                    <a:bodyPr/>
+                    <a:lstStyle/>
+                    <a:p>
+                      <a:pPr>
+                        <a:defRPr sz="1200" b="1"/>
+                      </a:pPr>
+                      <a:r>
+                        <a:t>Tipo</a:t>
+                      </a:r>
+                    </a:p>
+                  </a:txBody>
+                  <a:tcPr/>
+                </a:tc>
+                <a:tc>
+                  <a:txBody>
+                    <a:bodyPr/>
+                    <a:lstStyle/>
+                    <a:p>
+                      <a:pPr>
+                        <a:defRPr sz="1200"/>
+                      </a:pPr>
+                      <a:r>
+                        <a:t>Twitter</a:t>
+                      </a:r>
+                    </a:p>
+                  </a:txBody>
+                  <a:tcPr/>
+                </a:tc>
+              </a:tr>
+              <a:tr h="360273">
+                <a:tc>
+                  <a:txBody>
+                    <a:bodyPr/>
+                    <a:lstStyle/>
+                    <a:p>
+                      <a:pPr>
+                        <a:defRPr sz="1200" b="1"/>
+                      </a:pPr>
+                      <a:r>
+                        <a:t>Tamaño</a:t>
+                      </a:r>
+                    </a:p>
+                  </a:txBody>
+                  <a:tcPr/>
+                </a:tc>
+                <a:tc>
+                  <a:txBody>
+                    <a:bodyPr/>
+                    <a:lstStyle/>
+                    <a:p>
+                      <a:pPr>
+                        <a:defRPr sz="1200"/>
+                      </a:pPr>
+                      <a:r>
+                        <a:t>1 post</a:t>
+                      </a:r>
+                    </a:p>
+                  </a:txBody>
+                  <a:tcPr/>
+                </a:tc>
+              </a:tr>
+              <a:tr h="360273">
+                <a:tc>
+                  <a:txBody>
+                    <a:bodyPr/>
+                    <a:lstStyle/>
+                    <a:p>
+                      <a:pPr>
+                        <a:defRPr sz="1200" b="1"/>
+                      </a:pPr>
+                      <a:r>
+                        <a:t>Valor Publicitario</a:t>
+                      </a:r>
+                    </a:p>
+                  </a:txBody>
+                  <a:tcPr/>
+                </a:tc>
+                <a:tc>
+                  <a:txBody>
+                    <a:bodyPr/>
+                    <a:lstStyle/>
+                    <a:p>
+                      <a:pPr>
+                        <a:defRPr sz="1200"/>
+                      </a:pPr>
+                      <a:r>
+                        <a:t>B/. 500.00</a:t>
+                      </a:r>
+                    </a:p>
+                  </a:txBody>
+                  <a:tcPr/>
+                </a:tc>
+              </a:tr>
+              <a:tr h="360273">
+                <a:tc>
+                  <a:txBody>
+                    <a:bodyPr/>
+                    <a:lstStyle/>
+                    <a:p>
+                      <a:pPr>
+                        <a:defRPr sz="1200" b="1"/>
+                      </a:pPr>
+                      <a:r>
+                        <a:t>Valor Informativo</a:t>
+                      </a:r>
+                    </a:p>
+                  </a:txBody>
+                  <a:tcPr/>
+                </a:tc>
+                <a:tc>
+                  <a:txBody>
+                    <a:bodyPr/>
+                    <a:lstStyle/>
+                    <a:p>
+                      <a:pPr>
+                        <a:defRPr sz="1200"/>
+                      </a:pPr>
+                      <a:r>
+                        <a:t>B/. 2,000.00</a:t>
+                      </a:r>
+                    </a:p>
+                  </a:txBody>
+                  <a:tcPr/>
+                </a:tc>
+              </a:tr>
+              <a:tr h="360273">
+                <a:tc>
+                  <a:txBody>
+                    <a:bodyPr/>
+                    <a:lstStyle/>
+                    <a:p>
+                      <a:pPr>
+                        <a:defRPr sz="1200" b="1"/>
+                      </a:pPr>
+                      <a:r>
+                        <a:t>Tier</a:t>
+                      </a:r>
+                    </a:p>
+                  </a:txBody>
+                  <a:tcPr/>
+                </a:tc>
+                <a:tc>
+                  <a:txBody>
+                    <a:bodyPr/>
+                    <a:lstStyle/>
+                    <a:p>
+                      <a:pPr>
+                        <a:defRPr sz="1200"/>
+                      </a:pPr>
+                      <a:r>
+                        <a:t>1</a:t>
+                      </a:r>
+                    </a:p>
+                  </a:txBody>
+                  <a:tcPr/>
+                </a:tc>
+              </a:tr>
+              <a:tr h="360273">
+                <a:tc>
+                  <a:txBody>
+                    <a:bodyPr/>
+                    <a:lstStyle/>
+                    <a:p>
+                      <a:pPr>
+                        <a:defRPr sz="1200" b="1"/>
+                      </a:pPr>
+                      <a:r>
+                        <a:t>Mención de Marca</a:t>
+                      </a:r>
+                    </a:p>
+                  </a:txBody>
+                  <a:tcPr/>
+                </a:tc>
+                <a:tc>
+                  <a:txBody>
+                    <a:bodyPr/>
+                    <a:lstStyle/>
+                    <a:p>
+                      <a:pPr>
+                        <a:defRPr sz="1200"/>
+                      </a:pPr>
+                      <a:r>
+                        <a:t>Si</a:t>
+                      </a:r>
+                    </a:p>
+                  </a:txBody>
+                  <a:tcPr/>
+                </a:tc>
+              </a:tr>
+              <a:tr h="360273">
+                <a:tc>
+                  <a:txBody>
+                    <a:bodyPr/>
+                    <a:lstStyle/>
+                    <a:p>
+                      <a:pPr>
+                        <a:defRPr sz="1200" b="1"/>
+                      </a:pPr>
+                      <a:r>
+                        <a:t>Presencia de vocero</a:t>
+                      </a:r>
+                    </a:p>
+                  </a:txBody>
+                  <a:tcPr/>
+                </a:tc>
+                <a:tc>
+                  <a:txBody>
+                    <a:bodyPr/>
+                    <a:lstStyle/>
+                    <a:p>
+                      <a:pPr>
+                        <a:defRPr sz="1200"/>
+                      </a:pPr>
+                      <a:r>
+                        <a:t>Si</a:t>
+                      </a:r>
+                    </a:p>
+                  </a:txBody>
+                  <a:tcPr/>
+                </a:tc>
+              </a:tr>
+              <a:tr h="360273">
+                <a:tc>
+                  <a:txBody>
+                    <a:bodyPr/>
+                    <a:lstStyle/>
+                    <a:p>
+                      <a:pPr>
+                        <a:defRPr sz="1200" b="1"/>
+                      </a:pPr>
+                      <a:r>
+                        <a:t>Quote de vocero</a:t>
+                      </a:r>
+                    </a:p>
+                  </a:txBody>
+                  <a:tcPr/>
+                </a:tc>
+                <a:tc>
+                  <a:txBody>
+                    <a:bodyPr/>
+                    <a:lstStyle/>
+                    <a:p>
+                      <a:pPr>
+                        <a:defRPr sz="1200"/>
+                      </a:pPr>
+                      <a:r>
+                        <a:t>Si</a:t>
+                      </a:r>
+                    </a:p>
+                  </a:txBody>
+                  <a:tcPr/>
+                </a:tc>
+              </a:tr>
+              <a:tr h="360279">
+                <a:tc>
+                  <a:txBody>
+                    <a:bodyPr/>
+                    <a:lstStyle/>
+                    <a:p>
+                      <a:pPr>
+                        <a:defRPr sz="1200" b="1"/>
+                      </a:pPr>
+                      <a:r>
+                        <a:t>Favorabilidad mediática</a:t>
+                      </a:r>
+                    </a:p>
+                  </a:txBody>
+                  <a:tcPr/>
+                </a:tc>
+                <a:tc>
+                  <a:txBody>
+                    <a:bodyPr/>
+                    <a:lstStyle/>
+                    <a:p>
+                      <a:pPr>
+                        <a:defRPr sz="1200"/>
+                      </a:pPr>
+                      <a:r>
+                        <a:t>Positiva</a:t>
+                      </a:r>
+                    </a:p>
+                  </a:txBody>
+                  <a:tcPr/>
+                </a:tc>
+              </a:tr>
+            </a:tbl>
+          </a:graphicData>
+        </a:graphic>
+      </p:graphicFrame>
+      <p:pic>
+        <p:nvPicPr>
+          <p:cNvPr id="6" name="Picture 5" descr="Twitter.png"/>
+          <p:cNvPicPr>
+            <a:picLocks noChangeAspect="1"/>
+          </p:cNvPicPr>
+          <p:nvPr/>
+        </p:nvPicPr>
+        <p:blipFill>
+          <a:blip r:embed="rId2"/>
+          <a:stretch>
+            <a:fillRect/>
+          </a:stretch>
+        </p:blipFill>
+        <p:spPr>
+          <a:xfrm>
+            <a:off x="7498079" y="868680"/>
+            <a:ext cx="521207" cy="521207"/>
+          </a:xfrm>
+          <a:prstGeom prst="rect">
+            <a:avLst/>
+          </a:prstGeom>
+        </p:spPr>
+      </p:pic>
+      <p:pic>
+        <p:nvPicPr>
+          <p:cNvPr id="7" name="Picture 6" descr="PANAMA PACIFICO 17.jpg"/>
           <p:cNvPicPr>
             <a:picLocks noChangeAspect="1"/>
           </p:cNvPicPr>
@@ -4210,7 +10976,7 @@
               <a:defRPr b="1" sz="1600"/>
             </a:pPr>
             <a:r>
-              <a:t>27 de Noviembre</a:t>
+              <a:t>14 de Noviembre</a:t>
             </a:r>
           </a:p>
         </p:txBody>
@@ -4231,7 +10997,7 @@
           <a:lstStyle/>
           <a:p>
             <a:r>
-              <a:t>https://www.panama24horas.com.pa/tecnologia/como-ha-evolucionado-la-seguridad-con-la-inteligencia-artificial/</a:t>
+              <a:t>https://www.panamaamerica.com.pa/opinion/ley-emma-buena-noticia-areas-economicas-especiales-1176011</a:t>
             </a:r>
           </a:p>
         </p:txBody>
@@ -4283,7 +11049,7 @@
                         <a:defRPr sz="1200" b="1"/>
                       </a:pPr>
                       <a:r>
-                        <a:t>Panamá 24 Horas</a:t>
+                        <a:t>Panamá América</a:t>
                       </a:r>
                     </a:p>
                   </a:txBody>
@@ -4379,7 +11145,7 @@
                         <a:defRPr sz="1200"/>
                       </a:pPr>
                       <a:r>
-                        <a:t>B/. 750.00</a:t>
+                        <a:t>B/. 1,000.00</a:t>
                       </a:r>
                     </a:p>
                   </a:txBody>
@@ -4411,7 +11177,7 @@
                         <a:defRPr sz="1200"/>
                       </a:pPr>
                       <a:r>
-                        <a:t>B/. 3,000.00</a:t>
+                        <a:t>B/. 4,000.00</a:t>
                       </a:r>
                     </a:p>
                   </a:txBody>
@@ -4443,7 +11209,7 @@
                         <a:defRPr sz="1200"/>
                       </a:pPr>
                       <a:r>
-                        <a:t>3</a:t>
+                        <a:t>1</a:t>
                       </a:r>
                     </a:p>
                   </a:txBody>
@@ -4598,7 +11364,7 @@
         </p:blipFill>
         <p:spPr>
           <a:xfrm>
-            <a:off x="7498079" y="731520"/>
+            <a:off x="7498079" y="868680"/>
             <a:ext cx="533053" cy="521207"/>
           </a:xfrm>
           <a:prstGeom prst="rect">
@@ -4608,7 +11374,7 @@
       </p:pic>
       <p:pic>
         <p:nvPicPr>
-          <p:cNvPr id="7" name="Picture 6" descr="DAHUA 3.jpg"/>
+          <p:cNvPr id="7" name="Picture 6" descr="PANAMA PACIFICO 4.jpg"/>
           <p:cNvPicPr>
             <a:picLocks noChangeAspect="1"/>
           </p:cNvPicPr>
@@ -4696,7 +11462,7 @@
               <a:defRPr b="1" sz="1600"/>
             </a:pPr>
             <a:r>
-              <a:t>28 de Noviembre</a:t>
+              <a:t>24 de Noviembre</a:t>
             </a:r>
           </a:p>
         </p:txBody>
@@ -4717,7 +11483,7 @@
           <a:lstStyle/>
           <a:p>
             <a:r>
-              <a:t>https://vozdeladiasporanews.com/como-ha-evolucionado-la-seguridad-con-la-inteligencia-artificial/</a:t>
+              <a:t>https://www.elespectadordepanama.com/panama-pacifico-atesora-lugares-emblematicos-que-marcaron-la-historia-del-pais-y-hoy-son-un-lugar-turistico/</a:t>
             </a:r>
           </a:p>
         </p:txBody>
@@ -4769,7 +11535,7 @@
                         <a:defRPr sz="1200" b="1"/>
                       </a:pPr>
                       <a:r>
-                        <a:t>La Voz de la Diáspora</a:t>
+                        <a:t>El Espectador</a:t>
                       </a:r>
                     </a:p>
                   </a:txBody>
@@ -4865,7 +11631,7 @@
                         <a:defRPr sz="1200"/>
                       </a:pPr>
                       <a:r>
-                        <a:t>B/. 1,500.00</a:t>
+                        <a:t>B/. 1,000.00</a:t>
                       </a:r>
                     </a:p>
                   </a:txBody>
@@ -4897,7 +11663,7 @@
                         <a:defRPr sz="1200"/>
                       </a:pPr>
                       <a:r>
-                        <a:t>B/. 6,000.00</a:t>
+                        <a:t>B/. 4,000.00</a:t>
                       </a:r>
                     </a:p>
                   </a:txBody>
@@ -5084,7 +11850,7 @@
         </p:blipFill>
         <p:spPr>
           <a:xfrm>
-            <a:off x="7498079" y="731520"/>
+            <a:off x="7498079" y="868680"/>
             <a:ext cx="533053" cy="521207"/>
           </a:xfrm>
           <a:prstGeom prst="rect">
@@ -5094,7 +11860,7 @@
       </p:pic>
       <p:pic>
         <p:nvPicPr>
-          <p:cNvPr id="7" name="Picture 6" descr="DAHUA 5.jpg"/>
+          <p:cNvPr id="7" name="Picture 6" descr="PANAMA PACIFICO 6.jpg"/>
           <p:cNvPicPr>
             <a:picLocks noChangeAspect="1"/>
           </p:cNvPicPr>
@@ -5182,7 +11948,7 @@
               <a:defRPr b="1" sz="1600"/>
             </a:pPr>
             <a:r>
-              <a:t>29 de Noviembre</a:t>
+              <a:t>24 de Noviembre</a:t>
             </a:r>
           </a:p>
         </p:txBody>
@@ -5203,7 +11969,7 @@
           <a:lstStyle/>
           <a:p>
             <a:r>
-              <a:t>https://www.elespectadordepanama.com/como-ha-evolucionado-la-seguridad-con-la-inteligencia-artificial/</a:t>
+              <a:t>https://www.panama24horas.com.pa/panama/panama-pacifico-atesora-lugares-emblematicos-que-marcaron-la-historia-del-pais-y-hoy-son-un-lugar-turistico/</a:t>
             </a:r>
           </a:p>
         </p:txBody>
@@ -5255,7 +12021,7 @@
                         <a:defRPr sz="1200" b="1"/>
                       </a:pPr>
                       <a:r>
-                        <a:t>El Espectador </a:t>
+                        <a:t>Panamá 24 Horas</a:t>
                       </a:r>
                     </a:p>
                   </a:txBody>
@@ -5351,7 +12117,7 @@
                         <a:defRPr sz="1200"/>
                       </a:pPr>
                       <a:r>
-                        <a:t>B/. 1,000.00</a:t>
+                        <a:t>B/. 750.00</a:t>
                       </a:r>
                     </a:p>
                   </a:txBody>
@@ -5383,7 +12149,7 @@
                         <a:defRPr sz="1200"/>
                       </a:pPr>
                       <a:r>
-                        <a:t>B/. 4,000.00</a:t>
+                        <a:t>B/. 3,000.00</a:t>
                       </a:r>
                     </a:p>
                   </a:txBody>
@@ -5415,7 +12181,7 @@
                         <a:defRPr sz="1200"/>
                       </a:pPr>
                       <a:r>
-                        <a:t>1</a:t>
+                        <a:t>3</a:t>
                       </a:r>
                     </a:p>
                   </a:txBody>
@@ -5570,7 +12336,7 @@
         </p:blipFill>
         <p:spPr>
           <a:xfrm>
-            <a:off x="7498079" y="731520"/>
+            <a:off x="7498079" y="868680"/>
             <a:ext cx="533053" cy="521207"/>
           </a:xfrm>
           <a:prstGeom prst="rect">
@@ -5580,7 +12346,7 @@
       </p:pic>
       <p:pic>
         <p:nvPicPr>
-          <p:cNvPr id="7" name="Picture 6" descr="DAHUA 7.jpg"/>
+          <p:cNvPr id="7" name="Picture 6" descr="PANAMA PACIFICO 7.jpg"/>
           <p:cNvPicPr>
             <a:picLocks noChangeAspect="1"/>
           </p:cNvPicPr>
@@ -5668,7 +12434,7 @@
               <a:defRPr b="1" sz="1600"/>
             </a:pPr>
             <a:r>
-              <a:t>30 de Noviembre</a:t>
+              <a:t>24 de Noviembre</a:t>
             </a:r>
           </a:p>
         </p:txBody>
@@ -5689,7 +12455,7 @@
           <a:lstStyle/>
           <a:p>
             <a:r>
-              <a:t>https://riducaonline.com/2020/11/30/evoluciona-la-seguridad-con-la-inteligencia-artificial/</a:t>
+              <a:t>https://riducaonline.com/2020/11/24/panama-pacifico-atesora-lugares-emblematicos-que-marcaron-la-historia-del-pais/</a:t>
             </a:r>
           </a:p>
         </p:txBody>
@@ -6056,7 +12822,7 @@
         </p:blipFill>
         <p:spPr>
           <a:xfrm>
-            <a:off x="7498079" y="731520"/>
+            <a:off x="7498079" y="868680"/>
             <a:ext cx="533053" cy="521207"/>
           </a:xfrm>
           <a:prstGeom prst="rect">
@@ -6066,7 +12832,7 @@
       </p:pic>
       <p:pic>
         <p:nvPicPr>
-          <p:cNvPr id="7" name="Picture 6" descr="DAHUA 8.jpg"/>
+          <p:cNvPr id="7" name="Picture 6" descr="PANAMA PACIFICO 8.jpg"/>
           <p:cNvPicPr>
             <a:picLocks noChangeAspect="1"/>
           </p:cNvPicPr>
@@ -6125,7 +12891,7 @@
               <a:defRPr b="1" sz="3500"/>
             </a:pPr>
             <a:r>
-              <a:t>Publicaciones - Twitter</a:t>
+              <a:t>Publicaciones - Web</a:t>
             </a:r>
           </a:p>
         </p:txBody>
@@ -6154,7 +12920,7 @@
               <a:defRPr b="1" sz="1600"/>
             </a:pPr>
             <a:r>
-              <a:t>27 de Noviembre</a:t>
+              <a:t>25 de Noviembre</a:t>
             </a:r>
           </a:p>
         </p:txBody>
@@ -6175,7 +12941,7 @@
           <a:lstStyle/>
           <a:p>
             <a:r>
-              <a:t>https://twitter.com/Panama24horas/status/1332363057599815680?s=20</a:t>
+              <a:t>https://xpectativapty.com/2020/11/25/panama-pacifico-atesora-lugares-emblematicos-que-marcaron-la-historia-del-pais-y-hoy-son-un-lugar-turistico/</a:t>
             </a:r>
           </a:p>
         </p:txBody>
@@ -6227,7 +12993,7 @@
                         <a:defRPr sz="1200" b="1"/>
                       </a:pPr>
                       <a:r>
-                        <a:t>Panamá 24 Horas</a:t>
+                        <a:t>Xpectativa PTY</a:t>
                       </a:r>
                     </a:p>
                   </a:txBody>
@@ -6259,7 +13025,7 @@
                         <a:defRPr sz="1200"/>
                       </a:pPr>
                       <a:r>
-                        <a:t>Twitter</a:t>
+                        <a:t>Web</a:t>
                       </a:r>
                     </a:p>
                   </a:txBody>
@@ -6291,7 +13057,7 @@
                         <a:defRPr sz="1200"/>
                       </a:pPr>
                       <a:r>
-                        <a:t>1 post</a:t>
+                        <a:t>1 página</a:t>
                       </a:r>
                     </a:p>
                   </a:txBody>
@@ -6323,7 +13089,7 @@
                         <a:defRPr sz="1200"/>
                       </a:pPr>
                       <a:r>
-                        <a:t>B/. 500.00</a:t>
+                        <a:t>B/. 750.00</a:t>
                       </a:r>
                     </a:p>
                   </a:txBody>
@@ -6355,7 +13121,7 @@
                         <a:defRPr sz="1200"/>
                       </a:pPr>
                       <a:r>
-                        <a:t>B/. 2,000.00</a:t>
+                        <a:t>B/. 3,000.00</a:t>
                       </a:r>
                     </a:p>
                   </a:txBody>
@@ -6528,7 +13294,7 @@
       </p:graphicFrame>
       <p:pic>
         <p:nvPicPr>
-          <p:cNvPr id="6" name="Picture 5" descr="Twitter.png"/>
+          <p:cNvPr id="6" name="Picture 5" descr="Web.png"/>
           <p:cNvPicPr>
             <a:picLocks noChangeAspect="1"/>
           </p:cNvPicPr>
@@ -6542,8 +13308,8 @@
         </p:blipFill>
         <p:spPr>
           <a:xfrm>
-            <a:off x="7498079" y="731520"/>
-            <a:ext cx="521207" cy="521207"/>
+            <a:off x="7498079" y="868680"/>
+            <a:ext cx="533053" cy="521207"/>
           </a:xfrm>
           <a:prstGeom prst="rect">
             <a:avLst/>
@@ -6552,7 +13318,7 @@
       </p:pic>
       <p:pic>
         <p:nvPicPr>
-          <p:cNvPr id="7" name="Picture 6" descr="DAHUA 4.jpg"/>
+          <p:cNvPr id="7" name="Picture 6" descr="PANAMA PACIFICO 9.jpg"/>
           <p:cNvPicPr>
             <a:picLocks noChangeAspect="1"/>
           </p:cNvPicPr>
@@ -6611,7 +13377,7 @@
               <a:defRPr b="1" sz="3500"/>
             </a:pPr>
             <a:r>
-              <a:t>Publicaciones - Twitter</a:t>
+              <a:t>Publicaciones - Web</a:t>
             </a:r>
           </a:p>
         </p:txBody>
@@ -6640,7 +13406,7 @@
               <a:defRPr b="1" sz="1600"/>
             </a:pPr>
             <a:r>
-              <a:t>28 de Noviembre</a:t>
+              <a:t>25 de Noviembre</a:t>
             </a:r>
           </a:p>
         </p:txBody>
@@ -6661,7 +13427,7 @@
           <a:lstStyle/>
           <a:p>
             <a:r>
-              <a:t>https://twitter.com/VozDiasporaSV/status/1332571859808870401?s=20</a:t>
+              <a:t>https://riducaonline.com/2020/11/25/como-hemos-podido-seguir-siendo-competitivos-en-panama-pacifico/</a:t>
             </a:r>
           </a:p>
         </p:txBody>
@@ -6713,7 +13479,7 @@
                         <a:defRPr sz="1200" b="1"/>
                       </a:pPr>
                       <a:r>
-                        <a:t>La Voz de la Diáspora</a:t>
+                        <a:t>Riduca Online</a:t>
                       </a:r>
                     </a:p>
                   </a:txBody>
@@ -6745,7 +13511,7 @@
                         <a:defRPr sz="1200"/>
                       </a:pPr>
                       <a:r>
-                        <a:t>Twitter</a:t>
+                        <a:t>Web</a:t>
                       </a:r>
                     </a:p>
                   </a:txBody>
@@ -6777,7 +13543,7 @@
                         <a:defRPr sz="1200"/>
                       </a:pPr>
                       <a:r>
-                        <a:t>1 post</a:t>
+                        <a:t>1 página</a:t>
                       </a:r>
                     </a:p>
                   </a:txBody>
@@ -6873,7 +13639,7 @@
                         <a:defRPr sz="1200"/>
                       </a:pPr>
                       <a:r>
-                        <a:t>1</a:t>
+                        <a:t>3</a:t>
                       </a:r>
                     </a:p>
                   </a:txBody>
@@ -7014,7 +13780,7 @@
       </p:graphicFrame>
       <p:pic>
         <p:nvPicPr>
-          <p:cNvPr id="6" name="Picture 5" descr="Twitter.png"/>
+          <p:cNvPr id="6" name="Picture 5" descr="Web.png"/>
           <p:cNvPicPr>
             <a:picLocks noChangeAspect="1"/>
           </p:cNvPicPr>
@@ -7028,8 +13794,8 @@
         </p:blipFill>
         <p:spPr>
           <a:xfrm>
-            <a:off x="7498079" y="731520"/>
-            <a:ext cx="521207" cy="521207"/>
+            <a:off x="7498079" y="868680"/>
+            <a:ext cx="533053" cy="521207"/>
           </a:xfrm>
           <a:prstGeom prst="rect">
             <a:avLst/>
@@ -7038,7 +13804,493 @@
       </p:pic>
       <p:pic>
         <p:nvPicPr>
-          <p:cNvPr id="7" name="Picture 6" descr="DAHUA 6.jpg"/>
+          <p:cNvPr id="7" name="Picture 6" descr="PANAMA PACIFICO 10.jpg"/>
+          <p:cNvPicPr>
+            <a:picLocks noChangeAspect="1"/>
+          </p:cNvPicPr>
+          <p:nvPr/>
+        </p:nvPicPr>
+        <p:blipFill>
+          <a:blip r:embed="rId3"/>
+          <a:stretch>
+            <a:fillRect/>
+          </a:stretch>
+        </p:blipFill>
+        <p:spPr>
+          <a:xfrm>
+            <a:off x="228600" y="2103120"/>
+            <a:ext cx="3840480" cy="3840480"/>
+          </a:xfrm>
+          <a:prstGeom prst="rect">
+            <a:avLst/>
+          </a:prstGeom>
+        </p:spPr>
+      </p:pic>
+    </p:spTree>
+  </p:cSld>
+  <p:clrMapOvr>
+    <a:masterClrMapping/>
+  </p:clrMapOvr>
+</p:sld>
+</file>
+
+<file path=ppt/slides/slide9.xml><?xml version="1.0" encoding="utf-8"?>
+<p:sld xmlns:a="http://schemas.openxmlformats.org/drawingml/2006/main" xmlns:p="http://schemas.openxmlformats.org/presentationml/2006/main" xmlns:r="http://schemas.openxmlformats.org/officeDocument/2006/relationships">
+  <p:cSld>
+    <p:spTree>
+      <p:nvGrpSpPr>
+        <p:cNvPr id="1" name=""/>
+        <p:cNvGrpSpPr/>
+        <p:nvPr/>
+      </p:nvGrpSpPr>
+      <p:grpSpPr/>
+      <p:sp>
+        <p:nvSpPr>
+          <p:cNvPr id="2" name="Title 1"/>
+          <p:cNvSpPr>
+            <a:spLocks noGrp="1"/>
+          </p:cNvSpPr>
+          <p:nvPr>
+            <p:ph type="title"/>
+          </p:nvPr>
+        </p:nvSpPr>
+        <p:spPr/>
+        <p:txBody>
+          <a:bodyPr/>
+          <a:lstStyle/>
+          <a:p>
+            <a:pPr algn="ctr">
+              <a:defRPr b="1" sz="3500"/>
+            </a:pPr>
+            <a:r>
+              <a:t>Publicaciones - Web</a:t>
+            </a:r>
+          </a:p>
+        </p:txBody>
+      </p:sp>
+      <p:sp>
+        <p:nvSpPr>
+          <p:cNvPr id="3" name="Content Placeholder 2"/>
+          <p:cNvSpPr>
+            <a:spLocks noGrp="1"/>
+          </p:cNvSpPr>
+          <p:nvPr>
+            <p:ph idx="1" sz="half"/>
+          </p:nvPr>
+        </p:nvSpPr>
+        <p:spPr>
+          <a:xfrm>
+            <a:off x="365760" y="1097280"/>
+            <a:ext cx="1828800" cy="274320"/>
+          </a:xfrm>
+        </p:spPr>
+        <p:txBody>
+          <a:bodyPr/>
+          <a:lstStyle/>
+          <a:p>
+            <a:pPr>
+              <a:defRPr b="1" sz="1600"/>
+            </a:pPr>
+            <a:r>
+              <a:t>26 de Noviembre</a:t>
+            </a:r>
+          </a:p>
+        </p:txBody>
+      </p:sp>
+      <p:sp>
+        <p:nvSpPr>
+          <p:cNvPr id="4" name="Content Placeholder 3"/>
+          <p:cNvSpPr>
+            <a:spLocks noGrp="1"/>
+          </p:cNvSpPr>
+          <p:nvPr>
+            <p:ph idx="13" sz="quarter"/>
+          </p:nvPr>
+        </p:nvSpPr>
+        <p:spPr/>
+        <p:txBody>
+          <a:bodyPr/>
+          <a:lstStyle/>
+          <a:p>
+            <a:r>
+              <a:t>https://www.panama24horas.com.pa/panama/panama-pacifico-la-comunidad-del-emprendimiento-y-la-creatividad/</a:t>
+            </a:r>
+          </a:p>
+        </p:txBody>
+      </p:sp>
+      <p:graphicFrame>
+        <p:nvGraphicFramePr>
+          <p:cNvPr id="5" name="Table 4"/>
+          <p:cNvGraphicFramePr>
+            <a:graphicFrameLocks noGrp="1"/>
+          </p:cNvGraphicFramePr>
+          <p:nvPr/>
+        </p:nvGraphicFramePr>
+        <p:xfrm>
+          <a:off x="5486400" y="1828800"/>
+          <a:ext cx="3291840" cy="3602736"/>
+        </p:xfrm>
+        <a:graphic>
+          <a:graphicData uri="http://schemas.openxmlformats.org/drawingml/2006/table">
+            <a:tbl>
+              <a:tblPr firstRow="1" bandRow="1">
+                <a:tableStyleId>{5C22544A-7EE6-4342-B048-85BDC9FD1C3A}</a:tableStyleId>
+              </a:tblPr>
+              <a:tblGrid>
+                <a:gridCol w="1645920"/>
+                <a:gridCol w="1645920"/>
+              </a:tblGrid>
+              <a:tr h="360273">
+                <a:tc>
+                  <a:txBody>
+                    <a:bodyPr/>
+                    <a:lstStyle/>
+                    <a:p>
+                      <a:pPr>
+                        <a:defRPr sz="1200" b="1"/>
+                      </a:pPr>
+                      <a:r>
+                        <a:t>Medio</a:t>
+                      </a:r>
+                    </a:p>
+                  </a:txBody>
+                  <a:tcPr/>
+                </a:tc>
+                <a:tc>
+                  <a:txBody>
+                    <a:bodyPr/>
+                    <a:lstStyle/>
+                    <a:p>
+                      <a:pPr>
+                        <a:defRPr sz="1200" b="1"/>
+                      </a:pPr>
+                      <a:r>
+                        <a:t>Panamá 24 Horas</a:t>
+                      </a:r>
+                    </a:p>
+                  </a:txBody>
+                  <a:tcPr/>
+                </a:tc>
+              </a:tr>
+              <a:tr h="360273">
+                <a:tc>
+                  <a:txBody>
+                    <a:bodyPr/>
+                    <a:lstStyle/>
+                    <a:p>
+                      <a:pPr>
+                        <a:defRPr sz="1200" b="1"/>
+                      </a:pPr>
+                      <a:r>
+                        <a:t>Tipo</a:t>
+                      </a:r>
+                    </a:p>
+                  </a:txBody>
+                  <a:tcPr/>
+                </a:tc>
+                <a:tc>
+                  <a:txBody>
+                    <a:bodyPr/>
+                    <a:lstStyle/>
+                    <a:p>
+                      <a:pPr>
+                        <a:defRPr sz="1200"/>
+                      </a:pPr>
+                      <a:r>
+                        <a:t>Web</a:t>
+                      </a:r>
+                    </a:p>
+                  </a:txBody>
+                  <a:tcPr/>
+                </a:tc>
+              </a:tr>
+              <a:tr h="360273">
+                <a:tc>
+                  <a:txBody>
+                    <a:bodyPr/>
+                    <a:lstStyle/>
+                    <a:p>
+                      <a:pPr>
+                        <a:defRPr sz="1200" b="1"/>
+                      </a:pPr>
+                      <a:r>
+                        <a:t>Tamaño</a:t>
+                      </a:r>
+                    </a:p>
+                  </a:txBody>
+                  <a:tcPr/>
+                </a:tc>
+                <a:tc>
+                  <a:txBody>
+                    <a:bodyPr/>
+                    <a:lstStyle/>
+                    <a:p>
+                      <a:pPr>
+                        <a:defRPr sz="1200"/>
+                      </a:pPr>
+                      <a:r>
+                        <a:t>1 página</a:t>
+                      </a:r>
+                    </a:p>
+                  </a:txBody>
+                  <a:tcPr/>
+                </a:tc>
+              </a:tr>
+              <a:tr h="360273">
+                <a:tc>
+                  <a:txBody>
+                    <a:bodyPr/>
+                    <a:lstStyle/>
+                    <a:p>
+                      <a:pPr>
+                        <a:defRPr sz="1200" b="1"/>
+                      </a:pPr>
+                      <a:r>
+                        <a:t>Valor Publicitario</a:t>
+                      </a:r>
+                    </a:p>
+                  </a:txBody>
+                  <a:tcPr/>
+                </a:tc>
+                <a:tc>
+                  <a:txBody>
+                    <a:bodyPr/>
+                    <a:lstStyle/>
+                    <a:p>
+                      <a:pPr>
+                        <a:defRPr sz="1200"/>
+                      </a:pPr>
+                      <a:r>
+                        <a:t>B/. 750.00</a:t>
+                      </a:r>
+                    </a:p>
+                  </a:txBody>
+                  <a:tcPr/>
+                </a:tc>
+              </a:tr>
+              <a:tr h="360273">
+                <a:tc>
+                  <a:txBody>
+                    <a:bodyPr/>
+                    <a:lstStyle/>
+                    <a:p>
+                      <a:pPr>
+                        <a:defRPr sz="1200" b="1"/>
+                      </a:pPr>
+                      <a:r>
+                        <a:t>Valor Informativo</a:t>
+                      </a:r>
+                    </a:p>
+                  </a:txBody>
+                  <a:tcPr/>
+                </a:tc>
+                <a:tc>
+                  <a:txBody>
+                    <a:bodyPr/>
+                    <a:lstStyle/>
+                    <a:p>
+                      <a:pPr>
+                        <a:defRPr sz="1200"/>
+                      </a:pPr>
+                      <a:r>
+                        <a:t>B/. 3,000.00</a:t>
+                      </a:r>
+                    </a:p>
+                  </a:txBody>
+                  <a:tcPr/>
+                </a:tc>
+              </a:tr>
+              <a:tr h="360273">
+                <a:tc>
+                  <a:txBody>
+                    <a:bodyPr/>
+                    <a:lstStyle/>
+                    <a:p>
+                      <a:pPr>
+                        <a:defRPr sz="1200" b="1"/>
+                      </a:pPr>
+                      <a:r>
+                        <a:t>Tier</a:t>
+                      </a:r>
+                    </a:p>
+                  </a:txBody>
+                  <a:tcPr/>
+                </a:tc>
+                <a:tc>
+                  <a:txBody>
+                    <a:bodyPr/>
+                    <a:lstStyle/>
+                    <a:p>
+                      <a:pPr>
+                        <a:defRPr sz="1200"/>
+                      </a:pPr>
+                      <a:r>
+                        <a:t>3</a:t>
+                      </a:r>
+                    </a:p>
+                  </a:txBody>
+                  <a:tcPr/>
+                </a:tc>
+              </a:tr>
+              <a:tr h="360273">
+                <a:tc>
+                  <a:txBody>
+                    <a:bodyPr/>
+                    <a:lstStyle/>
+                    <a:p>
+                      <a:pPr>
+                        <a:defRPr sz="1200" b="1"/>
+                      </a:pPr>
+                      <a:r>
+                        <a:t>Mención de Marca</a:t>
+                      </a:r>
+                    </a:p>
+                  </a:txBody>
+                  <a:tcPr/>
+                </a:tc>
+                <a:tc>
+                  <a:txBody>
+                    <a:bodyPr/>
+                    <a:lstStyle/>
+                    <a:p>
+                      <a:pPr>
+                        <a:defRPr sz="1200"/>
+                      </a:pPr>
+                      <a:r>
+                        <a:t>Si</a:t>
+                      </a:r>
+                    </a:p>
+                  </a:txBody>
+                  <a:tcPr/>
+                </a:tc>
+              </a:tr>
+              <a:tr h="360273">
+                <a:tc>
+                  <a:txBody>
+                    <a:bodyPr/>
+                    <a:lstStyle/>
+                    <a:p>
+                      <a:pPr>
+                        <a:defRPr sz="1200" b="1"/>
+                      </a:pPr>
+                      <a:r>
+                        <a:t>Presencia de vocero</a:t>
+                      </a:r>
+                    </a:p>
+                  </a:txBody>
+                  <a:tcPr/>
+                </a:tc>
+                <a:tc>
+                  <a:txBody>
+                    <a:bodyPr/>
+                    <a:lstStyle/>
+                    <a:p>
+                      <a:pPr>
+                        <a:defRPr sz="1200"/>
+                      </a:pPr>
+                      <a:r>
+                        <a:t>Si</a:t>
+                      </a:r>
+                    </a:p>
+                  </a:txBody>
+                  <a:tcPr/>
+                </a:tc>
+              </a:tr>
+              <a:tr h="360273">
+                <a:tc>
+                  <a:txBody>
+                    <a:bodyPr/>
+                    <a:lstStyle/>
+                    <a:p>
+                      <a:pPr>
+                        <a:defRPr sz="1200" b="1"/>
+                      </a:pPr>
+                      <a:r>
+                        <a:t>Quote de vocero</a:t>
+                      </a:r>
+                    </a:p>
+                  </a:txBody>
+                  <a:tcPr/>
+                </a:tc>
+                <a:tc>
+                  <a:txBody>
+                    <a:bodyPr/>
+                    <a:lstStyle/>
+                    <a:p>
+                      <a:pPr>
+                        <a:defRPr sz="1200"/>
+                      </a:pPr>
+                      <a:r>
+                        <a:t>Si</a:t>
+                      </a:r>
+                    </a:p>
+                  </a:txBody>
+                  <a:tcPr/>
+                </a:tc>
+              </a:tr>
+              <a:tr h="360279">
+                <a:tc>
+                  <a:txBody>
+                    <a:bodyPr/>
+                    <a:lstStyle/>
+                    <a:p>
+                      <a:pPr>
+                        <a:defRPr sz="1200" b="1"/>
+                      </a:pPr>
+                      <a:r>
+                        <a:t>Favorabilidad mediática</a:t>
+                      </a:r>
+                    </a:p>
+                  </a:txBody>
+                  <a:tcPr/>
+                </a:tc>
+                <a:tc>
+                  <a:txBody>
+                    <a:bodyPr/>
+                    <a:lstStyle/>
+                    <a:p>
+                      <a:pPr>
+                        <a:defRPr sz="1200"/>
+                      </a:pPr>
+                      <a:r>
+                        <a:t>Positiva</a:t>
+                      </a:r>
+                    </a:p>
+                  </a:txBody>
+                  <a:tcPr/>
+                </a:tc>
+              </a:tr>
+            </a:tbl>
+          </a:graphicData>
+        </a:graphic>
+      </p:graphicFrame>
+      <p:pic>
+        <p:nvPicPr>
+          <p:cNvPr id="6" name="Picture 5" descr="Web.png"/>
+          <p:cNvPicPr>
+            <a:picLocks noChangeAspect="1"/>
+          </p:cNvPicPr>
+          <p:nvPr/>
+        </p:nvPicPr>
+        <p:blipFill>
+          <a:blip r:embed="rId2"/>
+          <a:stretch>
+            <a:fillRect/>
+          </a:stretch>
+        </p:blipFill>
+        <p:spPr>
+          <a:xfrm>
+            <a:off x="7498079" y="868680"/>
+            <a:ext cx="533053" cy="521207"/>
+          </a:xfrm>
+          <a:prstGeom prst="rect">
+            <a:avLst/>
+          </a:prstGeom>
+        </p:spPr>
+      </p:pic>
+      <p:pic>
+        <p:nvPicPr>
+          <p:cNvPr id="7" name="Picture 6" descr="PANAMA PACIFICO 11.jpg"/>
           <p:cNvPicPr>
             <a:picLocks noChangeAspect="1"/>
           </p:cNvPicPr>
@@ -7109,22 +14361,22 @@
         <a:srgbClr val="954F72"/>
       </a:folHlink>
     </a:clrScheme>
-    <a:fontScheme name="Arial">
+    <a:fontScheme name="Tema de Office">
       <a:majorFont>
-        <a:latin typeface="Arial" panose="020B0604020202020204"/>
+        <a:latin typeface="Calibri Light" panose="020F0302020204030204"/>
         <a:ea typeface=""/>
         <a:cs typeface=""/>
-        <a:font script="Jpan" typeface="ＭＳ Ｐゴシック"/>
-        <a:font script="Hang" typeface="굴림"/>
-        <a:font script="Hans" typeface="黑体"/>
-        <a:font script="Hant" typeface="微軟正黑體"/>
-        <a:font script="Arab" typeface="Arial"/>
-        <a:font script="Hebr" typeface="Arial"/>
-        <a:font script="Thai" typeface="Cordia New"/>
+        <a:font script="Jpan" typeface="游ゴシック Light"/>
+        <a:font script="Hang" typeface="맑은 고딕"/>
+        <a:font script="Hans" typeface="等线 Light"/>
+        <a:font script="Hant" typeface="新細明體"/>
+        <a:font script="Arab" typeface="Times New Roman"/>
+        <a:font script="Hebr" typeface="Times New Roman"/>
+        <a:font script="Thai" typeface="Angsana New"/>
         <a:font script="Ethi" typeface="Nyala"/>
         <a:font script="Beng" typeface="Vrinda"/>
         <a:font script="Gujr" typeface="Shruti"/>
-        <a:font script="Khmr" typeface="DaunPenh"/>
+        <a:font script="Khmr" typeface="MoolBoran"/>
         <a:font script="Knda" typeface="Tunga"/>
         <a:font script="Guru" typeface="Raavi"/>
         <a:font script="Cans" typeface="Euphemia"/>
@@ -7141,18 +14393,18 @@
         <a:font script="Laoo" typeface="DokChampa"/>
         <a:font script="Sinh" typeface="Iskoola Pota"/>
         <a:font script="Mong" typeface="Mongolian Baiti"/>
-        <a:font script="Viet" typeface="Arial"/>
+        <a:font script="Viet" typeface="Times New Roman"/>
         <a:font script="Uigh" typeface="Microsoft Uighur"/>
         <a:font script="Geor" typeface="Sylfaen"/>
       </a:majorFont>
       <a:minorFont>
-        <a:latin typeface="Arial" panose="020B0604020202020204"/>
+        <a:latin typeface="Calibri" panose="020F0502020204030204"/>
         <a:ea typeface=""/>
         <a:cs typeface=""/>
-        <a:font script="Jpan" typeface="ＭＳ Ｐゴシック"/>
-        <a:font script="Hang" typeface="굴림"/>
-        <a:font script="Hans" typeface="黑体"/>
-        <a:font script="Hant" typeface="微軟正黑體"/>
+        <a:font script="Jpan" typeface="游ゴシック"/>
+        <a:font script="Hang" typeface="맑은 고딕"/>
+        <a:font script="Hans" typeface="等线"/>
+        <a:font script="Hant" typeface="新細明體"/>
         <a:font script="Arab" typeface="Arial"/>
         <a:font script="Hebr" typeface="Arial"/>
         <a:font script="Thai" typeface="Cordia New"/>
@@ -7375,9 +14627,9 @@
         <a:latin typeface="Calibri Light" panose="020F0302020204030204"/>
         <a:ea typeface=""/>
         <a:cs typeface=""/>
-        <a:font script="Jpan" typeface="游ゴシック Light"/>
+        <a:font script="Jpan" typeface="Yu Gothic Light"/>
         <a:font script="Hang" typeface="맑은 고딕"/>
-        <a:font script="Hans" typeface="等线 Light"/>
+        <a:font script="Hans" typeface="DengXian Light"/>
         <a:font script="Hant" typeface="新細明體"/>
         <a:font script="Arab" typeface="Times New Roman"/>
         <a:font script="Hebr" typeface="Times New Roman"/>
@@ -7405,31 +14657,14 @@
         <a:font script="Viet" typeface="Times New Roman"/>
         <a:font script="Uigh" typeface="Microsoft Uighur"/>
         <a:font script="Geor" typeface="Sylfaen"/>
-        <a:font script="Armn" typeface="Arial"/>
-        <a:font script="Bugi" typeface="Leelawadee UI"/>
-        <a:font script="Bopo" typeface="Microsoft JhengHei"/>
-        <a:font script="Java" typeface="Javanese Text"/>
-        <a:font script="Lisu" typeface="Segoe UI"/>
-        <a:font script="Mymr" typeface="Myanmar Text"/>
-        <a:font script="Nkoo" typeface="Ebrima"/>
-        <a:font script="Olck" typeface="Nirmala UI"/>
-        <a:font script="Osma" typeface="Ebrima"/>
-        <a:font script="Phag" typeface="Phagspa"/>
-        <a:font script="Syrn" typeface="Estrangelo Edessa"/>
-        <a:font script="Syrj" typeface="Estrangelo Edessa"/>
-        <a:font script="Syre" typeface="Estrangelo Edessa"/>
-        <a:font script="Sora" typeface="Nirmala UI"/>
-        <a:font script="Tale" typeface="Microsoft Tai Le"/>
-        <a:font script="Talu" typeface="Microsoft New Tai Lue"/>
-        <a:font script="Tfng" typeface="Ebrima"/>
       </a:majorFont>
       <a:minorFont>
         <a:latin typeface="Calibri" panose="020F0502020204030204"/>
         <a:ea typeface=""/>
         <a:cs typeface=""/>
-        <a:font script="Jpan" typeface="游ゴシック"/>
+        <a:font script="Jpan" typeface="Yu Gothic"/>
         <a:font script="Hang" typeface="맑은 고딕"/>
-        <a:font script="Hans" typeface="等线"/>
+        <a:font script="Hans" typeface="DengXian"/>
         <a:font script="Hant" typeface="新細明體"/>
         <a:font script="Arab" typeface="Arial"/>
         <a:font script="Hebr" typeface="Arial"/>
@@ -7457,23 +14692,6 @@
         <a:font script="Viet" typeface="Arial"/>
         <a:font script="Uigh" typeface="Microsoft Uighur"/>
         <a:font script="Geor" typeface="Sylfaen"/>
-        <a:font script="Armn" typeface="Arial"/>
-        <a:font script="Bugi" typeface="Leelawadee UI"/>
-        <a:font script="Bopo" typeface="Microsoft JhengHei"/>
-        <a:font script="Java" typeface="Javanese Text"/>
-        <a:font script="Lisu" typeface="Segoe UI"/>
-        <a:font script="Mymr" typeface="Myanmar Text"/>
-        <a:font script="Nkoo" typeface="Ebrima"/>
-        <a:font script="Olck" typeface="Nirmala UI"/>
-        <a:font script="Osma" typeface="Ebrima"/>
-        <a:font script="Phag" typeface="Phagspa"/>
-        <a:font script="Syrn" typeface="Estrangelo Edessa"/>
-        <a:font script="Syrj" typeface="Estrangelo Edessa"/>
-        <a:font script="Syre" typeface="Estrangelo Edessa"/>
-        <a:font script="Sora" typeface="Nirmala UI"/>
-        <a:font script="Tale" typeface="Microsoft Tai Le"/>
-        <a:font script="Talu" typeface="Microsoft New Tai Lue"/>
-        <a:font script="Tfng" typeface="Ebrima"/>
       </a:minorFont>
     </a:fontScheme>
     <a:fmtScheme name="Office">
